--- a/docs/qcert-poster.pptx
+++ b/docs/qcert-poster.pptx
@@ -243,7 +243,7 @@
           <a:p>
             <a:fld id="{6D4E502F-106A-5644-822E-51330CCC29FE}" type="datetimeFigureOut">
               <a:rPr lang="en-US" smtClean="0"/>
-              <a:t>4/11/17</a:t>
+              <a:t>4/12/17</a:t>
             </a:fld>
             <a:endParaRPr lang="en-US" dirty="0"/>
           </a:p>
@@ -413,7 +413,7 @@
           <a:p>
             <a:fld id="{6D4E502F-106A-5644-822E-51330CCC29FE}" type="datetimeFigureOut">
               <a:rPr lang="en-US" smtClean="0"/>
-              <a:t>4/11/17</a:t>
+              <a:t>4/12/17</a:t>
             </a:fld>
             <a:endParaRPr lang="en-US" dirty="0"/>
           </a:p>
@@ -593,7 +593,7 @@
           <a:p>
             <a:fld id="{6D4E502F-106A-5644-822E-51330CCC29FE}" type="datetimeFigureOut">
               <a:rPr lang="en-US" smtClean="0"/>
-              <a:t>4/11/17</a:t>
+              <a:t>4/12/17</a:t>
             </a:fld>
             <a:endParaRPr lang="en-US" dirty="0"/>
           </a:p>
@@ -699,7 +699,7 @@
           <a:p>
             <a:fld id="{6D4E502F-106A-5644-822E-51330CCC29FE}" type="datetimeFigureOut">
               <a:rPr lang="en-US" smtClean="0"/>
-              <a:t>4/11/17</a:t>
+              <a:t>4/12/17</a:t>
             </a:fld>
             <a:endParaRPr lang="en-US" dirty="0"/>
           </a:p>
@@ -943,7 +943,7 @@
           <a:p>
             <a:fld id="{6D4E502F-106A-5644-822E-51330CCC29FE}" type="datetimeFigureOut">
               <a:rPr lang="en-US" smtClean="0"/>
-              <a:t>4/11/17</a:t>
+              <a:t>4/12/17</a:t>
             </a:fld>
             <a:endParaRPr lang="en-US" dirty="0"/>
           </a:p>
@@ -1175,7 +1175,7 @@
           <a:p>
             <a:fld id="{6D4E502F-106A-5644-822E-51330CCC29FE}" type="datetimeFigureOut">
               <a:rPr lang="en-US" smtClean="0"/>
-              <a:t>4/11/17</a:t>
+              <a:t>4/12/17</a:t>
             </a:fld>
             <a:endParaRPr lang="en-US" dirty="0"/>
           </a:p>
@@ -1542,7 +1542,7 @@
           <a:p>
             <a:fld id="{6D4E502F-106A-5644-822E-51330CCC29FE}" type="datetimeFigureOut">
               <a:rPr lang="en-US" smtClean="0"/>
-              <a:t>4/11/17</a:t>
+              <a:t>4/12/17</a:t>
             </a:fld>
             <a:endParaRPr lang="en-US" dirty="0"/>
           </a:p>
@@ -1660,7 +1660,7 @@
           <a:p>
             <a:fld id="{6D4E502F-106A-5644-822E-51330CCC29FE}" type="datetimeFigureOut">
               <a:rPr lang="en-US" smtClean="0"/>
-              <a:t>4/11/17</a:t>
+              <a:t>4/12/17</a:t>
             </a:fld>
             <a:endParaRPr lang="en-US" dirty="0"/>
           </a:p>
@@ -1755,7 +1755,7 @@
           <a:p>
             <a:fld id="{6D4E502F-106A-5644-822E-51330CCC29FE}" type="datetimeFigureOut">
               <a:rPr lang="en-US" smtClean="0"/>
-              <a:t>4/11/17</a:t>
+              <a:t>4/12/17</a:t>
             </a:fld>
             <a:endParaRPr lang="en-US" dirty="0"/>
           </a:p>
@@ -2032,7 +2032,7 @@
           <a:p>
             <a:fld id="{6D4E502F-106A-5644-822E-51330CCC29FE}" type="datetimeFigureOut">
               <a:rPr lang="en-US" smtClean="0"/>
-              <a:t>4/11/17</a:t>
+              <a:t>4/12/17</a:t>
             </a:fld>
             <a:endParaRPr lang="en-US" dirty="0"/>
           </a:p>
@@ -2289,7 +2289,7 @@
           <a:p>
             <a:fld id="{6D4E502F-106A-5644-822E-51330CCC29FE}" type="datetimeFigureOut">
               <a:rPr lang="en-US" smtClean="0"/>
-              <a:t>4/11/17</a:t>
+              <a:t>4/12/17</a:t>
             </a:fld>
             <a:endParaRPr lang="en-US" dirty="0"/>
           </a:p>
@@ -2502,7 +2502,7 @@
           <a:p>
             <a:fld id="{6D4E502F-106A-5644-822E-51330CCC29FE}" type="datetimeFigureOut">
               <a:rPr lang="en-US" smtClean="0"/>
-              <a:t>4/11/17</a:t>
+              <a:t>4/12/17</a:t>
             </a:fld>
             <a:endParaRPr lang="en-US" dirty="0"/>
           </a:p>
@@ -3691,20 +3691,7 @@
                     <a:ea typeface="Consolas" charset="0"/>
                     <a:cs typeface="Consolas" charset="0"/>
                   </a:rPr>
-                  <a:t>(*</a:t>
-                </a:r>
-                <a:r>
-                  <a:rPr lang="en-US" sz="2541" dirty="0" smtClean="0">
-                    <a:solidFill>
-                      <a:schemeClr val="accent6">
-                        <a:lumMod val="75000"/>
-                      </a:schemeClr>
-                    </a:solidFill>
-                    <a:latin typeface="Consolas" charset="0"/>
-                    <a:ea typeface="Consolas" charset="0"/>
-                    <a:cs typeface="Consolas" charset="0"/>
-                  </a:rPr>
-                  <a:t> Selection distributes over union *)</a:t>
+                  <a:t>(* Selection distributes over union *)</a:t>
                 </a:r>
               </a:p>
               <a:p>
@@ -4292,33 +4279,7 @@
                     <a:ea typeface="Consolas" charset="0"/>
                     <a:cs typeface="Consolas" charset="0"/>
                   </a:rPr>
-                  <a:t>(*</a:t>
-                </a:r>
-                <a:r>
-                  <a:rPr lang="en-US" sz="2541" dirty="0" smtClean="0">
-                    <a:solidFill>
-                      <a:schemeClr val="accent6">
-                        <a:lumMod val="75000"/>
-                      </a:schemeClr>
-                    </a:solidFill>
-                    <a:latin typeface="Consolas" charset="0"/>
-                    <a:ea typeface="Consolas" charset="0"/>
-                    <a:cs typeface="Consolas" charset="0"/>
-                  </a:rPr>
-                  <a:t> </a:t>
-                </a:r>
-                <a:r>
-                  <a:rPr lang="en-US" sz="2541" dirty="0" smtClean="0">
-                    <a:solidFill>
-                      <a:schemeClr val="accent6">
-                        <a:lumMod val="75000"/>
-                      </a:schemeClr>
-                    </a:solidFill>
-                    <a:latin typeface="Consolas" charset="0"/>
-                    <a:ea typeface="Consolas" charset="0"/>
-                    <a:cs typeface="Consolas" charset="0"/>
-                  </a:rPr>
-                  <a:t>Selection over union push-down *)</a:t>
+                  <a:t>(* Selection over union push-down *)</a:t>
                 </a:r>
                 <a:endParaRPr lang="en-US" sz="2541" dirty="0">
                   <a:latin typeface="Consolas" charset="0"/>
@@ -4508,7 +4469,7 @@
                   <a:t>     </a:t>
                 </a:r>
                 <a:r>
-                  <a:rPr lang="en-US" sz="2541" dirty="0" err="1" smtClean="0">
+                  <a:rPr lang="en-US" sz="2541" err="1" smtClean="0">
                     <a:latin typeface="Consolas" charset="0"/>
                     <a:ea typeface="Consolas" charset="0"/>
                     <a:cs typeface="Consolas" charset="0"/>
@@ -4516,7 +4477,7 @@
                   <a:t>NRAEnvBinop</a:t>
                 </a:r>
                 <a:r>
-                  <a:rPr lang="en-US" sz="2541" dirty="0" smtClean="0">
+                  <a:rPr lang="en-US" sz="2541" smtClean="0">
                     <a:latin typeface="Consolas" charset="0"/>
                     <a:ea typeface="Consolas" charset="0"/>
                     <a:cs typeface="Consolas" charset="0"/>
@@ -4524,12 +4485,12 @@
                   <a:t> </a:t>
                 </a:r>
                 <a:r>
-                  <a:rPr lang="en-US" sz="2541" dirty="0" err="1" smtClean="0">
-                    <a:latin typeface="Consolas" charset="0"/>
-                    <a:ea typeface="Consolas" charset="0"/>
-                    <a:cs typeface="Consolas" charset="0"/>
-                  </a:rPr>
-                  <a:t>Aunion</a:t>
+                  <a:rPr lang="en-US" sz="2541" smtClean="0">
+                    <a:latin typeface="Consolas" charset="0"/>
+                    <a:ea typeface="Consolas" charset="0"/>
+                    <a:cs typeface="Consolas" charset="0"/>
+                  </a:rPr>
+                  <a:t>AUnion</a:t>
                 </a:r>
                 <a:endParaRPr lang="en-US" sz="2541" dirty="0" smtClean="0">
                   <a:latin typeface="Consolas" charset="0"/>
@@ -4586,11 +4547,6 @@
                   </a:rPr>
                   <a:t> q0 q2)</a:t>
                 </a:r>
-                <a:endParaRPr lang="en-US" sz="2541" dirty="0" smtClean="0">
-                  <a:latin typeface="Consolas" charset="0"/>
-                  <a:ea typeface="Consolas" charset="0"/>
-                  <a:cs typeface="Consolas" charset="0"/>
-                </a:endParaRPr>
               </a:p>
               <a:p>
                 <a:r>
@@ -4941,20 +4897,7 @@
                     <a:ea typeface="Consolas" charset="0"/>
                     <a:cs typeface="Consolas" charset="0"/>
                   </a:rPr>
-                  <a:t>(*</a:t>
-                </a:r>
-                <a:r>
-                  <a:rPr lang="en-US" sz="2541" dirty="0" smtClean="0">
-                    <a:solidFill>
-                      <a:schemeClr val="accent6">
-                        <a:lumMod val="75000"/>
-                      </a:schemeClr>
-                    </a:solidFill>
-                    <a:latin typeface="Consolas" charset="0"/>
-                    <a:ea typeface="Consolas" charset="0"/>
-                    <a:cs typeface="Consolas" charset="0"/>
-                  </a:rPr>
-                  <a:t> Selection over union push-down is correct *)</a:t>
+                  <a:t>(* Selection over union push-down is correct *)</a:t>
                 </a:r>
               </a:p>
               <a:p>

--- a/docs/qcert-poster.pptx
+++ b/docs/qcert-poster.pptx
@@ -2915,7 +2915,7 @@
         </p:nvGrpSpPr>
         <p:grpSpPr>
           <a:xfrm>
-            <a:off x="-349502" y="5328164"/>
+            <a:off x="499580" y="4929022"/>
             <a:ext cx="22517775" cy="3134755"/>
             <a:chOff x="-328170" y="8163905"/>
             <a:chExt cx="31900181" cy="3931921"/>
@@ -2936,7 +2936,10 @@
               <a:avLst/>
             </a:prstGeom>
             <a:solidFill>
-              <a:schemeClr val="bg1"/>
+              <a:schemeClr val="accent4">
+                <a:lumMod val="40000"/>
+                <a:lumOff val="60000"/>
+              </a:schemeClr>
             </a:solidFill>
             <a:ln>
               <a:noFill/>
@@ -2982,7 +2985,10 @@
               <a:avLst/>
             </a:prstGeom>
             <a:solidFill>
-              <a:schemeClr val="bg1"/>
+              <a:schemeClr val="accent4">
+                <a:lumMod val="40000"/>
+                <a:lumOff val="60000"/>
+              </a:schemeClr>
             </a:solidFill>
           </p:spPr>
           <p:txBody>
@@ -3057,7 +3063,10 @@
               <a:avLst/>
             </a:prstGeom>
             <a:solidFill>
-              <a:schemeClr val="bg1"/>
+              <a:schemeClr val="accent4">
+                <a:lumMod val="40000"/>
+                <a:lumOff val="60000"/>
+              </a:schemeClr>
             </a:solidFill>
           </p:spPr>
           <p:txBody>
@@ -3137,7 +3146,10 @@
               <a:avLst/>
             </a:prstGeom>
             <a:solidFill>
-              <a:schemeClr val="bg1"/>
+              <a:schemeClr val="accent4">
+                <a:lumMod val="40000"/>
+                <a:lumOff val="60000"/>
+              </a:schemeClr>
             </a:solidFill>
             <a:ln>
               <a:noFill/>
@@ -3225,9 +3237,9 @@
         <p:grpSpPr>
           <a:xfrm>
             <a:off x="-151381" y="33857"/>
-            <a:ext cx="22517775" cy="4834422"/>
+            <a:ext cx="22517775" cy="4671137"/>
             <a:chOff x="-211748" y="1734441"/>
-            <a:chExt cx="22517775" cy="4834422"/>
+            <a:chExt cx="22517775" cy="4671137"/>
           </a:xfrm>
         </p:grpSpPr>
         <p:pic>
@@ -3253,7 +3265,7 @@
           <p:spPr>
             <a:xfrm>
               <a:off x="556656" y="1734441"/>
-              <a:ext cx="3740147" cy="3740147"/>
+              <a:ext cx="3138911" cy="3138911"/>
             </a:xfrm>
             <a:prstGeom prst="rect">
               <a:avLst/>
@@ -3268,14 +3280,17 @@
           </p:nvSpPr>
           <p:spPr>
             <a:xfrm>
-              <a:off x="-211748" y="5648256"/>
-              <a:ext cx="22517775" cy="864543"/>
+              <a:off x="-211748" y="5484971"/>
+              <a:ext cx="22517775" cy="920607"/>
             </a:xfrm>
             <a:prstGeom prst="rect">
               <a:avLst/>
             </a:prstGeom>
             <a:solidFill>
-              <a:schemeClr val="bg1"/>
+              <a:schemeClr val="accent4">
+                <a:lumMod val="40000"/>
+                <a:lumOff val="60000"/>
+              </a:schemeClr>
             </a:solidFill>
             <a:ln>
               <a:noFill/>
@@ -3314,14 +3329,17 @@
           </p:nvSpPr>
           <p:spPr>
             <a:xfrm>
-              <a:off x="810656" y="5694456"/>
+              <a:off x="810656" y="5226773"/>
               <a:ext cx="20531847" cy="874407"/>
             </a:xfrm>
             <a:prstGeom prst="rect">
               <a:avLst/>
             </a:prstGeom>
             <a:solidFill>
-              <a:schemeClr val="bg1"/>
+              <a:schemeClr val="accent4">
+                <a:lumMod val="40000"/>
+                <a:lumOff val="60000"/>
+              </a:schemeClr>
             </a:solidFill>
           </p:spPr>
           <p:txBody>
@@ -3331,7 +3349,7 @@
             <a:lstStyle/>
             <a:p>
               <a:r>
-                <a:rPr lang="en-US" sz="5082" b="1" dirty="0" smtClean="0">
+                <a:rPr lang="en-US" sz="5132" b="1" dirty="0" smtClean="0">
                   <a:solidFill>
                     <a:schemeClr val="accent5">
                       <a:lumMod val="75000"/>
@@ -3343,7 +3361,7 @@
                 </a:rPr>
                 <a:t>A platform for specifying and verifying query compilers</a:t>
               </a:r>
-              <a:endParaRPr lang="en-US" sz="5082" b="1" dirty="0">
+              <a:endParaRPr lang="en-US" sz="5132" b="1" dirty="0">
                 <a:solidFill>
                   <a:schemeClr val="accent5">
                     <a:lumMod val="75000"/>
@@ -3379,8 +3397,8 @@
         </p:blipFill>
         <p:spPr>
           <a:xfrm>
-            <a:off x="1048022" y="30930033"/>
-            <a:ext cx="7298265" cy="1184117"/>
+            <a:off x="751094" y="31333068"/>
+            <a:ext cx="6802969" cy="1103757"/>
           </a:xfrm>
           <a:prstGeom prst="rect">
             <a:avLst/>
@@ -3474,10 +3492,10 @@
         </p:nvGrpSpPr>
         <p:grpSpPr>
           <a:xfrm>
-            <a:off x="442932" y="9454646"/>
-            <a:ext cx="21037298" cy="8886104"/>
-            <a:chOff x="527806" y="20186249"/>
-            <a:chExt cx="21037298" cy="8886104"/>
+            <a:off x="475589" y="8159249"/>
+            <a:ext cx="20906670" cy="8788133"/>
+            <a:chOff x="593120" y="20186249"/>
+            <a:chExt cx="20906670" cy="8788133"/>
           </a:xfrm>
         </p:grpSpPr>
         <p:grpSp>
@@ -3488,9 +3506,9 @@
           </p:nvGrpSpPr>
           <p:grpSpPr>
             <a:xfrm>
-              <a:off x="527806" y="20186249"/>
+              <a:off x="593120" y="20186249"/>
               <a:ext cx="10320530" cy="4387145"/>
-              <a:chOff x="1818255" y="17464541"/>
+              <a:chOff x="1905709" y="17464541"/>
               <a:chExt cx="13819142" cy="5445427"/>
             </a:xfrm>
           </p:grpSpPr>
@@ -3502,9 +3520,9 @@
             </p:nvGrpSpPr>
             <p:grpSpPr>
               <a:xfrm>
-                <a:off x="1818255" y="17464541"/>
+                <a:off x="1905709" y="17464541"/>
                 <a:ext cx="13819142" cy="5445427"/>
-                <a:chOff x="4206240" y="2423160"/>
+                <a:chOff x="4283320" y="2423160"/>
                 <a:chExt cx="12179809" cy="4633049"/>
               </a:xfrm>
             </p:grpSpPr>
@@ -3516,7 +3534,7 @@
               </p:nvSpPr>
               <p:spPr>
                 <a:xfrm>
-                  <a:off x="4206240" y="2423160"/>
+                  <a:off x="4283320" y="2423160"/>
                   <a:ext cx="12179808" cy="4633049"/>
                 </a:xfrm>
                 <a:prstGeom prst="rect">
@@ -3554,7 +3572,11 @@
                 <a:lstStyle/>
                 <a:p>
                   <a:pPr algn="ctr"/>
-                  <a:endParaRPr lang="en-US" sz="3659"/>
+                  <a:r>
+                    <a:rPr lang="en-US" sz="3659" dirty="0" smtClean="0"/>
+                    <a:t>–</a:t>
+                  </a:r>
+                  <a:endParaRPr lang="en-US" sz="3659" dirty="0"/>
                 </a:p>
               </p:txBody>
             </p:sp>
@@ -3566,8 +3588,8 @@
               </p:nvCxnSpPr>
               <p:spPr>
                 <a:xfrm>
-                  <a:off x="4754880" y="3433797"/>
-                  <a:ext cx="3873" cy="2840660"/>
+                  <a:off x="4827072" y="3446355"/>
+                  <a:ext cx="0" cy="2443760"/>
                 </a:xfrm>
                 <a:prstGeom prst="line">
                   <a:avLst/>
@@ -3603,7 +3625,7 @@
               </p:nvSpPr>
               <p:spPr>
                 <a:xfrm>
-                  <a:off x="4206240" y="2424154"/>
+                  <a:off x="4283320" y="2424154"/>
                   <a:ext cx="12179809" cy="648971"/>
                 </a:xfrm>
                 <a:prstGeom prst="rect">
@@ -3664,7 +3686,7 @@
             </p:nvSpPr>
             <p:spPr>
               <a:xfrm>
-                <a:off x="2700516" y="18699495"/>
+                <a:off x="2787969" y="18606465"/>
                 <a:ext cx="12150548" cy="3026549"/>
               </a:xfrm>
               <a:prstGeom prst="rect">
@@ -4188,9 +4210,9 @@
           </p:nvGrpSpPr>
           <p:grpSpPr>
             <a:xfrm>
-              <a:off x="11319979" y="20197895"/>
+              <a:off x="11254665" y="20197895"/>
               <a:ext cx="10245125" cy="4375499"/>
-              <a:chOff x="19331655" y="7563602"/>
+              <a:chOff x="19251623" y="7563602"/>
               <a:chExt cx="12553765" cy="6694331"/>
             </a:xfrm>
           </p:grpSpPr>
@@ -4202,7 +4224,7 @@
             </p:nvSpPr>
             <p:spPr>
               <a:xfrm>
-                <a:off x="19331655" y="7563602"/>
+                <a:off x="19251623" y="7563602"/>
                 <a:ext cx="12553765" cy="6694331"/>
               </a:xfrm>
               <a:prstGeom prst="rect">
@@ -4252,7 +4274,7 @@
             </p:nvSpPr>
             <p:spPr>
               <a:xfrm>
-                <a:off x="20225459" y="8944203"/>
+                <a:off x="20145425" y="8944203"/>
                 <a:ext cx="11369714" cy="4927030"/>
               </a:xfrm>
               <a:prstGeom prst="rect">
@@ -4482,15 +4504,7 @@
                     <a:ea typeface="Consolas" charset="0"/>
                     <a:cs typeface="Consolas" charset="0"/>
                   </a:rPr>
-                  <a:t> </a:t>
-                </a:r>
-                <a:r>
-                  <a:rPr lang="en-US" sz="2541" smtClean="0">
-                    <a:latin typeface="Consolas" charset="0"/>
-                    <a:ea typeface="Consolas" charset="0"/>
-                    <a:cs typeface="Consolas" charset="0"/>
-                  </a:rPr>
-                  <a:t>AUnion</a:t>
+                  <a:t> AUnion</a:t>
                 </a:r>
                 <a:endParaRPr lang="en-US" sz="2541" dirty="0" smtClean="0">
                   <a:latin typeface="Consolas" charset="0"/>
@@ -4596,8 +4610,8 @@
             </p:nvCxnSpPr>
             <p:spPr>
               <a:xfrm>
-                <a:off x="19935851" y="8944203"/>
-                <a:ext cx="0" cy="4704408"/>
+                <a:off x="19848612" y="9012131"/>
+                <a:ext cx="6567" cy="4647634"/>
               </a:xfrm>
               <a:prstGeom prst="line">
                 <a:avLst/>
@@ -4633,8 +4647,8 @@
             </p:nvSpPr>
             <p:spPr>
               <a:xfrm>
-                <a:off x="19331656" y="7564596"/>
-                <a:ext cx="12553764" cy="992906"/>
+                <a:off x="19251624" y="7564596"/>
+                <a:ext cx="12553764" cy="968341"/>
               </a:xfrm>
               <a:prstGeom prst="rect">
                 <a:avLst/>
@@ -4694,9 +4708,9 @@
           </p:nvGrpSpPr>
           <p:grpSpPr>
             <a:xfrm>
-              <a:off x="5763564" y="24961106"/>
+              <a:off x="5763564" y="24863135"/>
               <a:ext cx="11028371" cy="4111247"/>
-              <a:chOff x="1818255" y="17464541"/>
+              <a:chOff x="1818255" y="17334776"/>
               <a:chExt cx="13819142" cy="5445427"/>
             </a:xfrm>
           </p:grpSpPr>
@@ -4708,9 +4722,9 @@
             </p:nvGrpSpPr>
             <p:grpSpPr>
               <a:xfrm>
-                <a:off x="1818255" y="17464541"/>
+                <a:off x="1818255" y="17334776"/>
                 <a:ext cx="13819142" cy="5445427"/>
-                <a:chOff x="4206240" y="2423160"/>
+                <a:chOff x="4206240" y="2312754"/>
                 <a:chExt cx="12179809" cy="4633049"/>
               </a:xfrm>
             </p:grpSpPr>
@@ -4722,7 +4736,7 @@
               </p:nvSpPr>
               <p:spPr>
                 <a:xfrm>
-                  <a:off x="4206240" y="2423160"/>
+                  <a:off x="4206240" y="2312754"/>
                   <a:ext cx="12179808" cy="4633049"/>
                 </a:xfrm>
                 <a:prstGeom prst="rect">
@@ -4771,9 +4785,9 @@
                 <p:nvPr/>
               </p:nvCxnSpPr>
               <p:spPr>
-                <a:xfrm>
-                  <a:off x="4754880" y="3674954"/>
-                  <a:ext cx="3873" cy="2840660"/>
+                <a:xfrm flipH="1">
+                  <a:off x="4716652" y="3529294"/>
+                  <a:ext cx="1" cy="3000317"/>
                 </a:xfrm>
                 <a:prstGeom prst="line">
                   <a:avLst/>
@@ -4809,8 +4823,8 @@
               </p:nvSpPr>
               <p:spPr>
                 <a:xfrm>
-                  <a:off x="4206240" y="2424154"/>
-                  <a:ext cx="12179809" cy="817394"/>
+                  <a:off x="4206240" y="2313748"/>
+                  <a:ext cx="12179809" cy="733401"/>
                 </a:xfrm>
                 <a:prstGeom prst="rect">
                   <a:avLst/>
@@ -4870,8 +4884,8 @@
             </p:nvSpPr>
             <p:spPr>
               <a:xfrm>
-                <a:off x="2700516" y="18820240"/>
-                <a:ext cx="12150548" cy="4008265"/>
+                <a:off x="2700516" y="18690475"/>
+                <a:ext cx="12150548" cy="3747548"/>
               </a:xfrm>
               <a:prstGeom prst="rect">
                 <a:avLst/>
@@ -4912,15 +4926,7 @@
                     <a:ea typeface="Consolas" charset="0"/>
                     <a:cs typeface="Consolas" charset="0"/>
                   </a:rPr>
-                  <a:t>Lemma</a:t>
-                </a:r>
-                <a:r>
-                  <a:rPr lang="en-US" sz="2541" dirty="0" smtClean="0">
-                    <a:latin typeface="Consolas" charset="0"/>
-                    <a:ea typeface="Consolas" charset="0"/>
-                    <a:cs typeface="Consolas" charset="0"/>
-                  </a:rPr>
-                  <a:t> </a:t>
+                  <a:t>Property </a:t>
                 </a:r>
                 <a:r>
                   <a:rPr lang="en-US" sz="2541" dirty="0" err="1" smtClean="0">
@@ -5212,8 +5218,8 @@
         </p:blipFill>
         <p:spPr>
           <a:xfrm>
-            <a:off x="-350048" y="19332477"/>
-            <a:ext cx="23170306" cy="10318121"/>
+            <a:off x="1371600" y="18149092"/>
+            <a:ext cx="19368467" cy="7908790"/>
           </a:xfrm>
           <a:prstGeom prst="rect">
             <a:avLst/>
@@ -5228,14 +5234,17 @@
         </p:nvSpPr>
         <p:spPr>
           <a:xfrm>
-            <a:off x="10882946" y="31084889"/>
-            <a:ext cx="10265924" cy="874407"/>
+            <a:off x="11931881" y="31712112"/>
+            <a:ext cx="9694732" cy="830997"/>
           </a:xfrm>
           <a:prstGeom prst="rect">
             <a:avLst/>
           </a:prstGeom>
           <a:solidFill>
-            <a:schemeClr val="bg1"/>
+            <a:schemeClr val="accent4">
+              <a:lumMod val="40000"/>
+              <a:lumOff val="60000"/>
+            </a:schemeClr>
           </a:solidFill>
         </p:spPr>
         <p:txBody>
@@ -5245,7 +5254,7 @@
           <a:lstStyle/>
           <a:p>
             <a:r>
-              <a:rPr lang="en-US" sz="5082" b="1" smtClean="0">
+              <a:rPr lang="en-US" sz="4800" b="1" dirty="0" smtClean="0">
                 <a:solidFill>
                   <a:schemeClr val="accent5">
                     <a:lumMod val="75000"/>
@@ -5258,7 +5267,7 @@
               <a:t>https://</a:t>
             </a:r>
             <a:r>
-              <a:rPr lang="en-US" sz="5082" b="1" dirty="0" err="1" smtClean="0">
+              <a:rPr lang="en-US" sz="4800" b="1" dirty="0" err="1" smtClean="0">
                 <a:solidFill>
                   <a:schemeClr val="accent5">
                     <a:lumMod val="75000"/>
@@ -5271,7 +5280,7 @@
               <a:t>github.com</a:t>
             </a:r>
             <a:r>
-              <a:rPr lang="en-US" sz="5082" b="1" dirty="0" smtClean="0">
+              <a:rPr lang="en-US" sz="4800" b="1" dirty="0" smtClean="0">
                 <a:solidFill>
                   <a:schemeClr val="accent5">
                     <a:lumMod val="75000"/>
@@ -5284,7 +5293,7 @@
               <a:t>/</a:t>
             </a:r>
             <a:r>
-              <a:rPr lang="en-US" sz="5082" b="1" dirty="0" err="1" smtClean="0">
+              <a:rPr lang="en-US" sz="4800" b="1" dirty="0" err="1" smtClean="0">
                 <a:solidFill>
                   <a:schemeClr val="accent5">
                     <a:lumMod val="75000"/>
@@ -5296,7 +5305,7 @@
               </a:rPr>
               <a:t>querycert</a:t>
             </a:r>
-            <a:endParaRPr lang="en-US" sz="5082" b="1" dirty="0">
+            <a:endParaRPr lang="en-US" sz="4800" b="1" dirty="0">
               <a:solidFill>
                 <a:schemeClr val="accent5">
                   <a:lumMod val="75000"/>
@@ -5305,6 +5314,347 @@
               <a:latin typeface="Consolas" charset="0"/>
               <a:ea typeface="Consolas" charset="0"/>
               <a:cs typeface="Consolas" charset="0"/>
+            </a:endParaRPr>
+          </a:p>
+        </p:txBody>
+      </p:sp>
+      <p:pic>
+        <p:nvPicPr>
+          <p:cNvPr id="2" name="Picture 1"/>
+          <p:cNvPicPr>
+            <a:picLocks noChangeAspect="1"/>
+          </p:cNvPicPr>
+          <p:nvPr/>
+        </p:nvPicPr>
+        <p:blipFill>
+          <a:blip r:embed="rId5">
+            <a:extLst>
+              <a:ext uri="{28A0092B-C50C-407E-A947-70E740481C1C}">
+                <a14:useLocalDpi xmlns:a14="http://schemas.microsoft.com/office/drawing/2010/main" val="0"/>
+              </a:ext>
+            </a:extLst>
+          </a:blip>
+          <a:stretch>
+            <a:fillRect/>
+          </a:stretch>
+        </p:blipFill>
+        <p:spPr>
+          <a:xfrm>
+            <a:off x="12899571" y="27127780"/>
+            <a:ext cx="7840496" cy="4374526"/>
+          </a:xfrm>
+          <a:prstGeom prst="rect">
+            <a:avLst/>
+          </a:prstGeom>
+        </p:spPr>
+      </p:pic>
+      <p:grpSp>
+        <p:nvGrpSpPr>
+          <p:cNvPr id="37" name="Group 36"/>
+          <p:cNvGrpSpPr/>
+          <p:nvPr/>
+        </p:nvGrpSpPr>
+        <p:grpSpPr>
+          <a:xfrm>
+            <a:off x="990139" y="26571254"/>
+            <a:ext cx="9880416" cy="4374526"/>
+            <a:chOff x="-2574390" y="9688962"/>
+            <a:chExt cx="17947959" cy="5847987"/>
+          </a:xfrm>
+        </p:grpSpPr>
+        <p:sp>
+          <p:nvSpPr>
+            <p:cNvPr id="38" name="Rectangle 37"/>
+            <p:cNvSpPr/>
+            <p:nvPr/>
+          </p:nvSpPr>
+          <p:spPr>
+            <a:xfrm>
+              <a:off x="-2574390" y="9688962"/>
+              <a:ext cx="17394284" cy="5847987"/>
+            </a:xfrm>
+            <a:prstGeom prst="rect">
+              <a:avLst/>
+            </a:prstGeom>
+            <a:solidFill>
+              <a:schemeClr val="accent4">
+                <a:lumMod val="40000"/>
+                <a:lumOff val="60000"/>
+              </a:schemeClr>
+            </a:solidFill>
+            <a:ln>
+              <a:noFill/>
+            </a:ln>
+          </p:spPr>
+          <p:style>
+            <a:lnRef idx="2">
+              <a:schemeClr val="accent1">
+                <a:shade val="50000"/>
+              </a:schemeClr>
+            </a:lnRef>
+            <a:fillRef idx="1">
+              <a:schemeClr val="accent1"/>
+            </a:fillRef>
+            <a:effectRef idx="0">
+              <a:schemeClr val="accent1"/>
+            </a:effectRef>
+            <a:fontRef idx="minor">
+              <a:schemeClr val="lt1"/>
+            </a:fontRef>
+          </p:style>
+          <p:txBody>
+            <a:bodyPr rtlCol="0" anchor="ctr"/>
+            <a:lstStyle/>
+            <a:p>
+              <a:pPr algn="ctr"/>
+              <a:endParaRPr lang="en-US" sz="3659"/>
+            </a:p>
+          </p:txBody>
+        </p:sp>
+        <p:sp>
+          <p:nvSpPr>
+            <p:cNvPr id="39" name="TextBox 38"/>
+            <p:cNvSpPr txBox="1"/>
+            <p:nvPr/>
+          </p:nvSpPr>
+          <p:spPr>
+            <a:xfrm>
+              <a:off x="-749239" y="9752521"/>
+              <a:ext cx="16122808" cy="4828812"/>
+            </a:xfrm>
+            <a:prstGeom prst="rect">
+              <a:avLst/>
+            </a:prstGeom>
+            <a:solidFill>
+              <a:schemeClr val="accent4">
+                <a:lumMod val="40000"/>
+                <a:lumOff val="60000"/>
+              </a:schemeClr>
+            </a:solidFill>
+          </p:spPr>
+          <p:txBody>
+            <a:bodyPr wrap="square" rtlCol="0">
+              <a:spAutoFit/>
+            </a:bodyPr>
+            <a:lstStyle/>
+            <a:p>
+              <a:r>
+                <a:rPr lang="en-US" sz="3812" b="1" dirty="0">
+                  <a:solidFill>
+                    <a:schemeClr val="accent5">
+                      <a:lumMod val="75000"/>
+                    </a:schemeClr>
+                  </a:solidFill>
+                  <a:latin typeface="Consolas" charset="0"/>
+                  <a:ea typeface="Consolas" charset="0"/>
+                  <a:cs typeface="Consolas" charset="0"/>
+                </a:rPr>
+                <a:t>Features</a:t>
+              </a:r>
+            </a:p>
+            <a:p>
+              <a:r>
+                <a:rPr lang="en-US" sz="3812" dirty="0" smtClean="0">
+                  <a:latin typeface="Helvetica Neue Light" charset="0"/>
+                  <a:ea typeface="Helvetica Neue Light" charset="0"/>
+                  <a:cs typeface="Helvetica Neue Light" charset="0"/>
+                </a:rPr>
+                <a:t>Nested Data Model with Objects</a:t>
+              </a:r>
+            </a:p>
+            <a:p>
+              <a:r>
+                <a:rPr lang="en-US" sz="3812" dirty="0" smtClean="0">
+                  <a:latin typeface="Helvetica Neue Light" charset="0"/>
+                  <a:ea typeface="Helvetica Neue Light" charset="0"/>
+                  <a:cs typeface="Helvetica Neue Light" charset="0"/>
+                </a:rPr>
+                <a:t>Type Checking</a:t>
+              </a:r>
+            </a:p>
+            <a:p>
+              <a:r>
+                <a:rPr lang="en-US" sz="3812" dirty="0" smtClean="0">
+                  <a:latin typeface="Helvetica Neue Light" charset="0"/>
+                  <a:ea typeface="Helvetica Neue Light" charset="0"/>
+                  <a:cs typeface="Helvetica Neue Light" charset="0"/>
+                </a:rPr>
+                <a:t>Aggregate Queries</a:t>
+              </a:r>
+            </a:p>
+            <a:p>
+              <a:r>
+                <a:rPr lang="en-US" sz="3812" smtClean="0">
+                  <a:latin typeface="Helvetica Neue Light" charset="0"/>
+                  <a:ea typeface="Helvetica Neue Light" charset="0"/>
+                  <a:cs typeface="Helvetica Neue Light" charset="0"/>
+                </a:rPr>
+                <a:t>External </a:t>
+              </a:r>
+              <a:r>
+                <a:rPr lang="en-US" sz="3812" smtClean="0">
+                  <a:latin typeface="Helvetica Neue Light" charset="0"/>
+                  <a:ea typeface="Helvetica Neue Light" charset="0"/>
+                  <a:cs typeface="Helvetica Neue Light" charset="0"/>
+                </a:rPr>
+                <a:t>Types </a:t>
+              </a:r>
+              <a:r>
+                <a:rPr lang="en-US" sz="3812" smtClean="0">
+                  <a:latin typeface="Helvetica Neue Light" charset="0"/>
+                  <a:ea typeface="Helvetica Neue Light" charset="0"/>
+                  <a:cs typeface="Helvetica Neue Light" charset="0"/>
+                </a:rPr>
+                <a:t>and </a:t>
+              </a:r>
+              <a:r>
+                <a:rPr lang="en-US" sz="3812" smtClean="0">
+                  <a:latin typeface="Helvetica Neue Light" charset="0"/>
+                  <a:ea typeface="Helvetica Neue Light" charset="0"/>
+                  <a:cs typeface="Helvetica Neue Light" charset="0"/>
+                </a:rPr>
+                <a:t>Functions</a:t>
+              </a:r>
+              <a:endParaRPr lang="en-US" sz="3812" dirty="0" smtClean="0">
+                <a:latin typeface="Helvetica Neue Light" charset="0"/>
+                <a:ea typeface="Helvetica Neue Light" charset="0"/>
+                <a:cs typeface="Helvetica Neue Light" charset="0"/>
+              </a:endParaRPr>
+            </a:p>
+            <a:p>
+              <a:r>
+                <a:rPr lang="en-US" sz="3812" dirty="0" smtClean="0">
+                  <a:latin typeface="Helvetica Neue Light" charset="0"/>
+                  <a:ea typeface="Helvetica Neue Light" charset="0"/>
+                  <a:cs typeface="Helvetica Neue Light" charset="0"/>
+                </a:rPr>
+                <a:t>JSON Support</a:t>
+              </a:r>
+              <a:endParaRPr lang="en-US" sz="3812" dirty="0">
+                <a:latin typeface="Helvetica Neue Light" charset="0"/>
+                <a:ea typeface="Helvetica Neue Light" charset="0"/>
+                <a:cs typeface="Helvetica Neue Light" charset="0"/>
+              </a:endParaRPr>
+            </a:p>
+          </p:txBody>
+        </p:sp>
+      </p:grpSp>
+      <p:sp>
+        <p:nvSpPr>
+          <p:cNvPr id="40" name="Rectangle 39"/>
+          <p:cNvSpPr/>
+          <p:nvPr/>
+        </p:nvSpPr>
+        <p:spPr>
+          <a:xfrm>
+            <a:off x="1371600" y="17503892"/>
+            <a:ext cx="19368467" cy="666229"/>
+          </a:xfrm>
+          <a:prstGeom prst="rect">
+            <a:avLst/>
+          </a:prstGeom>
+          <a:solidFill>
+            <a:schemeClr val="accent5">
+              <a:lumMod val="75000"/>
+            </a:schemeClr>
+          </a:solidFill>
+          <a:ln>
+            <a:noFill/>
+          </a:ln>
+        </p:spPr>
+        <p:style>
+          <a:lnRef idx="2">
+            <a:schemeClr val="accent1">
+              <a:shade val="50000"/>
+            </a:schemeClr>
+          </a:lnRef>
+          <a:fillRef idx="1">
+            <a:schemeClr val="accent1"/>
+          </a:fillRef>
+          <a:effectRef idx="0">
+            <a:schemeClr val="accent1"/>
+          </a:effectRef>
+          <a:fontRef idx="minor">
+            <a:schemeClr val="lt1"/>
+          </a:fontRef>
+        </p:style>
+        <p:txBody>
+          <a:bodyPr rtlCol="0" anchor="ctr"/>
+          <a:lstStyle/>
+          <a:p>
+            <a:pPr algn="ctr"/>
+            <a:r>
+              <a:rPr lang="en-US" sz="3106" b="1" dirty="0" smtClean="0">
+                <a:latin typeface="Courier" charset="0"/>
+                <a:ea typeface="Courier" charset="0"/>
+                <a:cs typeface="Courier" charset="0"/>
+              </a:rPr>
+              <a:t>Compilation Pipeline</a:t>
+            </a:r>
+            <a:endParaRPr lang="en-US" sz="3106" b="1" dirty="0">
+              <a:latin typeface="Courier" charset="0"/>
+              <a:ea typeface="Courier" charset="0"/>
+              <a:cs typeface="Courier" charset="0"/>
+            </a:endParaRPr>
+          </a:p>
+        </p:txBody>
+      </p:sp>
+      <p:sp>
+        <p:nvSpPr>
+          <p:cNvPr id="48" name="Rectangle 47"/>
+          <p:cNvSpPr/>
+          <p:nvPr/>
+        </p:nvSpPr>
+        <p:spPr>
+          <a:xfrm>
+            <a:off x="12899572" y="26467757"/>
+            <a:ext cx="7840496" cy="666229"/>
+          </a:xfrm>
+          <a:prstGeom prst="rect">
+            <a:avLst/>
+          </a:prstGeom>
+          <a:solidFill>
+            <a:schemeClr val="accent5">
+              <a:lumMod val="75000"/>
+            </a:schemeClr>
+          </a:solidFill>
+          <a:ln>
+            <a:noFill/>
+          </a:ln>
+        </p:spPr>
+        <p:style>
+          <a:lnRef idx="2">
+            <a:schemeClr val="accent1">
+              <a:shade val="50000"/>
+            </a:schemeClr>
+          </a:lnRef>
+          <a:fillRef idx="1">
+            <a:schemeClr val="accent1"/>
+          </a:fillRef>
+          <a:effectRef idx="0">
+            <a:schemeClr val="accent1"/>
+          </a:effectRef>
+          <a:fontRef idx="minor">
+            <a:schemeClr val="lt1"/>
+          </a:fontRef>
+        </p:style>
+        <p:txBody>
+          <a:bodyPr rtlCol="0" anchor="ctr"/>
+          <a:lstStyle/>
+          <a:p>
+            <a:pPr algn="ctr"/>
+            <a:r>
+              <a:rPr lang="en-US" sz="3106" b="1" dirty="0" smtClean="0">
+                <a:latin typeface="Courier" charset="0"/>
+                <a:ea typeface="Courier" charset="0"/>
+                <a:cs typeface="Courier" charset="0"/>
+              </a:rPr>
+              <a:t>Compiler Extraction</a:t>
+            </a:r>
+            <a:endParaRPr lang="en-US" sz="3106" b="1" dirty="0">
+              <a:latin typeface="Courier" charset="0"/>
+              <a:ea typeface="Courier" charset="0"/>
+              <a:cs typeface="Courier" charset="0"/>
             </a:endParaRPr>
           </a:p>
         </p:txBody>

--- a/docs/qcert-poster.pptx
+++ b/docs/qcert-poster.pptx
@@ -2915,10 +2915,10 @@
         </p:nvGrpSpPr>
         <p:grpSpPr>
           <a:xfrm>
-            <a:off x="499580" y="4929022"/>
-            <a:ext cx="22517775" cy="3134755"/>
-            <a:chOff x="-328170" y="8163905"/>
-            <a:chExt cx="31900181" cy="3931921"/>
+            <a:off x="-151382" y="5876352"/>
+            <a:ext cx="22878345" cy="2847196"/>
+            <a:chOff x="-1250366" y="8254483"/>
+            <a:chExt cx="32410988" cy="3931921"/>
           </a:xfrm>
         </p:grpSpPr>
         <p:sp>
@@ -2929,7 +2929,7 @@
           </p:nvSpPr>
           <p:spPr>
             <a:xfrm>
-              <a:off x="-328170" y="8163905"/>
+              <a:off x="-1250366" y="8254483"/>
               <a:ext cx="31900181" cy="3931921"/>
             </a:xfrm>
             <a:prstGeom prst="rect">
@@ -3236,10 +3236,10 @@
         </p:nvGrpSpPr>
         <p:grpSpPr>
           <a:xfrm>
-            <a:off x="-151381" y="33857"/>
-            <a:ext cx="22517775" cy="4671137"/>
-            <a:chOff x="-211748" y="1734441"/>
-            <a:chExt cx="22517775" cy="4671137"/>
+            <a:off x="-151381" y="-31457"/>
+            <a:ext cx="22517775" cy="5742082"/>
+            <a:chOff x="-211748" y="1669127"/>
+            <a:chExt cx="22517775" cy="5742082"/>
           </a:xfrm>
         </p:grpSpPr>
         <p:pic>
@@ -3264,7 +3264,7 @@
           </p:blipFill>
           <p:spPr>
             <a:xfrm>
-              <a:off x="556656" y="1734441"/>
+              <a:off x="458685" y="1669127"/>
               <a:ext cx="3138911" cy="3138911"/>
             </a:xfrm>
             <a:prstGeom prst="rect">
@@ -3280,8 +3280,8 @@
           </p:nvSpPr>
           <p:spPr>
             <a:xfrm>
-              <a:off x="-211748" y="5484971"/>
-              <a:ext cx="22517775" cy="920607"/>
+              <a:off x="-211748" y="4812745"/>
+              <a:ext cx="22517775" cy="2598464"/>
             </a:xfrm>
             <a:prstGeom prst="rect">
               <a:avLst/>
@@ -3329,8 +3329,8 @@
           </p:nvSpPr>
           <p:spPr>
             <a:xfrm>
-              <a:off x="810656" y="5226773"/>
-              <a:ext cx="20531847" cy="874407"/>
+              <a:off x="313966" y="4539997"/>
+              <a:ext cx="21321756" cy="2693045"/>
             </a:xfrm>
             <a:prstGeom prst="rect">
               <a:avLst/>
@@ -3348,8 +3348,13 @@
             </a:bodyPr>
             <a:lstStyle/>
             <a:p>
-              <a:r>
-                <a:rPr lang="en-US" sz="5132" b="1" dirty="0" smtClean="0">
+              <a:pPr algn="ctr">
+                <a:lnSpc>
+                  <a:spcPct val="150000"/>
+                </a:lnSpc>
+              </a:pPr>
+              <a:r>
+                <a:rPr lang="en-US" sz="5400" b="1" dirty="0" smtClean="0">
                   <a:solidFill>
                     <a:schemeClr val="accent5">
                       <a:lumMod val="75000"/>
@@ -3361,7 +3366,140 @@
                 </a:rPr>
                 <a:t>A platform for specifying and verifying query compilers</a:t>
               </a:r>
-              <a:endParaRPr lang="en-US" sz="5132" b="1" dirty="0">
+            </a:p>
+            <a:p>
+              <a:pPr algn="ctr"/>
+              <a:r>
+                <a:rPr lang="en-US" sz="4400" b="1" dirty="0" smtClean="0">
+                  <a:solidFill>
+                    <a:schemeClr val="accent5">
+                      <a:lumMod val="75000"/>
+                    </a:schemeClr>
+                  </a:solidFill>
+                  <a:latin typeface="Consolas" charset="0"/>
+                  <a:ea typeface="Consolas" charset="0"/>
+                  <a:cs typeface="Consolas" charset="0"/>
+                </a:rPr>
+                <a:t>J. </a:t>
+              </a:r>
+              <a:r>
+                <a:rPr lang="en-US" sz="4400" b="1" dirty="0" err="1" smtClean="0">
+                  <a:solidFill>
+                    <a:schemeClr val="accent5">
+                      <a:lumMod val="75000"/>
+                    </a:schemeClr>
+                  </a:solidFill>
+                  <a:latin typeface="Consolas" charset="0"/>
+                  <a:ea typeface="Consolas" charset="0"/>
+                  <a:cs typeface="Consolas" charset="0"/>
+                </a:rPr>
+                <a:t>Auerbach</a:t>
+              </a:r>
+              <a:r>
+                <a:rPr lang="en-US" sz="4400" b="1" dirty="0" smtClean="0">
+                  <a:solidFill>
+                    <a:schemeClr val="accent5">
+                      <a:lumMod val="75000"/>
+                    </a:schemeClr>
+                  </a:solidFill>
+                  <a:latin typeface="Consolas" charset="0"/>
+                  <a:ea typeface="Consolas" charset="0"/>
+                  <a:cs typeface="Consolas" charset="0"/>
+                </a:rPr>
+                <a:t>, M. </a:t>
+              </a:r>
+              <a:r>
+                <a:rPr lang="en-US" sz="4400" b="1" dirty="0" err="1" smtClean="0">
+                  <a:solidFill>
+                    <a:schemeClr val="accent5">
+                      <a:lumMod val="75000"/>
+                    </a:schemeClr>
+                  </a:solidFill>
+                  <a:latin typeface="Consolas" charset="0"/>
+                  <a:ea typeface="Consolas" charset="0"/>
+                  <a:cs typeface="Consolas" charset="0"/>
+                </a:rPr>
+                <a:t>Hirzel</a:t>
+              </a:r>
+              <a:r>
+                <a:rPr lang="en-US" sz="4400" b="1" dirty="0" smtClean="0">
+                  <a:solidFill>
+                    <a:schemeClr val="accent5">
+                      <a:lumMod val="75000"/>
+                    </a:schemeClr>
+                  </a:solidFill>
+                  <a:latin typeface="Consolas" charset="0"/>
+                  <a:ea typeface="Consolas" charset="0"/>
+                  <a:cs typeface="Consolas" charset="0"/>
+                </a:rPr>
+                <a:t>, L. Mandel, A. </a:t>
+              </a:r>
+              <a:r>
+                <a:rPr lang="en-US" sz="4400" b="1" dirty="0" err="1" smtClean="0">
+                  <a:solidFill>
+                    <a:schemeClr val="accent5">
+                      <a:lumMod val="75000"/>
+                    </a:schemeClr>
+                  </a:solidFill>
+                  <a:latin typeface="Consolas" charset="0"/>
+                  <a:ea typeface="Consolas" charset="0"/>
+                  <a:cs typeface="Consolas" charset="0"/>
+                </a:rPr>
+                <a:t>Shinnar</a:t>
+              </a:r>
+              <a:r>
+                <a:rPr lang="en-US" sz="4400" b="1" dirty="0" smtClean="0">
+                  <a:solidFill>
+                    <a:schemeClr val="accent5">
+                      <a:lumMod val="75000"/>
+                    </a:schemeClr>
+                  </a:solidFill>
+                  <a:latin typeface="Consolas" charset="0"/>
+                  <a:ea typeface="Consolas" charset="0"/>
+                  <a:cs typeface="Consolas" charset="0"/>
+                </a:rPr>
+                <a:t>, J. </a:t>
+              </a:r>
+              <a:r>
+                <a:rPr lang="en-US" sz="4400" b="1" dirty="0" err="1" smtClean="0">
+                  <a:solidFill>
+                    <a:schemeClr val="accent5">
+                      <a:lumMod val="75000"/>
+                    </a:schemeClr>
+                  </a:solidFill>
+                  <a:latin typeface="Consolas" charset="0"/>
+                  <a:ea typeface="Consolas" charset="0"/>
+                  <a:cs typeface="Consolas" charset="0"/>
+                </a:rPr>
+                <a:t>Siméon</a:t>
+              </a:r>
+              <a:endParaRPr lang="en-US" sz="4400" b="1" dirty="0" smtClean="0">
+                <a:solidFill>
+                  <a:schemeClr val="accent5">
+                    <a:lumMod val="75000"/>
+                  </a:schemeClr>
+                </a:solidFill>
+                <a:latin typeface="Consolas" charset="0"/>
+                <a:ea typeface="Consolas" charset="0"/>
+                <a:cs typeface="Consolas" charset="0"/>
+              </a:endParaRPr>
+            </a:p>
+            <a:p>
+              <a:pPr algn="ctr"/>
+              <a:r>
+                <a:rPr lang="en-US" sz="4400" b="1" dirty="0" smtClean="0">
+                  <a:solidFill>
+                    <a:schemeClr val="accent5">
+                      <a:lumMod val="75000"/>
+                    </a:schemeClr>
+                  </a:solidFill>
+                  <a:latin typeface="Consolas" charset="0"/>
+                  <a:ea typeface="Consolas" charset="0"/>
+                  <a:cs typeface="Consolas" charset="0"/>
+                </a:rPr>
+                <a:t>IBM Research</a:t>
+              </a:r>
+              <a:endParaRPr lang="en-US" sz="4400" b="1" dirty="0">
                 <a:solidFill>
                   <a:schemeClr val="accent5">
                     <a:lumMod val="75000"/>
@@ -3397,7 +3535,7 @@
         </p:blipFill>
         <p:spPr>
           <a:xfrm>
-            <a:off x="751094" y="31333068"/>
+            <a:off x="475589" y="31439352"/>
             <a:ext cx="6802969" cy="1103757"/>
           </a:xfrm>
           <a:prstGeom prst="rect">
@@ -3413,7 +3551,7 @@
         </p:nvSpPr>
         <p:spPr>
           <a:xfrm>
-            <a:off x="7271619" y="852508"/>
+            <a:off x="8132623" y="688276"/>
             <a:ext cx="5272057" cy="1815882"/>
           </a:xfrm>
           <a:prstGeom prst="rect">
@@ -3486,208 +3624,42 @@
       </p:sp>
       <p:grpSp>
         <p:nvGrpSpPr>
-          <p:cNvPr id="30" name="Group 29"/>
+          <p:cNvPr id="45" name="Group 44"/>
           <p:cNvGrpSpPr/>
           <p:nvPr/>
         </p:nvGrpSpPr>
         <p:grpSpPr>
           <a:xfrm>
-            <a:off x="475589" y="8159249"/>
-            <a:ext cx="20906670" cy="8788133"/>
-            <a:chOff x="593120" y="20186249"/>
-            <a:chExt cx="20906670" cy="8788133"/>
+            <a:off x="475589" y="8845047"/>
+            <a:ext cx="9959538" cy="4115969"/>
+            <a:chOff x="1905709" y="17464541"/>
+            <a:chExt cx="13819142" cy="5108837"/>
           </a:xfrm>
         </p:grpSpPr>
         <p:grpSp>
           <p:nvGrpSpPr>
-            <p:cNvPr id="45" name="Group 44"/>
+            <p:cNvPr id="20" name="Group 19"/>
             <p:cNvGrpSpPr/>
             <p:nvPr/>
           </p:nvGrpSpPr>
           <p:grpSpPr>
             <a:xfrm>
-              <a:off x="593120" y="20186249"/>
-              <a:ext cx="10320530" cy="4387145"/>
-              <a:chOff x="1905709" y="17464541"/>
-              <a:chExt cx="13819142" cy="5445427"/>
+              <a:off x="1905709" y="17464541"/>
+              <a:ext cx="13819142" cy="5108837"/>
+              <a:chOff x="4283320" y="2423160"/>
+              <a:chExt cx="12179809" cy="4346673"/>
             </a:xfrm>
           </p:grpSpPr>
-          <p:grpSp>
-            <p:nvGrpSpPr>
-              <p:cNvPr id="20" name="Group 19"/>
-              <p:cNvGrpSpPr/>
-              <p:nvPr/>
-            </p:nvGrpSpPr>
-            <p:grpSpPr>
-              <a:xfrm>
-                <a:off x="1905709" y="17464541"/>
-                <a:ext cx="13819142" cy="5445427"/>
-                <a:chOff x="4283320" y="2423160"/>
-                <a:chExt cx="12179809" cy="4633049"/>
-              </a:xfrm>
-            </p:grpSpPr>
-            <p:sp>
-              <p:nvSpPr>
-                <p:cNvPr id="21" name="Rectangle 20"/>
-                <p:cNvSpPr/>
-                <p:nvPr/>
-              </p:nvSpPr>
-              <p:spPr>
-                <a:xfrm>
-                  <a:off x="4283320" y="2423160"/>
-                  <a:ext cx="12179808" cy="4633049"/>
-                </a:xfrm>
-                <a:prstGeom prst="rect">
-                  <a:avLst/>
-                </a:prstGeom>
-                <a:solidFill>
-                  <a:schemeClr val="bg1"/>
-                </a:solidFill>
-                <a:ln>
-                  <a:solidFill>
-                    <a:schemeClr val="bg1">
-                      <a:lumMod val="85000"/>
-                    </a:schemeClr>
-                  </a:solidFill>
-                </a:ln>
-              </p:spPr>
-              <p:style>
-                <a:lnRef idx="2">
-                  <a:schemeClr val="accent1">
-                    <a:shade val="50000"/>
-                  </a:schemeClr>
-                </a:lnRef>
-                <a:fillRef idx="1">
-                  <a:schemeClr val="accent1"/>
-                </a:fillRef>
-                <a:effectRef idx="0">
-                  <a:schemeClr val="accent1"/>
-                </a:effectRef>
-                <a:fontRef idx="minor">
-                  <a:schemeClr val="lt1"/>
-                </a:fontRef>
-              </p:style>
-              <p:txBody>
-                <a:bodyPr rtlCol="0" anchor="ctr"/>
-                <a:lstStyle/>
-                <a:p>
-                  <a:pPr algn="ctr"/>
-                  <a:r>
-                    <a:rPr lang="en-US" sz="3659" dirty="0" smtClean="0"/>
-                    <a:t>–</a:t>
-                  </a:r>
-                  <a:endParaRPr lang="en-US" sz="3659" dirty="0"/>
-                </a:p>
-              </p:txBody>
-            </p:sp>
-            <p:cxnSp>
-              <p:nvCxnSpPr>
-                <p:cNvPr id="23" name="Straight Connector 22"/>
-                <p:cNvCxnSpPr/>
-                <p:nvPr/>
-              </p:nvCxnSpPr>
-              <p:spPr>
-                <a:xfrm>
-                  <a:off x="4827072" y="3446355"/>
-                  <a:ext cx="0" cy="2443760"/>
-                </a:xfrm>
-                <a:prstGeom prst="line">
-                  <a:avLst/>
-                </a:prstGeom>
-                <a:ln w="152400">
-                  <a:solidFill>
-                    <a:schemeClr val="bg2">
-                      <a:lumMod val="90000"/>
-                    </a:schemeClr>
-                  </a:solidFill>
-                </a:ln>
-              </p:spPr>
-              <p:style>
-                <a:lnRef idx="1">
-                  <a:schemeClr val="accent1"/>
-                </a:lnRef>
-                <a:fillRef idx="0">
-                  <a:schemeClr val="accent1"/>
-                </a:fillRef>
-                <a:effectRef idx="0">
-                  <a:schemeClr val="accent1"/>
-                </a:effectRef>
-                <a:fontRef idx="minor">
-                  <a:schemeClr val="tx1"/>
-                </a:fontRef>
-              </p:style>
-            </p:cxnSp>
-            <p:sp>
-              <p:nvSpPr>
-                <p:cNvPr id="24" name="Rectangle 23"/>
-                <p:cNvSpPr/>
-                <p:nvPr/>
-              </p:nvSpPr>
-              <p:spPr>
-                <a:xfrm>
-                  <a:off x="4283320" y="2424154"/>
-                  <a:ext cx="12179809" cy="648971"/>
-                </a:xfrm>
-                <a:prstGeom prst="rect">
-                  <a:avLst/>
-                </a:prstGeom>
-                <a:solidFill>
-                  <a:schemeClr val="accent5">
-                    <a:lumMod val="75000"/>
-                  </a:schemeClr>
-                </a:solidFill>
-                <a:ln>
-                  <a:noFill/>
-                </a:ln>
-              </p:spPr>
-              <p:style>
-                <a:lnRef idx="2">
-                  <a:schemeClr val="accent1">
-                    <a:shade val="50000"/>
-                  </a:schemeClr>
-                </a:lnRef>
-                <a:fillRef idx="1">
-                  <a:schemeClr val="accent1"/>
-                </a:fillRef>
-                <a:effectRef idx="0">
-                  <a:schemeClr val="accent1"/>
-                </a:effectRef>
-                <a:fontRef idx="minor">
-                  <a:schemeClr val="lt1"/>
-                </a:fontRef>
-              </p:style>
-              <p:txBody>
-                <a:bodyPr rtlCol="0" anchor="ctr"/>
-                <a:lstStyle/>
-                <a:p>
-                  <a:pPr algn="ctr"/>
-                  <a:r>
-                    <a:rPr lang="en-US" sz="3106" b="1" dirty="0" smtClean="0">
-                      <a:latin typeface="Courier" charset="0"/>
-                      <a:ea typeface="Courier" charset="0"/>
-                      <a:cs typeface="Courier" charset="0"/>
-                    </a:rPr>
-                    <a:t>Algebraic Equivalence</a:t>
-                  </a:r>
-                  <a:endParaRPr lang="en-US" sz="3106" b="1" dirty="0">
-                    <a:latin typeface="Courier" charset="0"/>
-                    <a:ea typeface="Courier" charset="0"/>
-                    <a:cs typeface="Courier" charset="0"/>
-                  </a:endParaRPr>
-                </a:p>
-              </p:txBody>
-            </p:sp>
-          </p:grpSp>
           <p:sp>
             <p:nvSpPr>
-              <p:cNvPr id="43" name="TextBox 42"/>
-              <p:cNvSpPr txBox="1"/>
+              <p:cNvPr id="21" name="Rectangle 20"/>
+              <p:cNvSpPr/>
               <p:nvPr/>
             </p:nvSpPr>
             <p:spPr>
               <a:xfrm>
-                <a:off x="2787969" y="18606465"/>
-                <a:ext cx="12150548" cy="3026549"/>
+                <a:off x="4283320" y="2423160"/>
+                <a:ext cx="12179808" cy="4346673"/>
               </a:xfrm>
               <a:prstGeom prst="rect">
                 <a:avLst/>
@@ -3695,462 +3667,182 @@
               <a:solidFill>
                 <a:schemeClr val="bg1"/>
               </a:solidFill>
+              <a:ln>
+                <a:solidFill>
+                  <a:schemeClr val="bg1">
+                    <a:lumMod val="85000"/>
+                  </a:schemeClr>
+                </a:solidFill>
+              </a:ln>
             </p:spPr>
+            <p:style>
+              <a:lnRef idx="2">
+                <a:schemeClr val="accent1">
+                  <a:shade val="50000"/>
+                </a:schemeClr>
+              </a:lnRef>
+              <a:fillRef idx="1">
+                <a:schemeClr val="accent1"/>
+              </a:fillRef>
+              <a:effectRef idx="0">
+                <a:schemeClr val="accent1"/>
+              </a:effectRef>
+              <a:fontRef idx="minor">
+                <a:schemeClr val="lt1"/>
+              </a:fontRef>
+            </p:style>
             <p:txBody>
-              <a:bodyPr wrap="square" rtlCol="0">
-                <a:spAutoFit/>
-              </a:bodyPr>
+              <a:bodyPr rtlCol="0" anchor="ctr"/>
               <a:lstStyle/>
               <a:p>
+                <a:pPr algn="ctr"/>
                 <a:r>
-                  <a:rPr lang="en-US" sz="2541" dirty="0" smtClean="0">
-                    <a:solidFill>
-                      <a:schemeClr val="accent6">
-                        <a:lumMod val="75000"/>
-                      </a:schemeClr>
-                    </a:solidFill>
-                    <a:latin typeface="Consolas" charset="0"/>
-                    <a:ea typeface="Consolas" charset="0"/>
-                    <a:cs typeface="Consolas" charset="0"/>
+                  <a:rPr lang="en-US" sz="3659" dirty="0" smtClean="0"/>
+                  <a:t>–</a:t>
+                </a:r>
+                <a:endParaRPr lang="en-US" sz="3659" dirty="0"/>
+              </a:p>
+            </p:txBody>
+          </p:sp>
+          <p:cxnSp>
+            <p:nvCxnSpPr>
+              <p:cNvPr id="23" name="Straight Connector 22"/>
+              <p:cNvCxnSpPr/>
+              <p:nvPr/>
+            </p:nvCxnSpPr>
+            <p:spPr>
+              <a:xfrm>
+                <a:off x="4796812" y="3296455"/>
+                <a:ext cx="0" cy="2443760"/>
+              </a:xfrm>
+              <a:prstGeom prst="line">
+                <a:avLst/>
+              </a:prstGeom>
+              <a:ln w="152400">
+                <a:solidFill>
+                  <a:schemeClr val="bg2">
+                    <a:lumMod val="90000"/>
+                  </a:schemeClr>
+                </a:solidFill>
+              </a:ln>
+            </p:spPr>
+            <p:style>
+              <a:lnRef idx="1">
+                <a:schemeClr val="accent1"/>
+              </a:lnRef>
+              <a:fillRef idx="0">
+                <a:schemeClr val="accent1"/>
+              </a:fillRef>
+              <a:effectRef idx="0">
+                <a:schemeClr val="accent1"/>
+              </a:effectRef>
+              <a:fontRef idx="minor">
+                <a:schemeClr val="tx1"/>
+              </a:fontRef>
+            </p:style>
+          </p:cxnSp>
+          <p:sp>
+            <p:nvSpPr>
+              <p:cNvPr id="24" name="Rectangle 23"/>
+              <p:cNvSpPr/>
+              <p:nvPr/>
+            </p:nvSpPr>
+            <p:spPr>
+              <a:xfrm>
+                <a:off x="4283320" y="2424154"/>
+                <a:ext cx="12179809" cy="648971"/>
+              </a:xfrm>
+              <a:prstGeom prst="rect">
+                <a:avLst/>
+              </a:prstGeom>
+              <a:solidFill>
+                <a:schemeClr val="accent5">
+                  <a:lumMod val="75000"/>
+                </a:schemeClr>
+              </a:solidFill>
+              <a:ln>
+                <a:noFill/>
+              </a:ln>
+            </p:spPr>
+            <p:style>
+              <a:lnRef idx="2">
+                <a:schemeClr val="accent1">
+                  <a:shade val="50000"/>
+                </a:schemeClr>
+              </a:lnRef>
+              <a:fillRef idx="1">
+                <a:schemeClr val="accent1"/>
+              </a:fillRef>
+              <a:effectRef idx="0">
+                <a:schemeClr val="accent1"/>
+              </a:effectRef>
+              <a:fontRef idx="minor">
+                <a:schemeClr val="lt1"/>
+              </a:fontRef>
+            </p:style>
+            <p:txBody>
+              <a:bodyPr rtlCol="0" anchor="ctr"/>
+              <a:lstStyle/>
+              <a:p>
+                <a:pPr algn="ctr"/>
+                <a:r>
+                  <a:rPr lang="en-US" sz="3106" b="1" dirty="0" smtClean="0">
+                    <a:latin typeface="Courier" charset="0"/>
+                    <a:ea typeface="Courier" charset="0"/>
+                    <a:cs typeface="Courier" charset="0"/>
                   </a:rPr>
-                  <a:t>(* Selection distributes over union *)</a:t>
+                  <a:t>Algebraic Equivalence</a:t>
                 </a:r>
+                <a:endParaRPr lang="en-US" sz="3106" b="1" dirty="0">
+                  <a:latin typeface="Courier" charset="0"/>
+                  <a:ea typeface="Courier" charset="0"/>
+                  <a:cs typeface="Courier" charset="0"/>
+                </a:endParaRPr>
               </a:p>
-              <a:p>
-                <a:r>
-                  <a:rPr lang="en-US" sz="2541" dirty="0" smtClean="0">
-                    <a:solidFill>
-                      <a:schemeClr val="accent5">
-                        <a:lumMod val="75000"/>
-                      </a:schemeClr>
-                    </a:solidFill>
-                    <a:latin typeface="Consolas" charset="0"/>
-                    <a:ea typeface="Consolas" charset="0"/>
-                    <a:cs typeface="Consolas" charset="0"/>
-                  </a:rPr>
-                  <a:t>Lemma</a:t>
-                </a:r>
-                <a:r>
-                  <a:rPr lang="en-US" sz="2541" dirty="0" smtClean="0">
-                    <a:latin typeface="Consolas" charset="0"/>
-                    <a:ea typeface="Consolas" charset="0"/>
-                    <a:cs typeface="Consolas" charset="0"/>
-                  </a:rPr>
-                  <a:t> </a:t>
-                </a:r>
-                <a:r>
-                  <a:rPr lang="en-US" sz="2541" dirty="0" err="1" smtClean="0">
-                    <a:latin typeface="Consolas" charset="0"/>
-                    <a:ea typeface="Consolas" charset="0"/>
-                    <a:cs typeface="Consolas" charset="0"/>
-                  </a:rPr>
-                  <a:t>select_union_distr</a:t>
-                </a:r>
-                <a:r>
-                  <a:rPr lang="en-US" sz="2541" dirty="0" smtClean="0">
-                    <a:latin typeface="Consolas" charset="0"/>
-                    <a:ea typeface="Consolas" charset="0"/>
-                    <a:cs typeface="Consolas" charset="0"/>
-                  </a:rPr>
-                  <a:t> q</a:t>
-                </a:r>
-                <a:r>
-                  <a:rPr lang="en-US" sz="2541" baseline="-25000" dirty="0" smtClean="0">
-                    <a:latin typeface="Consolas" charset="0"/>
-                    <a:ea typeface="Consolas" charset="0"/>
-                    <a:cs typeface="Consolas" charset="0"/>
-                  </a:rPr>
-                  <a:t>0</a:t>
-                </a:r>
-                <a:r>
-                  <a:rPr lang="en-US" sz="2541" dirty="0" smtClean="0">
-                    <a:latin typeface="Consolas" charset="0"/>
-                    <a:ea typeface="Consolas" charset="0"/>
-                    <a:cs typeface="Consolas" charset="0"/>
-                  </a:rPr>
-                  <a:t> q</a:t>
-                </a:r>
-                <a:r>
-                  <a:rPr lang="en-US" sz="2541" baseline="-25000" dirty="0" smtClean="0">
-                    <a:latin typeface="Consolas" charset="0"/>
-                    <a:ea typeface="Consolas" charset="0"/>
-                    <a:cs typeface="Consolas" charset="0"/>
-                  </a:rPr>
-                  <a:t>1</a:t>
-                </a:r>
-                <a:r>
-                  <a:rPr lang="en-US" sz="2541" dirty="0" smtClean="0">
-                    <a:latin typeface="Consolas" charset="0"/>
-                    <a:ea typeface="Consolas" charset="0"/>
-                    <a:cs typeface="Consolas" charset="0"/>
-                  </a:rPr>
-                  <a:t> q</a:t>
-                </a:r>
-                <a:r>
-                  <a:rPr lang="en-US" sz="2541" baseline="-25000" dirty="0" smtClean="0">
-                    <a:latin typeface="Consolas" charset="0"/>
-                    <a:ea typeface="Consolas" charset="0"/>
-                    <a:cs typeface="Consolas" charset="0"/>
-                  </a:rPr>
-                  <a:t>2</a:t>
-                </a:r>
-                <a:r>
-                  <a:rPr lang="en-US" sz="2541" dirty="0" smtClean="0">
-                    <a:latin typeface="Consolas" charset="0"/>
-                    <a:ea typeface="Consolas" charset="0"/>
-                    <a:cs typeface="Consolas" charset="0"/>
-                  </a:rPr>
-                  <a:t> :</a:t>
-                </a:r>
-              </a:p>
-              <a:p>
-                <a:r>
-                  <a:rPr lang="it-IT" sz="2541" dirty="0" smtClean="0">
-                    <a:latin typeface="Consolas" charset="0"/>
-                    <a:ea typeface="Consolas" charset="0"/>
-                    <a:cs typeface="Consolas" charset="0"/>
-                  </a:rPr>
-                  <a:t>    𝛔⟨ </a:t>
-                </a:r>
-                <a:r>
-                  <a:rPr lang="en-US" sz="2541" dirty="0" smtClean="0">
-                    <a:latin typeface="Consolas" charset="0"/>
-                    <a:ea typeface="Consolas" charset="0"/>
-                    <a:cs typeface="Consolas" charset="0"/>
-                  </a:rPr>
-                  <a:t>q</a:t>
-                </a:r>
-                <a:r>
-                  <a:rPr lang="en-US" sz="2541" baseline="-25000" dirty="0" smtClean="0">
-                    <a:latin typeface="Consolas" charset="0"/>
-                    <a:ea typeface="Consolas" charset="0"/>
-                    <a:cs typeface="Consolas" charset="0"/>
-                  </a:rPr>
-                  <a:t>0</a:t>
-                </a:r>
-                <a:r>
-                  <a:rPr lang="it-IT" sz="2541" dirty="0">
-                    <a:latin typeface="Consolas" charset="0"/>
-                    <a:ea typeface="Consolas" charset="0"/>
-                    <a:cs typeface="Consolas" charset="0"/>
-                  </a:rPr>
-                  <a:t> </a:t>
-                </a:r>
-                <a:r>
-                  <a:rPr lang="de-DE" sz="2541" dirty="0" smtClean="0">
-                    <a:latin typeface="Consolas" charset="0"/>
-                    <a:ea typeface="Consolas" charset="0"/>
-                    <a:cs typeface="Consolas" charset="0"/>
-                  </a:rPr>
-                  <a:t>⟩(</a:t>
-                </a:r>
-                <a:r>
-                  <a:rPr lang="en-US" sz="2541" dirty="0">
-                    <a:latin typeface="Consolas" charset="0"/>
-                    <a:ea typeface="Consolas" charset="0"/>
-                    <a:cs typeface="Consolas" charset="0"/>
-                  </a:rPr>
-                  <a:t>q</a:t>
-                </a:r>
-                <a:r>
-                  <a:rPr lang="en-US" sz="2541" baseline="-25000" dirty="0">
-                    <a:latin typeface="Consolas" charset="0"/>
-                    <a:ea typeface="Consolas" charset="0"/>
-                    <a:cs typeface="Consolas" charset="0"/>
-                  </a:rPr>
-                  <a:t>1</a:t>
-                </a:r>
-                <a:r>
-                  <a:rPr lang="en-US" sz="2541" dirty="0">
-                    <a:latin typeface="Consolas" charset="0"/>
-                    <a:ea typeface="Consolas" charset="0"/>
-                    <a:cs typeface="Consolas" charset="0"/>
-                  </a:rPr>
-                  <a:t> </a:t>
-                </a:r>
-                <a:r>
-                  <a:rPr lang="en-US" sz="2541" dirty="0" smtClean="0">
-                    <a:latin typeface="Consolas" charset="0"/>
-                    <a:ea typeface="Consolas" charset="0"/>
-                    <a:cs typeface="Consolas" charset="0"/>
-                  </a:rPr>
-                  <a:t>∪ q</a:t>
-                </a:r>
-                <a:r>
-                  <a:rPr lang="en-US" sz="2541" baseline="-25000" dirty="0" smtClean="0">
-                    <a:latin typeface="Consolas" charset="0"/>
-                    <a:ea typeface="Consolas" charset="0"/>
-                    <a:cs typeface="Consolas" charset="0"/>
-                  </a:rPr>
-                  <a:t>2</a:t>
-                </a:r>
-                <a:r>
-                  <a:rPr lang="de-DE" sz="2541" dirty="0">
-                    <a:latin typeface="Consolas" charset="0"/>
-                    <a:ea typeface="Consolas" charset="0"/>
-                    <a:cs typeface="Consolas" charset="0"/>
-                  </a:rPr>
-                  <a:t>) </a:t>
-                </a:r>
-                <a:r>
-                  <a:rPr lang="de-DE" sz="2541" dirty="0" smtClean="0">
-                    <a:latin typeface="Consolas" charset="0"/>
-                    <a:ea typeface="Consolas" charset="0"/>
-                    <a:cs typeface="Consolas" charset="0"/>
-                  </a:rPr>
-                  <a:t>≡ </a:t>
-                </a:r>
-                <a:r>
-                  <a:rPr lang="it-IT" sz="2541" dirty="0">
-                    <a:latin typeface="Consolas" charset="0"/>
-                    <a:ea typeface="Consolas" charset="0"/>
-                    <a:cs typeface="Consolas" charset="0"/>
-                  </a:rPr>
-                  <a:t>𝛔</a:t>
-                </a:r>
-                <a:r>
-                  <a:rPr lang="it-IT" sz="2541" dirty="0" smtClean="0">
-                    <a:latin typeface="Consolas" charset="0"/>
-                    <a:ea typeface="Consolas" charset="0"/>
-                    <a:cs typeface="Consolas" charset="0"/>
-                  </a:rPr>
-                  <a:t>⟨</a:t>
-                </a:r>
-                <a:r>
-                  <a:rPr lang="it-IT" sz="2541" dirty="0">
-                    <a:latin typeface="Consolas" charset="0"/>
-                    <a:ea typeface="Consolas" charset="0"/>
-                    <a:cs typeface="Consolas" charset="0"/>
-                  </a:rPr>
-                  <a:t> </a:t>
-                </a:r>
-                <a:r>
-                  <a:rPr lang="en-US" sz="2541" dirty="0" smtClean="0">
-                    <a:latin typeface="Consolas" charset="0"/>
-                    <a:ea typeface="Consolas" charset="0"/>
-                    <a:cs typeface="Consolas" charset="0"/>
-                  </a:rPr>
-                  <a:t>q</a:t>
-                </a:r>
-                <a:r>
-                  <a:rPr lang="en-US" sz="2541" baseline="-25000" dirty="0" smtClean="0">
-                    <a:latin typeface="Consolas" charset="0"/>
-                    <a:ea typeface="Consolas" charset="0"/>
-                    <a:cs typeface="Consolas" charset="0"/>
-                  </a:rPr>
-                  <a:t>0</a:t>
-                </a:r>
-                <a:r>
-                  <a:rPr lang="it-IT" sz="2541" dirty="0">
-                    <a:latin typeface="Consolas" charset="0"/>
-                    <a:ea typeface="Consolas" charset="0"/>
-                    <a:cs typeface="Consolas" charset="0"/>
-                  </a:rPr>
-                  <a:t> </a:t>
-                </a:r>
-                <a:r>
-                  <a:rPr lang="de-DE" sz="2541" dirty="0" smtClean="0">
-                    <a:latin typeface="Consolas" charset="0"/>
-                    <a:ea typeface="Consolas" charset="0"/>
-                    <a:cs typeface="Consolas" charset="0"/>
-                  </a:rPr>
-                  <a:t>⟩</a:t>
-                </a:r>
-                <a:r>
-                  <a:rPr lang="de-DE" sz="2541" dirty="0">
-                    <a:latin typeface="Consolas" charset="0"/>
-                    <a:ea typeface="Consolas" charset="0"/>
-                    <a:cs typeface="Consolas" charset="0"/>
-                  </a:rPr>
-                  <a:t>(</a:t>
-                </a:r>
-                <a:r>
-                  <a:rPr lang="en-US" sz="2541" dirty="0" smtClean="0">
-                    <a:latin typeface="Consolas" charset="0"/>
-                    <a:ea typeface="Consolas" charset="0"/>
-                    <a:cs typeface="Consolas" charset="0"/>
-                  </a:rPr>
-                  <a:t>q</a:t>
-                </a:r>
-                <a:r>
-                  <a:rPr lang="en-US" sz="2541" baseline="-25000" dirty="0" smtClean="0">
-                    <a:latin typeface="Consolas" charset="0"/>
-                    <a:ea typeface="Consolas" charset="0"/>
-                    <a:cs typeface="Consolas" charset="0"/>
-                  </a:rPr>
-                  <a:t>1</a:t>
-                </a:r>
-                <a:r>
-                  <a:rPr lang="en-US" sz="2541" dirty="0" smtClean="0">
-                    <a:latin typeface="Consolas" charset="0"/>
-                    <a:ea typeface="Consolas" charset="0"/>
-                    <a:cs typeface="Consolas" charset="0"/>
-                  </a:rPr>
-                  <a:t>) ∪ </a:t>
-                </a:r>
-                <a:r>
-                  <a:rPr lang="it-IT" sz="2541" dirty="0">
-                    <a:latin typeface="Consolas" charset="0"/>
-                    <a:ea typeface="Consolas" charset="0"/>
-                    <a:cs typeface="Consolas" charset="0"/>
-                  </a:rPr>
-                  <a:t>𝛔</a:t>
-                </a:r>
-                <a:r>
-                  <a:rPr lang="it-IT" sz="2541" dirty="0" smtClean="0">
-                    <a:latin typeface="Consolas" charset="0"/>
-                    <a:ea typeface="Consolas" charset="0"/>
-                    <a:cs typeface="Consolas" charset="0"/>
-                  </a:rPr>
-                  <a:t>⟨</a:t>
-                </a:r>
-                <a:r>
-                  <a:rPr lang="it-IT" sz="2541" dirty="0">
-                    <a:latin typeface="Consolas" charset="0"/>
-                    <a:ea typeface="Consolas" charset="0"/>
-                    <a:cs typeface="Consolas" charset="0"/>
-                  </a:rPr>
-                  <a:t> </a:t>
-                </a:r>
-                <a:r>
-                  <a:rPr lang="en-US" sz="2541" dirty="0" smtClean="0">
-                    <a:latin typeface="Consolas" charset="0"/>
-                    <a:ea typeface="Consolas" charset="0"/>
-                    <a:cs typeface="Consolas" charset="0"/>
-                  </a:rPr>
-                  <a:t>q</a:t>
-                </a:r>
-                <a:r>
-                  <a:rPr lang="en-US" sz="2541" baseline="-25000" dirty="0" smtClean="0">
-                    <a:latin typeface="Consolas" charset="0"/>
-                    <a:ea typeface="Consolas" charset="0"/>
-                    <a:cs typeface="Consolas" charset="0"/>
-                  </a:rPr>
-                  <a:t>0</a:t>
-                </a:r>
-                <a:r>
-                  <a:rPr lang="it-IT" sz="2541" dirty="0">
-                    <a:latin typeface="Consolas" charset="0"/>
-                    <a:ea typeface="Consolas" charset="0"/>
-                    <a:cs typeface="Consolas" charset="0"/>
-                  </a:rPr>
-                  <a:t> </a:t>
-                </a:r>
-                <a:r>
-                  <a:rPr lang="de-DE" sz="2541" dirty="0" smtClean="0">
-                    <a:latin typeface="Consolas" charset="0"/>
-                    <a:ea typeface="Consolas" charset="0"/>
-                    <a:cs typeface="Consolas" charset="0"/>
-                  </a:rPr>
-                  <a:t>⟩(</a:t>
-                </a:r>
-                <a:r>
-                  <a:rPr lang="en-US" sz="2541" dirty="0" smtClean="0">
-                    <a:latin typeface="Consolas" charset="0"/>
-                    <a:ea typeface="Consolas" charset="0"/>
-                    <a:cs typeface="Consolas" charset="0"/>
-                  </a:rPr>
-                  <a:t>q</a:t>
-                </a:r>
-                <a:r>
-                  <a:rPr lang="en-US" sz="2541" baseline="-25000" dirty="0" smtClean="0">
-                    <a:latin typeface="Consolas" charset="0"/>
-                    <a:ea typeface="Consolas" charset="0"/>
-                    <a:cs typeface="Consolas" charset="0"/>
-                  </a:rPr>
-                  <a:t>2</a:t>
-                </a:r>
-                <a:r>
-                  <a:rPr lang="de-DE" sz="2541" dirty="0" smtClean="0">
-                    <a:latin typeface="Consolas" charset="0"/>
-                    <a:ea typeface="Consolas" charset="0"/>
-                    <a:cs typeface="Consolas" charset="0"/>
-                  </a:rPr>
-                  <a:t>).</a:t>
-                </a:r>
-              </a:p>
-              <a:p>
-                <a:r>
-                  <a:rPr lang="en-US" sz="2541" dirty="0" smtClean="0">
-                    <a:solidFill>
-                      <a:schemeClr val="accent5">
-                        <a:lumMod val="75000"/>
-                      </a:schemeClr>
-                    </a:solidFill>
-                    <a:latin typeface="Consolas" charset="0"/>
-                    <a:ea typeface="Consolas" charset="0"/>
-                    <a:cs typeface="Consolas" charset="0"/>
-                  </a:rPr>
-                  <a:t>Proof.</a:t>
-                </a:r>
-              </a:p>
-              <a:p>
-                <a:r>
-                  <a:rPr lang="en-US" sz="2541" dirty="0" smtClean="0">
-                    <a:solidFill>
-                      <a:schemeClr val="accent5">
-                        <a:lumMod val="75000"/>
-                      </a:schemeClr>
-                    </a:solidFill>
-                    <a:latin typeface="Consolas" charset="0"/>
-                    <a:ea typeface="Consolas" charset="0"/>
-                    <a:cs typeface="Consolas" charset="0"/>
-                  </a:rPr>
-                  <a:t>  </a:t>
-                </a:r>
-                <a:r>
-                  <a:rPr lang="mr-IN" sz="2541" dirty="0" smtClean="0">
-                    <a:solidFill>
-                      <a:schemeClr val="accent5">
-                        <a:lumMod val="75000"/>
-                      </a:schemeClr>
-                    </a:solidFill>
-                    <a:latin typeface="Consolas" charset="0"/>
-                    <a:ea typeface="Consolas" charset="0"/>
-                    <a:cs typeface="Consolas" charset="0"/>
-                  </a:rPr>
-                  <a:t>…</a:t>
-                </a:r>
-                <a:r>
-                  <a:rPr lang="en-US" sz="2541" dirty="0" smtClean="0">
-                    <a:solidFill>
-                      <a:schemeClr val="accent5">
-                        <a:lumMod val="75000"/>
-                      </a:schemeClr>
-                    </a:solidFill>
-                    <a:latin typeface="Consolas" charset="0"/>
-                    <a:ea typeface="Consolas" charset="0"/>
-                    <a:cs typeface="Consolas" charset="0"/>
-                  </a:rPr>
-                  <a:t> </a:t>
-                </a:r>
-                <a:r>
-                  <a:rPr lang="en-US" sz="2541" dirty="0">
-                    <a:solidFill>
-                      <a:schemeClr val="accent6">
-                        <a:lumMod val="75000"/>
-                      </a:schemeClr>
-                    </a:solidFill>
-                    <a:latin typeface="Consolas" charset="0"/>
-                    <a:ea typeface="Consolas" charset="0"/>
-                    <a:cs typeface="Consolas" charset="0"/>
-                  </a:rPr>
-                  <a:t>(* </a:t>
-                </a:r>
-                <a:r>
-                  <a:rPr lang="en-US" sz="2541" dirty="0" smtClean="0">
-                    <a:solidFill>
-                      <a:schemeClr val="accent6">
-                        <a:lumMod val="75000"/>
-                      </a:schemeClr>
-                    </a:solidFill>
-                    <a:latin typeface="Consolas" charset="0"/>
-                    <a:ea typeface="Consolas" charset="0"/>
-                    <a:cs typeface="Consolas" charset="0"/>
-                  </a:rPr>
-                  <a:t>proof omitted *)</a:t>
-                </a:r>
-                <a:endParaRPr lang="en-US" sz="2541" dirty="0" smtClean="0">
+            </p:txBody>
+          </p:sp>
+        </p:grpSp>
+        <p:sp>
+          <p:nvSpPr>
+            <p:cNvPr id="43" name="TextBox 42"/>
+            <p:cNvSpPr txBox="1"/>
+            <p:nvPr/>
+          </p:nvSpPr>
+          <p:spPr>
+            <a:xfrm>
+              <a:off x="2753636" y="18430281"/>
+              <a:ext cx="12150548" cy="3026549"/>
+            </a:xfrm>
+            <a:prstGeom prst="rect">
+              <a:avLst/>
+            </a:prstGeom>
+            <a:solidFill>
+              <a:schemeClr val="bg1"/>
+            </a:solidFill>
+          </p:spPr>
+          <p:txBody>
+            <a:bodyPr wrap="square" rtlCol="0">
+              <a:spAutoFit/>
+            </a:bodyPr>
+            <a:lstStyle/>
+            <a:p>
+              <a:r>
+                <a:rPr lang="en-US" sz="2541" dirty="0" smtClean="0">
+                  <a:solidFill>
+                    <a:schemeClr val="accent6">
+                      <a:lumMod val="75000"/>
+                    </a:schemeClr>
+                  </a:solidFill>
+                  <a:latin typeface="Consolas" charset="0"/>
+                  <a:ea typeface="Consolas" charset="0"/>
+                  <a:cs typeface="Consolas" charset="0"/>
+                </a:rPr>
+                <a:t>(* Selection distributes over union *)</a:t>
+              </a:r>
+            </a:p>
+            <a:p>
+              <a:r>
+                <a:rPr lang="en-US" sz="2541" dirty="0" smtClean="0">
                   <a:solidFill>
                     <a:schemeClr val="accent5">
                       <a:lumMod val="75000"/>
@@ -4159,36 +3851,351 @@
                   <a:latin typeface="Consolas" charset="0"/>
                   <a:ea typeface="Consolas" charset="0"/>
                   <a:cs typeface="Consolas" charset="0"/>
-                </a:endParaRPr>
-              </a:p>
-              <a:p>
-                <a:r>
-                  <a:rPr lang="en-US" sz="2541" dirty="0" err="1" smtClean="0">
-                    <a:solidFill>
-                      <a:schemeClr val="accent5">
-                        <a:lumMod val="75000"/>
-                      </a:schemeClr>
-                    </a:solidFill>
-                    <a:latin typeface="Consolas" charset="0"/>
-                    <a:ea typeface="Consolas" charset="0"/>
-                    <a:cs typeface="Consolas" charset="0"/>
-                  </a:rPr>
-                  <a:t>Qed</a:t>
-                </a:r>
-                <a:r>
-                  <a:rPr lang="en-US" sz="2541" dirty="0" smtClean="0">
-                    <a:solidFill>
-                      <a:schemeClr val="accent5">
-                        <a:lumMod val="75000"/>
-                      </a:schemeClr>
-                    </a:solidFill>
-                    <a:latin typeface="Consolas" charset="0"/>
-                    <a:ea typeface="Consolas" charset="0"/>
-                    <a:cs typeface="Consolas" charset="0"/>
-                  </a:rPr>
-                  <a:t>.</a:t>
-                </a:r>
-                <a:endParaRPr lang="en-US" sz="2541" dirty="0">
+                </a:rPr>
+                <a:t>Lemma</a:t>
+              </a:r>
+              <a:r>
+                <a:rPr lang="en-US" sz="2541" dirty="0" smtClean="0">
+                  <a:latin typeface="Consolas" charset="0"/>
+                  <a:ea typeface="Consolas" charset="0"/>
+                  <a:cs typeface="Consolas" charset="0"/>
+                </a:rPr>
+                <a:t> </a:t>
+              </a:r>
+              <a:r>
+                <a:rPr lang="en-US" sz="2541" dirty="0" err="1" smtClean="0">
+                  <a:latin typeface="Consolas" charset="0"/>
+                  <a:ea typeface="Consolas" charset="0"/>
+                  <a:cs typeface="Consolas" charset="0"/>
+                </a:rPr>
+                <a:t>select_union_distr</a:t>
+              </a:r>
+              <a:r>
+                <a:rPr lang="en-US" sz="2541" dirty="0" smtClean="0">
+                  <a:latin typeface="Consolas" charset="0"/>
+                  <a:ea typeface="Consolas" charset="0"/>
+                  <a:cs typeface="Consolas" charset="0"/>
+                </a:rPr>
+                <a:t> q</a:t>
+              </a:r>
+              <a:r>
+                <a:rPr lang="en-US" sz="2541" baseline="-25000" dirty="0" smtClean="0">
+                  <a:latin typeface="Consolas" charset="0"/>
+                  <a:ea typeface="Consolas" charset="0"/>
+                  <a:cs typeface="Consolas" charset="0"/>
+                </a:rPr>
+                <a:t>0</a:t>
+              </a:r>
+              <a:r>
+                <a:rPr lang="en-US" sz="2541" dirty="0" smtClean="0">
+                  <a:latin typeface="Consolas" charset="0"/>
+                  <a:ea typeface="Consolas" charset="0"/>
+                  <a:cs typeface="Consolas" charset="0"/>
+                </a:rPr>
+                <a:t> q</a:t>
+              </a:r>
+              <a:r>
+                <a:rPr lang="en-US" sz="2541" baseline="-25000" dirty="0" smtClean="0">
+                  <a:latin typeface="Consolas" charset="0"/>
+                  <a:ea typeface="Consolas" charset="0"/>
+                  <a:cs typeface="Consolas" charset="0"/>
+                </a:rPr>
+                <a:t>1</a:t>
+              </a:r>
+              <a:r>
+                <a:rPr lang="en-US" sz="2541" dirty="0" smtClean="0">
+                  <a:latin typeface="Consolas" charset="0"/>
+                  <a:ea typeface="Consolas" charset="0"/>
+                  <a:cs typeface="Consolas" charset="0"/>
+                </a:rPr>
+                <a:t> q</a:t>
+              </a:r>
+              <a:r>
+                <a:rPr lang="en-US" sz="2541" baseline="-25000" dirty="0" smtClean="0">
+                  <a:latin typeface="Consolas" charset="0"/>
+                  <a:ea typeface="Consolas" charset="0"/>
+                  <a:cs typeface="Consolas" charset="0"/>
+                </a:rPr>
+                <a:t>2</a:t>
+              </a:r>
+              <a:r>
+                <a:rPr lang="en-US" sz="2541" dirty="0" smtClean="0">
+                  <a:latin typeface="Consolas" charset="0"/>
+                  <a:ea typeface="Consolas" charset="0"/>
+                  <a:cs typeface="Consolas" charset="0"/>
+                </a:rPr>
+                <a:t> :</a:t>
+              </a:r>
+            </a:p>
+            <a:p>
+              <a:r>
+                <a:rPr lang="it-IT" sz="2541" dirty="0" smtClean="0">
+                  <a:latin typeface="Consolas" charset="0"/>
+                  <a:ea typeface="Consolas" charset="0"/>
+                  <a:cs typeface="Consolas" charset="0"/>
+                </a:rPr>
+                <a:t>    𝛔⟨ </a:t>
+              </a:r>
+              <a:r>
+                <a:rPr lang="en-US" sz="2541" dirty="0" smtClean="0">
+                  <a:latin typeface="Consolas" charset="0"/>
+                  <a:ea typeface="Consolas" charset="0"/>
+                  <a:cs typeface="Consolas" charset="0"/>
+                </a:rPr>
+                <a:t>q</a:t>
+              </a:r>
+              <a:r>
+                <a:rPr lang="en-US" sz="2541" baseline="-25000" dirty="0" smtClean="0">
+                  <a:latin typeface="Consolas" charset="0"/>
+                  <a:ea typeface="Consolas" charset="0"/>
+                  <a:cs typeface="Consolas" charset="0"/>
+                </a:rPr>
+                <a:t>0</a:t>
+              </a:r>
+              <a:r>
+                <a:rPr lang="it-IT" sz="2541" dirty="0">
+                  <a:latin typeface="Consolas" charset="0"/>
+                  <a:ea typeface="Consolas" charset="0"/>
+                  <a:cs typeface="Consolas" charset="0"/>
+                </a:rPr>
+                <a:t> </a:t>
+              </a:r>
+              <a:r>
+                <a:rPr lang="de-DE" sz="2541" dirty="0" smtClean="0">
+                  <a:latin typeface="Consolas" charset="0"/>
+                  <a:ea typeface="Consolas" charset="0"/>
+                  <a:cs typeface="Consolas" charset="0"/>
+                </a:rPr>
+                <a:t>⟩(</a:t>
+              </a:r>
+              <a:r>
+                <a:rPr lang="en-US" sz="2541" dirty="0">
+                  <a:latin typeface="Consolas" charset="0"/>
+                  <a:ea typeface="Consolas" charset="0"/>
+                  <a:cs typeface="Consolas" charset="0"/>
+                </a:rPr>
+                <a:t>q</a:t>
+              </a:r>
+              <a:r>
+                <a:rPr lang="en-US" sz="2541" baseline="-25000" dirty="0">
+                  <a:latin typeface="Consolas" charset="0"/>
+                  <a:ea typeface="Consolas" charset="0"/>
+                  <a:cs typeface="Consolas" charset="0"/>
+                </a:rPr>
+                <a:t>1</a:t>
+              </a:r>
+              <a:r>
+                <a:rPr lang="en-US" sz="2541" dirty="0">
+                  <a:latin typeface="Consolas" charset="0"/>
+                  <a:ea typeface="Consolas" charset="0"/>
+                  <a:cs typeface="Consolas" charset="0"/>
+                </a:rPr>
+                <a:t> </a:t>
+              </a:r>
+              <a:r>
+                <a:rPr lang="en-US" sz="2541" dirty="0" smtClean="0">
+                  <a:latin typeface="Consolas" charset="0"/>
+                  <a:ea typeface="Consolas" charset="0"/>
+                  <a:cs typeface="Consolas" charset="0"/>
+                </a:rPr>
+                <a:t>∪ q</a:t>
+              </a:r>
+              <a:r>
+                <a:rPr lang="en-US" sz="2541" baseline="-25000" dirty="0" smtClean="0">
+                  <a:latin typeface="Consolas" charset="0"/>
+                  <a:ea typeface="Consolas" charset="0"/>
+                  <a:cs typeface="Consolas" charset="0"/>
+                </a:rPr>
+                <a:t>2</a:t>
+              </a:r>
+              <a:r>
+                <a:rPr lang="de-DE" sz="2541" dirty="0">
+                  <a:latin typeface="Consolas" charset="0"/>
+                  <a:ea typeface="Consolas" charset="0"/>
+                  <a:cs typeface="Consolas" charset="0"/>
+                </a:rPr>
+                <a:t>) </a:t>
+              </a:r>
+              <a:r>
+                <a:rPr lang="de-DE" sz="2541" dirty="0" smtClean="0">
+                  <a:latin typeface="Consolas" charset="0"/>
+                  <a:ea typeface="Consolas" charset="0"/>
+                  <a:cs typeface="Consolas" charset="0"/>
+                </a:rPr>
+                <a:t>≡ </a:t>
+              </a:r>
+              <a:r>
+                <a:rPr lang="it-IT" sz="2541" dirty="0">
+                  <a:latin typeface="Consolas" charset="0"/>
+                  <a:ea typeface="Consolas" charset="0"/>
+                  <a:cs typeface="Consolas" charset="0"/>
+                </a:rPr>
+                <a:t>𝛔</a:t>
+              </a:r>
+              <a:r>
+                <a:rPr lang="it-IT" sz="2541" dirty="0" smtClean="0">
+                  <a:latin typeface="Consolas" charset="0"/>
+                  <a:ea typeface="Consolas" charset="0"/>
+                  <a:cs typeface="Consolas" charset="0"/>
+                </a:rPr>
+                <a:t>⟨</a:t>
+              </a:r>
+              <a:r>
+                <a:rPr lang="it-IT" sz="2541" dirty="0">
+                  <a:latin typeface="Consolas" charset="0"/>
+                  <a:ea typeface="Consolas" charset="0"/>
+                  <a:cs typeface="Consolas" charset="0"/>
+                </a:rPr>
+                <a:t> </a:t>
+              </a:r>
+              <a:r>
+                <a:rPr lang="en-US" sz="2541" dirty="0" smtClean="0">
+                  <a:latin typeface="Consolas" charset="0"/>
+                  <a:ea typeface="Consolas" charset="0"/>
+                  <a:cs typeface="Consolas" charset="0"/>
+                </a:rPr>
+                <a:t>q</a:t>
+              </a:r>
+              <a:r>
+                <a:rPr lang="en-US" sz="2541" baseline="-25000" dirty="0" smtClean="0">
+                  <a:latin typeface="Consolas" charset="0"/>
+                  <a:ea typeface="Consolas" charset="0"/>
+                  <a:cs typeface="Consolas" charset="0"/>
+                </a:rPr>
+                <a:t>0</a:t>
+              </a:r>
+              <a:r>
+                <a:rPr lang="it-IT" sz="2541" dirty="0">
+                  <a:latin typeface="Consolas" charset="0"/>
+                  <a:ea typeface="Consolas" charset="0"/>
+                  <a:cs typeface="Consolas" charset="0"/>
+                </a:rPr>
+                <a:t> </a:t>
+              </a:r>
+              <a:r>
+                <a:rPr lang="de-DE" sz="2541" dirty="0" smtClean="0">
+                  <a:latin typeface="Consolas" charset="0"/>
+                  <a:ea typeface="Consolas" charset="0"/>
+                  <a:cs typeface="Consolas" charset="0"/>
+                </a:rPr>
+                <a:t>⟩</a:t>
+              </a:r>
+              <a:r>
+                <a:rPr lang="de-DE" sz="2541" dirty="0">
+                  <a:latin typeface="Consolas" charset="0"/>
+                  <a:ea typeface="Consolas" charset="0"/>
+                  <a:cs typeface="Consolas" charset="0"/>
+                </a:rPr>
+                <a:t>(</a:t>
+              </a:r>
+              <a:r>
+                <a:rPr lang="en-US" sz="2541" dirty="0" smtClean="0">
+                  <a:latin typeface="Consolas" charset="0"/>
+                  <a:ea typeface="Consolas" charset="0"/>
+                  <a:cs typeface="Consolas" charset="0"/>
+                </a:rPr>
+                <a:t>q</a:t>
+              </a:r>
+              <a:r>
+                <a:rPr lang="en-US" sz="2541" baseline="-25000" dirty="0" smtClean="0">
+                  <a:latin typeface="Consolas" charset="0"/>
+                  <a:ea typeface="Consolas" charset="0"/>
+                  <a:cs typeface="Consolas" charset="0"/>
+                </a:rPr>
+                <a:t>1</a:t>
+              </a:r>
+              <a:r>
+                <a:rPr lang="en-US" sz="2541" dirty="0" smtClean="0">
+                  <a:latin typeface="Consolas" charset="0"/>
+                  <a:ea typeface="Consolas" charset="0"/>
+                  <a:cs typeface="Consolas" charset="0"/>
+                </a:rPr>
+                <a:t>) ∪ </a:t>
+              </a:r>
+              <a:r>
+                <a:rPr lang="it-IT" sz="2541" dirty="0">
+                  <a:latin typeface="Consolas" charset="0"/>
+                  <a:ea typeface="Consolas" charset="0"/>
+                  <a:cs typeface="Consolas" charset="0"/>
+                </a:rPr>
+                <a:t>𝛔</a:t>
+              </a:r>
+              <a:r>
+                <a:rPr lang="it-IT" sz="2541" dirty="0" smtClean="0">
+                  <a:latin typeface="Consolas" charset="0"/>
+                  <a:ea typeface="Consolas" charset="0"/>
+                  <a:cs typeface="Consolas" charset="0"/>
+                </a:rPr>
+                <a:t>⟨</a:t>
+              </a:r>
+              <a:r>
+                <a:rPr lang="it-IT" sz="2541" dirty="0">
+                  <a:latin typeface="Consolas" charset="0"/>
+                  <a:ea typeface="Consolas" charset="0"/>
+                  <a:cs typeface="Consolas" charset="0"/>
+                </a:rPr>
+                <a:t> </a:t>
+              </a:r>
+              <a:r>
+                <a:rPr lang="en-US" sz="2541" dirty="0" smtClean="0">
+                  <a:latin typeface="Consolas" charset="0"/>
+                  <a:ea typeface="Consolas" charset="0"/>
+                  <a:cs typeface="Consolas" charset="0"/>
+                </a:rPr>
+                <a:t>q</a:t>
+              </a:r>
+              <a:r>
+                <a:rPr lang="en-US" sz="2541" baseline="-25000" dirty="0" smtClean="0">
+                  <a:latin typeface="Consolas" charset="0"/>
+                  <a:ea typeface="Consolas" charset="0"/>
+                  <a:cs typeface="Consolas" charset="0"/>
+                </a:rPr>
+                <a:t>0</a:t>
+              </a:r>
+              <a:r>
+                <a:rPr lang="it-IT" sz="2541" dirty="0">
+                  <a:latin typeface="Consolas" charset="0"/>
+                  <a:ea typeface="Consolas" charset="0"/>
+                  <a:cs typeface="Consolas" charset="0"/>
+                </a:rPr>
+                <a:t> </a:t>
+              </a:r>
+              <a:r>
+                <a:rPr lang="de-DE" sz="2541" dirty="0" smtClean="0">
+                  <a:latin typeface="Consolas" charset="0"/>
+                  <a:ea typeface="Consolas" charset="0"/>
+                  <a:cs typeface="Consolas" charset="0"/>
+                </a:rPr>
+                <a:t>⟩(</a:t>
+              </a:r>
+              <a:r>
+                <a:rPr lang="en-US" sz="2541" dirty="0" smtClean="0">
+                  <a:latin typeface="Consolas" charset="0"/>
+                  <a:ea typeface="Consolas" charset="0"/>
+                  <a:cs typeface="Consolas" charset="0"/>
+                </a:rPr>
+                <a:t>q</a:t>
+              </a:r>
+              <a:r>
+                <a:rPr lang="en-US" sz="2541" baseline="-25000" dirty="0" smtClean="0">
+                  <a:latin typeface="Consolas" charset="0"/>
+                  <a:ea typeface="Consolas" charset="0"/>
+                  <a:cs typeface="Consolas" charset="0"/>
+                </a:rPr>
+                <a:t>2</a:t>
+              </a:r>
+              <a:r>
+                <a:rPr lang="de-DE" sz="2541" dirty="0" smtClean="0">
+                  <a:latin typeface="Consolas" charset="0"/>
+                  <a:ea typeface="Consolas" charset="0"/>
+                  <a:cs typeface="Consolas" charset="0"/>
+                </a:rPr>
+                <a:t>).</a:t>
+              </a:r>
+            </a:p>
+            <a:p>
+              <a:r>
+                <a:rPr lang="en-US" sz="2541" dirty="0" smtClean="0">
                   <a:solidFill>
                     <a:schemeClr val="accent5">
                       <a:lumMod val="75000"/>
@@ -4197,35 +4204,672 @@
                   <a:latin typeface="Consolas" charset="0"/>
                   <a:ea typeface="Consolas" charset="0"/>
                   <a:cs typeface="Consolas" charset="0"/>
-                </a:endParaRPr>
-              </a:p>
-            </p:txBody>
-          </p:sp>
-        </p:grpSp>
+                </a:rPr>
+                <a:t>Proof.</a:t>
+              </a:r>
+            </a:p>
+            <a:p>
+              <a:r>
+                <a:rPr lang="en-US" sz="2541" dirty="0" smtClean="0">
+                  <a:solidFill>
+                    <a:schemeClr val="accent5">
+                      <a:lumMod val="75000"/>
+                    </a:schemeClr>
+                  </a:solidFill>
+                  <a:latin typeface="Consolas" charset="0"/>
+                  <a:ea typeface="Consolas" charset="0"/>
+                  <a:cs typeface="Consolas" charset="0"/>
+                </a:rPr>
+                <a:t>  </a:t>
+              </a:r>
+              <a:r>
+                <a:rPr lang="mr-IN" sz="2541" dirty="0" smtClean="0">
+                  <a:solidFill>
+                    <a:schemeClr val="accent5">
+                      <a:lumMod val="75000"/>
+                    </a:schemeClr>
+                  </a:solidFill>
+                  <a:latin typeface="Consolas" charset="0"/>
+                  <a:ea typeface="Consolas" charset="0"/>
+                  <a:cs typeface="Consolas" charset="0"/>
+                </a:rPr>
+                <a:t>…</a:t>
+              </a:r>
+              <a:r>
+                <a:rPr lang="en-US" sz="2541" dirty="0" smtClean="0">
+                  <a:solidFill>
+                    <a:schemeClr val="accent5">
+                      <a:lumMod val="75000"/>
+                    </a:schemeClr>
+                  </a:solidFill>
+                  <a:latin typeface="Consolas" charset="0"/>
+                  <a:ea typeface="Consolas" charset="0"/>
+                  <a:cs typeface="Consolas" charset="0"/>
+                </a:rPr>
+                <a:t> </a:t>
+              </a:r>
+              <a:r>
+                <a:rPr lang="en-US" sz="2541" dirty="0">
+                  <a:solidFill>
+                    <a:schemeClr val="accent6">
+                      <a:lumMod val="75000"/>
+                    </a:schemeClr>
+                  </a:solidFill>
+                  <a:latin typeface="Consolas" charset="0"/>
+                  <a:ea typeface="Consolas" charset="0"/>
+                  <a:cs typeface="Consolas" charset="0"/>
+                </a:rPr>
+                <a:t>(* </a:t>
+              </a:r>
+              <a:r>
+                <a:rPr lang="en-US" sz="2541" dirty="0" smtClean="0">
+                  <a:solidFill>
+                    <a:schemeClr val="accent6">
+                      <a:lumMod val="75000"/>
+                    </a:schemeClr>
+                  </a:solidFill>
+                  <a:latin typeface="Consolas" charset="0"/>
+                  <a:ea typeface="Consolas" charset="0"/>
+                  <a:cs typeface="Consolas" charset="0"/>
+                </a:rPr>
+                <a:t>proof omitted *)</a:t>
+              </a:r>
+              <a:endParaRPr lang="en-US" sz="2541" dirty="0" smtClean="0">
+                <a:solidFill>
+                  <a:schemeClr val="accent5">
+                    <a:lumMod val="75000"/>
+                  </a:schemeClr>
+                </a:solidFill>
+                <a:latin typeface="Consolas" charset="0"/>
+                <a:ea typeface="Consolas" charset="0"/>
+                <a:cs typeface="Consolas" charset="0"/>
+              </a:endParaRPr>
+            </a:p>
+            <a:p>
+              <a:r>
+                <a:rPr lang="en-US" sz="2541" dirty="0" err="1" smtClean="0">
+                  <a:solidFill>
+                    <a:schemeClr val="accent5">
+                      <a:lumMod val="75000"/>
+                    </a:schemeClr>
+                  </a:solidFill>
+                  <a:latin typeface="Consolas" charset="0"/>
+                  <a:ea typeface="Consolas" charset="0"/>
+                  <a:cs typeface="Consolas" charset="0"/>
+                </a:rPr>
+                <a:t>Qed</a:t>
+              </a:r>
+              <a:r>
+                <a:rPr lang="en-US" sz="2541" dirty="0" smtClean="0">
+                  <a:solidFill>
+                    <a:schemeClr val="accent5">
+                      <a:lumMod val="75000"/>
+                    </a:schemeClr>
+                  </a:solidFill>
+                  <a:latin typeface="Consolas" charset="0"/>
+                  <a:ea typeface="Consolas" charset="0"/>
+                  <a:cs typeface="Consolas" charset="0"/>
+                </a:rPr>
+                <a:t>.</a:t>
+              </a:r>
+              <a:endParaRPr lang="en-US" sz="2541" dirty="0">
+                <a:solidFill>
+                  <a:schemeClr val="accent5">
+                    <a:lumMod val="75000"/>
+                  </a:schemeClr>
+                </a:solidFill>
+                <a:latin typeface="Consolas" charset="0"/>
+                <a:ea typeface="Consolas" charset="0"/>
+                <a:cs typeface="Consolas" charset="0"/>
+              </a:endParaRPr>
+            </a:p>
+          </p:txBody>
+        </p:sp>
+      </p:grpSp>
+      <p:grpSp>
+        <p:nvGrpSpPr>
+          <p:cNvPr id="31" name="Group 30"/>
+          <p:cNvGrpSpPr/>
+          <p:nvPr/>
+        </p:nvGrpSpPr>
+        <p:grpSpPr>
+          <a:xfrm>
+            <a:off x="10739928" y="8856693"/>
+            <a:ext cx="10642332" cy="4104323"/>
+            <a:chOff x="19251623" y="7563602"/>
+            <a:chExt cx="12553765" cy="6279443"/>
+          </a:xfrm>
+        </p:grpSpPr>
+        <p:sp>
+          <p:nvSpPr>
+            <p:cNvPr id="32" name="Rectangle 31"/>
+            <p:cNvSpPr/>
+            <p:nvPr/>
+          </p:nvSpPr>
+          <p:spPr>
+            <a:xfrm>
+              <a:off x="19251623" y="7563602"/>
+              <a:ext cx="12553765" cy="6279443"/>
+            </a:xfrm>
+            <a:prstGeom prst="rect">
+              <a:avLst/>
+            </a:prstGeom>
+            <a:solidFill>
+              <a:schemeClr val="bg1"/>
+            </a:solidFill>
+            <a:ln>
+              <a:solidFill>
+                <a:schemeClr val="bg1">
+                  <a:lumMod val="85000"/>
+                </a:schemeClr>
+              </a:solidFill>
+            </a:ln>
+          </p:spPr>
+          <p:style>
+            <a:lnRef idx="2">
+              <a:schemeClr val="accent1">
+                <a:shade val="50000"/>
+              </a:schemeClr>
+            </a:lnRef>
+            <a:fillRef idx="1">
+              <a:schemeClr val="accent1"/>
+            </a:fillRef>
+            <a:effectRef idx="0">
+              <a:schemeClr val="accent1"/>
+            </a:effectRef>
+            <a:fontRef idx="minor">
+              <a:schemeClr val="lt1"/>
+            </a:fontRef>
+          </p:style>
+          <p:txBody>
+            <a:bodyPr rtlCol="0" anchor="ctr"/>
+            <a:lstStyle/>
+            <a:p>
+              <a:pPr algn="ctr"/>
+              <a:endParaRPr lang="en-US" sz="3659"/>
+            </a:p>
+          </p:txBody>
+        </p:sp>
+        <p:sp>
+          <p:nvSpPr>
+            <p:cNvPr id="36" name="TextBox 35"/>
+            <p:cNvSpPr txBox="1"/>
+            <p:nvPr/>
+          </p:nvSpPr>
+          <p:spPr>
+            <a:xfrm>
+              <a:off x="20145425" y="8744347"/>
+              <a:ext cx="11369714" cy="4927030"/>
+            </a:xfrm>
+            <a:prstGeom prst="rect">
+              <a:avLst/>
+            </a:prstGeom>
+            <a:solidFill>
+              <a:schemeClr val="bg1"/>
+            </a:solidFill>
+          </p:spPr>
+          <p:txBody>
+            <a:bodyPr wrap="square" rtlCol="0">
+              <a:spAutoFit/>
+            </a:bodyPr>
+            <a:lstStyle/>
+            <a:p>
+              <a:r>
+                <a:rPr lang="en-US" sz="2541" dirty="0" smtClean="0">
+                  <a:solidFill>
+                    <a:schemeClr val="accent6">
+                      <a:lumMod val="75000"/>
+                    </a:schemeClr>
+                  </a:solidFill>
+                  <a:latin typeface="Consolas" charset="0"/>
+                  <a:ea typeface="Consolas" charset="0"/>
+                  <a:cs typeface="Consolas" charset="0"/>
+                </a:rPr>
+                <a:t>(* Selection over union push-down *)</a:t>
+              </a:r>
+              <a:endParaRPr lang="en-US" sz="2541" dirty="0">
+                <a:latin typeface="Consolas" charset="0"/>
+                <a:ea typeface="Consolas" charset="0"/>
+                <a:cs typeface="Consolas" charset="0"/>
+              </a:endParaRPr>
+            </a:p>
+            <a:p>
+              <a:r>
+                <a:rPr lang="en-US" sz="2541" dirty="0" smtClean="0">
+                  <a:solidFill>
+                    <a:schemeClr val="accent5">
+                      <a:lumMod val="75000"/>
+                    </a:schemeClr>
+                  </a:solidFill>
+                  <a:latin typeface="Consolas" charset="0"/>
+                  <a:ea typeface="Consolas" charset="0"/>
+                  <a:cs typeface="Consolas" charset="0"/>
+                </a:rPr>
+                <a:t>Definition </a:t>
+              </a:r>
+              <a:r>
+                <a:rPr lang="en-US" sz="2541" dirty="0" err="1" smtClean="0">
+                  <a:latin typeface="Consolas" charset="0"/>
+                  <a:ea typeface="Consolas" charset="0"/>
+                  <a:cs typeface="Consolas" charset="0"/>
+                </a:rPr>
+                <a:t>select_union_distr_fun</a:t>
+              </a:r>
+              <a:r>
+                <a:rPr lang="en-US" sz="2541" dirty="0" smtClean="0">
+                  <a:latin typeface="Consolas" charset="0"/>
+                  <a:ea typeface="Consolas" charset="0"/>
+                  <a:cs typeface="Consolas" charset="0"/>
+                </a:rPr>
+                <a:t> q :=</a:t>
+              </a:r>
+              <a:endParaRPr lang="en-US" sz="2541" dirty="0">
+                <a:latin typeface="Consolas" charset="0"/>
+                <a:ea typeface="Consolas" charset="0"/>
+                <a:cs typeface="Consolas" charset="0"/>
+              </a:endParaRPr>
+            </a:p>
+            <a:p>
+              <a:r>
+                <a:rPr lang="en-US" sz="2541" dirty="0">
+                  <a:latin typeface="Consolas" charset="0"/>
+                  <a:ea typeface="Consolas" charset="0"/>
+                  <a:cs typeface="Consolas" charset="0"/>
+                </a:rPr>
+                <a:t> </a:t>
+              </a:r>
+              <a:r>
+                <a:rPr lang="en-US" sz="2541" dirty="0" smtClean="0">
+                  <a:latin typeface="Consolas" charset="0"/>
+                  <a:ea typeface="Consolas" charset="0"/>
+                  <a:cs typeface="Consolas" charset="0"/>
+                </a:rPr>
+                <a:t> </a:t>
+              </a:r>
+              <a:r>
+                <a:rPr lang="en-US" sz="2541" dirty="0" smtClean="0">
+                  <a:solidFill>
+                    <a:schemeClr val="accent5">
+                      <a:lumMod val="75000"/>
+                    </a:schemeClr>
+                  </a:solidFill>
+                  <a:latin typeface="Consolas" charset="0"/>
+                  <a:ea typeface="Consolas" charset="0"/>
+                  <a:cs typeface="Consolas" charset="0"/>
+                </a:rPr>
+                <a:t>match </a:t>
+              </a:r>
+              <a:r>
+                <a:rPr lang="en-US" sz="2541" dirty="0" smtClean="0">
+                  <a:latin typeface="Consolas" charset="0"/>
+                  <a:ea typeface="Consolas" charset="0"/>
+                  <a:cs typeface="Consolas" charset="0"/>
+                </a:rPr>
+                <a:t>q </a:t>
+              </a:r>
+              <a:r>
+                <a:rPr lang="en-US" sz="2541" dirty="0" smtClean="0">
+                  <a:solidFill>
+                    <a:schemeClr val="accent5">
+                      <a:lumMod val="75000"/>
+                    </a:schemeClr>
+                  </a:solidFill>
+                  <a:latin typeface="Consolas" charset="0"/>
+                  <a:ea typeface="Consolas" charset="0"/>
+                  <a:cs typeface="Consolas" charset="0"/>
+                </a:rPr>
+                <a:t>with</a:t>
+              </a:r>
+              <a:endParaRPr lang="en-US" sz="2541" dirty="0" smtClean="0">
+                <a:latin typeface="Consolas" charset="0"/>
+                <a:ea typeface="Consolas" charset="0"/>
+                <a:cs typeface="Consolas" charset="0"/>
+              </a:endParaRPr>
+            </a:p>
+            <a:p>
+              <a:r>
+                <a:rPr lang="en-US" sz="2541" dirty="0">
+                  <a:latin typeface="Consolas" charset="0"/>
+                  <a:ea typeface="Consolas" charset="0"/>
+                  <a:cs typeface="Consolas" charset="0"/>
+                </a:rPr>
+                <a:t> </a:t>
+              </a:r>
+              <a:r>
+                <a:rPr lang="en-US" sz="2541" dirty="0" smtClean="0">
+                  <a:latin typeface="Consolas" charset="0"/>
+                  <a:ea typeface="Consolas" charset="0"/>
+                  <a:cs typeface="Consolas" charset="0"/>
+                </a:rPr>
+                <a:t> | </a:t>
+              </a:r>
+              <a:r>
+                <a:rPr lang="en-US" sz="2541" dirty="0" err="1" smtClean="0">
+                  <a:latin typeface="Consolas" charset="0"/>
+                  <a:ea typeface="Consolas" charset="0"/>
+                  <a:cs typeface="Consolas" charset="0"/>
+                </a:rPr>
+                <a:t>NRAEnvSelect</a:t>
+              </a:r>
+              <a:r>
+                <a:rPr lang="en-US" sz="2541" dirty="0" smtClean="0">
+                  <a:latin typeface="Consolas" charset="0"/>
+                  <a:ea typeface="Consolas" charset="0"/>
+                  <a:cs typeface="Consolas" charset="0"/>
+                </a:rPr>
+                <a:t> q0 (</a:t>
+              </a:r>
+              <a:r>
+                <a:rPr lang="en-US" sz="2541" dirty="0" err="1" smtClean="0">
+                  <a:latin typeface="Consolas" charset="0"/>
+                  <a:ea typeface="Consolas" charset="0"/>
+                  <a:cs typeface="Consolas" charset="0"/>
+                </a:rPr>
+                <a:t>NRAEnvBinop</a:t>
+              </a:r>
+              <a:r>
+                <a:rPr lang="en-US" sz="2541" dirty="0" smtClean="0">
+                  <a:latin typeface="Consolas" charset="0"/>
+                  <a:ea typeface="Consolas" charset="0"/>
+                  <a:cs typeface="Consolas" charset="0"/>
+                </a:rPr>
+                <a:t> </a:t>
+              </a:r>
+              <a:r>
+                <a:rPr lang="en-US" sz="2541" dirty="0" err="1" smtClean="0">
+                  <a:latin typeface="Consolas" charset="0"/>
+                  <a:ea typeface="Consolas" charset="0"/>
+                  <a:cs typeface="Consolas" charset="0"/>
+                </a:rPr>
+                <a:t>AUnion</a:t>
+              </a:r>
+              <a:r>
+                <a:rPr lang="en-US" sz="2541" dirty="0" smtClean="0">
+                  <a:latin typeface="Consolas" charset="0"/>
+                  <a:ea typeface="Consolas" charset="0"/>
+                  <a:cs typeface="Consolas" charset="0"/>
+                </a:rPr>
+                <a:t> q1 q2) =&gt;</a:t>
+              </a:r>
+              <a:endParaRPr lang="en-US" sz="2541" dirty="0">
+                <a:latin typeface="Consolas" charset="0"/>
+                <a:ea typeface="Consolas" charset="0"/>
+                <a:cs typeface="Consolas" charset="0"/>
+              </a:endParaRPr>
+            </a:p>
+            <a:p>
+              <a:r>
+                <a:rPr lang="en-US" sz="2541" dirty="0">
+                  <a:latin typeface="Consolas" charset="0"/>
+                  <a:ea typeface="Consolas" charset="0"/>
+                  <a:cs typeface="Consolas" charset="0"/>
+                </a:rPr>
+                <a:t> </a:t>
+              </a:r>
+              <a:r>
+                <a:rPr lang="en-US" sz="2541" dirty="0" smtClean="0">
+                  <a:latin typeface="Consolas" charset="0"/>
+                  <a:ea typeface="Consolas" charset="0"/>
+                  <a:cs typeface="Consolas" charset="0"/>
+                </a:rPr>
+                <a:t>     </a:t>
+              </a:r>
+              <a:r>
+                <a:rPr lang="en-US" sz="2541" dirty="0" err="1" smtClean="0">
+                  <a:latin typeface="Consolas" charset="0"/>
+                  <a:ea typeface="Consolas" charset="0"/>
+                  <a:cs typeface="Consolas" charset="0"/>
+                </a:rPr>
+                <a:t>NRAEnvBinop</a:t>
+              </a:r>
+              <a:r>
+                <a:rPr lang="en-US" sz="2541" dirty="0" smtClean="0">
+                  <a:latin typeface="Consolas" charset="0"/>
+                  <a:ea typeface="Consolas" charset="0"/>
+                  <a:cs typeface="Consolas" charset="0"/>
+                </a:rPr>
+                <a:t> </a:t>
+              </a:r>
+              <a:r>
+                <a:rPr lang="en-US" sz="2541" dirty="0" err="1" smtClean="0">
+                  <a:latin typeface="Consolas" charset="0"/>
+                  <a:ea typeface="Consolas" charset="0"/>
+                  <a:cs typeface="Consolas" charset="0"/>
+                </a:rPr>
+                <a:t>AUnion</a:t>
+              </a:r>
+              <a:endParaRPr lang="en-US" sz="2541" dirty="0" smtClean="0">
+                <a:latin typeface="Consolas" charset="0"/>
+                <a:ea typeface="Consolas" charset="0"/>
+                <a:cs typeface="Consolas" charset="0"/>
+              </a:endParaRPr>
+            </a:p>
+            <a:p>
+              <a:r>
+                <a:rPr lang="en-US" sz="2541" dirty="0">
+                  <a:latin typeface="Consolas" charset="0"/>
+                  <a:ea typeface="Consolas" charset="0"/>
+                  <a:cs typeface="Consolas" charset="0"/>
+                </a:rPr>
+                <a:t> </a:t>
+              </a:r>
+              <a:r>
+                <a:rPr lang="en-US" sz="2541" dirty="0" smtClean="0">
+                  <a:latin typeface="Consolas" charset="0"/>
+                  <a:ea typeface="Consolas" charset="0"/>
+                  <a:cs typeface="Consolas" charset="0"/>
+                </a:rPr>
+                <a:t>       (</a:t>
+              </a:r>
+              <a:r>
+                <a:rPr lang="en-US" sz="2541" dirty="0" err="1" smtClean="0">
+                  <a:latin typeface="Consolas" charset="0"/>
+                  <a:ea typeface="Consolas" charset="0"/>
+                  <a:cs typeface="Consolas" charset="0"/>
+                </a:rPr>
+                <a:t>NRAEnvSelect</a:t>
+              </a:r>
+              <a:r>
+                <a:rPr lang="en-US" sz="2541" dirty="0" smtClean="0">
+                  <a:latin typeface="Consolas" charset="0"/>
+                  <a:ea typeface="Consolas" charset="0"/>
+                  <a:cs typeface="Consolas" charset="0"/>
+                </a:rPr>
+                <a:t> q0 q1) (</a:t>
+              </a:r>
+              <a:r>
+                <a:rPr lang="en-US" sz="2541" dirty="0" err="1" smtClean="0">
+                  <a:latin typeface="Consolas" charset="0"/>
+                  <a:ea typeface="Consolas" charset="0"/>
+                  <a:cs typeface="Consolas" charset="0"/>
+                </a:rPr>
+                <a:t>NRAEnvSelect</a:t>
+              </a:r>
+              <a:r>
+                <a:rPr lang="en-US" sz="2541" dirty="0" smtClean="0">
+                  <a:latin typeface="Consolas" charset="0"/>
+                  <a:ea typeface="Consolas" charset="0"/>
+                  <a:cs typeface="Consolas" charset="0"/>
+                </a:rPr>
+                <a:t> q0 q2)</a:t>
+              </a:r>
+            </a:p>
+            <a:p>
+              <a:r>
+                <a:rPr lang="en-US" sz="2541" dirty="0" smtClean="0">
+                  <a:latin typeface="Consolas" charset="0"/>
+                  <a:ea typeface="Consolas" charset="0"/>
+                  <a:cs typeface="Consolas" charset="0"/>
+                </a:rPr>
+                <a:t>  | _ =&gt; q</a:t>
+              </a:r>
+            </a:p>
+            <a:p>
+              <a:r>
+                <a:rPr lang="en-US" sz="2541" dirty="0" smtClean="0">
+                  <a:solidFill>
+                    <a:schemeClr val="accent5">
+                      <a:lumMod val="75000"/>
+                    </a:schemeClr>
+                  </a:solidFill>
+                  <a:latin typeface="Consolas" charset="0"/>
+                  <a:ea typeface="Consolas" charset="0"/>
+                  <a:cs typeface="Consolas" charset="0"/>
+                </a:rPr>
+                <a:t>end</a:t>
+              </a:r>
+              <a:r>
+                <a:rPr lang="en-US" sz="2541" dirty="0" smtClean="0">
+                  <a:latin typeface="Consolas" charset="0"/>
+                  <a:ea typeface="Consolas" charset="0"/>
+                  <a:cs typeface="Consolas" charset="0"/>
+                </a:rPr>
+                <a:t>.</a:t>
+              </a:r>
+              <a:endParaRPr lang="en-US" sz="2541" dirty="0">
+                <a:latin typeface="Consolas" charset="0"/>
+                <a:ea typeface="Consolas" charset="0"/>
+                <a:cs typeface="Consolas" charset="0"/>
+              </a:endParaRPr>
+            </a:p>
+          </p:txBody>
+        </p:sp>
+        <p:cxnSp>
+          <p:nvCxnSpPr>
+            <p:cNvPr id="34" name="Straight Connector 33"/>
+            <p:cNvCxnSpPr/>
+            <p:nvPr/>
+          </p:nvCxnSpPr>
+          <p:spPr>
+            <a:xfrm>
+              <a:off x="19848612" y="8812276"/>
+              <a:ext cx="6567" cy="4647634"/>
+            </a:xfrm>
+            <a:prstGeom prst="line">
+              <a:avLst/>
+            </a:prstGeom>
+            <a:ln w="152400">
+              <a:solidFill>
+                <a:schemeClr val="bg2">
+                  <a:lumMod val="90000"/>
+                </a:schemeClr>
+              </a:solidFill>
+            </a:ln>
+          </p:spPr>
+          <p:style>
+            <a:lnRef idx="1">
+              <a:schemeClr val="accent1"/>
+            </a:lnRef>
+            <a:fillRef idx="0">
+              <a:schemeClr val="accent1"/>
+            </a:fillRef>
+            <a:effectRef idx="0">
+              <a:schemeClr val="accent1"/>
+            </a:effectRef>
+            <a:fontRef idx="minor">
+              <a:schemeClr val="tx1"/>
+            </a:fontRef>
+          </p:style>
+        </p:cxnSp>
+        <p:sp>
+          <p:nvSpPr>
+            <p:cNvPr id="35" name="Rectangle 34"/>
+            <p:cNvSpPr/>
+            <p:nvPr/>
+          </p:nvSpPr>
+          <p:spPr>
+            <a:xfrm>
+              <a:off x="19251624" y="7564596"/>
+              <a:ext cx="12553764" cy="968341"/>
+            </a:xfrm>
+            <a:prstGeom prst="rect">
+              <a:avLst/>
+            </a:prstGeom>
+            <a:solidFill>
+              <a:schemeClr val="accent5">
+                <a:lumMod val="75000"/>
+              </a:schemeClr>
+            </a:solidFill>
+            <a:ln>
+              <a:noFill/>
+            </a:ln>
+          </p:spPr>
+          <p:style>
+            <a:lnRef idx="2">
+              <a:schemeClr val="accent1">
+                <a:shade val="50000"/>
+              </a:schemeClr>
+            </a:lnRef>
+            <a:fillRef idx="1">
+              <a:schemeClr val="accent1"/>
+            </a:fillRef>
+            <a:effectRef idx="0">
+              <a:schemeClr val="accent1"/>
+            </a:effectRef>
+            <a:fontRef idx="minor">
+              <a:schemeClr val="lt1"/>
+            </a:fontRef>
+          </p:style>
+          <p:txBody>
+            <a:bodyPr rtlCol="0" anchor="ctr"/>
+            <a:lstStyle/>
+            <a:p>
+              <a:pPr algn="ctr"/>
+              <a:r>
+                <a:rPr lang="en-US" sz="3106" b="1" dirty="0" smtClean="0">
+                  <a:latin typeface="Courier" charset="0"/>
+                  <a:ea typeface="Courier" charset="0"/>
+                  <a:cs typeface="Courier" charset="0"/>
+                </a:rPr>
+                <a:t>Functional Rewrite</a:t>
+              </a:r>
+              <a:endParaRPr lang="en-US" sz="3106" b="1" dirty="0">
+                <a:latin typeface="Courier" charset="0"/>
+                <a:ea typeface="Courier" charset="0"/>
+                <a:cs typeface="Courier" charset="0"/>
+              </a:endParaRPr>
+            </a:p>
+          </p:txBody>
+        </p:sp>
+      </p:grpSp>
+      <p:grpSp>
+        <p:nvGrpSpPr>
+          <p:cNvPr id="50" name="Group 49"/>
+          <p:cNvGrpSpPr/>
+          <p:nvPr/>
+        </p:nvGrpSpPr>
+        <p:grpSpPr>
+          <a:xfrm>
+            <a:off x="5254465" y="13198693"/>
+            <a:ext cx="11028371" cy="3766787"/>
+            <a:chOff x="1818255" y="17334776"/>
+            <a:chExt cx="13819142" cy="4989183"/>
+          </a:xfrm>
+        </p:grpSpPr>
         <p:grpSp>
           <p:nvGrpSpPr>
-            <p:cNvPr id="31" name="Group 30"/>
+            <p:cNvPr id="54" name="Group 53"/>
             <p:cNvGrpSpPr/>
             <p:nvPr/>
           </p:nvGrpSpPr>
           <p:grpSpPr>
             <a:xfrm>
-              <a:off x="11254665" y="20197895"/>
-              <a:ext cx="10245125" cy="4375499"/>
-              <a:chOff x="19251623" y="7563602"/>
-              <a:chExt cx="12553765" cy="6694331"/>
+              <a:off x="1818255" y="17334776"/>
+              <a:ext cx="13819142" cy="4989183"/>
+              <a:chOff x="4206240" y="2312754"/>
+              <a:chExt cx="12179809" cy="4244870"/>
             </a:xfrm>
           </p:grpSpPr>
           <p:sp>
             <p:nvSpPr>
-              <p:cNvPr id="32" name="Rectangle 31"/>
+              <p:cNvPr id="56" name="Rectangle 55"/>
               <p:cNvSpPr/>
               <p:nvPr/>
             </p:nvSpPr>
             <p:spPr>
               <a:xfrm>
-                <a:off x="19251623" y="7563602"/>
-                <a:ext cx="12553765" cy="6694331"/>
+                <a:off x="4206240" y="2312754"/>
+                <a:ext cx="12179808" cy="4244870"/>
               </a:xfrm>
               <a:prstGeom prst="rect">
                 <a:avLst/>
@@ -4266,352 +4910,16 @@
               </a:p>
             </p:txBody>
           </p:sp>
-          <p:sp>
-            <p:nvSpPr>
-              <p:cNvPr id="36" name="TextBox 35"/>
-              <p:cNvSpPr txBox="1"/>
-              <p:nvPr/>
-            </p:nvSpPr>
-            <p:spPr>
-              <a:xfrm>
-                <a:off x="20145425" y="8944203"/>
-                <a:ext cx="11369714" cy="4927030"/>
-              </a:xfrm>
-              <a:prstGeom prst="rect">
-                <a:avLst/>
-              </a:prstGeom>
-              <a:solidFill>
-                <a:schemeClr val="bg1"/>
-              </a:solidFill>
-            </p:spPr>
-            <p:txBody>
-              <a:bodyPr wrap="square" rtlCol="0">
-                <a:spAutoFit/>
-              </a:bodyPr>
-              <a:lstStyle/>
-              <a:p>
-                <a:r>
-                  <a:rPr lang="en-US" sz="2541" dirty="0" smtClean="0">
-                    <a:solidFill>
-                      <a:schemeClr val="accent6">
-                        <a:lumMod val="75000"/>
-                      </a:schemeClr>
-                    </a:solidFill>
-                    <a:latin typeface="Consolas" charset="0"/>
-                    <a:ea typeface="Consolas" charset="0"/>
-                    <a:cs typeface="Consolas" charset="0"/>
-                  </a:rPr>
-                  <a:t>(* Selection over union push-down *)</a:t>
-                </a:r>
-                <a:endParaRPr lang="en-US" sz="2541" dirty="0">
-                  <a:latin typeface="Consolas" charset="0"/>
-                  <a:ea typeface="Consolas" charset="0"/>
-                  <a:cs typeface="Consolas" charset="0"/>
-                </a:endParaRPr>
-              </a:p>
-              <a:p>
-                <a:r>
-                  <a:rPr lang="en-US" sz="2541" dirty="0" smtClean="0">
-                    <a:solidFill>
-                      <a:schemeClr val="accent5">
-                        <a:lumMod val="75000"/>
-                      </a:schemeClr>
-                    </a:solidFill>
-                    <a:latin typeface="Consolas" charset="0"/>
-                    <a:ea typeface="Consolas" charset="0"/>
-                    <a:cs typeface="Consolas" charset="0"/>
-                  </a:rPr>
-                  <a:t>Definition </a:t>
-                </a:r>
-                <a:r>
-                  <a:rPr lang="en-US" sz="2541" dirty="0" err="1" smtClean="0">
-                    <a:latin typeface="Consolas" charset="0"/>
-                    <a:ea typeface="Consolas" charset="0"/>
-                    <a:cs typeface="Consolas" charset="0"/>
-                  </a:rPr>
-                  <a:t>select_union_distr_fun</a:t>
-                </a:r>
-                <a:r>
-                  <a:rPr lang="en-US" sz="2541" dirty="0" smtClean="0">
-                    <a:latin typeface="Consolas" charset="0"/>
-                    <a:ea typeface="Consolas" charset="0"/>
-                    <a:cs typeface="Consolas" charset="0"/>
-                  </a:rPr>
-                  <a:t> q :=</a:t>
-                </a:r>
-                <a:endParaRPr lang="en-US" sz="2541" dirty="0">
-                  <a:latin typeface="Consolas" charset="0"/>
-                  <a:ea typeface="Consolas" charset="0"/>
-                  <a:cs typeface="Consolas" charset="0"/>
-                </a:endParaRPr>
-              </a:p>
-              <a:p>
-                <a:r>
-                  <a:rPr lang="en-US" sz="2541" dirty="0">
-                    <a:latin typeface="Consolas" charset="0"/>
-                    <a:ea typeface="Consolas" charset="0"/>
-                    <a:cs typeface="Consolas" charset="0"/>
-                  </a:rPr>
-                  <a:t> </a:t>
-                </a:r>
-                <a:r>
-                  <a:rPr lang="en-US" sz="2541" dirty="0" smtClean="0">
-                    <a:latin typeface="Consolas" charset="0"/>
-                    <a:ea typeface="Consolas" charset="0"/>
-                    <a:cs typeface="Consolas" charset="0"/>
-                  </a:rPr>
-                  <a:t> </a:t>
-                </a:r>
-                <a:r>
-                  <a:rPr lang="en-US" sz="2541" dirty="0" smtClean="0">
-                    <a:solidFill>
-                      <a:schemeClr val="accent5">
-                        <a:lumMod val="75000"/>
-                      </a:schemeClr>
-                    </a:solidFill>
-                    <a:latin typeface="Consolas" charset="0"/>
-                    <a:ea typeface="Consolas" charset="0"/>
-                    <a:cs typeface="Consolas" charset="0"/>
-                  </a:rPr>
-                  <a:t>match </a:t>
-                </a:r>
-                <a:r>
-                  <a:rPr lang="en-US" sz="2541" dirty="0" smtClean="0">
-                    <a:latin typeface="Consolas" charset="0"/>
-                    <a:ea typeface="Consolas" charset="0"/>
-                    <a:cs typeface="Consolas" charset="0"/>
-                  </a:rPr>
-                  <a:t>q </a:t>
-                </a:r>
-                <a:r>
-                  <a:rPr lang="en-US" sz="2541" dirty="0" smtClean="0">
-                    <a:solidFill>
-                      <a:schemeClr val="accent5">
-                        <a:lumMod val="75000"/>
-                      </a:schemeClr>
-                    </a:solidFill>
-                    <a:latin typeface="Consolas" charset="0"/>
-                    <a:ea typeface="Consolas" charset="0"/>
-                    <a:cs typeface="Consolas" charset="0"/>
-                  </a:rPr>
-                  <a:t>with</a:t>
-                </a:r>
-                <a:endParaRPr lang="en-US" sz="2541" dirty="0" smtClean="0">
-                  <a:latin typeface="Consolas" charset="0"/>
-                  <a:ea typeface="Consolas" charset="0"/>
-                  <a:cs typeface="Consolas" charset="0"/>
-                </a:endParaRPr>
-              </a:p>
-              <a:p>
-                <a:r>
-                  <a:rPr lang="en-US" sz="2541" dirty="0">
-                    <a:latin typeface="Consolas" charset="0"/>
-                    <a:ea typeface="Consolas" charset="0"/>
-                    <a:cs typeface="Consolas" charset="0"/>
-                  </a:rPr>
-                  <a:t> </a:t>
-                </a:r>
-                <a:r>
-                  <a:rPr lang="en-US" sz="2541" dirty="0" smtClean="0">
-                    <a:latin typeface="Consolas" charset="0"/>
-                    <a:ea typeface="Consolas" charset="0"/>
-                    <a:cs typeface="Consolas" charset="0"/>
-                  </a:rPr>
-                  <a:t> | </a:t>
-                </a:r>
-                <a:r>
-                  <a:rPr lang="en-US" sz="2541" dirty="0" err="1" smtClean="0">
-                    <a:latin typeface="Consolas" charset="0"/>
-                    <a:ea typeface="Consolas" charset="0"/>
-                    <a:cs typeface="Consolas" charset="0"/>
-                  </a:rPr>
-                  <a:t>NRAEnvSelect</a:t>
-                </a:r>
-                <a:r>
-                  <a:rPr lang="en-US" sz="2541" dirty="0" smtClean="0">
-                    <a:latin typeface="Consolas" charset="0"/>
-                    <a:ea typeface="Consolas" charset="0"/>
-                    <a:cs typeface="Consolas" charset="0"/>
-                  </a:rPr>
-                  <a:t> q0 (</a:t>
-                </a:r>
-                <a:r>
-                  <a:rPr lang="en-US" sz="2541" dirty="0" err="1" smtClean="0">
-                    <a:latin typeface="Consolas" charset="0"/>
-                    <a:ea typeface="Consolas" charset="0"/>
-                    <a:cs typeface="Consolas" charset="0"/>
-                  </a:rPr>
-                  <a:t>NRAEnvBinop</a:t>
-                </a:r>
-                <a:r>
-                  <a:rPr lang="en-US" sz="2541" dirty="0" smtClean="0">
-                    <a:latin typeface="Consolas" charset="0"/>
-                    <a:ea typeface="Consolas" charset="0"/>
-                    <a:cs typeface="Consolas" charset="0"/>
-                  </a:rPr>
-                  <a:t> </a:t>
-                </a:r>
-                <a:r>
-                  <a:rPr lang="en-US" sz="2541" dirty="0" err="1" smtClean="0">
-                    <a:latin typeface="Consolas" charset="0"/>
-                    <a:ea typeface="Consolas" charset="0"/>
-                    <a:cs typeface="Consolas" charset="0"/>
-                  </a:rPr>
-                  <a:t>AUnion</a:t>
-                </a:r>
-                <a:r>
-                  <a:rPr lang="en-US" sz="2541" dirty="0" smtClean="0">
-                    <a:latin typeface="Consolas" charset="0"/>
-                    <a:ea typeface="Consolas" charset="0"/>
-                    <a:cs typeface="Consolas" charset="0"/>
-                  </a:rPr>
-                  <a:t> q1 q2) =&gt;</a:t>
-                </a:r>
-                <a:endParaRPr lang="en-US" sz="2541" dirty="0">
-                  <a:latin typeface="Consolas" charset="0"/>
-                  <a:ea typeface="Consolas" charset="0"/>
-                  <a:cs typeface="Consolas" charset="0"/>
-                </a:endParaRPr>
-              </a:p>
-              <a:p>
-                <a:r>
-                  <a:rPr lang="en-US" sz="2541" dirty="0">
-                    <a:latin typeface="Consolas" charset="0"/>
-                    <a:ea typeface="Consolas" charset="0"/>
-                    <a:cs typeface="Consolas" charset="0"/>
-                  </a:rPr>
-                  <a:t> </a:t>
-                </a:r>
-                <a:r>
-                  <a:rPr lang="en-US" sz="2541" dirty="0" smtClean="0">
-                    <a:latin typeface="Consolas" charset="0"/>
-                    <a:ea typeface="Consolas" charset="0"/>
-                    <a:cs typeface="Consolas" charset="0"/>
-                  </a:rPr>
-                  <a:t>     </a:t>
-                </a:r>
-                <a:r>
-                  <a:rPr lang="en-US" sz="2541" err="1" smtClean="0">
-                    <a:latin typeface="Consolas" charset="0"/>
-                    <a:ea typeface="Consolas" charset="0"/>
-                    <a:cs typeface="Consolas" charset="0"/>
-                  </a:rPr>
-                  <a:t>NRAEnvBinop</a:t>
-                </a:r>
-                <a:r>
-                  <a:rPr lang="en-US" sz="2541" smtClean="0">
-                    <a:latin typeface="Consolas" charset="0"/>
-                    <a:ea typeface="Consolas" charset="0"/>
-                    <a:cs typeface="Consolas" charset="0"/>
-                  </a:rPr>
-                  <a:t> AUnion</a:t>
-                </a:r>
-                <a:endParaRPr lang="en-US" sz="2541" dirty="0" smtClean="0">
-                  <a:latin typeface="Consolas" charset="0"/>
-                  <a:ea typeface="Consolas" charset="0"/>
-                  <a:cs typeface="Consolas" charset="0"/>
-                </a:endParaRPr>
-              </a:p>
-              <a:p>
-                <a:r>
-                  <a:rPr lang="en-US" sz="2541" dirty="0">
-                    <a:latin typeface="Consolas" charset="0"/>
-                    <a:ea typeface="Consolas" charset="0"/>
-                    <a:cs typeface="Consolas" charset="0"/>
-                  </a:rPr>
-                  <a:t> </a:t>
-                </a:r>
-                <a:r>
-                  <a:rPr lang="en-US" sz="2541" dirty="0" smtClean="0">
-                    <a:latin typeface="Consolas" charset="0"/>
-                    <a:ea typeface="Consolas" charset="0"/>
-                    <a:cs typeface="Consolas" charset="0"/>
-                  </a:rPr>
-                  <a:t>       (</a:t>
-                </a:r>
-                <a:r>
-                  <a:rPr lang="en-US" sz="2541" dirty="0" err="1" smtClean="0">
-                    <a:latin typeface="Consolas" charset="0"/>
-                    <a:ea typeface="Consolas" charset="0"/>
-                    <a:cs typeface="Consolas" charset="0"/>
-                  </a:rPr>
-                  <a:t>NRAEnvSelect</a:t>
-                </a:r>
-                <a:r>
-                  <a:rPr lang="en-US" sz="2541" dirty="0" smtClean="0">
-                    <a:latin typeface="Consolas" charset="0"/>
-                    <a:ea typeface="Consolas" charset="0"/>
-                    <a:cs typeface="Consolas" charset="0"/>
-                  </a:rPr>
-                  <a:t> q0 q1) (</a:t>
-                </a:r>
-                <a:r>
-                  <a:rPr lang="en-US" sz="2541" dirty="0" err="1" smtClean="0">
-                    <a:latin typeface="Consolas" charset="0"/>
-                    <a:ea typeface="Consolas" charset="0"/>
-                    <a:cs typeface="Consolas" charset="0"/>
-                  </a:rPr>
-                  <a:t>NRAEnvSelect</a:t>
-                </a:r>
-                <a:r>
-                  <a:rPr lang="en-US" sz="2541" dirty="0" smtClean="0">
-                    <a:latin typeface="Consolas" charset="0"/>
-                    <a:ea typeface="Consolas" charset="0"/>
-                    <a:cs typeface="Consolas" charset="0"/>
-                  </a:rPr>
-                  <a:t> q0 q2)</a:t>
-                </a:r>
-              </a:p>
-              <a:p>
-                <a:r>
-                  <a:rPr lang="en-US" sz="2541" dirty="0" smtClean="0">
-                    <a:latin typeface="Consolas" charset="0"/>
-                    <a:ea typeface="Consolas" charset="0"/>
-                    <a:cs typeface="Consolas" charset="0"/>
-                  </a:rPr>
-                  <a:t>  | _ =&gt; q</a:t>
-                </a:r>
-              </a:p>
-              <a:p>
-                <a:r>
-                  <a:rPr lang="en-US" sz="2541" dirty="0" smtClean="0">
-                    <a:solidFill>
-                      <a:schemeClr val="accent5">
-                        <a:lumMod val="75000"/>
-                      </a:schemeClr>
-                    </a:solidFill>
-                    <a:latin typeface="Consolas" charset="0"/>
-                    <a:ea typeface="Consolas" charset="0"/>
-                    <a:cs typeface="Consolas" charset="0"/>
-                  </a:rPr>
-                  <a:t>end</a:t>
-                </a:r>
-                <a:r>
-                  <a:rPr lang="en-US" sz="2541" dirty="0" smtClean="0">
-                    <a:latin typeface="Consolas" charset="0"/>
-                    <a:ea typeface="Consolas" charset="0"/>
-                    <a:cs typeface="Consolas" charset="0"/>
-                  </a:rPr>
-                  <a:t>.</a:t>
-                </a:r>
-                <a:endParaRPr lang="en-US" sz="2541" dirty="0">
-                  <a:latin typeface="Consolas" charset="0"/>
-                  <a:ea typeface="Consolas" charset="0"/>
-                  <a:cs typeface="Consolas" charset="0"/>
-                </a:endParaRPr>
-              </a:p>
-            </p:txBody>
-          </p:sp>
           <p:cxnSp>
             <p:nvCxnSpPr>
-              <p:cNvPr id="34" name="Straight Connector 33"/>
+              <p:cNvPr id="57" name="Straight Connector 56"/>
               <p:cNvCxnSpPr/>
               <p:nvPr/>
             </p:nvCxnSpPr>
             <p:spPr>
-              <a:xfrm>
-                <a:off x="19848612" y="9012131"/>
-                <a:ext cx="6567" cy="4647634"/>
+              <a:xfrm flipH="1">
+                <a:off x="4716652" y="3308483"/>
+                <a:ext cx="1" cy="3000317"/>
               </a:xfrm>
               <a:prstGeom prst="line">
                 <a:avLst/>
@@ -4641,14 +4949,14 @@
           </p:cxnSp>
           <p:sp>
             <p:nvSpPr>
-              <p:cNvPr id="35" name="Rectangle 34"/>
+              <p:cNvPr id="58" name="Rectangle 57"/>
               <p:cNvSpPr/>
               <p:nvPr/>
             </p:nvSpPr>
             <p:spPr>
               <a:xfrm>
-                <a:off x="19251624" y="7564596"/>
-                <a:ext cx="12553764" cy="968341"/>
+                <a:off x="4206240" y="2313748"/>
+                <a:ext cx="12179809" cy="733401"/>
               </a:xfrm>
               <a:prstGeom prst="rect">
                 <a:avLst/>
@@ -4689,7 +4997,7 @@
                     <a:ea typeface="Courier" charset="0"/>
                     <a:cs typeface="Courier" charset="0"/>
                   </a:rPr>
-                  <a:t>Functional Rewrite</a:t>
+                  <a:t>Correctness Proof</a:t>
                 </a:r>
                 <a:endParaRPr lang="en-US" sz="3106" b="1" dirty="0">
                   <a:latin typeface="Courier" charset="0"/>
@@ -4700,450 +5008,287 @@
             </p:txBody>
           </p:sp>
         </p:grpSp>
-        <p:grpSp>
-          <p:nvGrpSpPr>
-            <p:cNvPr id="50" name="Group 49"/>
-            <p:cNvGrpSpPr/>
+        <p:sp>
+          <p:nvSpPr>
+            <p:cNvPr id="55" name="TextBox 54"/>
+            <p:cNvSpPr txBox="1"/>
             <p:nvPr/>
-          </p:nvGrpSpPr>
-          <p:grpSpPr>
+          </p:nvSpPr>
+          <p:spPr>
             <a:xfrm>
-              <a:off x="5763564" y="24863135"/>
-              <a:ext cx="11028371" cy="4111247"/>
-              <a:chOff x="1818255" y="17334776"/>
-              <a:chExt cx="13819142" cy="5445427"/>
+              <a:off x="2700516" y="18430946"/>
+              <a:ext cx="12150548" cy="3747548"/>
             </a:xfrm>
-          </p:grpSpPr>
-          <p:grpSp>
-            <p:nvGrpSpPr>
-              <p:cNvPr id="54" name="Group 53"/>
-              <p:cNvGrpSpPr/>
-              <p:nvPr/>
-            </p:nvGrpSpPr>
-            <p:grpSpPr>
-              <a:xfrm>
-                <a:off x="1818255" y="17334776"/>
-                <a:ext cx="13819142" cy="5445427"/>
-                <a:chOff x="4206240" y="2312754"/>
-                <a:chExt cx="12179809" cy="4633049"/>
-              </a:xfrm>
-            </p:grpSpPr>
-            <p:sp>
-              <p:nvSpPr>
-                <p:cNvPr id="56" name="Rectangle 55"/>
-                <p:cNvSpPr/>
-                <p:nvPr/>
-              </p:nvSpPr>
-              <p:spPr>
-                <a:xfrm>
-                  <a:off x="4206240" y="2312754"/>
-                  <a:ext cx="12179808" cy="4633049"/>
-                </a:xfrm>
-                <a:prstGeom prst="rect">
-                  <a:avLst/>
-                </a:prstGeom>
-                <a:solidFill>
-                  <a:schemeClr val="bg1"/>
-                </a:solidFill>
-                <a:ln>
+            <a:prstGeom prst="rect">
+              <a:avLst/>
+            </a:prstGeom>
+            <a:solidFill>
+              <a:schemeClr val="bg1"/>
+            </a:solidFill>
+          </p:spPr>
+          <p:txBody>
+            <a:bodyPr wrap="square" rtlCol="0">
+              <a:spAutoFit/>
+            </a:bodyPr>
+            <a:lstStyle/>
+            <a:p>
+              <a:r>
+                <a:rPr lang="en-US" sz="2541" dirty="0" smtClean="0">
                   <a:solidFill>
-                    <a:schemeClr val="bg1">
-                      <a:lumMod val="85000"/>
+                    <a:schemeClr val="accent6">
+                      <a:lumMod val="75000"/>
                     </a:schemeClr>
                   </a:solidFill>
-                </a:ln>
-              </p:spPr>
-              <p:style>
-                <a:lnRef idx="2">
-                  <a:schemeClr val="accent1">
-                    <a:shade val="50000"/>
-                  </a:schemeClr>
-                </a:lnRef>
-                <a:fillRef idx="1">
-                  <a:schemeClr val="accent1"/>
-                </a:fillRef>
-                <a:effectRef idx="0">
-                  <a:schemeClr val="accent1"/>
-                </a:effectRef>
-                <a:fontRef idx="minor">
-                  <a:schemeClr val="lt1"/>
-                </a:fontRef>
-              </p:style>
-              <p:txBody>
-                <a:bodyPr rtlCol="0" anchor="ctr"/>
-                <a:lstStyle/>
-                <a:p>
-                  <a:pPr algn="ctr"/>
-                  <a:endParaRPr lang="en-US" sz="3659"/>
-                </a:p>
-              </p:txBody>
-            </p:sp>
-            <p:cxnSp>
-              <p:nvCxnSpPr>
-                <p:cNvPr id="57" name="Straight Connector 56"/>
-                <p:cNvCxnSpPr/>
-                <p:nvPr/>
-              </p:nvCxnSpPr>
-              <p:spPr>
-                <a:xfrm flipH="1">
-                  <a:off x="4716652" y="3529294"/>
-                  <a:ext cx="1" cy="3000317"/>
-                </a:xfrm>
-                <a:prstGeom prst="line">
-                  <a:avLst/>
-                </a:prstGeom>
-                <a:ln w="152400">
+                  <a:latin typeface="Consolas" charset="0"/>
+                  <a:ea typeface="Consolas" charset="0"/>
+                  <a:cs typeface="Consolas" charset="0"/>
+                </a:rPr>
+                <a:t>(* Selection over union push-down is correct *)</a:t>
+              </a:r>
+            </a:p>
+            <a:p>
+              <a:r>
+                <a:rPr lang="en-US" sz="2541" dirty="0" smtClean="0">
                   <a:solidFill>
-                    <a:schemeClr val="bg2">
-                      <a:lumMod val="90000"/>
+                    <a:schemeClr val="accent5">
+                      <a:lumMod val="75000"/>
                     </a:schemeClr>
                   </a:solidFill>
-                </a:ln>
-              </p:spPr>
-              <p:style>
-                <a:lnRef idx="1">
-                  <a:schemeClr val="accent1"/>
-                </a:lnRef>
-                <a:fillRef idx="0">
-                  <a:schemeClr val="accent1"/>
-                </a:fillRef>
-                <a:effectRef idx="0">
-                  <a:schemeClr val="accent1"/>
-                </a:effectRef>
-                <a:fontRef idx="minor">
-                  <a:schemeClr val="tx1"/>
-                </a:fontRef>
-              </p:style>
-            </p:cxnSp>
-            <p:sp>
-              <p:nvSpPr>
-                <p:cNvPr id="58" name="Rectangle 57"/>
-                <p:cNvSpPr/>
-                <p:nvPr/>
-              </p:nvSpPr>
-              <p:spPr>
-                <a:xfrm>
-                  <a:off x="4206240" y="2313748"/>
-                  <a:ext cx="12179809" cy="733401"/>
-                </a:xfrm>
-                <a:prstGeom prst="rect">
-                  <a:avLst/>
-                </a:prstGeom>
+                  <a:latin typeface="Consolas" charset="0"/>
+                  <a:ea typeface="Consolas" charset="0"/>
+                  <a:cs typeface="Consolas" charset="0"/>
+                </a:rPr>
+                <a:t>Property </a:t>
+              </a:r>
+              <a:r>
+                <a:rPr lang="en-US" sz="2541" dirty="0" err="1" smtClean="0">
+                  <a:latin typeface="Consolas" charset="0"/>
+                  <a:ea typeface="Consolas" charset="0"/>
+                  <a:cs typeface="Consolas" charset="0"/>
+                </a:rPr>
+                <a:t>select_union_distr_fun_correctness</a:t>
+              </a:r>
+              <a:r>
+                <a:rPr lang="en-US" sz="2541" dirty="0" smtClean="0">
+                  <a:latin typeface="Consolas" charset="0"/>
+                  <a:ea typeface="Consolas" charset="0"/>
+                  <a:cs typeface="Consolas" charset="0"/>
+                </a:rPr>
+                <a:t> q</a:t>
+              </a:r>
+              <a:r>
+                <a:rPr lang="en-US" sz="2541" baseline="-25000" dirty="0" smtClean="0">
+                  <a:latin typeface="Consolas" charset="0"/>
+                  <a:ea typeface="Consolas" charset="0"/>
+                  <a:cs typeface="Consolas" charset="0"/>
+                </a:rPr>
+                <a:t>0</a:t>
+              </a:r>
+              <a:r>
+                <a:rPr lang="en-US" sz="2541" dirty="0" smtClean="0">
+                  <a:latin typeface="Consolas" charset="0"/>
+                  <a:ea typeface="Consolas" charset="0"/>
+                  <a:cs typeface="Consolas" charset="0"/>
+                </a:rPr>
+                <a:t> q</a:t>
+              </a:r>
+              <a:r>
+                <a:rPr lang="en-US" sz="2541" baseline="-25000" dirty="0" smtClean="0">
+                  <a:latin typeface="Consolas" charset="0"/>
+                  <a:ea typeface="Consolas" charset="0"/>
+                  <a:cs typeface="Consolas" charset="0"/>
+                </a:rPr>
+                <a:t>1</a:t>
+              </a:r>
+              <a:r>
+                <a:rPr lang="en-US" sz="2541" dirty="0" smtClean="0">
+                  <a:latin typeface="Consolas" charset="0"/>
+                  <a:ea typeface="Consolas" charset="0"/>
+                  <a:cs typeface="Consolas" charset="0"/>
+                </a:rPr>
+                <a:t> q</a:t>
+              </a:r>
+              <a:r>
+                <a:rPr lang="en-US" sz="2541" baseline="-25000" dirty="0" smtClean="0">
+                  <a:latin typeface="Consolas" charset="0"/>
+                  <a:ea typeface="Consolas" charset="0"/>
+                  <a:cs typeface="Consolas" charset="0"/>
+                </a:rPr>
+                <a:t>2</a:t>
+              </a:r>
+              <a:r>
+                <a:rPr lang="en-US" sz="2541" dirty="0" smtClean="0">
+                  <a:latin typeface="Consolas" charset="0"/>
+                  <a:ea typeface="Consolas" charset="0"/>
+                  <a:cs typeface="Consolas" charset="0"/>
+                </a:rPr>
+                <a:t> :</a:t>
+              </a:r>
+            </a:p>
+            <a:p>
+              <a:r>
+                <a:rPr lang="it-IT" sz="2541" dirty="0" smtClean="0">
+                  <a:latin typeface="Consolas" charset="0"/>
+                  <a:ea typeface="Consolas" charset="0"/>
+                  <a:cs typeface="Consolas" charset="0"/>
+                </a:rPr>
+                <a:t> </a:t>
+              </a:r>
+              <a:r>
+                <a:rPr lang="en-US" sz="2541" dirty="0" err="1">
+                  <a:latin typeface="Consolas" charset="0"/>
+                  <a:ea typeface="Consolas" charset="0"/>
+                  <a:cs typeface="Consolas" charset="0"/>
+                </a:rPr>
+                <a:t>select_union_distr_fun</a:t>
+              </a:r>
+              <a:r>
+                <a:rPr lang="en-US" sz="2541" dirty="0">
+                  <a:latin typeface="Consolas" charset="0"/>
+                  <a:ea typeface="Consolas" charset="0"/>
+                  <a:cs typeface="Consolas" charset="0"/>
+                </a:rPr>
+                <a:t> </a:t>
+              </a:r>
+              <a:r>
+                <a:rPr lang="en-US" sz="2541" dirty="0" smtClean="0">
+                  <a:latin typeface="Consolas" charset="0"/>
+                  <a:ea typeface="Consolas" charset="0"/>
+                  <a:cs typeface="Consolas" charset="0"/>
+                </a:rPr>
+                <a:t>q </a:t>
+              </a:r>
+              <a:r>
+                <a:rPr lang="de-DE" sz="2541" dirty="0" smtClean="0">
+                  <a:latin typeface="Consolas" charset="0"/>
+                  <a:ea typeface="Consolas" charset="0"/>
+                  <a:cs typeface="Consolas" charset="0"/>
+                </a:rPr>
+                <a:t>≡ </a:t>
+              </a:r>
+              <a:r>
+                <a:rPr lang="en-US" sz="2541" dirty="0" smtClean="0">
+                  <a:latin typeface="Consolas" charset="0"/>
+                  <a:ea typeface="Consolas" charset="0"/>
+                  <a:cs typeface="Consolas" charset="0"/>
+                </a:rPr>
+                <a:t>q</a:t>
+              </a:r>
+              <a:r>
+                <a:rPr lang="de-DE" sz="2541" dirty="0" smtClean="0">
+                  <a:latin typeface="Consolas" charset="0"/>
+                  <a:ea typeface="Consolas" charset="0"/>
+                  <a:cs typeface="Consolas" charset="0"/>
+                </a:rPr>
+                <a:t>.</a:t>
+              </a:r>
+            </a:p>
+            <a:p>
+              <a:r>
+                <a:rPr lang="en-US" sz="2541" dirty="0" smtClean="0">
+                  <a:solidFill>
+                    <a:schemeClr val="accent5">
+                      <a:lumMod val="75000"/>
+                    </a:schemeClr>
+                  </a:solidFill>
+                  <a:latin typeface="Consolas" charset="0"/>
+                  <a:ea typeface="Consolas" charset="0"/>
+                  <a:cs typeface="Consolas" charset="0"/>
+                </a:rPr>
+                <a:t>Proof.</a:t>
+              </a:r>
+            </a:p>
+            <a:p>
+              <a:r>
+                <a:rPr lang="en-US" sz="2541" dirty="0" smtClean="0">
+                  <a:solidFill>
+                    <a:schemeClr val="accent5">
+                      <a:lumMod val="75000"/>
+                    </a:schemeClr>
+                  </a:solidFill>
+                  <a:latin typeface="Consolas" charset="0"/>
+                  <a:ea typeface="Consolas" charset="0"/>
+                  <a:cs typeface="Consolas" charset="0"/>
+                </a:rPr>
+                <a:t> Hint Rewrite </a:t>
+              </a:r>
+              <a:r>
+                <a:rPr lang="en-US" sz="2541" dirty="0" err="1" smtClean="0">
+                  <a:latin typeface="Consolas" charset="0"/>
+                  <a:ea typeface="Consolas" charset="0"/>
+                  <a:cs typeface="Consolas" charset="0"/>
+                </a:rPr>
+                <a:t>select_union_distr</a:t>
+              </a:r>
+              <a:r>
+                <a:rPr lang="en-US" sz="2541" dirty="0" smtClean="0">
+                  <a:latin typeface="Consolas" charset="0"/>
+                  <a:ea typeface="Consolas" charset="0"/>
+                  <a:cs typeface="Consolas" charset="0"/>
+                </a:rPr>
+                <a:t> : </a:t>
+              </a:r>
+              <a:r>
+                <a:rPr lang="en-US" sz="2541" dirty="0" err="1" smtClean="0">
+                  <a:latin typeface="Consolas" charset="0"/>
+                  <a:ea typeface="Consolas" charset="0"/>
+                  <a:cs typeface="Consolas" charset="0"/>
+                </a:rPr>
+                <a:t>envmap_eqs</a:t>
+              </a:r>
+              <a:r>
+                <a:rPr lang="en-US" sz="2541" dirty="0" smtClean="0">
+                  <a:latin typeface="Consolas" charset="0"/>
+                  <a:ea typeface="Consolas" charset="0"/>
+                  <a:cs typeface="Consolas" charset="0"/>
+                </a:rPr>
+                <a:t>.</a:t>
+              </a:r>
+            </a:p>
+            <a:p>
+              <a:r>
+                <a:rPr lang="en-US" sz="2541" dirty="0">
+                  <a:solidFill>
+                    <a:schemeClr val="accent5">
+                      <a:lumMod val="75000"/>
+                    </a:schemeClr>
+                  </a:solidFill>
+                  <a:latin typeface="Consolas" charset="0"/>
+                  <a:ea typeface="Consolas" charset="0"/>
+                  <a:cs typeface="Consolas" charset="0"/>
+                </a:rPr>
+                <a:t> </a:t>
+              </a:r>
+              <a:r>
+                <a:rPr lang="en-US" sz="2541" dirty="0" err="1" smtClean="0">
+                  <a:latin typeface="Consolas" charset="0"/>
+                  <a:ea typeface="Consolas" charset="0"/>
+                  <a:cs typeface="Consolas" charset="0"/>
+                </a:rPr>
+                <a:t>prove_correctness</a:t>
+              </a:r>
+              <a:r>
+                <a:rPr lang="en-US" sz="2541" dirty="0" smtClean="0">
+                  <a:latin typeface="Consolas" charset="0"/>
+                  <a:ea typeface="Consolas" charset="0"/>
+                  <a:cs typeface="Consolas" charset="0"/>
+                </a:rPr>
+                <a:t> q.</a:t>
+              </a:r>
+              <a:endParaRPr lang="en-US" sz="2541" dirty="0" smtClean="0">
                 <a:solidFill>
                   <a:schemeClr val="accent5">
                     <a:lumMod val="75000"/>
                   </a:schemeClr>
                 </a:solidFill>
-                <a:ln>
-                  <a:noFill/>
-                </a:ln>
-              </p:spPr>
-              <p:style>
-                <a:lnRef idx="2">
-                  <a:schemeClr val="accent1">
-                    <a:shade val="50000"/>
-                  </a:schemeClr>
-                </a:lnRef>
-                <a:fillRef idx="1">
-                  <a:schemeClr val="accent1"/>
-                </a:fillRef>
-                <a:effectRef idx="0">
-                  <a:schemeClr val="accent1"/>
-                </a:effectRef>
-                <a:fontRef idx="minor">
-                  <a:schemeClr val="lt1"/>
-                </a:fontRef>
-              </p:style>
-              <p:txBody>
-                <a:bodyPr rtlCol="0" anchor="ctr"/>
-                <a:lstStyle/>
-                <a:p>
-                  <a:pPr algn="ctr"/>
-                  <a:r>
-                    <a:rPr lang="en-US" sz="3106" b="1" dirty="0" smtClean="0">
-                      <a:latin typeface="Courier" charset="0"/>
-                      <a:ea typeface="Courier" charset="0"/>
-                      <a:cs typeface="Courier" charset="0"/>
-                    </a:rPr>
-                    <a:t>Correctness Proof</a:t>
-                  </a:r>
-                  <a:endParaRPr lang="en-US" sz="3106" b="1" dirty="0">
-                    <a:latin typeface="Courier" charset="0"/>
-                    <a:ea typeface="Courier" charset="0"/>
-                    <a:cs typeface="Courier" charset="0"/>
-                  </a:endParaRPr>
-                </a:p>
-              </p:txBody>
-            </p:sp>
-          </p:grpSp>
-          <p:sp>
-            <p:nvSpPr>
-              <p:cNvPr id="55" name="TextBox 54"/>
-              <p:cNvSpPr txBox="1"/>
-              <p:nvPr/>
-            </p:nvSpPr>
-            <p:spPr>
-              <a:xfrm>
-                <a:off x="2700516" y="18690475"/>
-                <a:ext cx="12150548" cy="3747548"/>
-              </a:xfrm>
-              <a:prstGeom prst="rect">
-                <a:avLst/>
-              </a:prstGeom>
-              <a:solidFill>
-                <a:schemeClr val="bg1"/>
-              </a:solidFill>
-            </p:spPr>
-            <p:txBody>
-              <a:bodyPr wrap="square" rtlCol="0">
-                <a:spAutoFit/>
-              </a:bodyPr>
-              <a:lstStyle/>
-              <a:p>
-                <a:r>
-                  <a:rPr lang="en-US" sz="2541" dirty="0" smtClean="0">
-                    <a:solidFill>
-                      <a:schemeClr val="accent6">
-                        <a:lumMod val="75000"/>
-                      </a:schemeClr>
-                    </a:solidFill>
-                    <a:latin typeface="Consolas" charset="0"/>
-                    <a:ea typeface="Consolas" charset="0"/>
-                    <a:cs typeface="Consolas" charset="0"/>
-                  </a:rPr>
-                  <a:t>(* Selection over union push-down is correct *)</a:t>
-                </a:r>
-              </a:p>
-              <a:p>
-                <a:r>
-                  <a:rPr lang="en-US" sz="2541" dirty="0" smtClean="0">
-                    <a:solidFill>
-                      <a:schemeClr val="accent5">
-                        <a:lumMod val="75000"/>
-                      </a:schemeClr>
-                    </a:solidFill>
-                    <a:latin typeface="Consolas" charset="0"/>
-                    <a:ea typeface="Consolas" charset="0"/>
-                    <a:cs typeface="Consolas" charset="0"/>
-                  </a:rPr>
-                  <a:t>Property </a:t>
-                </a:r>
-                <a:r>
-                  <a:rPr lang="en-US" sz="2541" dirty="0" err="1" smtClean="0">
-                    <a:latin typeface="Consolas" charset="0"/>
-                    <a:ea typeface="Consolas" charset="0"/>
-                    <a:cs typeface="Consolas" charset="0"/>
-                  </a:rPr>
-                  <a:t>select_union_distr_fun_correctness</a:t>
-                </a:r>
-                <a:r>
-                  <a:rPr lang="en-US" sz="2541" dirty="0" smtClean="0">
-                    <a:latin typeface="Consolas" charset="0"/>
-                    <a:ea typeface="Consolas" charset="0"/>
-                    <a:cs typeface="Consolas" charset="0"/>
-                  </a:rPr>
-                  <a:t> q</a:t>
-                </a:r>
-                <a:r>
-                  <a:rPr lang="en-US" sz="2541" baseline="-25000" dirty="0" smtClean="0">
-                    <a:latin typeface="Consolas" charset="0"/>
-                    <a:ea typeface="Consolas" charset="0"/>
-                    <a:cs typeface="Consolas" charset="0"/>
-                  </a:rPr>
-                  <a:t>0</a:t>
-                </a:r>
-                <a:r>
-                  <a:rPr lang="en-US" sz="2541" dirty="0" smtClean="0">
-                    <a:latin typeface="Consolas" charset="0"/>
-                    <a:ea typeface="Consolas" charset="0"/>
-                    <a:cs typeface="Consolas" charset="0"/>
-                  </a:rPr>
-                  <a:t> q</a:t>
-                </a:r>
-                <a:r>
-                  <a:rPr lang="en-US" sz="2541" baseline="-25000" dirty="0" smtClean="0">
-                    <a:latin typeface="Consolas" charset="0"/>
-                    <a:ea typeface="Consolas" charset="0"/>
-                    <a:cs typeface="Consolas" charset="0"/>
-                  </a:rPr>
-                  <a:t>1</a:t>
-                </a:r>
-                <a:r>
-                  <a:rPr lang="en-US" sz="2541" dirty="0" smtClean="0">
-                    <a:latin typeface="Consolas" charset="0"/>
-                    <a:ea typeface="Consolas" charset="0"/>
-                    <a:cs typeface="Consolas" charset="0"/>
-                  </a:rPr>
-                  <a:t> q</a:t>
-                </a:r>
-                <a:r>
-                  <a:rPr lang="en-US" sz="2541" baseline="-25000" dirty="0" smtClean="0">
-                    <a:latin typeface="Consolas" charset="0"/>
-                    <a:ea typeface="Consolas" charset="0"/>
-                    <a:cs typeface="Consolas" charset="0"/>
-                  </a:rPr>
-                  <a:t>2</a:t>
-                </a:r>
-                <a:r>
-                  <a:rPr lang="en-US" sz="2541" dirty="0" smtClean="0">
-                    <a:latin typeface="Consolas" charset="0"/>
-                    <a:ea typeface="Consolas" charset="0"/>
-                    <a:cs typeface="Consolas" charset="0"/>
-                  </a:rPr>
-                  <a:t> :</a:t>
-                </a:r>
-              </a:p>
-              <a:p>
-                <a:r>
-                  <a:rPr lang="it-IT" sz="2541" dirty="0" smtClean="0">
-                    <a:latin typeface="Consolas" charset="0"/>
-                    <a:ea typeface="Consolas" charset="0"/>
-                    <a:cs typeface="Consolas" charset="0"/>
-                  </a:rPr>
-                  <a:t> </a:t>
-                </a:r>
-                <a:r>
-                  <a:rPr lang="en-US" sz="2541" dirty="0" err="1">
-                    <a:latin typeface="Consolas" charset="0"/>
-                    <a:ea typeface="Consolas" charset="0"/>
-                    <a:cs typeface="Consolas" charset="0"/>
-                  </a:rPr>
-                  <a:t>select_union_distr_fun</a:t>
-                </a:r>
-                <a:r>
-                  <a:rPr lang="en-US" sz="2541" dirty="0">
-                    <a:latin typeface="Consolas" charset="0"/>
-                    <a:ea typeface="Consolas" charset="0"/>
-                    <a:cs typeface="Consolas" charset="0"/>
-                  </a:rPr>
-                  <a:t> </a:t>
-                </a:r>
-                <a:r>
-                  <a:rPr lang="en-US" sz="2541" dirty="0" smtClean="0">
-                    <a:latin typeface="Consolas" charset="0"/>
-                    <a:ea typeface="Consolas" charset="0"/>
-                    <a:cs typeface="Consolas" charset="0"/>
-                  </a:rPr>
-                  <a:t>q </a:t>
-                </a:r>
-                <a:r>
-                  <a:rPr lang="de-DE" sz="2541" dirty="0" smtClean="0">
-                    <a:latin typeface="Consolas" charset="0"/>
-                    <a:ea typeface="Consolas" charset="0"/>
-                    <a:cs typeface="Consolas" charset="0"/>
-                  </a:rPr>
-                  <a:t>≡ </a:t>
-                </a:r>
-                <a:r>
-                  <a:rPr lang="en-US" sz="2541" dirty="0" smtClean="0">
-                    <a:latin typeface="Consolas" charset="0"/>
-                    <a:ea typeface="Consolas" charset="0"/>
-                    <a:cs typeface="Consolas" charset="0"/>
-                  </a:rPr>
-                  <a:t>q</a:t>
-                </a:r>
-                <a:r>
-                  <a:rPr lang="de-DE" sz="2541" dirty="0" smtClean="0">
-                    <a:latin typeface="Consolas" charset="0"/>
-                    <a:ea typeface="Consolas" charset="0"/>
-                    <a:cs typeface="Consolas" charset="0"/>
-                  </a:rPr>
-                  <a:t>.</a:t>
-                </a:r>
-              </a:p>
-              <a:p>
-                <a:r>
-                  <a:rPr lang="en-US" sz="2541" dirty="0" smtClean="0">
-                    <a:solidFill>
-                      <a:schemeClr val="accent5">
-                        <a:lumMod val="75000"/>
-                      </a:schemeClr>
-                    </a:solidFill>
-                    <a:latin typeface="Consolas" charset="0"/>
-                    <a:ea typeface="Consolas" charset="0"/>
-                    <a:cs typeface="Consolas" charset="0"/>
-                  </a:rPr>
-                  <a:t>Proof.</a:t>
-                </a:r>
-              </a:p>
-              <a:p>
-                <a:r>
-                  <a:rPr lang="en-US" sz="2541" dirty="0" smtClean="0">
-                    <a:solidFill>
-                      <a:schemeClr val="accent5">
-                        <a:lumMod val="75000"/>
-                      </a:schemeClr>
-                    </a:solidFill>
-                    <a:latin typeface="Consolas" charset="0"/>
-                    <a:ea typeface="Consolas" charset="0"/>
-                    <a:cs typeface="Consolas" charset="0"/>
-                  </a:rPr>
-                  <a:t> Hint Rewrite </a:t>
-                </a:r>
-                <a:r>
-                  <a:rPr lang="en-US" sz="2541" dirty="0" err="1" smtClean="0">
-                    <a:latin typeface="Consolas" charset="0"/>
-                    <a:ea typeface="Consolas" charset="0"/>
-                    <a:cs typeface="Consolas" charset="0"/>
-                  </a:rPr>
-                  <a:t>select_union_distr</a:t>
-                </a:r>
-                <a:r>
-                  <a:rPr lang="en-US" sz="2541" dirty="0" smtClean="0">
-                    <a:latin typeface="Consolas" charset="0"/>
-                    <a:ea typeface="Consolas" charset="0"/>
-                    <a:cs typeface="Consolas" charset="0"/>
-                  </a:rPr>
-                  <a:t> : </a:t>
-                </a:r>
-                <a:r>
-                  <a:rPr lang="en-US" sz="2541" dirty="0" err="1" smtClean="0">
-                    <a:latin typeface="Consolas" charset="0"/>
-                    <a:ea typeface="Consolas" charset="0"/>
-                    <a:cs typeface="Consolas" charset="0"/>
-                  </a:rPr>
-                  <a:t>envmap_eqs</a:t>
-                </a:r>
-                <a:r>
-                  <a:rPr lang="en-US" sz="2541" dirty="0" smtClean="0">
-                    <a:latin typeface="Consolas" charset="0"/>
-                    <a:ea typeface="Consolas" charset="0"/>
-                    <a:cs typeface="Consolas" charset="0"/>
-                  </a:rPr>
-                  <a:t>.</a:t>
-                </a:r>
-              </a:p>
-              <a:p>
-                <a:r>
-                  <a:rPr lang="en-US" sz="2541" dirty="0">
-                    <a:solidFill>
-                      <a:schemeClr val="accent5">
-                        <a:lumMod val="75000"/>
-                      </a:schemeClr>
-                    </a:solidFill>
-                    <a:latin typeface="Consolas" charset="0"/>
-                    <a:ea typeface="Consolas" charset="0"/>
-                    <a:cs typeface="Consolas" charset="0"/>
-                  </a:rPr>
-                  <a:t> </a:t>
-                </a:r>
-                <a:r>
-                  <a:rPr lang="en-US" sz="2541" dirty="0" err="1" smtClean="0">
-                    <a:latin typeface="Consolas" charset="0"/>
-                    <a:ea typeface="Consolas" charset="0"/>
-                    <a:cs typeface="Consolas" charset="0"/>
-                  </a:rPr>
-                  <a:t>prove_correctness</a:t>
-                </a:r>
-                <a:r>
-                  <a:rPr lang="en-US" sz="2541" dirty="0" smtClean="0">
-                    <a:latin typeface="Consolas" charset="0"/>
-                    <a:ea typeface="Consolas" charset="0"/>
-                    <a:cs typeface="Consolas" charset="0"/>
-                  </a:rPr>
-                  <a:t> q.</a:t>
-                </a:r>
-                <a:endParaRPr lang="en-US" sz="2541" dirty="0" smtClean="0">
+                <a:latin typeface="Consolas" charset="0"/>
+                <a:ea typeface="Consolas" charset="0"/>
+                <a:cs typeface="Consolas" charset="0"/>
+              </a:endParaRPr>
+            </a:p>
+            <a:p>
+              <a:r>
+                <a:rPr lang="en-US" sz="2541" dirty="0" err="1" smtClean="0">
                   <a:solidFill>
                     <a:schemeClr val="accent5">
                       <a:lumMod val="75000"/>
@@ -5152,36 +5297,11 @@
                   <a:latin typeface="Consolas" charset="0"/>
                   <a:ea typeface="Consolas" charset="0"/>
                   <a:cs typeface="Consolas" charset="0"/>
-                </a:endParaRPr>
-              </a:p>
-              <a:p>
-                <a:r>
-                  <a:rPr lang="en-US" sz="2541" dirty="0" err="1" smtClean="0">
-                    <a:solidFill>
-                      <a:schemeClr val="accent5">
-                        <a:lumMod val="75000"/>
-                      </a:schemeClr>
-                    </a:solidFill>
-                    <a:latin typeface="Consolas" charset="0"/>
-                    <a:ea typeface="Consolas" charset="0"/>
-                    <a:cs typeface="Consolas" charset="0"/>
-                  </a:rPr>
-                  <a:t>Qed</a:t>
-                </a:r>
-                <a:r>
-                  <a:rPr lang="en-US" sz="2541" dirty="0" smtClean="0">
-                    <a:solidFill>
-                      <a:schemeClr val="accent5">
-                        <a:lumMod val="75000"/>
-                      </a:schemeClr>
-                    </a:solidFill>
-                    <a:latin typeface="Consolas" charset="0"/>
-                    <a:ea typeface="Consolas" charset="0"/>
-                    <a:cs typeface="Consolas" charset="0"/>
-                  </a:rPr>
-                  <a:t>.</a:t>
-                </a:r>
-                <a:endParaRPr lang="en-US" sz="2541" dirty="0">
+                </a:rPr>
+                <a:t>Qed</a:t>
+              </a:r>
+              <a:r>
+                <a:rPr lang="en-US" sz="2541" dirty="0" smtClean="0">
                   <a:solidFill>
                     <a:schemeClr val="accent5">
                       <a:lumMod val="75000"/>
@@ -5190,15 +5310,118 @@
                   <a:latin typeface="Consolas" charset="0"/>
                   <a:ea typeface="Consolas" charset="0"/>
                   <a:cs typeface="Consolas" charset="0"/>
-                </a:endParaRPr>
-              </a:p>
-            </p:txBody>
-          </p:sp>
-        </p:grpSp>
+                </a:rPr>
+                <a:t>.</a:t>
+              </a:r>
+              <a:endParaRPr lang="en-US" sz="2541" dirty="0">
+                <a:solidFill>
+                  <a:schemeClr val="accent5">
+                    <a:lumMod val="75000"/>
+                  </a:schemeClr>
+                </a:solidFill>
+                <a:latin typeface="Consolas" charset="0"/>
+                <a:ea typeface="Consolas" charset="0"/>
+                <a:cs typeface="Consolas" charset="0"/>
+              </a:endParaRPr>
+            </a:p>
+          </p:txBody>
+        </p:sp>
       </p:grpSp>
+      <p:sp>
+        <p:nvSpPr>
+          <p:cNvPr id="67" name="TextBox 66"/>
+          <p:cNvSpPr txBox="1"/>
+          <p:nvPr/>
+        </p:nvSpPr>
+        <p:spPr>
+          <a:xfrm>
+            <a:off x="11948783" y="31712112"/>
+            <a:ext cx="9694732" cy="830997"/>
+          </a:xfrm>
+          <a:prstGeom prst="rect">
+            <a:avLst/>
+          </a:prstGeom>
+          <a:solidFill>
+            <a:schemeClr val="accent4">
+              <a:lumMod val="40000"/>
+              <a:lumOff val="60000"/>
+            </a:schemeClr>
+          </a:solidFill>
+        </p:spPr>
+        <p:txBody>
+          <a:bodyPr wrap="square" rtlCol="0">
+            <a:spAutoFit/>
+          </a:bodyPr>
+          <a:lstStyle/>
+          <a:p>
+            <a:r>
+              <a:rPr lang="en-US" sz="4800" b="1" dirty="0" smtClean="0">
+                <a:solidFill>
+                  <a:schemeClr val="accent5">
+                    <a:lumMod val="75000"/>
+                  </a:schemeClr>
+                </a:solidFill>
+                <a:latin typeface="Consolas" charset="0"/>
+                <a:ea typeface="Consolas" charset="0"/>
+                <a:cs typeface="Consolas" charset="0"/>
+              </a:rPr>
+              <a:t>https://</a:t>
+            </a:r>
+            <a:r>
+              <a:rPr lang="en-US" sz="4800" b="1" dirty="0" err="1" smtClean="0">
+                <a:solidFill>
+                  <a:schemeClr val="accent5">
+                    <a:lumMod val="75000"/>
+                  </a:schemeClr>
+                </a:solidFill>
+                <a:latin typeface="Consolas" charset="0"/>
+                <a:ea typeface="Consolas" charset="0"/>
+                <a:cs typeface="Consolas" charset="0"/>
+              </a:rPr>
+              <a:t>github.com</a:t>
+            </a:r>
+            <a:r>
+              <a:rPr lang="en-US" sz="4800" b="1" dirty="0" smtClean="0">
+                <a:solidFill>
+                  <a:schemeClr val="accent5">
+                    <a:lumMod val="75000"/>
+                  </a:schemeClr>
+                </a:solidFill>
+                <a:latin typeface="Consolas" charset="0"/>
+                <a:ea typeface="Consolas" charset="0"/>
+                <a:cs typeface="Consolas" charset="0"/>
+              </a:rPr>
+              <a:t>/</a:t>
+            </a:r>
+            <a:r>
+              <a:rPr lang="en-US" sz="4800" b="1" dirty="0" err="1" smtClean="0">
+                <a:solidFill>
+                  <a:schemeClr val="accent5">
+                    <a:lumMod val="75000"/>
+                  </a:schemeClr>
+                </a:solidFill>
+                <a:latin typeface="Consolas" charset="0"/>
+                <a:ea typeface="Consolas" charset="0"/>
+                <a:cs typeface="Consolas" charset="0"/>
+              </a:rPr>
+              <a:t>querycert</a:t>
+            </a:r>
+            <a:endParaRPr lang="en-US" sz="4800" b="1" dirty="0">
+              <a:solidFill>
+                <a:schemeClr val="accent5">
+                  <a:lumMod val="75000"/>
+                </a:schemeClr>
+              </a:solidFill>
+              <a:latin typeface="Consolas" charset="0"/>
+              <a:ea typeface="Consolas" charset="0"/>
+              <a:cs typeface="Consolas" charset="0"/>
+            </a:endParaRPr>
+          </a:p>
+        </p:txBody>
+      </p:sp>
       <p:pic>
         <p:nvPicPr>
-          <p:cNvPr id="25" name="Picture 24"/>
+          <p:cNvPr id="2" name="Picture 1"/>
           <p:cNvPicPr>
             <a:picLocks noChangeAspect="1"/>
           </p:cNvPicPr>
@@ -5218,129 +5441,7 @@
         </p:blipFill>
         <p:spPr>
           <a:xfrm>
-            <a:off x="1371600" y="18149092"/>
-            <a:ext cx="19368467" cy="7908790"/>
-          </a:xfrm>
-          <a:prstGeom prst="rect">
-            <a:avLst/>
-          </a:prstGeom>
-        </p:spPr>
-      </p:pic>
-      <p:sp>
-        <p:nvSpPr>
-          <p:cNvPr id="67" name="TextBox 66"/>
-          <p:cNvSpPr txBox="1"/>
-          <p:nvPr/>
-        </p:nvSpPr>
-        <p:spPr>
-          <a:xfrm>
-            <a:off x="11931881" y="31712112"/>
-            <a:ext cx="9694732" cy="830997"/>
-          </a:xfrm>
-          <a:prstGeom prst="rect">
-            <a:avLst/>
-          </a:prstGeom>
-          <a:solidFill>
-            <a:schemeClr val="accent4">
-              <a:lumMod val="40000"/>
-              <a:lumOff val="60000"/>
-            </a:schemeClr>
-          </a:solidFill>
-        </p:spPr>
-        <p:txBody>
-          <a:bodyPr wrap="square" rtlCol="0">
-            <a:spAutoFit/>
-          </a:bodyPr>
-          <a:lstStyle/>
-          <a:p>
-            <a:r>
-              <a:rPr lang="en-US" sz="4800" b="1" dirty="0" smtClean="0">
-                <a:solidFill>
-                  <a:schemeClr val="accent5">
-                    <a:lumMod val="75000"/>
-                  </a:schemeClr>
-                </a:solidFill>
-                <a:latin typeface="Consolas" charset="0"/>
-                <a:ea typeface="Consolas" charset="0"/>
-                <a:cs typeface="Consolas" charset="0"/>
-              </a:rPr>
-              <a:t>https://</a:t>
-            </a:r>
-            <a:r>
-              <a:rPr lang="en-US" sz="4800" b="1" dirty="0" err="1" smtClean="0">
-                <a:solidFill>
-                  <a:schemeClr val="accent5">
-                    <a:lumMod val="75000"/>
-                  </a:schemeClr>
-                </a:solidFill>
-                <a:latin typeface="Consolas" charset="0"/>
-                <a:ea typeface="Consolas" charset="0"/>
-                <a:cs typeface="Consolas" charset="0"/>
-              </a:rPr>
-              <a:t>github.com</a:t>
-            </a:r>
-            <a:r>
-              <a:rPr lang="en-US" sz="4800" b="1" dirty="0" smtClean="0">
-                <a:solidFill>
-                  <a:schemeClr val="accent5">
-                    <a:lumMod val="75000"/>
-                  </a:schemeClr>
-                </a:solidFill>
-                <a:latin typeface="Consolas" charset="0"/>
-                <a:ea typeface="Consolas" charset="0"/>
-                <a:cs typeface="Consolas" charset="0"/>
-              </a:rPr>
-              <a:t>/</a:t>
-            </a:r>
-            <a:r>
-              <a:rPr lang="en-US" sz="4800" b="1" dirty="0" err="1" smtClean="0">
-                <a:solidFill>
-                  <a:schemeClr val="accent5">
-                    <a:lumMod val="75000"/>
-                  </a:schemeClr>
-                </a:solidFill>
-                <a:latin typeface="Consolas" charset="0"/>
-                <a:ea typeface="Consolas" charset="0"/>
-                <a:cs typeface="Consolas" charset="0"/>
-              </a:rPr>
-              <a:t>querycert</a:t>
-            </a:r>
-            <a:endParaRPr lang="en-US" sz="4800" b="1" dirty="0">
-              <a:solidFill>
-                <a:schemeClr val="accent5">
-                  <a:lumMod val="75000"/>
-                </a:schemeClr>
-              </a:solidFill>
-              <a:latin typeface="Consolas" charset="0"/>
-              <a:ea typeface="Consolas" charset="0"/>
-              <a:cs typeface="Consolas" charset="0"/>
-            </a:endParaRPr>
-          </a:p>
-        </p:txBody>
-      </p:sp>
-      <p:pic>
-        <p:nvPicPr>
-          <p:cNvPr id="2" name="Picture 1"/>
-          <p:cNvPicPr>
-            <a:picLocks noChangeAspect="1"/>
-          </p:cNvPicPr>
-          <p:nvPr/>
-        </p:nvPicPr>
-        <p:blipFill>
-          <a:blip r:embed="rId5">
-            <a:extLst>
-              <a:ext uri="{28A0092B-C50C-407E-A947-70E740481C1C}">
-                <a14:useLocalDpi xmlns:a14="http://schemas.microsoft.com/office/drawing/2010/main" val="0"/>
-              </a:ext>
-            </a:extLst>
-          </a:blip>
-          <a:stretch>
-            <a:fillRect/>
-          </a:stretch>
-        </p:blipFill>
-        <p:spPr>
-          <a:xfrm>
-            <a:off x="12899571" y="27127780"/>
+            <a:off x="12768943" y="26997152"/>
             <a:ext cx="7840496" cy="4374526"/>
           </a:xfrm>
           <a:prstGeom prst="rect">
@@ -5356,7 +5457,7 @@
         </p:nvGrpSpPr>
         <p:grpSpPr>
           <a:xfrm>
-            <a:off x="990139" y="26571254"/>
+            <a:off x="859511" y="26571254"/>
             <a:ext cx="9880416" cy="4374526"/>
             <a:chOff x="-2574390" y="9688962"/>
             <a:chExt cx="17947959" cy="5847987"/>
@@ -5489,31 +5590,7 @@
                   <a:ea typeface="Helvetica Neue Light" charset="0"/>
                   <a:cs typeface="Helvetica Neue Light" charset="0"/>
                 </a:rPr>
-                <a:t>External </a:t>
-              </a:r>
-              <a:r>
-                <a:rPr lang="en-US" sz="3812" smtClean="0">
-                  <a:latin typeface="Helvetica Neue Light" charset="0"/>
-                  <a:ea typeface="Helvetica Neue Light" charset="0"/>
-                  <a:cs typeface="Helvetica Neue Light" charset="0"/>
-                </a:rPr>
-                <a:t>Types </a:t>
-              </a:r>
-              <a:r>
-                <a:rPr lang="en-US" sz="3812" smtClean="0">
-                  <a:latin typeface="Helvetica Neue Light" charset="0"/>
-                  <a:ea typeface="Helvetica Neue Light" charset="0"/>
-                  <a:cs typeface="Helvetica Neue Light" charset="0"/>
-                </a:rPr>
-                <a:t>and </a:t>
-              </a:r>
-              <a:r>
-                <a:rPr lang="en-US" sz="3812" smtClean="0">
-                  <a:latin typeface="Helvetica Neue Light" charset="0"/>
-                  <a:ea typeface="Helvetica Neue Light" charset="0"/>
-                  <a:cs typeface="Helvetica Neue Light" charset="0"/>
-                </a:rPr>
-                <a:t>Functions</a:t>
+                <a:t>External Types and Functions</a:t>
               </a:r>
               <a:endParaRPr lang="en-US" sz="3812" dirty="0" smtClean="0">
                 <a:latin typeface="Helvetica Neue Light" charset="0"/>
@@ -5539,66 +5616,111 @@
           </p:txBody>
         </p:sp>
       </p:grpSp>
-      <p:sp>
-        <p:nvSpPr>
-          <p:cNvPr id="40" name="Rectangle 39"/>
-          <p:cNvSpPr/>
+      <p:grpSp>
+        <p:nvGrpSpPr>
+          <p:cNvPr id="3" name="Group 2"/>
+          <p:cNvGrpSpPr/>
           <p:nvPr/>
-        </p:nvSpPr>
-        <p:spPr>
+        </p:nvGrpSpPr>
+        <p:grpSpPr>
           <a:xfrm>
-            <a:off x="1371600" y="17503892"/>
-            <a:ext cx="19368467" cy="666229"/>
+            <a:off x="1240972" y="17405921"/>
+            <a:ext cx="19368467" cy="8553990"/>
+            <a:chOff x="1371600" y="17503892"/>
+            <a:chExt cx="19368467" cy="8553990"/>
           </a:xfrm>
-          <a:prstGeom prst="rect">
-            <a:avLst/>
-          </a:prstGeom>
-          <a:solidFill>
-            <a:schemeClr val="accent5">
-              <a:lumMod val="75000"/>
-            </a:schemeClr>
-          </a:solidFill>
-          <a:ln>
-            <a:noFill/>
-          </a:ln>
-        </p:spPr>
-        <p:style>
-          <a:lnRef idx="2">
-            <a:schemeClr val="accent1">
-              <a:shade val="50000"/>
-            </a:schemeClr>
-          </a:lnRef>
-          <a:fillRef idx="1">
-            <a:schemeClr val="accent1"/>
-          </a:fillRef>
-          <a:effectRef idx="0">
-            <a:schemeClr val="accent1"/>
-          </a:effectRef>
-          <a:fontRef idx="minor">
-            <a:schemeClr val="lt1"/>
-          </a:fontRef>
-        </p:style>
-        <p:txBody>
-          <a:bodyPr rtlCol="0" anchor="ctr"/>
-          <a:lstStyle/>
-          <a:p>
-            <a:pPr algn="ctr"/>
-            <a:r>
-              <a:rPr lang="en-US" sz="3106" b="1" dirty="0" smtClean="0">
+        </p:grpSpPr>
+        <p:pic>
+          <p:nvPicPr>
+            <p:cNvPr id="25" name="Picture 24"/>
+            <p:cNvPicPr>
+              <a:picLocks noChangeAspect="1"/>
+            </p:cNvPicPr>
+            <p:nvPr/>
+          </p:nvPicPr>
+          <p:blipFill>
+            <a:blip r:embed="rId5">
+              <a:extLst>
+                <a:ext uri="{28A0092B-C50C-407E-A947-70E740481C1C}">
+                  <a14:useLocalDpi xmlns:a14="http://schemas.microsoft.com/office/drawing/2010/main" val="0"/>
+                </a:ext>
+              </a:extLst>
+            </a:blip>
+            <a:stretch>
+              <a:fillRect/>
+            </a:stretch>
+          </p:blipFill>
+          <p:spPr>
+            <a:xfrm>
+              <a:off x="1371600" y="18149092"/>
+              <a:ext cx="19368467" cy="7908790"/>
+            </a:xfrm>
+            <a:prstGeom prst="rect">
+              <a:avLst/>
+            </a:prstGeom>
+          </p:spPr>
+        </p:pic>
+        <p:sp>
+          <p:nvSpPr>
+            <p:cNvPr id="40" name="Rectangle 39"/>
+            <p:cNvSpPr/>
+            <p:nvPr/>
+          </p:nvSpPr>
+          <p:spPr>
+            <a:xfrm>
+              <a:off x="1371600" y="17503892"/>
+              <a:ext cx="19368467" cy="666229"/>
+            </a:xfrm>
+            <a:prstGeom prst="rect">
+              <a:avLst/>
+            </a:prstGeom>
+            <a:solidFill>
+              <a:schemeClr val="accent5">
+                <a:lumMod val="75000"/>
+              </a:schemeClr>
+            </a:solidFill>
+            <a:ln>
+              <a:noFill/>
+            </a:ln>
+          </p:spPr>
+          <p:style>
+            <a:lnRef idx="2">
+              <a:schemeClr val="accent1">
+                <a:shade val="50000"/>
+              </a:schemeClr>
+            </a:lnRef>
+            <a:fillRef idx="1">
+              <a:schemeClr val="accent1"/>
+            </a:fillRef>
+            <a:effectRef idx="0">
+              <a:schemeClr val="accent1"/>
+            </a:effectRef>
+            <a:fontRef idx="minor">
+              <a:schemeClr val="lt1"/>
+            </a:fontRef>
+          </p:style>
+          <p:txBody>
+            <a:bodyPr rtlCol="0" anchor="ctr"/>
+            <a:lstStyle/>
+            <a:p>
+              <a:pPr algn="ctr"/>
+              <a:r>
+                <a:rPr lang="en-US" sz="3106" b="1" dirty="0" smtClean="0">
+                  <a:latin typeface="Courier" charset="0"/>
+                  <a:ea typeface="Courier" charset="0"/>
+                  <a:cs typeface="Courier" charset="0"/>
+                </a:rPr>
+                <a:t>Compilation Pipeline</a:t>
+              </a:r>
+              <a:endParaRPr lang="en-US" sz="3106" b="1" dirty="0">
                 <a:latin typeface="Courier" charset="0"/>
                 <a:ea typeface="Courier" charset="0"/>
                 <a:cs typeface="Courier" charset="0"/>
-              </a:rPr>
-              <a:t>Compilation Pipeline</a:t>
-            </a:r>
-            <a:endParaRPr lang="en-US" sz="3106" b="1" dirty="0">
-              <a:latin typeface="Courier" charset="0"/>
-              <a:ea typeface="Courier" charset="0"/>
-              <a:cs typeface="Courier" charset="0"/>
-            </a:endParaRPr>
-          </a:p>
-        </p:txBody>
-      </p:sp>
+              </a:endParaRPr>
+            </a:p>
+          </p:txBody>
+        </p:sp>
+      </p:grpSp>
       <p:sp>
         <p:nvSpPr>
           <p:cNvPr id="48" name="Rectangle 47"/>
@@ -5607,7 +5729,7 @@
         </p:nvSpPr>
         <p:spPr>
           <a:xfrm>
-            <a:off x="12899572" y="26467757"/>
+            <a:off x="12768944" y="26337129"/>
             <a:ext cx="7840496" cy="666229"/>
           </a:xfrm>
           <a:prstGeom prst="rect">

--- a/docs/qcert-poster.pptx
+++ b/docs/qcert-poster.pptx
@@ -243,7 +243,7 @@
           <a:p>
             <a:fld id="{6D4E502F-106A-5644-822E-51330CCC29FE}" type="datetimeFigureOut">
               <a:rPr lang="en-US" smtClean="0"/>
-              <a:t>4/12/17</a:t>
+              <a:t>4/14/17</a:t>
             </a:fld>
             <a:endParaRPr lang="en-US" dirty="0"/>
           </a:p>
@@ -413,7 +413,7 @@
           <a:p>
             <a:fld id="{6D4E502F-106A-5644-822E-51330CCC29FE}" type="datetimeFigureOut">
               <a:rPr lang="en-US" smtClean="0"/>
-              <a:t>4/12/17</a:t>
+              <a:t>4/14/17</a:t>
             </a:fld>
             <a:endParaRPr lang="en-US" dirty="0"/>
           </a:p>
@@ -593,7 +593,7 @@
           <a:p>
             <a:fld id="{6D4E502F-106A-5644-822E-51330CCC29FE}" type="datetimeFigureOut">
               <a:rPr lang="en-US" smtClean="0"/>
-              <a:t>4/12/17</a:t>
+              <a:t>4/14/17</a:t>
             </a:fld>
             <a:endParaRPr lang="en-US" dirty="0"/>
           </a:p>
@@ -699,7 +699,7 @@
           <a:p>
             <a:fld id="{6D4E502F-106A-5644-822E-51330CCC29FE}" type="datetimeFigureOut">
               <a:rPr lang="en-US" smtClean="0"/>
-              <a:t>4/12/17</a:t>
+              <a:t>4/14/17</a:t>
             </a:fld>
             <a:endParaRPr lang="en-US" dirty="0"/>
           </a:p>
@@ -943,7 +943,7 @@
           <a:p>
             <a:fld id="{6D4E502F-106A-5644-822E-51330CCC29FE}" type="datetimeFigureOut">
               <a:rPr lang="en-US" smtClean="0"/>
-              <a:t>4/12/17</a:t>
+              <a:t>4/14/17</a:t>
             </a:fld>
             <a:endParaRPr lang="en-US" dirty="0"/>
           </a:p>
@@ -1175,7 +1175,7 @@
           <a:p>
             <a:fld id="{6D4E502F-106A-5644-822E-51330CCC29FE}" type="datetimeFigureOut">
               <a:rPr lang="en-US" smtClean="0"/>
-              <a:t>4/12/17</a:t>
+              <a:t>4/14/17</a:t>
             </a:fld>
             <a:endParaRPr lang="en-US" dirty="0"/>
           </a:p>
@@ -1542,7 +1542,7 @@
           <a:p>
             <a:fld id="{6D4E502F-106A-5644-822E-51330CCC29FE}" type="datetimeFigureOut">
               <a:rPr lang="en-US" smtClean="0"/>
-              <a:t>4/12/17</a:t>
+              <a:t>4/14/17</a:t>
             </a:fld>
             <a:endParaRPr lang="en-US" dirty="0"/>
           </a:p>
@@ -1660,7 +1660,7 @@
           <a:p>
             <a:fld id="{6D4E502F-106A-5644-822E-51330CCC29FE}" type="datetimeFigureOut">
               <a:rPr lang="en-US" smtClean="0"/>
-              <a:t>4/12/17</a:t>
+              <a:t>4/14/17</a:t>
             </a:fld>
             <a:endParaRPr lang="en-US" dirty="0"/>
           </a:p>
@@ -1755,7 +1755,7 @@
           <a:p>
             <a:fld id="{6D4E502F-106A-5644-822E-51330CCC29FE}" type="datetimeFigureOut">
               <a:rPr lang="en-US" smtClean="0"/>
-              <a:t>4/12/17</a:t>
+              <a:t>4/14/17</a:t>
             </a:fld>
             <a:endParaRPr lang="en-US" dirty="0"/>
           </a:p>
@@ -2032,7 +2032,7 @@
           <a:p>
             <a:fld id="{6D4E502F-106A-5644-822E-51330CCC29FE}" type="datetimeFigureOut">
               <a:rPr lang="en-US" smtClean="0"/>
-              <a:t>4/12/17</a:t>
+              <a:t>4/14/17</a:t>
             </a:fld>
             <a:endParaRPr lang="en-US" dirty="0"/>
           </a:p>
@@ -2289,7 +2289,7 @@
           <a:p>
             <a:fld id="{6D4E502F-106A-5644-822E-51330CCC29FE}" type="datetimeFigureOut">
               <a:rPr lang="en-US" smtClean="0"/>
-              <a:t>4/12/17</a:t>
+              <a:t>4/14/17</a:t>
             </a:fld>
             <a:endParaRPr lang="en-US" dirty="0"/>
           </a:p>
@@ -2502,7 +2502,7 @@
           <a:p>
             <a:fld id="{6D4E502F-106A-5644-822E-51330CCC29FE}" type="datetimeFigureOut">
               <a:rPr lang="en-US" smtClean="0"/>
-              <a:t>4/12/17</a:t>
+              <a:t>4/14/17</a:t>
             </a:fld>
             <a:endParaRPr lang="en-US" dirty="0"/>
           </a:p>
@@ -2915,7 +2915,7 @@
         </p:nvGrpSpPr>
         <p:grpSpPr>
           <a:xfrm>
-            <a:off x="-151382" y="5876352"/>
+            <a:off x="-151382" y="5774752"/>
             <a:ext cx="22878345" cy="2847196"/>
             <a:chOff x="-1250366" y="8254483"/>
             <a:chExt cx="32410988" cy="3931921"/>
@@ -3624,42 +3624,171 @@
       </p:sp>
       <p:grpSp>
         <p:nvGrpSpPr>
-          <p:cNvPr id="45" name="Group 44"/>
+          <p:cNvPr id="4" name="Group 3"/>
           <p:cNvGrpSpPr/>
           <p:nvPr/>
         </p:nvGrpSpPr>
         <p:grpSpPr>
           <a:xfrm>
-            <a:off x="475589" y="8845047"/>
-            <a:ext cx="9959538" cy="4115969"/>
-            <a:chOff x="1905709" y="17464541"/>
-            <a:chExt cx="13819142" cy="5108837"/>
+            <a:off x="590252" y="17945709"/>
+            <a:ext cx="20765091" cy="8121515"/>
+            <a:chOff x="475589" y="8843965"/>
+            <a:chExt cx="20765091" cy="8121515"/>
           </a:xfrm>
         </p:grpSpPr>
         <p:grpSp>
           <p:nvGrpSpPr>
-            <p:cNvPr id="20" name="Group 19"/>
+            <p:cNvPr id="45" name="Group 44"/>
             <p:cNvGrpSpPr/>
             <p:nvPr/>
           </p:nvGrpSpPr>
           <p:grpSpPr>
             <a:xfrm>
-              <a:off x="1905709" y="17464541"/>
-              <a:ext cx="13819142" cy="5108837"/>
-              <a:chOff x="4283320" y="2423160"/>
-              <a:chExt cx="12179809" cy="4346673"/>
+              <a:off x="475589" y="8845046"/>
+              <a:ext cx="9534997" cy="3948894"/>
+              <a:chOff x="1905709" y="17464541"/>
+              <a:chExt cx="13230079" cy="4901460"/>
             </a:xfrm>
           </p:grpSpPr>
+          <p:grpSp>
+            <p:nvGrpSpPr>
+              <p:cNvPr id="20" name="Group 19"/>
+              <p:cNvGrpSpPr/>
+              <p:nvPr/>
+            </p:nvGrpSpPr>
+            <p:grpSpPr>
+              <a:xfrm>
+                <a:off x="1905709" y="17464541"/>
+                <a:ext cx="13230079" cy="4901460"/>
+                <a:chOff x="4283320" y="2423160"/>
+                <a:chExt cx="11660625" cy="4170234"/>
+              </a:xfrm>
+            </p:grpSpPr>
+            <p:sp>
+              <p:nvSpPr>
+                <p:cNvPr id="21" name="Rectangle 20"/>
+                <p:cNvSpPr/>
+                <p:nvPr/>
+              </p:nvSpPr>
+              <p:spPr>
+                <a:xfrm>
+                  <a:off x="4283320" y="2423160"/>
+                  <a:ext cx="11660625" cy="4170234"/>
+                </a:xfrm>
+                <a:prstGeom prst="rect">
+                  <a:avLst/>
+                </a:prstGeom>
+                <a:solidFill>
+                  <a:schemeClr val="bg1"/>
+                </a:solidFill>
+                <a:ln>
+                  <a:solidFill>
+                    <a:schemeClr val="bg1">
+                      <a:lumMod val="85000"/>
+                    </a:schemeClr>
+                  </a:solidFill>
+                </a:ln>
+              </p:spPr>
+              <p:style>
+                <a:lnRef idx="2">
+                  <a:schemeClr val="accent1">
+                    <a:shade val="50000"/>
+                  </a:schemeClr>
+                </a:lnRef>
+                <a:fillRef idx="1">
+                  <a:schemeClr val="accent1"/>
+                </a:fillRef>
+                <a:effectRef idx="0">
+                  <a:schemeClr val="accent1"/>
+                </a:effectRef>
+                <a:fontRef idx="minor">
+                  <a:schemeClr val="lt1"/>
+                </a:fontRef>
+              </p:style>
+              <p:txBody>
+                <a:bodyPr rtlCol="0" anchor="ctr"/>
+                <a:lstStyle/>
+                <a:p>
+                  <a:pPr algn="ctr"/>
+                  <a:r>
+                    <a:rPr lang="en-US" sz="3659" dirty="0" smtClean="0"/>
+                    <a:t>–</a:t>
+                  </a:r>
+                  <a:endParaRPr lang="en-US" sz="3659" dirty="0"/>
+                </a:p>
+              </p:txBody>
+            </p:sp>
+            <p:sp>
+              <p:nvSpPr>
+                <p:cNvPr id="24" name="Rectangle 23"/>
+                <p:cNvSpPr/>
+                <p:nvPr/>
+              </p:nvSpPr>
+              <p:spPr>
+                <a:xfrm>
+                  <a:off x="4283320" y="2424154"/>
+                  <a:ext cx="11660625" cy="648971"/>
+                </a:xfrm>
+                <a:prstGeom prst="rect">
+                  <a:avLst/>
+                </a:prstGeom>
+                <a:solidFill>
+                  <a:schemeClr val="accent5">
+                    <a:lumMod val="75000"/>
+                  </a:schemeClr>
+                </a:solidFill>
+                <a:ln>
+                  <a:noFill/>
+                </a:ln>
+              </p:spPr>
+              <p:style>
+                <a:lnRef idx="2">
+                  <a:schemeClr val="accent1">
+                    <a:shade val="50000"/>
+                  </a:schemeClr>
+                </a:lnRef>
+                <a:fillRef idx="1">
+                  <a:schemeClr val="accent1"/>
+                </a:fillRef>
+                <a:effectRef idx="0">
+                  <a:schemeClr val="accent1"/>
+                </a:effectRef>
+                <a:fontRef idx="minor">
+                  <a:schemeClr val="lt1"/>
+                </a:fontRef>
+              </p:style>
+              <p:txBody>
+                <a:bodyPr rtlCol="0" anchor="ctr"/>
+                <a:lstStyle/>
+                <a:p>
+                  <a:pPr algn="ctr"/>
+                  <a:r>
+                    <a:rPr lang="en-US" sz="3106" b="1" dirty="0" smtClean="0">
+                      <a:latin typeface="Courier" charset="0"/>
+                      <a:ea typeface="Courier" charset="0"/>
+                      <a:cs typeface="Courier" charset="0"/>
+                    </a:rPr>
+                    <a:t>Algebraic Equivalence</a:t>
+                  </a:r>
+                  <a:endParaRPr lang="en-US" sz="3106" b="1" dirty="0">
+                    <a:latin typeface="Courier" charset="0"/>
+                    <a:ea typeface="Courier" charset="0"/>
+                    <a:cs typeface="Courier" charset="0"/>
+                  </a:endParaRPr>
+                </a:p>
+              </p:txBody>
+            </p:sp>
+          </p:grpSp>
           <p:sp>
             <p:nvSpPr>
-              <p:cNvPr id="21" name="Rectangle 20"/>
-              <p:cNvSpPr/>
+              <p:cNvPr id="43" name="TextBox 42"/>
+              <p:cNvSpPr txBox="1"/>
               <p:nvPr/>
             </p:nvSpPr>
             <p:spPr>
               <a:xfrm>
-                <a:off x="4283320" y="2423160"/>
-                <a:ext cx="12179808" cy="4346673"/>
+                <a:off x="2164573" y="18430281"/>
+                <a:ext cx="12971215" cy="2788742"/>
               </a:xfrm>
               <a:prstGeom prst="rect">
                 <a:avLst/>
@@ -3667,182 +3796,447 @@
               <a:solidFill>
                 <a:schemeClr val="bg1"/>
               </a:solidFill>
-              <a:ln>
-                <a:solidFill>
-                  <a:schemeClr val="bg1">
-                    <a:lumMod val="85000"/>
-                  </a:schemeClr>
-                </a:solidFill>
-              </a:ln>
             </p:spPr>
-            <p:style>
-              <a:lnRef idx="2">
-                <a:schemeClr val="accent1">
-                  <a:shade val="50000"/>
-                </a:schemeClr>
-              </a:lnRef>
-              <a:fillRef idx="1">
-                <a:schemeClr val="accent1"/>
-              </a:fillRef>
-              <a:effectRef idx="0">
-                <a:schemeClr val="accent1"/>
-              </a:effectRef>
-              <a:fontRef idx="minor">
-                <a:schemeClr val="lt1"/>
-              </a:fontRef>
-            </p:style>
             <p:txBody>
-              <a:bodyPr rtlCol="0" anchor="ctr"/>
+              <a:bodyPr wrap="square" rtlCol="0">
+                <a:spAutoFit/>
+              </a:bodyPr>
               <a:lstStyle/>
               <a:p>
-                <a:pPr algn="ctr"/>
-                <a:r>
-                  <a:rPr lang="en-US" sz="3659" dirty="0" smtClean="0"/>
-                  <a:t>–</a:t>
-                </a:r>
-                <a:endParaRPr lang="en-US" sz="3659" dirty="0"/>
+                <a:r>
+                  <a:rPr lang="en-US" sz="2800" dirty="0" smtClean="0">
+                    <a:solidFill>
+                      <a:schemeClr val="accent5">
+                        <a:lumMod val="75000"/>
+                      </a:schemeClr>
+                    </a:solidFill>
+                    <a:latin typeface="Consolas" charset="0"/>
+                    <a:ea typeface="Consolas" charset="0"/>
+                    <a:cs typeface="Consolas" charset="0"/>
+                  </a:rPr>
+                  <a:t>Lemma</a:t>
+                </a:r>
+                <a:r>
+                  <a:rPr lang="en-US" sz="2800" dirty="0" smtClean="0">
+                    <a:latin typeface="Consolas" charset="0"/>
+                    <a:ea typeface="Consolas" charset="0"/>
+                    <a:cs typeface="Consolas" charset="0"/>
+                  </a:rPr>
+                  <a:t> </a:t>
+                </a:r>
+                <a:r>
+                  <a:rPr lang="en-US" sz="2800" dirty="0" err="1" smtClean="0">
+                    <a:latin typeface="Consolas" charset="0"/>
+                    <a:ea typeface="Consolas" charset="0"/>
+                    <a:cs typeface="Consolas" charset="0"/>
+                  </a:rPr>
+                  <a:t>select_union_distr</a:t>
+                </a:r>
+                <a:r>
+                  <a:rPr lang="en-US" sz="2800" dirty="0" smtClean="0">
+                    <a:latin typeface="Consolas" charset="0"/>
+                    <a:ea typeface="Consolas" charset="0"/>
+                    <a:cs typeface="Consolas" charset="0"/>
+                  </a:rPr>
+                  <a:t> q</a:t>
+                </a:r>
+                <a:r>
+                  <a:rPr lang="en-US" sz="2800" baseline="-25000" dirty="0" smtClean="0">
+                    <a:latin typeface="Consolas" charset="0"/>
+                    <a:ea typeface="Consolas" charset="0"/>
+                    <a:cs typeface="Consolas" charset="0"/>
+                  </a:rPr>
+                  <a:t>0</a:t>
+                </a:r>
+                <a:r>
+                  <a:rPr lang="en-US" sz="2800" dirty="0" smtClean="0">
+                    <a:latin typeface="Consolas" charset="0"/>
+                    <a:ea typeface="Consolas" charset="0"/>
+                    <a:cs typeface="Consolas" charset="0"/>
+                  </a:rPr>
+                  <a:t> q</a:t>
+                </a:r>
+                <a:r>
+                  <a:rPr lang="en-US" sz="2800" baseline="-25000" dirty="0" smtClean="0">
+                    <a:latin typeface="Consolas" charset="0"/>
+                    <a:ea typeface="Consolas" charset="0"/>
+                    <a:cs typeface="Consolas" charset="0"/>
+                  </a:rPr>
+                  <a:t>1</a:t>
+                </a:r>
+                <a:r>
+                  <a:rPr lang="en-US" sz="2800" dirty="0" smtClean="0">
+                    <a:latin typeface="Consolas" charset="0"/>
+                    <a:ea typeface="Consolas" charset="0"/>
+                    <a:cs typeface="Consolas" charset="0"/>
+                  </a:rPr>
+                  <a:t> q</a:t>
+                </a:r>
+                <a:r>
+                  <a:rPr lang="en-US" sz="2800" baseline="-25000" dirty="0" smtClean="0">
+                    <a:latin typeface="Consolas" charset="0"/>
+                    <a:ea typeface="Consolas" charset="0"/>
+                    <a:cs typeface="Consolas" charset="0"/>
+                  </a:rPr>
+                  <a:t>2</a:t>
+                </a:r>
+                <a:r>
+                  <a:rPr lang="en-US" sz="2800" dirty="0" smtClean="0">
+                    <a:latin typeface="Consolas" charset="0"/>
+                    <a:ea typeface="Consolas" charset="0"/>
+                    <a:cs typeface="Consolas" charset="0"/>
+                  </a:rPr>
+                  <a:t> :</a:t>
+                </a:r>
               </a:p>
-            </p:txBody>
-          </p:sp>
-          <p:cxnSp>
-            <p:nvCxnSpPr>
-              <p:cNvPr id="23" name="Straight Connector 22"/>
-              <p:cNvCxnSpPr/>
-              <p:nvPr/>
-            </p:nvCxnSpPr>
-            <p:spPr>
-              <a:xfrm>
-                <a:off x="4796812" y="3296455"/>
-                <a:ext cx="0" cy="2443760"/>
-              </a:xfrm>
-              <a:prstGeom prst="line">
-                <a:avLst/>
-              </a:prstGeom>
-              <a:ln w="152400">
-                <a:solidFill>
-                  <a:schemeClr val="bg2">
-                    <a:lumMod val="90000"/>
-                  </a:schemeClr>
-                </a:solidFill>
-              </a:ln>
-            </p:spPr>
-            <p:style>
-              <a:lnRef idx="1">
-                <a:schemeClr val="accent1"/>
-              </a:lnRef>
-              <a:fillRef idx="0">
-                <a:schemeClr val="accent1"/>
-              </a:fillRef>
-              <a:effectRef idx="0">
-                <a:schemeClr val="accent1"/>
-              </a:effectRef>
-              <a:fontRef idx="minor">
-                <a:schemeClr val="tx1"/>
-              </a:fontRef>
-            </p:style>
-          </p:cxnSp>
-          <p:sp>
-            <p:nvSpPr>
-              <p:cNvPr id="24" name="Rectangle 23"/>
-              <p:cNvSpPr/>
-              <p:nvPr/>
-            </p:nvSpPr>
-            <p:spPr>
-              <a:xfrm>
-                <a:off x="4283320" y="2424154"/>
-                <a:ext cx="12179809" cy="648971"/>
-              </a:xfrm>
-              <a:prstGeom prst="rect">
-                <a:avLst/>
-              </a:prstGeom>
-              <a:solidFill>
-                <a:schemeClr val="accent5">
-                  <a:lumMod val="75000"/>
-                </a:schemeClr>
-              </a:solidFill>
-              <a:ln>
-                <a:noFill/>
-              </a:ln>
-            </p:spPr>
-            <p:style>
-              <a:lnRef idx="2">
-                <a:schemeClr val="accent1">
-                  <a:shade val="50000"/>
-                </a:schemeClr>
-              </a:lnRef>
-              <a:fillRef idx="1">
-                <a:schemeClr val="accent1"/>
-              </a:fillRef>
-              <a:effectRef idx="0">
-                <a:schemeClr val="accent1"/>
-              </a:effectRef>
-              <a:fontRef idx="minor">
-                <a:schemeClr val="lt1"/>
-              </a:fontRef>
-            </p:style>
-            <p:txBody>
-              <a:bodyPr rtlCol="0" anchor="ctr"/>
-              <a:lstStyle/>
               <a:p>
-                <a:pPr algn="ctr"/>
-                <a:r>
-                  <a:rPr lang="en-US" sz="3106" b="1" dirty="0" smtClean="0">
-                    <a:latin typeface="Courier" charset="0"/>
-                    <a:ea typeface="Courier" charset="0"/>
-                    <a:cs typeface="Courier" charset="0"/>
-                  </a:rPr>
-                  <a:t>Algebraic Equivalence</a:t>
-                </a:r>
-                <a:endParaRPr lang="en-US" sz="3106" b="1" dirty="0">
-                  <a:latin typeface="Courier" charset="0"/>
-                  <a:ea typeface="Courier" charset="0"/>
-                  <a:cs typeface="Courier" charset="0"/>
-                </a:endParaRPr>
+                <a:r>
+                  <a:rPr lang="it-IT" sz="2800" dirty="0" smtClean="0">
+                    <a:latin typeface="Consolas" charset="0"/>
+                    <a:ea typeface="Consolas" charset="0"/>
+                    <a:cs typeface="Consolas" charset="0"/>
+                  </a:rPr>
+                  <a:t>    𝛔⟨ </a:t>
+                </a:r>
+                <a:r>
+                  <a:rPr lang="en-US" sz="2800" dirty="0" smtClean="0">
+                    <a:latin typeface="Consolas" charset="0"/>
+                    <a:ea typeface="Consolas" charset="0"/>
+                    <a:cs typeface="Consolas" charset="0"/>
+                  </a:rPr>
+                  <a:t>q</a:t>
+                </a:r>
+                <a:r>
+                  <a:rPr lang="en-US" sz="2800" baseline="-25000" dirty="0" smtClean="0">
+                    <a:latin typeface="Consolas" charset="0"/>
+                    <a:ea typeface="Consolas" charset="0"/>
+                    <a:cs typeface="Consolas" charset="0"/>
+                  </a:rPr>
+                  <a:t>0</a:t>
+                </a:r>
+                <a:r>
+                  <a:rPr lang="it-IT" sz="2800" dirty="0">
+                    <a:latin typeface="Consolas" charset="0"/>
+                    <a:ea typeface="Consolas" charset="0"/>
+                    <a:cs typeface="Consolas" charset="0"/>
+                  </a:rPr>
+                  <a:t> </a:t>
+                </a:r>
+                <a:r>
+                  <a:rPr lang="de-DE" sz="2800" dirty="0" smtClean="0">
+                    <a:latin typeface="Consolas" charset="0"/>
+                    <a:ea typeface="Consolas" charset="0"/>
+                    <a:cs typeface="Consolas" charset="0"/>
+                  </a:rPr>
+                  <a:t>⟩(</a:t>
+                </a:r>
+                <a:r>
+                  <a:rPr lang="en-US" sz="2800" dirty="0">
+                    <a:latin typeface="Consolas" charset="0"/>
+                    <a:ea typeface="Consolas" charset="0"/>
+                    <a:cs typeface="Consolas" charset="0"/>
+                  </a:rPr>
+                  <a:t>q</a:t>
+                </a:r>
+                <a:r>
+                  <a:rPr lang="en-US" sz="2800" baseline="-25000" dirty="0">
+                    <a:latin typeface="Consolas" charset="0"/>
+                    <a:ea typeface="Consolas" charset="0"/>
+                    <a:cs typeface="Consolas" charset="0"/>
+                  </a:rPr>
+                  <a:t>1</a:t>
+                </a:r>
+                <a:r>
+                  <a:rPr lang="en-US" sz="2800" dirty="0">
+                    <a:latin typeface="Consolas" charset="0"/>
+                    <a:ea typeface="Consolas" charset="0"/>
+                    <a:cs typeface="Consolas" charset="0"/>
+                  </a:rPr>
+                  <a:t> </a:t>
+                </a:r>
+                <a:r>
+                  <a:rPr lang="en-US" sz="2800" dirty="0" smtClean="0">
+                    <a:latin typeface="Consolas" charset="0"/>
+                    <a:ea typeface="Consolas" charset="0"/>
+                    <a:cs typeface="Consolas" charset="0"/>
+                  </a:rPr>
+                  <a:t>∪ q</a:t>
+                </a:r>
+                <a:r>
+                  <a:rPr lang="en-US" sz="2800" baseline="-25000" dirty="0" smtClean="0">
+                    <a:latin typeface="Consolas" charset="0"/>
+                    <a:ea typeface="Consolas" charset="0"/>
+                    <a:cs typeface="Consolas" charset="0"/>
+                  </a:rPr>
+                  <a:t>2</a:t>
+                </a:r>
+                <a:r>
+                  <a:rPr lang="de-DE" sz="2800" dirty="0">
+                    <a:latin typeface="Consolas" charset="0"/>
+                    <a:ea typeface="Consolas" charset="0"/>
+                    <a:cs typeface="Consolas" charset="0"/>
+                  </a:rPr>
+                  <a:t>) </a:t>
+                </a:r>
+                <a:r>
+                  <a:rPr lang="de-DE" sz="2800" dirty="0" smtClean="0">
+                    <a:latin typeface="Consolas" charset="0"/>
+                    <a:ea typeface="Consolas" charset="0"/>
+                    <a:cs typeface="Consolas" charset="0"/>
+                  </a:rPr>
+                  <a:t>≡ </a:t>
+                </a:r>
+                <a:r>
+                  <a:rPr lang="it-IT" sz="2800" dirty="0">
+                    <a:latin typeface="Consolas" charset="0"/>
+                    <a:ea typeface="Consolas" charset="0"/>
+                    <a:cs typeface="Consolas" charset="0"/>
+                  </a:rPr>
+                  <a:t>𝛔</a:t>
+                </a:r>
+                <a:r>
+                  <a:rPr lang="it-IT" sz="2800" dirty="0" smtClean="0">
+                    <a:latin typeface="Consolas" charset="0"/>
+                    <a:ea typeface="Consolas" charset="0"/>
+                    <a:cs typeface="Consolas" charset="0"/>
+                  </a:rPr>
+                  <a:t>⟨</a:t>
+                </a:r>
+                <a:r>
+                  <a:rPr lang="it-IT" sz="2800" dirty="0">
+                    <a:latin typeface="Consolas" charset="0"/>
+                    <a:ea typeface="Consolas" charset="0"/>
+                    <a:cs typeface="Consolas" charset="0"/>
+                  </a:rPr>
+                  <a:t> </a:t>
+                </a:r>
+                <a:r>
+                  <a:rPr lang="en-US" sz="2800" dirty="0" smtClean="0">
+                    <a:latin typeface="Consolas" charset="0"/>
+                    <a:ea typeface="Consolas" charset="0"/>
+                    <a:cs typeface="Consolas" charset="0"/>
+                  </a:rPr>
+                  <a:t>q</a:t>
+                </a:r>
+                <a:r>
+                  <a:rPr lang="en-US" sz="2800" baseline="-25000" dirty="0" smtClean="0">
+                    <a:latin typeface="Consolas" charset="0"/>
+                    <a:ea typeface="Consolas" charset="0"/>
+                    <a:cs typeface="Consolas" charset="0"/>
+                  </a:rPr>
+                  <a:t>0</a:t>
+                </a:r>
+                <a:r>
+                  <a:rPr lang="it-IT" sz="2800" dirty="0">
+                    <a:latin typeface="Consolas" charset="0"/>
+                    <a:ea typeface="Consolas" charset="0"/>
+                    <a:cs typeface="Consolas" charset="0"/>
+                  </a:rPr>
+                  <a:t> </a:t>
+                </a:r>
+                <a:r>
+                  <a:rPr lang="de-DE" sz="2800" dirty="0" smtClean="0">
+                    <a:latin typeface="Consolas" charset="0"/>
+                    <a:ea typeface="Consolas" charset="0"/>
+                    <a:cs typeface="Consolas" charset="0"/>
+                  </a:rPr>
+                  <a:t>⟩</a:t>
+                </a:r>
+                <a:r>
+                  <a:rPr lang="de-DE" sz="2800" dirty="0">
+                    <a:latin typeface="Consolas" charset="0"/>
+                    <a:ea typeface="Consolas" charset="0"/>
+                    <a:cs typeface="Consolas" charset="0"/>
+                  </a:rPr>
+                  <a:t>(</a:t>
+                </a:r>
+                <a:r>
+                  <a:rPr lang="en-US" sz="2800" dirty="0" smtClean="0">
+                    <a:latin typeface="Consolas" charset="0"/>
+                    <a:ea typeface="Consolas" charset="0"/>
+                    <a:cs typeface="Consolas" charset="0"/>
+                  </a:rPr>
+                  <a:t>q</a:t>
+                </a:r>
+                <a:r>
+                  <a:rPr lang="en-US" sz="2800" baseline="-25000" dirty="0" smtClean="0">
+                    <a:latin typeface="Consolas" charset="0"/>
+                    <a:ea typeface="Consolas" charset="0"/>
+                    <a:cs typeface="Consolas" charset="0"/>
+                  </a:rPr>
+                  <a:t>1</a:t>
+                </a:r>
+                <a:r>
+                  <a:rPr lang="en-US" sz="2800" dirty="0" smtClean="0">
+                    <a:latin typeface="Consolas" charset="0"/>
+                    <a:ea typeface="Consolas" charset="0"/>
+                    <a:cs typeface="Consolas" charset="0"/>
+                  </a:rPr>
+                  <a:t>) ∪ </a:t>
+                </a:r>
+                <a:r>
+                  <a:rPr lang="it-IT" sz="2800" dirty="0">
+                    <a:latin typeface="Consolas" charset="0"/>
+                    <a:ea typeface="Consolas" charset="0"/>
+                    <a:cs typeface="Consolas" charset="0"/>
+                  </a:rPr>
+                  <a:t>𝛔</a:t>
+                </a:r>
+                <a:r>
+                  <a:rPr lang="it-IT" sz="2800" dirty="0" smtClean="0">
+                    <a:latin typeface="Consolas" charset="0"/>
+                    <a:ea typeface="Consolas" charset="0"/>
+                    <a:cs typeface="Consolas" charset="0"/>
+                  </a:rPr>
+                  <a:t>⟨</a:t>
+                </a:r>
+                <a:r>
+                  <a:rPr lang="it-IT" sz="2800" dirty="0">
+                    <a:latin typeface="Consolas" charset="0"/>
+                    <a:ea typeface="Consolas" charset="0"/>
+                    <a:cs typeface="Consolas" charset="0"/>
+                  </a:rPr>
+                  <a:t> </a:t>
+                </a:r>
+                <a:r>
+                  <a:rPr lang="en-US" sz="2800" dirty="0" smtClean="0">
+                    <a:latin typeface="Consolas" charset="0"/>
+                    <a:ea typeface="Consolas" charset="0"/>
+                    <a:cs typeface="Consolas" charset="0"/>
+                  </a:rPr>
+                  <a:t>q</a:t>
+                </a:r>
+                <a:r>
+                  <a:rPr lang="en-US" sz="2800" baseline="-25000" dirty="0" smtClean="0">
+                    <a:latin typeface="Consolas" charset="0"/>
+                    <a:ea typeface="Consolas" charset="0"/>
+                    <a:cs typeface="Consolas" charset="0"/>
+                  </a:rPr>
+                  <a:t>0</a:t>
+                </a:r>
+                <a:r>
+                  <a:rPr lang="it-IT" sz="2800" dirty="0">
+                    <a:latin typeface="Consolas" charset="0"/>
+                    <a:ea typeface="Consolas" charset="0"/>
+                    <a:cs typeface="Consolas" charset="0"/>
+                  </a:rPr>
+                  <a:t> </a:t>
+                </a:r>
+                <a:r>
+                  <a:rPr lang="de-DE" sz="2800" dirty="0" smtClean="0">
+                    <a:latin typeface="Consolas" charset="0"/>
+                    <a:ea typeface="Consolas" charset="0"/>
+                    <a:cs typeface="Consolas" charset="0"/>
+                  </a:rPr>
+                  <a:t>⟩(</a:t>
+                </a:r>
+                <a:r>
+                  <a:rPr lang="en-US" sz="2800" dirty="0" smtClean="0">
+                    <a:latin typeface="Consolas" charset="0"/>
+                    <a:ea typeface="Consolas" charset="0"/>
+                    <a:cs typeface="Consolas" charset="0"/>
+                  </a:rPr>
+                  <a:t>q</a:t>
+                </a:r>
+                <a:r>
+                  <a:rPr lang="en-US" sz="2800" baseline="-25000" dirty="0" smtClean="0">
+                    <a:latin typeface="Consolas" charset="0"/>
+                    <a:ea typeface="Consolas" charset="0"/>
+                    <a:cs typeface="Consolas" charset="0"/>
+                  </a:rPr>
+                  <a:t>2</a:t>
+                </a:r>
+                <a:r>
+                  <a:rPr lang="de-DE" sz="2800" dirty="0" smtClean="0">
+                    <a:latin typeface="Consolas" charset="0"/>
+                    <a:ea typeface="Consolas" charset="0"/>
+                    <a:cs typeface="Consolas" charset="0"/>
+                  </a:rPr>
+                  <a:t>).</a:t>
+                </a:r>
               </a:p>
-            </p:txBody>
-          </p:sp>
-        </p:grpSp>
-        <p:sp>
-          <p:nvSpPr>
-            <p:cNvPr id="43" name="TextBox 42"/>
-            <p:cNvSpPr txBox="1"/>
-            <p:nvPr/>
-          </p:nvSpPr>
-          <p:spPr>
-            <a:xfrm>
-              <a:off x="2753636" y="18430281"/>
-              <a:ext cx="12150548" cy="3026549"/>
-            </a:xfrm>
-            <a:prstGeom prst="rect">
-              <a:avLst/>
-            </a:prstGeom>
-            <a:solidFill>
-              <a:schemeClr val="bg1"/>
-            </a:solidFill>
-          </p:spPr>
-          <p:txBody>
-            <a:bodyPr wrap="square" rtlCol="0">
-              <a:spAutoFit/>
-            </a:bodyPr>
-            <a:lstStyle/>
-            <a:p>
-              <a:r>
-                <a:rPr lang="en-US" sz="2541" dirty="0" smtClean="0">
-                  <a:solidFill>
-                    <a:schemeClr val="accent6">
-                      <a:lumMod val="75000"/>
-                    </a:schemeClr>
-                  </a:solidFill>
-                  <a:latin typeface="Consolas" charset="0"/>
-                  <a:ea typeface="Consolas" charset="0"/>
-                  <a:cs typeface="Consolas" charset="0"/>
-                </a:rPr>
-                <a:t>(* Selection distributes over union *)</a:t>
-              </a:r>
-            </a:p>
-            <a:p>
-              <a:r>
-                <a:rPr lang="en-US" sz="2541" dirty="0" smtClean="0">
+              <a:p>
+                <a:r>
+                  <a:rPr lang="en-US" sz="2800" dirty="0" smtClean="0">
+                    <a:solidFill>
+                      <a:schemeClr val="accent5">
+                        <a:lumMod val="75000"/>
+                      </a:schemeClr>
+                    </a:solidFill>
+                    <a:latin typeface="Consolas" charset="0"/>
+                    <a:ea typeface="Consolas" charset="0"/>
+                    <a:cs typeface="Consolas" charset="0"/>
+                  </a:rPr>
+                  <a:t>Proof.</a:t>
+                </a:r>
+              </a:p>
+              <a:p>
+                <a:r>
+                  <a:rPr lang="en-US" sz="2800" dirty="0" smtClean="0">
+                    <a:solidFill>
+                      <a:schemeClr val="accent5">
+                        <a:lumMod val="75000"/>
+                      </a:schemeClr>
+                    </a:solidFill>
+                    <a:latin typeface="Consolas" charset="0"/>
+                    <a:ea typeface="Consolas" charset="0"/>
+                    <a:cs typeface="Consolas" charset="0"/>
+                  </a:rPr>
+                  <a:t>  </a:t>
+                </a:r>
+                <a:r>
+                  <a:rPr lang="mr-IN" sz="2800" dirty="0" smtClean="0">
+                    <a:solidFill>
+                      <a:schemeClr val="accent5">
+                        <a:lumMod val="75000"/>
+                      </a:schemeClr>
+                    </a:solidFill>
+                    <a:latin typeface="Consolas" charset="0"/>
+                    <a:ea typeface="Consolas" charset="0"/>
+                    <a:cs typeface="Consolas" charset="0"/>
+                  </a:rPr>
+                  <a:t>…</a:t>
+                </a:r>
+                <a:r>
+                  <a:rPr lang="en-US" sz="2800" dirty="0" smtClean="0">
+                    <a:solidFill>
+                      <a:schemeClr val="accent5">
+                        <a:lumMod val="75000"/>
+                      </a:schemeClr>
+                    </a:solidFill>
+                    <a:latin typeface="Consolas" charset="0"/>
+                    <a:ea typeface="Consolas" charset="0"/>
+                    <a:cs typeface="Consolas" charset="0"/>
+                  </a:rPr>
+                  <a:t> </a:t>
+                </a:r>
+                <a:r>
+                  <a:rPr lang="en-US" sz="2800" dirty="0">
+                    <a:solidFill>
+                      <a:schemeClr val="accent6">
+                        <a:lumMod val="75000"/>
+                      </a:schemeClr>
+                    </a:solidFill>
+                    <a:latin typeface="Consolas" charset="0"/>
+                    <a:ea typeface="Consolas" charset="0"/>
+                    <a:cs typeface="Consolas" charset="0"/>
+                  </a:rPr>
+                  <a:t>(* </a:t>
+                </a:r>
+                <a:r>
+                  <a:rPr lang="en-US" sz="2800" dirty="0" smtClean="0">
+                    <a:solidFill>
+                      <a:schemeClr val="accent6">
+                        <a:lumMod val="75000"/>
+                      </a:schemeClr>
+                    </a:solidFill>
+                    <a:latin typeface="Consolas" charset="0"/>
+                    <a:ea typeface="Consolas" charset="0"/>
+                    <a:cs typeface="Consolas" charset="0"/>
+                  </a:rPr>
+                  <a:t>proof omitted *)</a:t>
+                </a:r>
+                <a:endParaRPr lang="en-US" sz="2800" dirty="0" smtClean="0">
                   <a:solidFill>
                     <a:schemeClr val="accent5">
                       <a:lumMod val="75000"/>
@@ -3851,351 +4245,36 @@
                   <a:latin typeface="Consolas" charset="0"/>
                   <a:ea typeface="Consolas" charset="0"/>
                   <a:cs typeface="Consolas" charset="0"/>
-                </a:rPr>
-                <a:t>Lemma</a:t>
-              </a:r>
-              <a:r>
-                <a:rPr lang="en-US" sz="2541" dirty="0" smtClean="0">
-                  <a:latin typeface="Consolas" charset="0"/>
-                  <a:ea typeface="Consolas" charset="0"/>
-                  <a:cs typeface="Consolas" charset="0"/>
-                </a:rPr>
-                <a:t> </a:t>
-              </a:r>
-              <a:r>
-                <a:rPr lang="en-US" sz="2541" dirty="0" err="1" smtClean="0">
-                  <a:latin typeface="Consolas" charset="0"/>
-                  <a:ea typeface="Consolas" charset="0"/>
-                  <a:cs typeface="Consolas" charset="0"/>
-                </a:rPr>
-                <a:t>select_union_distr</a:t>
-              </a:r>
-              <a:r>
-                <a:rPr lang="en-US" sz="2541" dirty="0" smtClean="0">
-                  <a:latin typeface="Consolas" charset="0"/>
-                  <a:ea typeface="Consolas" charset="0"/>
-                  <a:cs typeface="Consolas" charset="0"/>
-                </a:rPr>
-                <a:t> q</a:t>
-              </a:r>
-              <a:r>
-                <a:rPr lang="en-US" sz="2541" baseline="-25000" dirty="0" smtClean="0">
-                  <a:latin typeface="Consolas" charset="0"/>
-                  <a:ea typeface="Consolas" charset="0"/>
-                  <a:cs typeface="Consolas" charset="0"/>
-                </a:rPr>
-                <a:t>0</a:t>
-              </a:r>
-              <a:r>
-                <a:rPr lang="en-US" sz="2541" dirty="0" smtClean="0">
-                  <a:latin typeface="Consolas" charset="0"/>
-                  <a:ea typeface="Consolas" charset="0"/>
-                  <a:cs typeface="Consolas" charset="0"/>
-                </a:rPr>
-                <a:t> q</a:t>
-              </a:r>
-              <a:r>
-                <a:rPr lang="en-US" sz="2541" baseline="-25000" dirty="0" smtClean="0">
-                  <a:latin typeface="Consolas" charset="0"/>
-                  <a:ea typeface="Consolas" charset="0"/>
-                  <a:cs typeface="Consolas" charset="0"/>
-                </a:rPr>
-                <a:t>1</a:t>
-              </a:r>
-              <a:r>
-                <a:rPr lang="en-US" sz="2541" dirty="0" smtClean="0">
-                  <a:latin typeface="Consolas" charset="0"/>
-                  <a:ea typeface="Consolas" charset="0"/>
-                  <a:cs typeface="Consolas" charset="0"/>
-                </a:rPr>
-                <a:t> q</a:t>
-              </a:r>
-              <a:r>
-                <a:rPr lang="en-US" sz="2541" baseline="-25000" dirty="0" smtClean="0">
-                  <a:latin typeface="Consolas" charset="0"/>
-                  <a:ea typeface="Consolas" charset="0"/>
-                  <a:cs typeface="Consolas" charset="0"/>
-                </a:rPr>
-                <a:t>2</a:t>
-              </a:r>
-              <a:r>
-                <a:rPr lang="en-US" sz="2541" dirty="0" smtClean="0">
-                  <a:latin typeface="Consolas" charset="0"/>
-                  <a:ea typeface="Consolas" charset="0"/>
-                  <a:cs typeface="Consolas" charset="0"/>
-                </a:rPr>
-                <a:t> :</a:t>
-              </a:r>
-            </a:p>
-            <a:p>
-              <a:r>
-                <a:rPr lang="it-IT" sz="2541" dirty="0" smtClean="0">
-                  <a:latin typeface="Consolas" charset="0"/>
-                  <a:ea typeface="Consolas" charset="0"/>
-                  <a:cs typeface="Consolas" charset="0"/>
-                </a:rPr>
-                <a:t>    𝛔⟨ </a:t>
-              </a:r>
-              <a:r>
-                <a:rPr lang="en-US" sz="2541" dirty="0" smtClean="0">
-                  <a:latin typeface="Consolas" charset="0"/>
-                  <a:ea typeface="Consolas" charset="0"/>
-                  <a:cs typeface="Consolas" charset="0"/>
-                </a:rPr>
-                <a:t>q</a:t>
-              </a:r>
-              <a:r>
-                <a:rPr lang="en-US" sz="2541" baseline="-25000" dirty="0" smtClean="0">
-                  <a:latin typeface="Consolas" charset="0"/>
-                  <a:ea typeface="Consolas" charset="0"/>
-                  <a:cs typeface="Consolas" charset="0"/>
-                </a:rPr>
-                <a:t>0</a:t>
-              </a:r>
-              <a:r>
-                <a:rPr lang="it-IT" sz="2541" dirty="0">
-                  <a:latin typeface="Consolas" charset="0"/>
-                  <a:ea typeface="Consolas" charset="0"/>
-                  <a:cs typeface="Consolas" charset="0"/>
-                </a:rPr>
-                <a:t> </a:t>
-              </a:r>
-              <a:r>
-                <a:rPr lang="de-DE" sz="2541" dirty="0" smtClean="0">
-                  <a:latin typeface="Consolas" charset="0"/>
-                  <a:ea typeface="Consolas" charset="0"/>
-                  <a:cs typeface="Consolas" charset="0"/>
-                </a:rPr>
-                <a:t>⟩(</a:t>
-              </a:r>
-              <a:r>
-                <a:rPr lang="en-US" sz="2541" dirty="0">
-                  <a:latin typeface="Consolas" charset="0"/>
-                  <a:ea typeface="Consolas" charset="0"/>
-                  <a:cs typeface="Consolas" charset="0"/>
-                </a:rPr>
-                <a:t>q</a:t>
-              </a:r>
-              <a:r>
-                <a:rPr lang="en-US" sz="2541" baseline="-25000" dirty="0">
-                  <a:latin typeface="Consolas" charset="0"/>
-                  <a:ea typeface="Consolas" charset="0"/>
-                  <a:cs typeface="Consolas" charset="0"/>
-                </a:rPr>
-                <a:t>1</a:t>
-              </a:r>
-              <a:r>
-                <a:rPr lang="en-US" sz="2541" dirty="0">
-                  <a:latin typeface="Consolas" charset="0"/>
-                  <a:ea typeface="Consolas" charset="0"/>
-                  <a:cs typeface="Consolas" charset="0"/>
-                </a:rPr>
-                <a:t> </a:t>
-              </a:r>
-              <a:r>
-                <a:rPr lang="en-US" sz="2541" dirty="0" smtClean="0">
-                  <a:latin typeface="Consolas" charset="0"/>
-                  <a:ea typeface="Consolas" charset="0"/>
-                  <a:cs typeface="Consolas" charset="0"/>
-                </a:rPr>
-                <a:t>∪ q</a:t>
-              </a:r>
-              <a:r>
-                <a:rPr lang="en-US" sz="2541" baseline="-25000" dirty="0" smtClean="0">
-                  <a:latin typeface="Consolas" charset="0"/>
-                  <a:ea typeface="Consolas" charset="0"/>
-                  <a:cs typeface="Consolas" charset="0"/>
-                </a:rPr>
-                <a:t>2</a:t>
-              </a:r>
-              <a:r>
-                <a:rPr lang="de-DE" sz="2541" dirty="0">
-                  <a:latin typeface="Consolas" charset="0"/>
-                  <a:ea typeface="Consolas" charset="0"/>
-                  <a:cs typeface="Consolas" charset="0"/>
-                </a:rPr>
-                <a:t>) </a:t>
-              </a:r>
-              <a:r>
-                <a:rPr lang="de-DE" sz="2541" dirty="0" smtClean="0">
-                  <a:latin typeface="Consolas" charset="0"/>
-                  <a:ea typeface="Consolas" charset="0"/>
-                  <a:cs typeface="Consolas" charset="0"/>
-                </a:rPr>
-                <a:t>≡ </a:t>
-              </a:r>
-              <a:r>
-                <a:rPr lang="it-IT" sz="2541" dirty="0">
-                  <a:latin typeface="Consolas" charset="0"/>
-                  <a:ea typeface="Consolas" charset="0"/>
-                  <a:cs typeface="Consolas" charset="0"/>
-                </a:rPr>
-                <a:t>𝛔</a:t>
-              </a:r>
-              <a:r>
-                <a:rPr lang="it-IT" sz="2541" dirty="0" smtClean="0">
-                  <a:latin typeface="Consolas" charset="0"/>
-                  <a:ea typeface="Consolas" charset="0"/>
-                  <a:cs typeface="Consolas" charset="0"/>
-                </a:rPr>
-                <a:t>⟨</a:t>
-              </a:r>
-              <a:r>
-                <a:rPr lang="it-IT" sz="2541" dirty="0">
-                  <a:latin typeface="Consolas" charset="0"/>
-                  <a:ea typeface="Consolas" charset="0"/>
-                  <a:cs typeface="Consolas" charset="0"/>
-                </a:rPr>
-                <a:t> </a:t>
-              </a:r>
-              <a:r>
-                <a:rPr lang="en-US" sz="2541" dirty="0" smtClean="0">
-                  <a:latin typeface="Consolas" charset="0"/>
-                  <a:ea typeface="Consolas" charset="0"/>
-                  <a:cs typeface="Consolas" charset="0"/>
-                </a:rPr>
-                <a:t>q</a:t>
-              </a:r>
-              <a:r>
-                <a:rPr lang="en-US" sz="2541" baseline="-25000" dirty="0" smtClean="0">
-                  <a:latin typeface="Consolas" charset="0"/>
-                  <a:ea typeface="Consolas" charset="0"/>
-                  <a:cs typeface="Consolas" charset="0"/>
-                </a:rPr>
-                <a:t>0</a:t>
-              </a:r>
-              <a:r>
-                <a:rPr lang="it-IT" sz="2541" dirty="0">
-                  <a:latin typeface="Consolas" charset="0"/>
-                  <a:ea typeface="Consolas" charset="0"/>
-                  <a:cs typeface="Consolas" charset="0"/>
-                </a:rPr>
-                <a:t> </a:t>
-              </a:r>
-              <a:r>
-                <a:rPr lang="de-DE" sz="2541" dirty="0" smtClean="0">
-                  <a:latin typeface="Consolas" charset="0"/>
-                  <a:ea typeface="Consolas" charset="0"/>
-                  <a:cs typeface="Consolas" charset="0"/>
-                </a:rPr>
-                <a:t>⟩</a:t>
-              </a:r>
-              <a:r>
-                <a:rPr lang="de-DE" sz="2541" dirty="0">
-                  <a:latin typeface="Consolas" charset="0"/>
-                  <a:ea typeface="Consolas" charset="0"/>
-                  <a:cs typeface="Consolas" charset="0"/>
-                </a:rPr>
-                <a:t>(</a:t>
-              </a:r>
-              <a:r>
-                <a:rPr lang="en-US" sz="2541" dirty="0" smtClean="0">
-                  <a:latin typeface="Consolas" charset="0"/>
-                  <a:ea typeface="Consolas" charset="0"/>
-                  <a:cs typeface="Consolas" charset="0"/>
-                </a:rPr>
-                <a:t>q</a:t>
-              </a:r>
-              <a:r>
-                <a:rPr lang="en-US" sz="2541" baseline="-25000" dirty="0" smtClean="0">
-                  <a:latin typeface="Consolas" charset="0"/>
-                  <a:ea typeface="Consolas" charset="0"/>
-                  <a:cs typeface="Consolas" charset="0"/>
-                </a:rPr>
-                <a:t>1</a:t>
-              </a:r>
-              <a:r>
-                <a:rPr lang="en-US" sz="2541" dirty="0" smtClean="0">
-                  <a:latin typeface="Consolas" charset="0"/>
-                  <a:ea typeface="Consolas" charset="0"/>
-                  <a:cs typeface="Consolas" charset="0"/>
-                </a:rPr>
-                <a:t>) ∪ </a:t>
-              </a:r>
-              <a:r>
-                <a:rPr lang="it-IT" sz="2541" dirty="0">
-                  <a:latin typeface="Consolas" charset="0"/>
-                  <a:ea typeface="Consolas" charset="0"/>
-                  <a:cs typeface="Consolas" charset="0"/>
-                </a:rPr>
-                <a:t>𝛔</a:t>
-              </a:r>
-              <a:r>
-                <a:rPr lang="it-IT" sz="2541" dirty="0" smtClean="0">
-                  <a:latin typeface="Consolas" charset="0"/>
-                  <a:ea typeface="Consolas" charset="0"/>
-                  <a:cs typeface="Consolas" charset="0"/>
-                </a:rPr>
-                <a:t>⟨</a:t>
-              </a:r>
-              <a:r>
-                <a:rPr lang="it-IT" sz="2541" dirty="0">
-                  <a:latin typeface="Consolas" charset="0"/>
-                  <a:ea typeface="Consolas" charset="0"/>
-                  <a:cs typeface="Consolas" charset="0"/>
-                </a:rPr>
-                <a:t> </a:t>
-              </a:r>
-              <a:r>
-                <a:rPr lang="en-US" sz="2541" dirty="0" smtClean="0">
-                  <a:latin typeface="Consolas" charset="0"/>
-                  <a:ea typeface="Consolas" charset="0"/>
-                  <a:cs typeface="Consolas" charset="0"/>
-                </a:rPr>
-                <a:t>q</a:t>
-              </a:r>
-              <a:r>
-                <a:rPr lang="en-US" sz="2541" baseline="-25000" dirty="0" smtClean="0">
-                  <a:latin typeface="Consolas" charset="0"/>
-                  <a:ea typeface="Consolas" charset="0"/>
-                  <a:cs typeface="Consolas" charset="0"/>
-                </a:rPr>
-                <a:t>0</a:t>
-              </a:r>
-              <a:r>
-                <a:rPr lang="it-IT" sz="2541" dirty="0">
-                  <a:latin typeface="Consolas" charset="0"/>
-                  <a:ea typeface="Consolas" charset="0"/>
-                  <a:cs typeface="Consolas" charset="0"/>
-                </a:rPr>
-                <a:t> </a:t>
-              </a:r>
-              <a:r>
-                <a:rPr lang="de-DE" sz="2541" dirty="0" smtClean="0">
-                  <a:latin typeface="Consolas" charset="0"/>
-                  <a:ea typeface="Consolas" charset="0"/>
-                  <a:cs typeface="Consolas" charset="0"/>
-                </a:rPr>
-                <a:t>⟩(</a:t>
-              </a:r>
-              <a:r>
-                <a:rPr lang="en-US" sz="2541" dirty="0" smtClean="0">
-                  <a:latin typeface="Consolas" charset="0"/>
-                  <a:ea typeface="Consolas" charset="0"/>
-                  <a:cs typeface="Consolas" charset="0"/>
-                </a:rPr>
-                <a:t>q</a:t>
-              </a:r>
-              <a:r>
-                <a:rPr lang="en-US" sz="2541" baseline="-25000" dirty="0" smtClean="0">
-                  <a:latin typeface="Consolas" charset="0"/>
-                  <a:ea typeface="Consolas" charset="0"/>
-                  <a:cs typeface="Consolas" charset="0"/>
-                </a:rPr>
-                <a:t>2</a:t>
-              </a:r>
-              <a:r>
-                <a:rPr lang="de-DE" sz="2541" dirty="0" smtClean="0">
-                  <a:latin typeface="Consolas" charset="0"/>
-                  <a:ea typeface="Consolas" charset="0"/>
-                  <a:cs typeface="Consolas" charset="0"/>
-                </a:rPr>
-                <a:t>).</a:t>
-              </a:r>
-            </a:p>
-            <a:p>
-              <a:r>
-                <a:rPr lang="en-US" sz="2541" dirty="0" smtClean="0">
+                </a:endParaRPr>
+              </a:p>
+              <a:p>
+                <a:r>
+                  <a:rPr lang="en-US" sz="2800" dirty="0" err="1" smtClean="0">
+                    <a:solidFill>
+                      <a:schemeClr val="accent5">
+                        <a:lumMod val="75000"/>
+                      </a:schemeClr>
+                    </a:solidFill>
+                    <a:latin typeface="Consolas" charset="0"/>
+                    <a:ea typeface="Consolas" charset="0"/>
+                    <a:cs typeface="Consolas" charset="0"/>
+                  </a:rPr>
+                  <a:t>Qed</a:t>
+                </a:r>
+                <a:r>
+                  <a:rPr lang="en-US" sz="2800" dirty="0" smtClean="0">
+                    <a:solidFill>
+                      <a:schemeClr val="accent5">
+                        <a:lumMod val="75000"/>
+                      </a:schemeClr>
+                    </a:solidFill>
+                    <a:latin typeface="Consolas" charset="0"/>
+                    <a:ea typeface="Consolas" charset="0"/>
+                    <a:cs typeface="Consolas" charset="0"/>
+                  </a:rPr>
+                  <a:t>.</a:t>
+                </a:r>
+                <a:endParaRPr lang="en-US" sz="2800" dirty="0">
                   <a:solidFill>
                     <a:schemeClr val="accent5">
                       <a:lumMod val="75000"/>
@@ -4204,672 +4283,35 @@
                   <a:latin typeface="Consolas" charset="0"/>
                   <a:ea typeface="Consolas" charset="0"/>
                   <a:cs typeface="Consolas" charset="0"/>
-                </a:rPr>
-                <a:t>Proof.</a:t>
-              </a:r>
-            </a:p>
-            <a:p>
-              <a:r>
-                <a:rPr lang="en-US" sz="2541" dirty="0" smtClean="0">
-                  <a:solidFill>
-                    <a:schemeClr val="accent5">
-                      <a:lumMod val="75000"/>
-                    </a:schemeClr>
-                  </a:solidFill>
-                  <a:latin typeface="Consolas" charset="0"/>
-                  <a:ea typeface="Consolas" charset="0"/>
-                  <a:cs typeface="Consolas" charset="0"/>
-                </a:rPr>
-                <a:t>  </a:t>
-              </a:r>
-              <a:r>
-                <a:rPr lang="mr-IN" sz="2541" dirty="0" smtClean="0">
-                  <a:solidFill>
-                    <a:schemeClr val="accent5">
-                      <a:lumMod val="75000"/>
-                    </a:schemeClr>
-                  </a:solidFill>
-                  <a:latin typeface="Consolas" charset="0"/>
-                  <a:ea typeface="Consolas" charset="0"/>
-                  <a:cs typeface="Consolas" charset="0"/>
-                </a:rPr>
-                <a:t>…</a:t>
-              </a:r>
-              <a:r>
-                <a:rPr lang="en-US" sz="2541" dirty="0" smtClean="0">
-                  <a:solidFill>
-                    <a:schemeClr val="accent5">
-                      <a:lumMod val="75000"/>
-                    </a:schemeClr>
-                  </a:solidFill>
-                  <a:latin typeface="Consolas" charset="0"/>
-                  <a:ea typeface="Consolas" charset="0"/>
-                  <a:cs typeface="Consolas" charset="0"/>
-                </a:rPr>
-                <a:t> </a:t>
-              </a:r>
-              <a:r>
-                <a:rPr lang="en-US" sz="2541" dirty="0">
-                  <a:solidFill>
-                    <a:schemeClr val="accent6">
-                      <a:lumMod val="75000"/>
-                    </a:schemeClr>
-                  </a:solidFill>
-                  <a:latin typeface="Consolas" charset="0"/>
-                  <a:ea typeface="Consolas" charset="0"/>
-                  <a:cs typeface="Consolas" charset="0"/>
-                </a:rPr>
-                <a:t>(* </a:t>
-              </a:r>
-              <a:r>
-                <a:rPr lang="en-US" sz="2541" dirty="0" smtClean="0">
-                  <a:solidFill>
-                    <a:schemeClr val="accent6">
-                      <a:lumMod val="75000"/>
-                    </a:schemeClr>
-                  </a:solidFill>
-                  <a:latin typeface="Consolas" charset="0"/>
-                  <a:ea typeface="Consolas" charset="0"/>
-                  <a:cs typeface="Consolas" charset="0"/>
-                </a:rPr>
-                <a:t>proof omitted *)</a:t>
-              </a:r>
-              <a:endParaRPr lang="en-US" sz="2541" dirty="0" smtClean="0">
-                <a:solidFill>
-                  <a:schemeClr val="accent5">
-                    <a:lumMod val="75000"/>
-                  </a:schemeClr>
-                </a:solidFill>
-                <a:latin typeface="Consolas" charset="0"/>
-                <a:ea typeface="Consolas" charset="0"/>
-                <a:cs typeface="Consolas" charset="0"/>
-              </a:endParaRPr>
-            </a:p>
-            <a:p>
-              <a:r>
-                <a:rPr lang="en-US" sz="2541" dirty="0" err="1" smtClean="0">
-                  <a:solidFill>
-                    <a:schemeClr val="accent5">
-                      <a:lumMod val="75000"/>
-                    </a:schemeClr>
-                  </a:solidFill>
-                  <a:latin typeface="Consolas" charset="0"/>
-                  <a:ea typeface="Consolas" charset="0"/>
-                  <a:cs typeface="Consolas" charset="0"/>
-                </a:rPr>
-                <a:t>Qed</a:t>
-              </a:r>
-              <a:r>
-                <a:rPr lang="en-US" sz="2541" dirty="0" smtClean="0">
-                  <a:solidFill>
-                    <a:schemeClr val="accent5">
-                      <a:lumMod val="75000"/>
-                    </a:schemeClr>
-                  </a:solidFill>
-                  <a:latin typeface="Consolas" charset="0"/>
-                  <a:ea typeface="Consolas" charset="0"/>
-                  <a:cs typeface="Consolas" charset="0"/>
-                </a:rPr>
-                <a:t>.</a:t>
-              </a:r>
-              <a:endParaRPr lang="en-US" sz="2541" dirty="0">
-                <a:solidFill>
-                  <a:schemeClr val="accent5">
-                    <a:lumMod val="75000"/>
-                  </a:schemeClr>
-                </a:solidFill>
-                <a:latin typeface="Consolas" charset="0"/>
-                <a:ea typeface="Consolas" charset="0"/>
-                <a:cs typeface="Consolas" charset="0"/>
-              </a:endParaRPr>
-            </a:p>
-          </p:txBody>
-        </p:sp>
-      </p:grpSp>
-      <p:grpSp>
-        <p:nvGrpSpPr>
-          <p:cNvPr id="31" name="Group 30"/>
-          <p:cNvGrpSpPr/>
-          <p:nvPr/>
-        </p:nvGrpSpPr>
-        <p:grpSpPr>
-          <a:xfrm>
-            <a:off x="10739928" y="8856693"/>
-            <a:ext cx="10642332" cy="4104323"/>
-            <a:chOff x="19251623" y="7563602"/>
-            <a:chExt cx="12553765" cy="6279443"/>
-          </a:xfrm>
-        </p:grpSpPr>
-        <p:sp>
-          <p:nvSpPr>
-            <p:cNvPr id="32" name="Rectangle 31"/>
-            <p:cNvSpPr/>
-            <p:nvPr/>
-          </p:nvSpPr>
-          <p:spPr>
-            <a:xfrm>
-              <a:off x="19251623" y="7563602"/>
-              <a:ext cx="12553765" cy="6279443"/>
-            </a:xfrm>
-            <a:prstGeom prst="rect">
-              <a:avLst/>
-            </a:prstGeom>
-            <a:solidFill>
-              <a:schemeClr val="bg1"/>
-            </a:solidFill>
-            <a:ln>
-              <a:solidFill>
-                <a:schemeClr val="bg1">
-                  <a:lumMod val="85000"/>
-                </a:schemeClr>
-              </a:solidFill>
-            </a:ln>
-          </p:spPr>
-          <p:style>
-            <a:lnRef idx="2">
-              <a:schemeClr val="accent1">
-                <a:shade val="50000"/>
-              </a:schemeClr>
-            </a:lnRef>
-            <a:fillRef idx="1">
-              <a:schemeClr val="accent1"/>
-            </a:fillRef>
-            <a:effectRef idx="0">
-              <a:schemeClr val="accent1"/>
-            </a:effectRef>
-            <a:fontRef idx="minor">
-              <a:schemeClr val="lt1"/>
-            </a:fontRef>
-          </p:style>
-          <p:txBody>
-            <a:bodyPr rtlCol="0" anchor="ctr"/>
-            <a:lstStyle/>
-            <a:p>
-              <a:pPr algn="ctr"/>
-              <a:endParaRPr lang="en-US" sz="3659"/>
-            </a:p>
-          </p:txBody>
-        </p:sp>
-        <p:sp>
-          <p:nvSpPr>
-            <p:cNvPr id="36" name="TextBox 35"/>
-            <p:cNvSpPr txBox="1"/>
-            <p:nvPr/>
-          </p:nvSpPr>
-          <p:spPr>
-            <a:xfrm>
-              <a:off x="20145425" y="8744347"/>
-              <a:ext cx="11369714" cy="4927030"/>
-            </a:xfrm>
-            <a:prstGeom prst="rect">
-              <a:avLst/>
-            </a:prstGeom>
-            <a:solidFill>
-              <a:schemeClr val="bg1"/>
-            </a:solidFill>
-          </p:spPr>
-          <p:txBody>
-            <a:bodyPr wrap="square" rtlCol="0">
-              <a:spAutoFit/>
-            </a:bodyPr>
-            <a:lstStyle/>
-            <a:p>
-              <a:r>
-                <a:rPr lang="en-US" sz="2541" dirty="0" smtClean="0">
-                  <a:solidFill>
-                    <a:schemeClr val="accent6">
-                      <a:lumMod val="75000"/>
-                    </a:schemeClr>
-                  </a:solidFill>
-                  <a:latin typeface="Consolas" charset="0"/>
-                  <a:ea typeface="Consolas" charset="0"/>
-                  <a:cs typeface="Consolas" charset="0"/>
-                </a:rPr>
-                <a:t>(* Selection over union push-down *)</a:t>
-              </a:r>
-              <a:endParaRPr lang="en-US" sz="2541" dirty="0">
-                <a:latin typeface="Consolas" charset="0"/>
-                <a:ea typeface="Consolas" charset="0"/>
-                <a:cs typeface="Consolas" charset="0"/>
-              </a:endParaRPr>
-            </a:p>
-            <a:p>
-              <a:r>
-                <a:rPr lang="en-US" sz="2541" dirty="0" smtClean="0">
-                  <a:solidFill>
-                    <a:schemeClr val="accent5">
-                      <a:lumMod val="75000"/>
-                    </a:schemeClr>
-                  </a:solidFill>
-                  <a:latin typeface="Consolas" charset="0"/>
-                  <a:ea typeface="Consolas" charset="0"/>
-                  <a:cs typeface="Consolas" charset="0"/>
-                </a:rPr>
-                <a:t>Definition </a:t>
-              </a:r>
-              <a:r>
-                <a:rPr lang="en-US" sz="2541" dirty="0" err="1" smtClean="0">
-                  <a:latin typeface="Consolas" charset="0"/>
-                  <a:ea typeface="Consolas" charset="0"/>
-                  <a:cs typeface="Consolas" charset="0"/>
-                </a:rPr>
-                <a:t>select_union_distr_fun</a:t>
-              </a:r>
-              <a:r>
-                <a:rPr lang="en-US" sz="2541" dirty="0" smtClean="0">
-                  <a:latin typeface="Consolas" charset="0"/>
-                  <a:ea typeface="Consolas" charset="0"/>
-                  <a:cs typeface="Consolas" charset="0"/>
-                </a:rPr>
-                <a:t> q :=</a:t>
-              </a:r>
-              <a:endParaRPr lang="en-US" sz="2541" dirty="0">
-                <a:latin typeface="Consolas" charset="0"/>
-                <a:ea typeface="Consolas" charset="0"/>
-                <a:cs typeface="Consolas" charset="0"/>
-              </a:endParaRPr>
-            </a:p>
-            <a:p>
-              <a:r>
-                <a:rPr lang="en-US" sz="2541" dirty="0">
-                  <a:latin typeface="Consolas" charset="0"/>
-                  <a:ea typeface="Consolas" charset="0"/>
-                  <a:cs typeface="Consolas" charset="0"/>
-                </a:rPr>
-                <a:t> </a:t>
-              </a:r>
-              <a:r>
-                <a:rPr lang="en-US" sz="2541" dirty="0" smtClean="0">
-                  <a:latin typeface="Consolas" charset="0"/>
-                  <a:ea typeface="Consolas" charset="0"/>
-                  <a:cs typeface="Consolas" charset="0"/>
-                </a:rPr>
-                <a:t> </a:t>
-              </a:r>
-              <a:r>
-                <a:rPr lang="en-US" sz="2541" dirty="0" smtClean="0">
-                  <a:solidFill>
-                    <a:schemeClr val="accent5">
-                      <a:lumMod val="75000"/>
-                    </a:schemeClr>
-                  </a:solidFill>
-                  <a:latin typeface="Consolas" charset="0"/>
-                  <a:ea typeface="Consolas" charset="0"/>
-                  <a:cs typeface="Consolas" charset="0"/>
-                </a:rPr>
-                <a:t>match </a:t>
-              </a:r>
-              <a:r>
-                <a:rPr lang="en-US" sz="2541" dirty="0" smtClean="0">
-                  <a:latin typeface="Consolas" charset="0"/>
-                  <a:ea typeface="Consolas" charset="0"/>
-                  <a:cs typeface="Consolas" charset="0"/>
-                </a:rPr>
-                <a:t>q </a:t>
-              </a:r>
-              <a:r>
-                <a:rPr lang="en-US" sz="2541" dirty="0" smtClean="0">
-                  <a:solidFill>
-                    <a:schemeClr val="accent5">
-                      <a:lumMod val="75000"/>
-                    </a:schemeClr>
-                  </a:solidFill>
-                  <a:latin typeface="Consolas" charset="0"/>
-                  <a:ea typeface="Consolas" charset="0"/>
-                  <a:cs typeface="Consolas" charset="0"/>
-                </a:rPr>
-                <a:t>with</a:t>
-              </a:r>
-              <a:endParaRPr lang="en-US" sz="2541" dirty="0" smtClean="0">
-                <a:latin typeface="Consolas" charset="0"/>
-                <a:ea typeface="Consolas" charset="0"/>
-                <a:cs typeface="Consolas" charset="0"/>
-              </a:endParaRPr>
-            </a:p>
-            <a:p>
-              <a:r>
-                <a:rPr lang="en-US" sz="2541" dirty="0">
-                  <a:latin typeface="Consolas" charset="0"/>
-                  <a:ea typeface="Consolas" charset="0"/>
-                  <a:cs typeface="Consolas" charset="0"/>
-                </a:rPr>
-                <a:t> </a:t>
-              </a:r>
-              <a:r>
-                <a:rPr lang="en-US" sz="2541" dirty="0" smtClean="0">
-                  <a:latin typeface="Consolas" charset="0"/>
-                  <a:ea typeface="Consolas" charset="0"/>
-                  <a:cs typeface="Consolas" charset="0"/>
-                </a:rPr>
-                <a:t> | </a:t>
-              </a:r>
-              <a:r>
-                <a:rPr lang="en-US" sz="2541" dirty="0" err="1" smtClean="0">
-                  <a:latin typeface="Consolas" charset="0"/>
-                  <a:ea typeface="Consolas" charset="0"/>
-                  <a:cs typeface="Consolas" charset="0"/>
-                </a:rPr>
-                <a:t>NRAEnvSelect</a:t>
-              </a:r>
-              <a:r>
-                <a:rPr lang="en-US" sz="2541" dirty="0" smtClean="0">
-                  <a:latin typeface="Consolas" charset="0"/>
-                  <a:ea typeface="Consolas" charset="0"/>
-                  <a:cs typeface="Consolas" charset="0"/>
-                </a:rPr>
-                <a:t> q0 (</a:t>
-              </a:r>
-              <a:r>
-                <a:rPr lang="en-US" sz="2541" dirty="0" err="1" smtClean="0">
-                  <a:latin typeface="Consolas" charset="0"/>
-                  <a:ea typeface="Consolas" charset="0"/>
-                  <a:cs typeface="Consolas" charset="0"/>
-                </a:rPr>
-                <a:t>NRAEnvBinop</a:t>
-              </a:r>
-              <a:r>
-                <a:rPr lang="en-US" sz="2541" dirty="0" smtClean="0">
-                  <a:latin typeface="Consolas" charset="0"/>
-                  <a:ea typeface="Consolas" charset="0"/>
-                  <a:cs typeface="Consolas" charset="0"/>
-                </a:rPr>
-                <a:t> </a:t>
-              </a:r>
-              <a:r>
-                <a:rPr lang="en-US" sz="2541" dirty="0" err="1" smtClean="0">
-                  <a:latin typeface="Consolas" charset="0"/>
-                  <a:ea typeface="Consolas" charset="0"/>
-                  <a:cs typeface="Consolas" charset="0"/>
-                </a:rPr>
-                <a:t>AUnion</a:t>
-              </a:r>
-              <a:r>
-                <a:rPr lang="en-US" sz="2541" dirty="0" smtClean="0">
-                  <a:latin typeface="Consolas" charset="0"/>
-                  <a:ea typeface="Consolas" charset="0"/>
-                  <a:cs typeface="Consolas" charset="0"/>
-                </a:rPr>
-                <a:t> q1 q2) =&gt;</a:t>
-              </a:r>
-              <a:endParaRPr lang="en-US" sz="2541" dirty="0">
-                <a:latin typeface="Consolas" charset="0"/>
-                <a:ea typeface="Consolas" charset="0"/>
-                <a:cs typeface="Consolas" charset="0"/>
-              </a:endParaRPr>
-            </a:p>
-            <a:p>
-              <a:r>
-                <a:rPr lang="en-US" sz="2541" dirty="0">
-                  <a:latin typeface="Consolas" charset="0"/>
-                  <a:ea typeface="Consolas" charset="0"/>
-                  <a:cs typeface="Consolas" charset="0"/>
-                </a:rPr>
-                <a:t> </a:t>
-              </a:r>
-              <a:r>
-                <a:rPr lang="en-US" sz="2541" dirty="0" smtClean="0">
-                  <a:latin typeface="Consolas" charset="0"/>
-                  <a:ea typeface="Consolas" charset="0"/>
-                  <a:cs typeface="Consolas" charset="0"/>
-                </a:rPr>
-                <a:t>     </a:t>
-              </a:r>
-              <a:r>
-                <a:rPr lang="en-US" sz="2541" dirty="0" err="1" smtClean="0">
-                  <a:latin typeface="Consolas" charset="0"/>
-                  <a:ea typeface="Consolas" charset="0"/>
-                  <a:cs typeface="Consolas" charset="0"/>
-                </a:rPr>
-                <a:t>NRAEnvBinop</a:t>
-              </a:r>
-              <a:r>
-                <a:rPr lang="en-US" sz="2541" dirty="0" smtClean="0">
-                  <a:latin typeface="Consolas" charset="0"/>
-                  <a:ea typeface="Consolas" charset="0"/>
-                  <a:cs typeface="Consolas" charset="0"/>
-                </a:rPr>
-                <a:t> </a:t>
-              </a:r>
-              <a:r>
-                <a:rPr lang="en-US" sz="2541" dirty="0" err="1" smtClean="0">
-                  <a:latin typeface="Consolas" charset="0"/>
-                  <a:ea typeface="Consolas" charset="0"/>
-                  <a:cs typeface="Consolas" charset="0"/>
-                </a:rPr>
-                <a:t>AUnion</a:t>
-              </a:r>
-              <a:endParaRPr lang="en-US" sz="2541" dirty="0" smtClean="0">
-                <a:latin typeface="Consolas" charset="0"/>
-                <a:ea typeface="Consolas" charset="0"/>
-                <a:cs typeface="Consolas" charset="0"/>
-              </a:endParaRPr>
-            </a:p>
-            <a:p>
-              <a:r>
-                <a:rPr lang="en-US" sz="2541" dirty="0">
-                  <a:latin typeface="Consolas" charset="0"/>
-                  <a:ea typeface="Consolas" charset="0"/>
-                  <a:cs typeface="Consolas" charset="0"/>
-                </a:rPr>
-                <a:t> </a:t>
-              </a:r>
-              <a:r>
-                <a:rPr lang="en-US" sz="2541" dirty="0" smtClean="0">
-                  <a:latin typeface="Consolas" charset="0"/>
-                  <a:ea typeface="Consolas" charset="0"/>
-                  <a:cs typeface="Consolas" charset="0"/>
-                </a:rPr>
-                <a:t>       (</a:t>
-              </a:r>
-              <a:r>
-                <a:rPr lang="en-US" sz="2541" dirty="0" err="1" smtClean="0">
-                  <a:latin typeface="Consolas" charset="0"/>
-                  <a:ea typeface="Consolas" charset="0"/>
-                  <a:cs typeface="Consolas" charset="0"/>
-                </a:rPr>
-                <a:t>NRAEnvSelect</a:t>
-              </a:r>
-              <a:r>
-                <a:rPr lang="en-US" sz="2541" dirty="0" smtClean="0">
-                  <a:latin typeface="Consolas" charset="0"/>
-                  <a:ea typeface="Consolas" charset="0"/>
-                  <a:cs typeface="Consolas" charset="0"/>
-                </a:rPr>
-                <a:t> q0 q1) (</a:t>
-              </a:r>
-              <a:r>
-                <a:rPr lang="en-US" sz="2541" dirty="0" err="1" smtClean="0">
-                  <a:latin typeface="Consolas" charset="0"/>
-                  <a:ea typeface="Consolas" charset="0"/>
-                  <a:cs typeface="Consolas" charset="0"/>
-                </a:rPr>
-                <a:t>NRAEnvSelect</a:t>
-              </a:r>
-              <a:r>
-                <a:rPr lang="en-US" sz="2541" dirty="0" smtClean="0">
-                  <a:latin typeface="Consolas" charset="0"/>
-                  <a:ea typeface="Consolas" charset="0"/>
-                  <a:cs typeface="Consolas" charset="0"/>
-                </a:rPr>
-                <a:t> q0 q2)</a:t>
-              </a:r>
-            </a:p>
-            <a:p>
-              <a:r>
-                <a:rPr lang="en-US" sz="2541" dirty="0" smtClean="0">
-                  <a:latin typeface="Consolas" charset="0"/>
-                  <a:ea typeface="Consolas" charset="0"/>
-                  <a:cs typeface="Consolas" charset="0"/>
-                </a:rPr>
-                <a:t>  | _ =&gt; q</a:t>
-              </a:r>
-            </a:p>
-            <a:p>
-              <a:r>
-                <a:rPr lang="en-US" sz="2541" dirty="0" smtClean="0">
-                  <a:solidFill>
-                    <a:schemeClr val="accent5">
-                      <a:lumMod val="75000"/>
-                    </a:schemeClr>
-                  </a:solidFill>
-                  <a:latin typeface="Consolas" charset="0"/>
-                  <a:ea typeface="Consolas" charset="0"/>
-                  <a:cs typeface="Consolas" charset="0"/>
-                </a:rPr>
-                <a:t>end</a:t>
-              </a:r>
-              <a:r>
-                <a:rPr lang="en-US" sz="2541" dirty="0" smtClean="0">
-                  <a:latin typeface="Consolas" charset="0"/>
-                  <a:ea typeface="Consolas" charset="0"/>
-                  <a:cs typeface="Consolas" charset="0"/>
-                </a:rPr>
-                <a:t>.</a:t>
-              </a:r>
-              <a:endParaRPr lang="en-US" sz="2541" dirty="0">
-                <a:latin typeface="Consolas" charset="0"/>
-                <a:ea typeface="Consolas" charset="0"/>
-                <a:cs typeface="Consolas" charset="0"/>
-              </a:endParaRPr>
-            </a:p>
-          </p:txBody>
-        </p:sp>
-        <p:cxnSp>
-          <p:nvCxnSpPr>
-            <p:cNvPr id="34" name="Straight Connector 33"/>
-            <p:cNvCxnSpPr/>
-            <p:nvPr/>
-          </p:nvCxnSpPr>
-          <p:spPr>
-            <a:xfrm>
-              <a:off x="19848612" y="8812276"/>
-              <a:ext cx="6567" cy="4647634"/>
-            </a:xfrm>
-            <a:prstGeom prst="line">
-              <a:avLst/>
-            </a:prstGeom>
-            <a:ln w="152400">
-              <a:solidFill>
-                <a:schemeClr val="bg2">
-                  <a:lumMod val="90000"/>
-                </a:schemeClr>
-              </a:solidFill>
-            </a:ln>
-          </p:spPr>
-          <p:style>
-            <a:lnRef idx="1">
-              <a:schemeClr val="accent1"/>
-            </a:lnRef>
-            <a:fillRef idx="0">
-              <a:schemeClr val="accent1"/>
-            </a:fillRef>
-            <a:effectRef idx="0">
-              <a:schemeClr val="accent1"/>
-            </a:effectRef>
-            <a:fontRef idx="minor">
-              <a:schemeClr val="tx1"/>
-            </a:fontRef>
-          </p:style>
-        </p:cxnSp>
-        <p:sp>
-          <p:nvSpPr>
-            <p:cNvPr id="35" name="Rectangle 34"/>
-            <p:cNvSpPr/>
-            <p:nvPr/>
-          </p:nvSpPr>
-          <p:spPr>
-            <a:xfrm>
-              <a:off x="19251624" y="7564596"/>
-              <a:ext cx="12553764" cy="968341"/>
-            </a:xfrm>
-            <a:prstGeom prst="rect">
-              <a:avLst/>
-            </a:prstGeom>
-            <a:solidFill>
-              <a:schemeClr val="accent5">
-                <a:lumMod val="75000"/>
-              </a:schemeClr>
-            </a:solidFill>
-            <a:ln>
-              <a:noFill/>
-            </a:ln>
-          </p:spPr>
-          <p:style>
-            <a:lnRef idx="2">
-              <a:schemeClr val="accent1">
-                <a:shade val="50000"/>
-              </a:schemeClr>
-            </a:lnRef>
-            <a:fillRef idx="1">
-              <a:schemeClr val="accent1"/>
-            </a:fillRef>
-            <a:effectRef idx="0">
-              <a:schemeClr val="accent1"/>
-            </a:effectRef>
-            <a:fontRef idx="minor">
-              <a:schemeClr val="lt1"/>
-            </a:fontRef>
-          </p:style>
-          <p:txBody>
-            <a:bodyPr rtlCol="0" anchor="ctr"/>
-            <a:lstStyle/>
-            <a:p>
-              <a:pPr algn="ctr"/>
-              <a:r>
-                <a:rPr lang="en-US" sz="3106" b="1" dirty="0" smtClean="0">
-                  <a:latin typeface="Courier" charset="0"/>
-                  <a:ea typeface="Courier" charset="0"/>
-                  <a:cs typeface="Courier" charset="0"/>
-                </a:rPr>
-                <a:t>Functional Rewrite</a:t>
-              </a:r>
-              <a:endParaRPr lang="en-US" sz="3106" b="1" dirty="0">
-                <a:latin typeface="Courier" charset="0"/>
-                <a:ea typeface="Courier" charset="0"/>
-                <a:cs typeface="Courier" charset="0"/>
-              </a:endParaRPr>
-            </a:p>
-          </p:txBody>
-        </p:sp>
-      </p:grpSp>
-      <p:grpSp>
-        <p:nvGrpSpPr>
-          <p:cNvPr id="50" name="Group 49"/>
-          <p:cNvGrpSpPr/>
-          <p:nvPr/>
-        </p:nvGrpSpPr>
-        <p:grpSpPr>
-          <a:xfrm>
-            <a:off x="5254465" y="13198693"/>
-            <a:ext cx="11028371" cy="3766787"/>
-            <a:chOff x="1818255" y="17334776"/>
-            <a:chExt cx="13819142" cy="4989183"/>
-          </a:xfrm>
-        </p:grpSpPr>
+                </a:endParaRPr>
+              </a:p>
+            </p:txBody>
+          </p:sp>
+        </p:grpSp>
         <p:grpSp>
           <p:nvGrpSpPr>
-            <p:cNvPr id="54" name="Group 53"/>
+            <p:cNvPr id="31" name="Group 30"/>
             <p:cNvGrpSpPr/>
             <p:nvPr/>
           </p:nvGrpSpPr>
           <p:grpSpPr>
             <a:xfrm>
-              <a:off x="1818255" y="17334776"/>
-              <a:ext cx="13819142" cy="4989183"/>
-              <a:chOff x="4206240" y="2312754"/>
-              <a:chExt cx="12179809" cy="4244870"/>
+              <a:off x="10666073" y="8843965"/>
+              <a:ext cx="10574607" cy="3972725"/>
+              <a:chOff x="19164501" y="7544129"/>
+              <a:chExt cx="12473876" cy="6078104"/>
             </a:xfrm>
           </p:grpSpPr>
           <p:sp>
             <p:nvSpPr>
-              <p:cNvPr id="56" name="Rectangle 55"/>
+              <p:cNvPr id="32" name="Rectangle 31"/>
               <p:cNvSpPr/>
               <p:nvPr/>
             </p:nvSpPr>
             <p:spPr>
               <a:xfrm>
-                <a:off x="4206240" y="2312754"/>
-                <a:ext cx="12179808" cy="4244870"/>
+                <a:off x="19164501" y="7544129"/>
+                <a:ext cx="12473876" cy="6078104"/>
               </a:xfrm>
               <a:prstGeom prst="rect">
                 <a:avLst/>
@@ -4910,53 +4352,340 @@
               </a:p>
             </p:txBody>
           </p:sp>
-          <p:cxnSp>
-            <p:nvCxnSpPr>
-              <p:cNvPr id="57" name="Straight Connector 56"/>
-              <p:cNvCxnSpPr/>
+          <p:sp>
+            <p:nvSpPr>
+              <p:cNvPr id="36" name="TextBox 35"/>
+              <p:cNvSpPr txBox="1"/>
               <p:nvPr/>
-            </p:nvCxnSpPr>
+            </p:nvSpPr>
             <p:spPr>
-              <a:xfrm flipH="1">
-                <a:off x="4716652" y="3308483"/>
-                <a:ext cx="1" cy="3000317"/>
+              <a:xfrm>
+                <a:off x="19475048" y="8724874"/>
+                <a:ext cx="12163329" cy="4755941"/>
               </a:xfrm>
-              <a:prstGeom prst="line">
+              <a:prstGeom prst="rect">
                 <a:avLst/>
               </a:prstGeom>
-              <a:ln w="152400">
-                <a:solidFill>
-                  <a:schemeClr val="bg2">
-                    <a:lumMod val="90000"/>
-                  </a:schemeClr>
-                </a:solidFill>
-              </a:ln>
+              <a:solidFill>
+                <a:schemeClr val="bg1"/>
+              </a:solidFill>
             </p:spPr>
-            <p:style>
-              <a:lnRef idx="1">
-                <a:schemeClr val="accent1"/>
-              </a:lnRef>
-              <a:fillRef idx="0">
-                <a:schemeClr val="accent1"/>
-              </a:fillRef>
-              <a:effectRef idx="0">
-                <a:schemeClr val="accent1"/>
-              </a:effectRef>
-              <a:fontRef idx="minor">
-                <a:schemeClr val="tx1"/>
-              </a:fontRef>
-            </p:style>
-          </p:cxnSp>
+            <p:txBody>
+              <a:bodyPr wrap="square" rtlCol="0">
+                <a:spAutoFit/>
+              </a:bodyPr>
+              <a:lstStyle/>
+              <a:p>
+                <a:r>
+                  <a:rPr lang="en-US" sz="2800" dirty="0" smtClean="0">
+                    <a:solidFill>
+                      <a:schemeClr val="accent5">
+                        <a:lumMod val="75000"/>
+                      </a:schemeClr>
+                    </a:solidFill>
+                    <a:latin typeface="Consolas" charset="0"/>
+                    <a:ea typeface="Consolas" charset="0"/>
+                    <a:cs typeface="Consolas" charset="0"/>
+                  </a:rPr>
+                  <a:t>Definition </a:t>
+                </a:r>
+                <a:r>
+                  <a:rPr lang="en-US" sz="2800" dirty="0" err="1" smtClean="0">
+                    <a:latin typeface="Consolas" charset="0"/>
+                    <a:ea typeface="Consolas" charset="0"/>
+                    <a:cs typeface="Consolas" charset="0"/>
+                  </a:rPr>
+                  <a:t>select_union_distr_fun</a:t>
+                </a:r>
+                <a:r>
+                  <a:rPr lang="en-US" sz="2800" dirty="0" smtClean="0">
+                    <a:latin typeface="Consolas" charset="0"/>
+                    <a:ea typeface="Consolas" charset="0"/>
+                    <a:cs typeface="Consolas" charset="0"/>
+                  </a:rPr>
+                  <a:t> q :=</a:t>
+                </a:r>
+                <a:endParaRPr lang="en-US" sz="2800" dirty="0">
+                  <a:latin typeface="Consolas" charset="0"/>
+                  <a:ea typeface="Consolas" charset="0"/>
+                  <a:cs typeface="Consolas" charset="0"/>
+                </a:endParaRPr>
+              </a:p>
+              <a:p>
+                <a:r>
+                  <a:rPr lang="en-US" sz="2800" dirty="0">
+                    <a:latin typeface="Consolas" charset="0"/>
+                    <a:ea typeface="Consolas" charset="0"/>
+                    <a:cs typeface="Consolas" charset="0"/>
+                  </a:rPr>
+                  <a:t> </a:t>
+                </a:r>
+                <a:r>
+                  <a:rPr lang="en-US" sz="2800" dirty="0" smtClean="0">
+                    <a:latin typeface="Consolas" charset="0"/>
+                    <a:ea typeface="Consolas" charset="0"/>
+                    <a:cs typeface="Consolas" charset="0"/>
+                  </a:rPr>
+                  <a:t> </a:t>
+                </a:r>
+                <a:r>
+                  <a:rPr lang="en-US" sz="2800" dirty="0" smtClean="0">
+                    <a:solidFill>
+                      <a:schemeClr val="accent5">
+                        <a:lumMod val="75000"/>
+                      </a:schemeClr>
+                    </a:solidFill>
+                    <a:latin typeface="Consolas" charset="0"/>
+                    <a:ea typeface="Consolas" charset="0"/>
+                    <a:cs typeface="Consolas" charset="0"/>
+                  </a:rPr>
+                  <a:t>match </a:t>
+                </a:r>
+                <a:r>
+                  <a:rPr lang="en-US" sz="2800" dirty="0" smtClean="0">
+                    <a:latin typeface="Consolas" charset="0"/>
+                    <a:ea typeface="Consolas" charset="0"/>
+                    <a:cs typeface="Consolas" charset="0"/>
+                  </a:rPr>
+                  <a:t>q </a:t>
+                </a:r>
+                <a:r>
+                  <a:rPr lang="en-US" sz="2800" dirty="0" smtClean="0">
+                    <a:solidFill>
+                      <a:schemeClr val="accent5">
+                        <a:lumMod val="75000"/>
+                      </a:schemeClr>
+                    </a:solidFill>
+                    <a:latin typeface="Consolas" charset="0"/>
+                    <a:ea typeface="Consolas" charset="0"/>
+                    <a:cs typeface="Consolas" charset="0"/>
+                  </a:rPr>
+                  <a:t>with</a:t>
+                </a:r>
+                <a:endParaRPr lang="en-US" sz="2800" dirty="0" smtClean="0">
+                  <a:latin typeface="Consolas" charset="0"/>
+                  <a:ea typeface="Consolas" charset="0"/>
+                  <a:cs typeface="Consolas" charset="0"/>
+                </a:endParaRPr>
+              </a:p>
+              <a:p>
+                <a:r>
+                  <a:rPr lang="en-US" sz="2800" dirty="0">
+                    <a:latin typeface="Consolas" charset="0"/>
+                    <a:ea typeface="Consolas" charset="0"/>
+                    <a:cs typeface="Consolas" charset="0"/>
+                  </a:rPr>
+                  <a:t> </a:t>
+                </a:r>
+                <a:r>
+                  <a:rPr lang="en-US" sz="2800" dirty="0" smtClean="0">
+                    <a:latin typeface="Consolas" charset="0"/>
+                    <a:ea typeface="Consolas" charset="0"/>
+                    <a:cs typeface="Consolas" charset="0"/>
+                  </a:rPr>
+                  <a:t> | </a:t>
+                </a:r>
+                <a:r>
+                  <a:rPr lang="en-US" sz="2800" dirty="0" err="1" smtClean="0">
+                    <a:latin typeface="Consolas" charset="0"/>
+                    <a:ea typeface="Consolas" charset="0"/>
+                    <a:cs typeface="Consolas" charset="0"/>
+                  </a:rPr>
+                  <a:t>NRAEnvSelect</a:t>
+                </a:r>
+                <a:r>
+                  <a:rPr lang="en-US" sz="2800" dirty="0" smtClean="0">
+                    <a:latin typeface="Consolas" charset="0"/>
+                    <a:ea typeface="Consolas" charset="0"/>
+                    <a:cs typeface="Consolas" charset="0"/>
+                  </a:rPr>
+                  <a:t> q0 (</a:t>
+                </a:r>
+                <a:r>
+                  <a:rPr lang="en-US" sz="2800" dirty="0" err="1" smtClean="0">
+                    <a:latin typeface="Consolas" charset="0"/>
+                    <a:ea typeface="Consolas" charset="0"/>
+                    <a:cs typeface="Consolas" charset="0"/>
+                  </a:rPr>
+                  <a:t>NRAEnvBinop</a:t>
+                </a:r>
+                <a:r>
+                  <a:rPr lang="en-US" sz="2800" dirty="0" smtClean="0">
+                    <a:latin typeface="Consolas" charset="0"/>
+                    <a:ea typeface="Consolas" charset="0"/>
+                    <a:cs typeface="Consolas" charset="0"/>
+                  </a:rPr>
+                  <a:t> </a:t>
+                </a:r>
+                <a:r>
+                  <a:rPr lang="en-US" sz="2800" dirty="0" err="1" smtClean="0">
+                    <a:latin typeface="Consolas" charset="0"/>
+                    <a:ea typeface="Consolas" charset="0"/>
+                    <a:cs typeface="Consolas" charset="0"/>
+                  </a:rPr>
+                  <a:t>AUnion</a:t>
+                </a:r>
+                <a:r>
+                  <a:rPr lang="en-US" sz="2800" dirty="0" smtClean="0">
+                    <a:latin typeface="Consolas" charset="0"/>
+                    <a:ea typeface="Consolas" charset="0"/>
+                    <a:cs typeface="Consolas" charset="0"/>
+                  </a:rPr>
+                  <a:t> q1 q2) =&gt;</a:t>
+                </a:r>
+                <a:endParaRPr lang="en-US" sz="2800" dirty="0">
+                  <a:latin typeface="Consolas" charset="0"/>
+                  <a:ea typeface="Consolas" charset="0"/>
+                  <a:cs typeface="Consolas" charset="0"/>
+                </a:endParaRPr>
+              </a:p>
+              <a:p>
+                <a:r>
+                  <a:rPr lang="en-US" sz="2800" dirty="0">
+                    <a:latin typeface="Consolas" charset="0"/>
+                    <a:ea typeface="Consolas" charset="0"/>
+                    <a:cs typeface="Consolas" charset="0"/>
+                  </a:rPr>
+                  <a:t> </a:t>
+                </a:r>
+                <a:r>
+                  <a:rPr lang="en-US" sz="2800" dirty="0" smtClean="0">
+                    <a:latin typeface="Consolas" charset="0"/>
+                    <a:ea typeface="Consolas" charset="0"/>
+                    <a:cs typeface="Consolas" charset="0"/>
+                  </a:rPr>
+                  <a:t>     </a:t>
+                </a:r>
+                <a:r>
+                  <a:rPr lang="en-US" sz="2800" dirty="0" err="1" smtClean="0">
+                    <a:latin typeface="Consolas" charset="0"/>
+                    <a:ea typeface="Consolas" charset="0"/>
+                    <a:cs typeface="Consolas" charset="0"/>
+                  </a:rPr>
+                  <a:t>NRAEnvBinop</a:t>
+                </a:r>
+                <a:r>
+                  <a:rPr lang="en-US" sz="2800" dirty="0" smtClean="0">
+                    <a:latin typeface="Consolas" charset="0"/>
+                    <a:ea typeface="Consolas" charset="0"/>
+                    <a:cs typeface="Consolas" charset="0"/>
+                  </a:rPr>
+                  <a:t> </a:t>
+                </a:r>
+                <a:r>
+                  <a:rPr lang="en-US" sz="2800" dirty="0" err="1" smtClean="0">
+                    <a:latin typeface="Consolas" charset="0"/>
+                    <a:ea typeface="Consolas" charset="0"/>
+                    <a:cs typeface="Consolas" charset="0"/>
+                  </a:rPr>
+                  <a:t>AUnion</a:t>
+                </a:r>
+                <a:endParaRPr lang="en-US" sz="2800" dirty="0" smtClean="0">
+                  <a:latin typeface="Consolas" charset="0"/>
+                  <a:ea typeface="Consolas" charset="0"/>
+                  <a:cs typeface="Consolas" charset="0"/>
+                </a:endParaRPr>
+              </a:p>
+              <a:p>
+                <a:r>
+                  <a:rPr lang="en-US" sz="2800" dirty="0">
+                    <a:latin typeface="Consolas" charset="0"/>
+                    <a:ea typeface="Consolas" charset="0"/>
+                    <a:cs typeface="Consolas" charset="0"/>
+                  </a:rPr>
+                  <a:t> </a:t>
+                </a:r>
+                <a:r>
+                  <a:rPr lang="en-US" sz="2800" dirty="0" smtClean="0">
+                    <a:latin typeface="Consolas" charset="0"/>
+                    <a:ea typeface="Consolas" charset="0"/>
+                    <a:cs typeface="Consolas" charset="0"/>
+                  </a:rPr>
+                  <a:t>       (</a:t>
+                </a:r>
+                <a:r>
+                  <a:rPr lang="en-US" sz="2800" dirty="0" err="1" smtClean="0">
+                    <a:latin typeface="Consolas" charset="0"/>
+                    <a:ea typeface="Consolas" charset="0"/>
+                    <a:cs typeface="Consolas" charset="0"/>
+                  </a:rPr>
+                  <a:t>NRAEnvSelect</a:t>
+                </a:r>
+                <a:r>
+                  <a:rPr lang="en-US" sz="2800" dirty="0" smtClean="0">
+                    <a:latin typeface="Consolas" charset="0"/>
+                    <a:ea typeface="Consolas" charset="0"/>
+                    <a:cs typeface="Consolas" charset="0"/>
+                  </a:rPr>
+                  <a:t> q0 q1) (</a:t>
+                </a:r>
+                <a:r>
+                  <a:rPr lang="en-US" sz="2800" dirty="0" err="1" smtClean="0">
+                    <a:latin typeface="Consolas" charset="0"/>
+                    <a:ea typeface="Consolas" charset="0"/>
+                    <a:cs typeface="Consolas" charset="0"/>
+                  </a:rPr>
+                  <a:t>NRAEnvSelect</a:t>
+                </a:r>
+                <a:r>
+                  <a:rPr lang="en-US" sz="2800" dirty="0" smtClean="0">
+                    <a:latin typeface="Consolas" charset="0"/>
+                    <a:ea typeface="Consolas" charset="0"/>
+                    <a:cs typeface="Consolas" charset="0"/>
+                  </a:rPr>
+                  <a:t> q0 q2)</a:t>
+                </a:r>
+              </a:p>
+              <a:p>
+                <a:r>
+                  <a:rPr lang="en-US" sz="2800" dirty="0" smtClean="0">
+                    <a:latin typeface="Consolas" charset="0"/>
+                    <a:ea typeface="Consolas" charset="0"/>
+                    <a:cs typeface="Consolas" charset="0"/>
+                  </a:rPr>
+                  <a:t>  | _ =&gt; q</a:t>
+                </a:r>
+              </a:p>
+              <a:p>
+                <a:r>
+                  <a:rPr lang="en-US" sz="2800" dirty="0" smtClean="0">
+                    <a:solidFill>
+                      <a:schemeClr val="accent5">
+                        <a:lumMod val="75000"/>
+                      </a:schemeClr>
+                    </a:solidFill>
+                    <a:latin typeface="Consolas" charset="0"/>
+                    <a:ea typeface="Consolas" charset="0"/>
+                    <a:cs typeface="Consolas" charset="0"/>
+                  </a:rPr>
+                  <a:t>  end</a:t>
+                </a:r>
+                <a:r>
+                  <a:rPr lang="en-US" sz="2800" dirty="0" smtClean="0">
+                    <a:latin typeface="Consolas" charset="0"/>
+                    <a:ea typeface="Consolas" charset="0"/>
+                    <a:cs typeface="Consolas" charset="0"/>
+                  </a:rPr>
+                  <a:t>.</a:t>
+                </a:r>
+                <a:endParaRPr lang="en-US" sz="2800" dirty="0">
+                  <a:latin typeface="Consolas" charset="0"/>
+                  <a:ea typeface="Consolas" charset="0"/>
+                  <a:cs typeface="Consolas" charset="0"/>
+                </a:endParaRPr>
+              </a:p>
+            </p:txBody>
+          </p:sp>
           <p:sp>
             <p:nvSpPr>
-              <p:cNvPr id="58" name="Rectangle 57"/>
+              <p:cNvPr id="35" name="Rectangle 34"/>
               <p:cNvSpPr/>
               <p:nvPr/>
             </p:nvSpPr>
             <p:spPr>
               <a:xfrm>
-                <a:off x="4206240" y="2313748"/>
-                <a:ext cx="12179809" cy="733401"/>
+                <a:off x="19164501" y="7545123"/>
+                <a:ext cx="12473876" cy="968341"/>
               </a:xfrm>
               <a:prstGeom prst="rect">
                 <a:avLst/>
@@ -4997,7 +4726,7 @@
                     <a:ea typeface="Courier" charset="0"/>
                     <a:cs typeface="Courier" charset="0"/>
                   </a:rPr>
-                  <a:t>Correctness Proof</a:t>
+                  <a:t>Functional Rewrite</a:t>
                 </a:r>
                 <a:endParaRPr lang="en-US" sz="3106" b="1" dirty="0">
                   <a:latin typeface="Courier" charset="0"/>
@@ -5008,47 +4737,398 @@
             </p:txBody>
           </p:sp>
         </p:grpSp>
-        <p:sp>
-          <p:nvSpPr>
-            <p:cNvPr id="55" name="TextBox 54"/>
-            <p:cNvSpPr txBox="1"/>
+        <p:grpSp>
+          <p:nvGrpSpPr>
+            <p:cNvPr id="50" name="Group 49"/>
+            <p:cNvGrpSpPr/>
             <p:nvPr/>
-          </p:nvSpPr>
-          <p:spPr>
+          </p:nvGrpSpPr>
+          <p:grpSpPr>
             <a:xfrm>
-              <a:off x="2700516" y="18430946"/>
-              <a:ext cx="12150548" cy="3747548"/>
+              <a:off x="5254465" y="13198693"/>
+              <a:ext cx="11028371" cy="3766787"/>
+              <a:chOff x="1818255" y="17334776"/>
+              <a:chExt cx="13819142" cy="4989183"/>
             </a:xfrm>
-            <a:prstGeom prst="rect">
-              <a:avLst/>
-            </a:prstGeom>
-            <a:solidFill>
-              <a:schemeClr val="bg1"/>
-            </a:solidFill>
-          </p:spPr>
-          <p:txBody>
-            <a:bodyPr wrap="square" rtlCol="0">
-              <a:spAutoFit/>
-            </a:bodyPr>
-            <a:lstStyle/>
-            <a:p>
-              <a:r>
-                <a:rPr lang="en-US" sz="2541" dirty="0" smtClean="0">
+          </p:grpSpPr>
+          <p:grpSp>
+            <p:nvGrpSpPr>
+              <p:cNvPr id="54" name="Group 53"/>
+              <p:cNvGrpSpPr/>
+              <p:nvPr/>
+            </p:nvGrpSpPr>
+            <p:grpSpPr>
+              <a:xfrm>
+                <a:off x="1818255" y="17334776"/>
+                <a:ext cx="13819142" cy="4989183"/>
+                <a:chOff x="4206240" y="2312754"/>
+                <a:chExt cx="12179809" cy="4244870"/>
+              </a:xfrm>
+            </p:grpSpPr>
+            <p:sp>
+              <p:nvSpPr>
+                <p:cNvPr id="56" name="Rectangle 55"/>
+                <p:cNvSpPr/>
+                <p:nvPr/>
+              </p:nvSpPr>
+              <p:spPr>
+                <a:xfrm>
+                  <a:off x="4206240" y="2312754"/>
+                  <a:ext cx="12179808" cy="4244870"/>
+                </a:xfrm>
+                <a:prstGeom prst="rect">
+                  <a:avLst/>
+                </a:prstGeom>
+                <a:solidFill>
+                  <a:schemeClr val="bg1"/>
+                </a:solidFill>
+                <a:ln>
                   <a:solidFill>
-                    <a:schemeClr val="accent6">
-                      <a:lumMod val="75000"/>
+                    <a:schemeClr val="bg1">
+                      <a:lumMod val="85000"/>
                     </a:schemeClr>
                   </a:solidFill>
-                  <a:latin typeface="Consolas" charset="0"/>
-                  <a:ea typeface="Consolas" charset="0"/>
-                  <a:cs typeface="Consolas" charset="0"/>
-                </a:rPr>
-                <a:t>(* Selection over union push-down is correct *)</a:t>
-              </a:r>
-            </a:p>
-            <a:p>
-              <a:r>
-                <a:rPr lang="en-US" sz="2541" dirty="0" smtClean="0">
+                </a:ln>
+              </p:spPr>
+              <p:style>
+                <a:lnRef idx="2">
+                  <a:schemeClr val="accent1">
+                    <a:shade val="50000"/>
+                  </a:schemeClr>
+                </a:lnRef>
+                <a:fillRef idx="1">
+                  <a:schemeClr val="accent1"/>
+                </a:fillRef>
+                <a:effectRef idx="0">
+                  <a:schemeClr val="accent1"/>
+                </a:effectRef>
+                <a:fontRef idx="minor">
+                  <a:schemeClr val="lt1"/>
+                </a:fontRef>
+              </p:style>
+              <p:txBody>
+                <a:bodyPr rtlCol="0" anchor="ctr"/>
+                <a:lstStyle/>
+                <a:p>
+                  <a:pPr algn="ctr"/>
+                  <a:endParaRPr lang="en-US" sz="3659"/>
+                </a:p>
+              </p:txBody>
+            </p:sp>
+            <p:sp>
+              <p:nvSpPr>
+                <p:cNvPr id="58" name="Rectangle 57"/>
+                <p:cNvSpPr/>
+                <p:nvPr/>
+              </p:nvSpPr>
+              <p:spPr>
+                <a:xfrm>
+                  <a:off x="4206240" y="2313748"/>
+                  <a:ext cx="12179809" cy="733401"/>
+                </a:xfrm>
+                <a:prstGeom prst="rect">
+                  <a:avLst/>
+                </a:prstGeom>
+                <a:solidFill>
+                  <a:schemeClr val="accent5">
+                    <a:lumMod val="75000"/>
+                  </a:schemeClr>
+                </a:solidFill>
+                <a:ln>
+                  <a:noFill/>
+                </a:ln>
+              </p:spPr>
+              <p:style>
+                <a:lnRef idx="2">
+                  <a:schemeClr val="accent1">
+                    <a:shade val="50000"/>
+                  </a:schemeClr>
+                </a:lnRef>
+                <a:fillRef idx="1">
+                  <a:schemeClr val="accent1"/>
+                </a:fillRef>
+                <a:effectRef idx="0">
+                  <a:schemeClr val="accent1"/>
+                </a:effectRef>
+                <a:fontRef idx="minor">
+                  <a:schemeClr val="lt1"/>
+                </a:fontRef>
+              </p:style>
+              <p:txBody>
+                <a:bodyPr rtlCol="0" anchor="ctr"/>
+                <a:lstStyle/>
+                <a:p>
+                  <a:pPr algn="ctr"/>
+                  <a:r>
+                    <a:rPr lang="en-US" sz="3106" b="1" dirty="0" smtClean="0">
+                      <a:latin typeface="Courier" charset="0"/>
+                      <a:ea typeface="Courier" charset="0"/>
+                      <a:cs typeface="Courier" charset="0"/>
+                    </a:rPr>
+                    <a:t>Correctness Proof</a:t>
+                  </a:r>
+                  <a:endParaRPr lang="en-US" sz="3106" b="1" dirty="0">
+                    <a:latin typeface="Courier" charset="0"/>
+                    <a:ea typeface="Courier" charset="0"/>
+                    <a:cs typeface="Courier" charset="0"/>
+                  </a:endParaRPr>
+                </a:p>
+              </p:txBody>
+            </p:sp>
+          </p:grpSp>
+          <p:sp>
+            <p:nvSpPr>
+              <p:cNvPr id="55" name="TextBox 54"/>
+              <p:cNvSpPr txBox="1"/>
+              <p:nvPr/>
+            </p:nvSpPr>
+            <p:spPr>
+              <a:xfrm>
+                <a:off x="2095342" y="18430946"/>
+                <a:ext cx="13460212" cy="3546608"/>
+              </a:xfrm>
+              <a:prstGeom prst="rect">
+                <a:avLst/>
+              </a:prstGeom>
+              <a:solidFill>
+                <a:schemeClr val="bg1"/>
+              </a:solidFill>
+            </p:spPr>
+            <p:txBody>
+              <a:bodyPr wrap="square" rtlCol="0">
+                <a:spAutoFit/>
+              </a:bodyPr>
+              <a:lstStyle/>
+              <a:p>
+                <a:r>
+                  <a:rPr lang="en-US" sz="2800" dirty="0" smtClean="0">
+                    <a:solidFill>
+                      <a:schemeClr val="accent5">
+                        <a:lumMod val="75000"/>
+                      </a:schemeClr>
+                    </a:solidFill>
+                    <a:latin typeface="Consolas" charset="0"/>
+                    <a:ea typeface="Consolas" charset="0"/>
+                    <a:cs typeface="Consolas" charset="0"/>
+                  </a:rPr>
+                  <a:t>Property </a:t>
+                </a:r>
+                <a:r>
+                  <a:rPr lang="en-US" sz="2800" dirty="0" err="1" smtClean="0">
+                    <a:latin typeface="Consolas" charset="0"/>
+                    <a:ea typeface="Consolas" charset="0"/>
+                    <a:cs typeface="Consolas" charset="0"/>
+                  </a:rPr>
+                  <a:t>select_union_distr_fun_correctness</a:t>
+                </a:r>
+                <a:r>
+                  <a:rPr lang="en-US" sz="2800" dirty="0" smtClean="0">
+                    <a:latin typeface="Consolas" charset="0"/>
+                    <a:ea typeface="Consolas" charset="0"/>
+                    <a:cs typeface="Consolas" charset="0"/>
+                  </a:rPr>
+                  <a:t> q</a:t>
+                </a:r>
+                <a:r>
+                  <a:rPr lang="en-US" sz="2800" baseline="-25000" dirty="0" smtClean="0">
+                    <a:latin typeface="Consolas" charset="0"/>
+                    <a:ea typeface="Consolas" charset="0"/>
+                    <a:cs typeface="Consolas" charset="0"/>
+                  </a:rPr>
+                  <a:t>0</a:t>
+                </a:r>
+                <a:r>
+                  <a:rPr lang="en-US" sz="2800" dirty="0" smtClean="0">
+                    <a:latin typeface="Consolas" charset="0"/>
+                    <a:ea typeface="Consolas" charset="0"/>
+                    <a:cs typeface="Consolas" charset="0"/>
+                  </a:rPr>
+                  <a:t> q</a:t>
+                </a:r>
+                <a:r>
+                  <a:rPr lang="en-US" sz="2800" baseline="-25000" dirty="0" smtClean="0">
+                    <a:latin typeface="Consolas" charset="0"/>
+                    <a:ea typeface="Consolas" charset="0"/>
+                    <a:cs typeface="Consolas" charset="0"/>
+                  </a:rPr>
+                  <a:t>1</a:t>
+                </a:r>
+                <a:r>
+                  <a:rPr lang="en-US" sz="2800" dirty="0" smtClean="0">
+                    <a:latin typeface="Consolas" charset="0"/>
+                    <a:ea typeface="Consolas" charset="0"/>
+                    <a:cs typeface="Consolas" charset="0"/>
+                  </a:rPr>
+                  <a:t> q</a:t>
+                </a:r>
+                <a:r>
+                  <a:rPr lang="en-US" sz="2800" baseline="-25000" dirty="0" smtClean="0">
+                    <a:latin typeface="Consolas" charset="0"/>
+                    <a:ea typeface="Consolas" charset="0"/>
+                    <a:cs typeface="Consolas" charset="0"/>
+                  </a:rPr>
+                  <a:t>2</a:t>
+                </a:r>
+                <a:r>
+                  <a:rPr lang="en-US" sz="2800" dirty="0" smtClean="0">
+                    <a:latin typeface="Consolas" charset="0"/>
+                    <a:ea typeface="Consolas" charset="0"/>
+                    <a:cs typeface="Consolas" charset="0"/>
+                  </a:rPr>
+                  <a:t> :</a:t>
+                </a:r>
+              </a:p>
+              <a:p>
+                <a:r>
+                  <a:rPr lang="it-IT" sz="2800" dirty="0" smtClean="0">
+                    <a:latin typeface="Consolas" charset="0"/>
+                    <a:ea typeface="Consolas" charset="0"/>
+                    <a:cs typeface="Consolas" charset="0"/>
+                  </a:rPr>
+                  <a:t> </a:t>
+                </a:r>
+                <a:r>
+                  <a:rPr lang="en-US" sz="2800" dirty="0" err="1">
+                    <a:latin typeface="Consolas" charset="0"/>
+                    <a:ea typeface="Consolas" charset="0"/>
+                    <a:cs typeface="Consolas" charset="0"/>
+                  </a:rPr>
+                  <a:t>select_union_distr_fun</a:t>
+                </a:r>
+                <a:r>
+                  <a:rPr lang="en-US" sz="2800" dirty="0">
+                    <a:latin typeface="Consolas" charset="0"/>
+                    <a:ea typeface="Consolas" charset="0"/>
+                    <a:cs typeface="Consolas" charset="0"/>
+                  </a:rPr>
+                  <a:t> </a:t>
+                </a:r>
+                <a:r>
+                  <a:rPr lang="en-US" sz="2800" dirty="0" smtClean="0">
+                    <a:latin typeface="Consolas" charset="0"/>
+                    <a:ea typeface="Consolas" charset="0"/>
+                    <a:cs typeface="Consolas" charset="0"/>
+                  </a:rPr>
+                  <a:t>q </a:t>
+                </a:r>
+                <a:r>
+                  <a:rPr lang="de-DE" sz="2800" dirty="0" smtClean="0">
+                    <a:latin typeface="Consolas" charset="0"/>
+                    <a:ea typeface="Consolas" charset="0"/>
+                    <a:cs typeface="Consolas" charset="0"/>
+                  </a:rPr>
+                  <a:t>≡ </a:t>
+                </a:r>
+                <a:r>
+                  <a:rPr lang="en-US" sz="2800" dirty="0" smtClean="0">
+                    <a:latin typeface="Consolas" charset="0"/>
+                    <a:ea typeface="Consolas" charset="0"/>
+                    <a:cs typeface="Consolas" charset="0"/>
+                  </a:rPr>
+                  <a:t>q</a:t>
+                </a:r>
+                <a:r>
+                  <a:rPr lang="de-DE" sz="2800" dirty="0" smtClean="0">
+                    <a:latin typeface="Consolas" charset="0"/>
+                    <a:ea typeface="Consolas" charset="0"/>
+                    <a:cs typeface="Consolas" charset="0"/>
+                  </a:rPr>
+                  <a:t>.</a:t>
+                </a:r>
+              </a:p>
+              <a:p>
+                <a:r>
+                  <a:rPr lang="en-US" sz="2800" dirty="0" smtClean="0">
+                    <a:solidFill>
+                      <a:schemeClr val="accent5">
+                        <a:lumMod val="75000"/>
+                      </a:schemeClr>
+                    </a:solidFill>
+                    <a:latin typeface="Consolas" charset="0"/>
+                    <a:ea typeface="Consolas" charset="0"/>
+                    <a:cs typeface="Consolas" charset="0"/>
+                  </a:rPr>
+                  <a:t>Proof.</a:t>
+                </a:r>
+              </a:p>
+              <a:p>
+                <a:r>
+                  <a:rPr lang="en-US" sz="2800" dirty="0" smtClean="0">
+                    <a:solidFill>
+                      <a:schemeClr val="accent5">
+                        <a:lumMod val="75000"/>
+                      </a:schemeClr>
+                    </a:solidFill>
+                    <a:latin typeface="Consolas" charset="0"/>
+                    <a:ea typeface="Consolas" charset="0"/>
+                    <a:cs typeface="Consolas" charset="0"/>
+                  </a:rPr>
+                  <a:t> Hint Rewrite </a:t>
+                </a:r>
+                <a:r>
+                  <a:rPr lang="en-US" sz="2800" dirty="0" err="1" smtClean="0">
+                    <a:latin typeface="Consolas" charset="0"/>
+                    <a:ea typeface="Consolas" charset="0"/>
+                    <a:cs typeface="Consolas" charset="0"/>
+                  </a:rPr>
+                  <a:t>select_union_distr</a:t>
+                </a:r>
+                <a:r>
+                  <a:rPr lang="en-US" sz="2800" dirty="0" smtClean="0">
+                    <a:latin typeface="Consolas" charset="0"/>
+                    <a:ea typeface="Consolas" charset="0"/>
+                    <a:cs typeface="Consolas" charset="0"/>
+                  </a:rPr>
+                  <a:t> : </a:t>
+                </a:r>
+                <a:r>
+                  <a:rPr lang="en-US" sz="2800" dirty="0" err="1" smtClean="0">
+                    <a:latin typeface="Consolas" charset="0"/>
+                    <a:ea typeface="Consolas" charset="0"/>
+                    <a:cs typeface="Consolas" charset="0"/>
+                  </a:rPr>
+                  <a:t>envmap_eqs</a:t>
+                </a:r>
+                <a:r>
+                  <a:rPr lang="en-US" sz="2800" dirty="0" smtClean="0">
+                    <a:latin typeface="Consolas" charset="0"/>
+                    <a:ea typeface="Consolas" charset="0"/>
+                    <a:cs typeface="Consolas" charset="0"/>
+                  </a:rPr>
+                  <a:t>.</a:t>
+                </a:r>
+              </a:p>
+              <a:p>
+                <a:r>
+                  <a:rPr lang="en-US" sz="2800" dirty="0">
+                    <a:solidFill>
+                      <a:schemeClr val="accent5">
+                        <a:lumMod val="75000"/>
+                      </a:schemeClr>
+                    </a:solidFill>
+                    <a:latin typeface="Consolas" charset="0"/>
+                    <a:ea typeface="Consolas" charset="0"/>
+                    <a:cs typeface="Consolas" charset="0"/>
+                  </a:rPr>
+                  <a:t> </a:t>
+                </a:r>
+                <a:r>
+                  <a:rPr lang="en-US" sz="2800" dirty="0" err="1" smtClean="0">
+                    <a:latin typeface="Consolas" charset="0"/>
+                    <a:ea typeface="Consolas" charset="0"/>
+                    <a:cs typeface="Consolas" charset="0"/>
+                  </a:rPr>
+                  <a:t>prove_correctness</a:t>
+                </a:r>
+                <a:r>
+                  <a:rPr lang="en-US" sz="2800" dirty="0" smtClean="0">
+                    <a:latin typeface="Consolas" charset="0"/>
+                    <a:ea typeface="Consolas" charset="0"/>
+                    <a:cs typeface="Consolas" charset="0"/>
+                  </a:rPr>
+                  <a:t> q.</a:t>
+                </a:r>
+                <a:endParaRPr lang="en-US" sz="2800" dirty="0" smtClean="0">
                   <a:solidFill>
                     <a:schemeClr val="accent5">
                       <a:lumMod val="75000"/>
@@ -5057,135 +5137,36 @@
                   <a:latin typeface="Consolas" charset="0"/>
                   <a:ea typeface="Consolas" charset="0"/>
                   <a:cs typeface="Consolas" charset="0"/>
-                </a:rPr>
-                <a:t>Property </a:t>
-              </a:r>
-              <a:r>
-                <a:rPr lang="en-US" sz="2541" dirty="0" err="1" smtClean="0">
-                  <a:latin typeface="Consolas" charset="0"/>
-                  <a:ea typeface="Consolas" charset="0"/>
-                  <a:cs typeface="Consolas" charset="0"/>
-                </a:rPr>
-                <a:t>select_union_distr_fun_correctness</a:t>
-              </a:r>
-              <a:r>
-                <a:rPr lang="en-US" sz="2541" dirty="0" smtClean="0">
-                  <a:latin typeface="Consolas" charset="0"/>
-                  <a:ea typeface="Consolas" charset="0"/>
-                  <a:cs typeface="Consolas" charset="0"/>
-                </a:rPr>
-                <a:t> q</a:t>
-              </a:r>
-              <a:r>
-                <a:rPr lang="en-US" sz="2541" baseline="-25000" dirty="0" smtClean="0">
-                  <a:latin typeface="Consolas" charset="0"/>
-                  <a:ea typeface="Consolas" charset="0"/>
-                  <a:cs typeface="Consolas" charset="0"/>
-                </a:rPr>
-                <a:t>0</a:t>
-              </a:r>
-              <a:r>
-                <a:rPr lang="en-US" sz="2541" dirty="0" smtClean="0">
-                  <a:latin typeface="Consolas" charset="0"/>
-                  <a:ea typeface="Consolas" charset="0"/>
-                  <a:cs typeface="Consolas" charset="0"/>
-                </a:rPr>
-                <a:t> q</a:t>
-              </a:r>
-              <a:r>
-                <a:rPr lang="en-US" sz="2541" baseline="-25000" dirty="0" smtClean="0">
-                  <a:latin typeface="Consolas" charset="0"/>
-                  <a:ea typeface="Consolas" charset="0"/>
-                  <a:cs typeface="Consolas" charset="0"/>
-                </a:rPr>
-                <a:t>1</a:t>
-              </a:r>
-              <a:r>
-                <a:rPr lang="en-US" sz="2541" dirty="0" smtClean="0">
-                  <a:latin typeface="Consolas" charset="0"/>
-                  <a:ea typeface="Consolas" charset="0"/>
-                  <a:cs typeface="Consolas" charset="0"/>
-                </a:rPr>
-                <a:t> q</a:t>
-              </a:r>
-              <a:r>
-                <a:rPr lang="en-US" sz="2541" baseline="-25000" dirty="0" smtClean="0">
-                  <a:latin typeface="Consolas" charset="0"/>
-                  <a:ea typeface="Consolas" charset="0"/>
-                  <a:cs typeface="Consolas" charset="0"/>
-                </a:rPr>
-                <a:t>2</a:t>
-              </a:r>
-              <a:r>
-                <a:rPr lang="en-US" sz="2541" dirty="0" smtClean="0">
-                  <a:latin typeface="Consolas" charset="0"/>
-                  <a:ea typeface="Consolas" charset="0"/>
-                  <a:cs typeface="Consolas" charset="0"/>
-                </a:rPr>
-                <a:t> :</a:t>
-              </a:r>
-            </a:p>
-            <a:p>
-              <a:r>
-                <a:rPr lang="it-IT" sz="2541" dirty="0" smtClean="0">
-                  <a:latin typeface="Consolas" charset="0"/>
-                  <a:ea typeface="Consolas" charset="0"/>
-                  <a:cs typeface="Consolas" charset="0"/>
-                </a:rPr>
-                <a:t> </a:t>
-              </a:r>
-              <a:r>
-                <a:rPr lang="en-US" sz="2541" dirty="0" err="1">
-                  <a:latin typeface="Consolas" charset="0"/>
-                  <a:ea typeface="Consolas" charset="0"/>
-                  <a:cs typeface="Consolas" charset="0"/>
-                </a:rPr>
-                <a:t>select_union_distr_fun</a:t>
-              </a:r>
-              <a:r>
-                <a:rPr lang="en-US" sz="2541" dirty="0">
-                  <a:latin typeface="Consolas" charset="0"/>
-                  <a:ea typeface="Consolas" charset="0"/>
-                  <a:cs typeface="Consolas" charset="0"/>
-                </a:rPr>
-                <a:t> </a:t>
-              </a:r>
-              <a:r>
-                <a:rPr lang="en-US" sz="2541" dirty="0" smtClean="0">
-                  <a:latin typeface="Consolas" charset="0"/>
-                  <a:ea typeface="Consolas" charset="0"/>
-                  <a:cs typeface="Consolas" charset="0"/>
-                </a:rPr>
-                <a:t>q </a:t>
-              </a:r>
-              <a:r>
-                <a:rPr lang="de-DE" sz="2541" dirty="0" smtClean="0">
-                  <a:latin typeface="Consolas" charset="0"/>
-                  <a:ea typeface="Consolas" charset="0"/>
-                  <a:cs typeface="Consolas" charset="0"/>
-                </a:rPr>
-                <a:t>≡ </a:t>
-              </a:r>
-              <a:r>
-                <a:rPr lang="en-US" sz="2541" dirty="0" smtClean="0">
-                  <a:latin typeface="Consolas" charset="0"/>
-                  <a:ea typeface="Consolas" charset="0"/>
-                  <a:cs typeface="Consolas" charset="0"/>
-                </a:rPr>
-                <a:t>q</a:t>
-              </a:r>
-              <a:r>
-                <a:rPr lang="de-DE" sz="2541" dirty="0" smtClean="0">
-                  <a:latin typeface="Consolas" charset="0"/>
-                  <a:ea typeface="Consolas" charset="0"/>
-                  <a:cs typeface="Consolas" charset="0"/>
-                </a:rPr>
-                <a:t>.</a:t>
-              </a:r>
-            </a:p>
-            <a:p>
-              <a:r>
-                <a:rPr lang="en-US" sz="2541" dirty="0" smtClean="0">
+                </a:endParaRPr>
+              </a:p>
+              <a:p>
+                <a:r>
+                  <a:rPr lang="en-US" sz="2800" dirty="0" err="1" smtClean="0">
+                    <a:solidFill>
+                      <a:schemeClr val="accent5">
+                        <a:lumMod val="75000"/>
+                      </a:schemeClr>
+                    </a:solidFill>
+                    <a:latin typeface="Consolas" charset="0"/>
+                    <a:ea typeface="Consolas" charset="0"/>
+                    <a:cs typeface="Consolas" charset="0"/>
+                  </a:rPr>
+                  <a:t>Qed</a:t>
+                </a:r>
+                <a:r>
+                  <a:rPr lang="en-US" sz="2800" dirty="0" smtClean="0">
+                    <a:solidFill>
+                      <a:schemeClr val="accent5">
+                        <a:lumMod val="75000"/>
+                      </a:schemeClr>
+                    </a:solidFill>
+                    <a:latin typeface="Consolas" charset="0"/>
+                    <a:ea typeface="Consolas" charset="0"/>
+                    <a:cs typeface="Consolas" charset="0"/>
+                  </a:rPr>
+                  <a:t>.</a:t>
+                </a:r>
+                <a:endParaRPr lang="en-US" sz="2800" dirty="0">
                   <a:solidFill>
                     <a:schemeClr val="accent5">
                       <a:lumMod val="75000"/>
@@ -5194,138 +5175,11 @@
                   <a:latin typeface="Consolas" charset="0"/>
                   <a:ea typeface="Consolas" charset="0"/>
                   <a:cs typeface="Consolas" charset="0"/>
-                </a:rPr>
-                <a:t>Proof.</a:t>
-              </a:r>
-            </a:p>
-            <a:p>
-              <a:r>
-                <a:rPr lang="en-US" sz="2541" dirty="0" smtClean="0">
-                  <a:solidFill>
-                    <a:schemeClr val="accent5">
-                      <a:lumMod val="75000"/>
-                    </a:schemeClr>
-                  </a:solidFill>
-                  <a:latin typeface="Consolas" charset="0"/>
-                  <a:ea typeface="Consolas" charset="0"/>
-                  <a:cs typeface="Consolas" charset="0"/>
-                </a:rPr>
-                <a:t> Hint Rewrite </a:t>
-              </a:r>
-              <a:r>
-                <a:rPr lang="en-US" sz="2541" dirty="0" err="1" smtClean="0">
-                  <a:latin typeface="Consolas" charset="0"/>
-                  <a:ea typeface="Consolas" charset="0"/>
-                  <a:cs typeface="Consolas" charset="0"/>
-                </a:rPr>
-                <a:t>select_union_distr</a:t>
-              </a:r>
-              <a:r>
-                <a:rPr lang="en-US" sz="2541" dirty="0" smtClean="0">
-                  <a:latin typeface="Consolas" charset="0"/>
-                  <a:ea typeface="Consolas" charset="0"/>
-                  <a:cs typeface="Consolas" charset="0"/>
-                </a:rPr>
-                <a:t> : </a:t>
-              </a:r>
-              <a:r>
-                <a:rPr lang="en-US" sz="2541" dirty="0" err="1" smtClean="0">
-                  <a:latin typeface="Consolas" charset="0"/>
-                  <a:ea typeface="Consolas" charset="0"/>
-                  <a:cs typeface="Consolas" charset="0"/>
-                </a:rPr>
-                <a:t>envmap_eqs</a:t>
-              </a:r>
-              <a:r>
-                <a:rPr lang="en-US" sz="2541" dirty="0" smtClean="0">
-                  <a:latin typeface="Consolas" charset="0"/>
-                  <a:ea typeface="Consolas" charset="0"/>
-                  <a:cs typeface="Consolas" charset="0"/>
-                </a:rPr>
-                <a:t>.</a:t>
-              </a:r>
-            </a:p>
-            <a:p>
-              <a:r>
-                <a:rPr lang="en-US" sz="2541" dirty="0">
-                  <a:solidFill>
-                    <a:schemeClr val="accent5">
-                      <a:lumMod val="75000"/>
-                    </a:schemeClr>
-                  </a:solidFill>
-                  <a:latin typeface="Consolas" charset="0"/>
-                  <a:ea typeface="Consolas" charset="0"/>
-                  <a:cs typeface="Consolas" charset="0"/>
-                </a:rPr>
-                <a:t> </a:t>
-              </a:r>
-              <a:r>
-                <a:rPr lang="en-US" sz="2541" dirty="0" err="1" smtClean="0">
-                  <a:latin typeface="Consolas" charset="0"/>
-                  <a:ea typeface="Consolas" charset="0"/>
-                  <a:cs typeface="Consolas" charset="0"/>
-                </a:rPr>
-                <a:t>prove_correctness</a:t>
-              </a:r>
-              <a:r>
-                <a:rPr lang="en-US" sz="2541" dirty="0" smtClean="0">
-                  <a:latin typeface="Consolas" charset="0"/>
-                  <a:ea typeface="Consolas" charset="0"/>
-                  <a:cs typeface="Consolas" charset="0"/>
-                </a:rPr>
-                <a:t> q.</a:t>
-              </a:r>
-              <a:endParaRPr lang="en-US" sz="2541" dirty="0" smtClean="0">
-                <a:solidFill>
-                  <a:schemeClr val="accent5">
-                    <a:lumMod val="75000"/>
-                  </a:schemeClr>
-                </a:solidFill>
-                <a:latin typeface="Consolas" charset="0"/>
-                <a:ea typeface="Consolas" charset="0"/>
-                <a:cs typeface="Consolas" charset="0"/>
-              </a:endParaRPr>
-            </a:p>
-            <a:p>
-              <a:r>
-                <a:rPr lang="en-US" sz="2541" dirty="0" err="1" smtClean="0">
-                  <a:solidFill>
-                    <a:schemeClr val="accent5">
-                      <a:lumMod val="75000"/>
-                    </a:schemeClr>
-                  </a:solidFill>
-                  <a:latin typeface="Consolas" charset="0"/>
-                  <a:ea typeface="Consolas" charset="0"/>
-                  <a:cs typeface="Consolas" charset="0"/>
-                </a:rPr>
-                <a:t>Qed</a:t>
-              </a:r>
-              <a:r>
-                <a:rPr lang="en-US" sz="2541" dirty="0" smtClean="0">
-                  <a:solidFill>
-                    <a:schemeClr val="accent5">
-                      <a:lumMod val="75000"/>
-                    </a:schemeClr>
-                  </a:solidFill>
-                  <a:latin typeface="Consolas" charset="0"/>
-                  <a:ea typeface="Consolas" charset="0"/>
-                  <a:cs typeface="Consolas" charset="0"/>
-                </a:rPr>
-                <a:t>.</a:t>
-              </a:r>
-              <a:endParaRPr lang="en-US" sz="2541" dirty="0">
-                <a:solidFill>
-                  <a:schemeClr val="accent5">
-                    <a:lumMod val="75000"/>
-                  </a:schemeClr>
-                </a:solidFill>
-                <a:latin typeface="Consolas" charset="0"/>
-                <a:ea typeface="Consolas" charset="0"/>
-                <a:cs typeface="Consolas" charset="0"/>
-              </a:endParaRPr>
-            </a:p>
-          </p:txBody>
-        </p:sp>
+                </a:endParaRPr>
+              </a:p>
+            </p:txBody>
+          </p:sp>
+        </p:grpSp>
       </p:grpSp>
       <p:sp>
         <p:nvSpPr>
@@ -5378,33 +5232,7 @@
                 <a:ea typeface="Consolas" charset="0"/>
                 <a:cs typeface="Consolas" charset="0"/>
               </a:rPr>
-              <a:t>github.com</a:t>
-            </a:r>
-            <a:r>
-              <a:rPr lang="en-US" sz="4800" b="1" dirty="0" smtClean="0">
-                <a:solidFill>
-                  <a:schemeClr val="accent5">
-                    <a:lumMod val="75000"/>
-                  </a:schemeClr>
-                </a:solidFill>
-                <a:latin typeface="Consolas" charset="0"/>
-                <a:ea typeface="Consolas" charset="0"/>
-                <a:cs typeface="Consolas" charset="0"/>
-              </a:rPr>
-              <a:t>/</a:t>
-            </a:r>
-            <a:r>
-              <a:rPr lang="en-US" sz="4800" b="1" dirty="0" err="1" smtClean="0">
-                <a:solidFill>
-                  <a:schemeClr val="accent5">
-                    <a:lumMod val="75000"/>
-                  </a:schemeClr>
-                </a:solidFill>
-                <a:latin typeface="Consolas" charset="0"/>
-                <a:ea typeface="Consolas" charset="0"/>
-                <a:cs typeface="Consolas" charset="0"/>
-              </a:rPr>
-              <a:t>querycert</a:t>
+              <a:t>querycert.github.io</a:t>
             </a:r>
             <a:endParaRPr lang="en-US" sz="4800" b="1" dirty="0">
               <a:solidFill>
@@ -5419,203 +5247,6 @@
           </a:p>
         </p:txBody>
       </p:sp>
-      <p:pic>
-        <p:nvPicPr>
-          <p:cNvPr id="2" name="Picture 1"/>
-          <p:cNvPicPr>
-            <a:picLocks noChangeAspect="1"/>
-          </p:cNvPicPr>
-          <p:nvPr/>
-        </p:nvPicPr>
-        <p:blipFill>
-          <a:blip r:embed="rId4">
-            <a:extLst>
-              <a:ext uri="{28A0092B-C50C-407E-A947-70E740481C1C}">
-                <a14:useLocalDpi xmlns:a14="http://schemas.microsoft.com/office/drawing/2010/main" val="0"/>
-              </a:ext>
-            </a:extLst>
-          </a:blip>
-          <a:stretch>
-            <a:fillRect/>
-          </a:stretch>
-        </p:blipFill>
-        <p:spPr>
-          <a:xfrm>
-            <a:off x="12768943" y="26997152"/>
-            <a:ext cx="7840496" cy="4374526"/>
-          </a:xfrm>
-          <a:prstGeom prst="rect">
-            <a:avLst/>
-          </a:prstGeom>
-        </p:spPr>
-      </p:pic>
-      <p:grpSp>
-        <p:nvGrpSpPr>
-          <p:cNvPr id="37" name="Group 36"/>
-          <p:cNvGrpSpPr/>
-          <p:nvPr/>
-        </p:nvGrpSpPr>
-        <p:grpSpPr>
-          <a:xfrm>
-            <a:off x="859511" y="26571254"/>
-            <a:ext cx="9880416" cy="4374526"/>
-            <a:chOff x="-2574390" y="9688962"/>
-            <a:chExt cx="17947959" cy="5847987"/>
-          </a:xfrm>
-        </p:grpSpPr>
-        <p:sp>
-          <p:nvSpPr>
-            <p:cNvPr id="38" name="Rectangle 37"/>
-            <p:cNvSpPr/>
-            <p:nvPr/>
-          </p:nvSpPr>
-          <p:spPr>
-            <a:xfrm>
-              <a:off x="-2574390" y="9688962"/>
-              <a:ext cx="17394284" cy="5847987"/>
-            </a:xfrm>
-            <a:prstGeom prst="rect">
-              <a:avLst/>
-            </a:prstGeom>
-            <a:solidFill>
-              <a:schemeClr val="accent4">
-                <a:lumMod val="40000"/>
-                <a:lumOff val="60000"/>
-              </a:schemeClr>
-            </a:solidFill>
-            <a:ln>
-              <a:noFill/>
-            </a:ln>
-          </p:spPr>
-          <p:style>
-            <a:lnRef idx="2">
-              <a:schemeClr val="accent1">
-                <a:shade val="50000"/>
-              </a:schemeClr>
-            </a:lnRef>
-            <a:fillRef idx="1">
-              <a:schemeClr val="accent1"/>
-            </a:fillRef>
-            <a:effectRef idx="0">
-              <a:schemeClr val="accent1"/>
-            </a:effectRef>
-            <a:fontRef idx="minor">
-              <a:schemeClr val="lt1"/>
-            </a:fontRef>
-          </p:style>
-          <p:txBody>
-            <a:bodyPr rtlCol="0" anchor="ctr"/>
-            <a:lstStyle/>
-            <a:p>
-              <a:pPr algn="ctr"/>
-              <a:endParaRPr lang="en-US" sz="3659"/>
-            </a:p>
-          </p:txBody>
-        </p:sp>
-        <p:sp>
-          <p:nvSpPr>
-            <p:cNvPr id="39" name="TextBox 38"/>
-            <p:cNvSpPr txBox="1"/>
-            <p:nvPr/>
-          </p:nvSpPr>
-          <p:spPr>
-            <a:xfrm>
-              <a:off x="-749239" y="9752521"/>
-              <a:ext cx="16122808" cy="4828812"/>
-            </a:xfrm>
-            <a:prstGeom prst="rect">
-              <a:avLst/>
-            </a:prstGeom>
-            <a:solidFill>
-              <a:schemeClr val="accent4">
-                <a:lumMod val="40000"/>
-                <a:lumOff val="60000"/>
-              </a:schemeClr>
-            </a:solidFill>
-          </p:spPr>
-          <p:txBody>
-            <a:bodyPr wrap="square" rtlCol="0">
-              <a:spAutoFit/>
-            </a:bodyPr>
-            <a:lstStyle/>
-            <a:p>
-              <a:r>
-                <a:rPr lang="en-US" sz="3812" b="1" dirty="0">
-                  <a:solidFill>
-                    <a:schemeClr val="accent5">
-                      <a:lumMod val="75000"/>
-                    </a:schemeClr>
-                  </a:solidFill>
-                  <a:latin typeface="Consolas" charset="0"/>
-                  <a:ea typeface="Consolas" charset="0"/>
-                  <a:cs typeface="Consolas" charset="0"/>
-                </a:rPr>
-                <a:t>Features</a:t>
-              </a:r>
-            </a:p>
-            <a:p>
-              <a:r>
-                <a:rPr lang="en-US" sz="3812" dirty="0" smtClean="0">
-                  <a:latin typeface="Helvetica Neue Light" charset="0"/>
-                  <a:ea typeface="Helvetica Neue Light" charset="0"/>
-                  <a:cs typeface="Helvetica Neue Light" charset="0"/>
-                </a:rPr>
-                <a:t>Nested Data Model with Objects</a:t>
-              </a:r>
-            </a:p>
-            <a:p>
-              <a:r>
-                <a:rPr lang="en-US" sz="3812" dirty="0" smtClean="0">
-                  <a:latin typeface="Helvetica Neue Light" charset="0"/>
-                  <a:ea typeface="Helvetica Neue Light" charset="0"/>
-                  <a:cs typeface="Helvetica Neue Light" charset="0"/>
-                </a:rPr>
-                <a:t>Type Checking</a:t>
-              </a:r>
-            </a:p>
-            <a:p>
-              <a:r>
-                <a:rPr lang="en-US" sz="3812" dirty="0" smtClean="0">
-                  <a:latin typeface="Helvetica Neue Light" charset="0"/>
-                  <a:ea typeface="Helvetica Neue Light" charset="0"/>
-                  <a:cs typeface="Helvetica Neue Light" charset="0"/>
-                </a:rPr>
-                <a:t>Aggregate Queries</a:t>
-              </a:r>
-            </a:p>
-            <a:p>
-              <a:r>
-                <a:rPr lang="en-US" sz="3812" smtClean="0">
-                  <a:latin typeface="Helvetica Neue Light" charset="0"/>
-                  <a:ea typeface="Helvetica Neue Light" charset="0"/>
-                  <a:cs typeface="Helvetica Neue Light" charset="0"/>
-                </a:rPr>
-                <a:t>External Types and Functions</a:t>
-              </a:r>
-              <a:endParaRPr lang="en-US" sz="3812" dirty="0" smtClean="0">
-                <a:latin typeface="Helvetica Neue Light" charset="0"/>
-                <a:ea typeface="Helvetica Neue Light" charset="0"/>
-                <a:cs typeface="Helvetica Neue Light" charset="0"/>
-              </a:endParaRPr>
-            </a:p>
-            <a:p>
-              <a:r>
-                <a:rPr lang="en-US" sz="3812" dirty="0" smtClean="0">
-                  <a:latin typeface="Helvetica Neue Light" charset="0"/>
-                  <a:ea typeface="Helvetica Neue Light" charset="0"/>
-                  <a:cs typeface="Helvetica Neue Light" charset="0"/>
-                </a:rPr>
-                <a:t>JSON Support</a:t>
-              </a:r>
-              <a:endParaRPr lang="en-US" sz="3812" dirty="0">
-                <a:latin typeface="Helvetica Neue Light" charset="0"/>
-                <a:ea typeface="Helvetica Neue Light" charset="0"/>
-                <a:cs typeface="Helvetica Neue Light" charset="0"/>
-              </a:endParaRPr>
-            </a:p>
-          </p:txBody>
-        </p:sp>
-      </p:grpSp>
       <p:grpSp>
         <p:nvGrpSpPr>
           <p:cNvPr id="3" name="Group 2"/>
@@ -5624,10 +5255,10 @@
         </p:nvGrpSpPr>
         <p:grpSpPr>
           <a:xfrm>
-            <a:off x="1240972" y="17405921"/>
-            <a:ext cx="19368467" cy="8553990"/>
+            <a:off x="1979105" y="8757087"/>
+            <a:ext cx="17812235" cy="8758811"/>
             <a:chOff x="1371600" y="17503892"/>
-            <a:chExt cx="19368467" cy="8553990"/>
+            <a:chExt cx="19368467" cy="9456083"/>
           </a:xfrm>
         </p:grpSpPr>
         <p:pic>
@@ -5639,7 +5270,7 @@
             <p:nvPr/>
           </p:nvPicPr>
           <p:blipFill>
-            <a:blip r:embed="rId5">
+            <a:blip r:embed="rId4">
               <a:extLst>
                 <a:ext uri="{28A0092B-C50C-407E-A947-70E740481C1C}">
                   <a14:useLocalDpi xmlns:a14="http://schemas.microsoft.com/office/drawing/2010/main" val="0"/>
@@ -5652,8 +5283,8 @@
           </p:blipFill>
           <p:spPr>
             <a:xfrm>
-              <a:off x="1371600" y="18149092"/>
-              <a:ext cx="19368467" cy="7908790"/>
+              <a:off x="1371601" y="18149091"/>
+              <a:ext cx="19368466" cy="8810884"/>
             </a:xfrm>
             <a:prstGeom prst="rect">
               <a:avLst/>
@@ -5721,6 +5352,144 @@
           </p:txBody>
         </p:sp>
       </p:grpSp>
+      <p:pic>
+        <p:nvPicPr>
+          <p:cNvPr id="2" name="Picture 1"/>
+          <p:cNvPicPr>
+            <a:picLocks noChangeAspect="1"/>
+          </p:cNvPicPr>
+          <p:nvPr/>
+        </p:nvPicPr>
+        <p:blipFill>
+          <a:blip r:embed="rId5">
+            <a:extLst>
+              <a:ext uri="{28A0092B-C50C-407E-A947-70E740481C1C}">
+                <a14:useLocalDpi xmlns:a14="http://schemas.microsoft.com/office/drawing/2010/main" val="0"/>
+              </a:ext>
+            </a:extLst>
+          </a:blip>
+          <a:stretch>
+            <a:fillRect/>
+          </a:stretch>
+        </p:blipFill>
+        <p:spPr>
+          <a:xfrm>
+            <a:off x="12974726" y="27107983"/>
+            <a:ext cx="7840496" cy="4374526"/>
+          </a:xfrm>
+          <a:prstGeom prst="rect">
+            <a:avLst/>
+          </a:prstGeom>
+        </p:spPr>
+      </p:pic>
+      <p:sp>
+        <p:nvSpPr>
+          <p:cNvPr id="39" name="TextBox 38"/>
+          <p:cNvSpPr txBox="1"/>
+          <p:nvPr/>
+        </p:nvSpPr>
+        <p:spPr>
+          <a:xfrm>
+            <a:off x="1979105" y="26541432"/>
+            <a:ext cx="8993694" cy="4198778"/>
+          </a:xfrm>
+          <a:prstGeom prst="rect">
+            <a:avLst/>
+          </a:prstGeom>
+          <a:solidFill>
+            <a:schemeClr val="accent4">
+              <a:lumMod val="40000"/>
+              <a:lumOff val="60000"/>
+            </a:schemeClr>
+          </a:solidFill>
+        </p:spPr>
+        <p:txBody>
+          <a:bodyPr wrap="square" rtlCol="0">
+            <a:spAutoFit/>
+          </a:bodyPr>
+          <a:lstStyle/>
+          <a:p>
+            <a:r>
+              <a:rPr lang="en-US" sz="3812" b="1" dirty="0">
+                <a:solidFill>
+                  <a:schemeClr val="accent5">
+                    <a:lumMod val="75000"/>
+                  </a:schemeClr>
+                </a:solidFill>
+                <a:latin typeface="Consolas" charset="0"/>
+                <a:ea typeface="Consolas" charset="0"/>
+                <a:cs typeface="Consolas" charset="0"/>
+              </a:rPr>
+              <a:t>Features</a:t>
+            </a:r>
+          </a:p>
+          <a:p>
+            <a:r>
+              <a:rPr lang="en-US" sz="3812" dirty="0" smtClean="0">
+                <a:latin typeface="Helvetica Neue Light" charset="0"/>
+                <a:ea typeface="Helvetica Neue Light" charset="0"/>
+                <a:cs typeface="Helvetica Neue Light" charset="0"/>
+              </a:rPr>
+              <a:t>Nested Data Model with Objects</a:t>
+            </a:r>
+          </a:p>
+          <a:p>
+            <a:r>
+              <a:rPr lang="en-US" sz="3812" dirty="0" smtClean="0">
+                <a:latin typeface="Helvetica Neue Light" charset="0"/>
+                <a:ea typeface="Helvetica Neue Light" charset="0"/>
+                <a:cs typeface="Helvetica Neue Light" charset="0"/>
+              </a:rPr>
+              <a:t>Type Checking</a:t>
+            </a:r>
+          </a:p>
+          <a:p>
+            <a:r>
+              <a:rPr lang="en-US" sz="3812" dirty="0" smtClean="0">
+                <a:latin typeface="Helvetica Neue Light" charset="0"/>
+                <a:ea typeface="Helvetica Neue Light" charset="0"/>
+                <a:cs typeface="Helvetica Neue Light" charset="0"/>
+              </a:rPr>
+              <a:t>Aggregate Queries (includes TPC-H)</a:t>
+            </a:r>
+          </a:p>
+          <a:p>
+            <a:r>
+              <a:rPr lang="en-US" sz="3812" dirty="0" smtClean="0">
+                <a:latin typeface="Helvetica Neue Light" charset="0"/>
+                <a:ea typeface="Helvetica Neue Light" charset="0"/>
+                <a:cs typeface="Helvetica Neue Light" charset="0"/>
+              </a:rPr>
+              <a:t>Configurable Optimizer</a:t>
+            </a:r>
+          </a:p>
+          <a:p>
+            <a:r>
+              <a:rPr lang="en-US" sz="3812" dirty="0" smtClean="0">
+                <a:latin typeface="Helvetica Neue Light" charset="0"/>
+                <a:ea typeface="Helvetica Neue Light" charset="0"/>
+                <a:cs typeface="Helvetica Neue Light" charset="0"/>
+              </a:rPr>
+              <a:t>External Types and Functions</a:t>
+            </a:r>
+          </a:p>
+          <a:p>
+            <a:r>
+              <a:rPr lang="en-US" sz="3812" dirty="0" smtClean="0">
+                <a:latin typeface="Helvetica Neue Light" charset="0"/>
+                <a:ea typeface="Helvetica Neue Light" charset="0"/>
+                <a:cs typeface="Helvetica Neue Light" charset="0"/>
+              </a:rPr>
+              <a:t>JSON Support</a:t>
+            </a:r>
+            <a:endParaRPr lang="en-US" sz="3812" dirty="0">
+              <a:latin typeface="Helvetica Neue Light" charset="0"/>
+              <a:ea typeface="Helvetica Neue Light" charset="0"/>
+              <a:cs typeface="Helvetica Neue Light" charset="0"/>
+            </a:endParaRPr>
+          </a:p>
+        </p:txBody>
+      </p:sp>
       <p:sp>
         <p:nvSpPr>
           <p:cNvPr id="48" name="Rectangle 47"/>
@@ -5729,7 +5498,7 @@
         </p:nvSpPr>
         <p:spPr>
           <a:xfrm>
-            <a:off x="12768944" y="26337129"/>
+            <a:off x="12974727" y="26447960"/>
             <a:ext cx="7840496" cy="666229"/>
           </a:xfrm>
           <a:prstGeom prst="rect">
@@ -5791,6 +5560,13 @@
   <p:clrMapOvr>
     <a:masterClrMapping/>
   </p:clrMapOvr>
+  <p:timing>
+    <p:tnLst>
+      <p:par>
+        <p:cTn id="1" dur="indefinite" restart="never" nodeType="tmRoot"/>
+      </p:par>
+    </p:tnLst>
+  </p:timing>
 </p:sld>
 </file>
 

--- a/docs/qcert-poster.pptx
+++ b/docs/qcert-poster.pptx
@@ -243,7 +243,7 @@
           <a:p>
             <a:fld id="{6D4E502F-106A-5644-822E-51330CCC29FE}" type="datetimeFigureOut">
               <a:rPr lang="en-US" smtClean="0"/>
-              <a:t>4/14/17</a:t>
+              <a:t>4/20/17</a:t>
             </a:fld>
             <a:endParaRPr lang="en-US" dirty="0"/>
           </a:p>
@@ -413,7 +413,7 @@
           <a:p>
             <a:fld id="{6D4E502F-106A-5644-822E-51330CCC29FE}" type="datetimeFigureOut">
               <a:rPr lang="en-US" smtClean="0"/>
-              <a:t>4/14/17</a:t>
+              <a:t>4/20/17</a:t>
             </a:fld>
             <a:endParaRPr lang="en-US" dirty="0"/>
           </a:p>
@@ -593,7 +593,7 @@
           <a:p>
             <a:fld id="{6D4E502F-106A-5644-822E-51330CCC29FE}" type="datetimeFigureOut">
               <a:rPr lang="en-US" smtClean="0"/>
-              <a:t>4/14/17</a:t>
+              <a:t>4/20/17</a:t>
             </a:fld>
             <a:endParaRPr lang="en-US" dirty="0"/>
           </a:p>
@@ -699,7 +699,7 @@
           <a:p>
             <a:fld id="{6D4E502F-106A-5644-822E-51330CCC29FE}" type="datetimeFigureOut">
               <a:rPr lang="en-US" smtClean="0"/>
-              <a:t>4/14/17</a:t>
+              <a:t>4/20/17</a:t>
             </a:fld>
             <a:endParaRPr lang="en-US" dirty="0"/>
           </a:p>
@@ -943,7 +943,7 @@
           <a:p>
             <a:fld id="{6D4E502F-106A-5644-822E-51330CCC29FE}" type="datetimeFigureOut">
               <a:rPr lang="en-US" smtClean="0"/>
-              <a:t>4/14/17</a:t>
+              <a:t>4/20/17</a:t>
             </a:fld>
             <a:endParaRPr lang="en-US" dirty="0"/>
           </a:p>
@@ -1175,7 +1175,7 @@
           <a:p>
             <a:fld id="{6D4E502F-106A-5644-822E-51330CCC29FE}" type="datetimeFigureOut">
               <a:rPr lang="en-US" smtClean="0"/>
-              <a:t>4/14/17</a:t>
+              <a:t>4/20/17</a:t>
             </a:fld>
             <a:endParaRPr lang="en-US" dirty="0"/>
           </a:p>
@@ -1542,7 +1542,7 @@
           <a:p>
             <a:fld id="{6D4E502F-106A-5644-822E-51330CCC29FE}" type="datetimeFigureOut">
               <a:rPr lang="en-US" smtClean="0"/>
-              <a:t>4/14/17</a:t>
+              <a:t>4/20/17</a:t>
             </a:fld>
             <a:endParaRPr lang="en-US" dirty="0"/>
           </a:p>
@@ -1660,7 +1660,7 @@
           <a:p>
             <a:fld id="{6D4E502F-106A-5644-822E-51330CCC29FE}" type="datetimeFigureOut">
               <a:rPr lang="en-US" smtClean="0"/>
-              <a:t>4/14/17</a:t>
+              <a:t>4/20/17</a:t>
             </a:fld>
             <a:endParaRPr lang="en-US" dirty="0"/>
           </a:p>
@@ -1755,7 +1755,7 @@
           <a:p>
             <a:fld id="{6D4E502F-106A-5644-822E-51330CCC29FE}" type="datetimeFigureOut">
               <a:rPr lang="en-US" smtClean="0"/>
-              <a:t>4/14/17</a:t>
+              <a:t>4/20/17</a:t>
             </a:fld>
             <a:endParaRPr lang="en-US" dirty="0"/>
           </a:p>
@@ -2032,7 +2032,7 @@
           <a:p>
             <a:fld id="{6D4E502F-106A-5644-822E-51330CCC29FE}" type="datetimeFigureOut">
               <a:rPr lang="en-US" smtClean="0"/>
-              <a:t>4/14/17</a:t>
+              <a:t>4/20/17</a:t>
             </a:fld>
             <a:endParaRPr lang="en-US" dirty="0"/>
           </a:p>
@@ -2289,7 +2289,7 @@
           <a:p>
             <a:fld id="{6D4E502F-106A-5644-822E-51330CCC29FE}" type="datetimeFigureOut">
               <a:rPr lang="en-US" smtClean="0"/>
-              <a:t>4/14/17</a:t>
+              <a:t>4/20/17</a:t>
             </a:fld>
             <a:endParaRPr lang="en-US" dirty="0"/>
           </a:p>
@@ -2502,7 +2502,7 @@
           <a:p>
             <a:fld id="{6D4E502F-106A-5644-822E-51330CCC29FE}" type="datetimeFigureOut">
               <a:rPr lang="en-US" smtClean="0"/>
-              <a:t>4/14/17</a:t>
+              <a:t>4/20/17</a:t>
             </a:fld>
             <a:endParaRPr lang="en-US" dirty="0"/>
           </a:p>
@@ -5374,8 +5374,8 @@
         </p:blipFill>
         <p:spPr>
           <a:xfrm>
-            <a:off x="12974726" y="27107983"/>
-            <a:ext cx="7840496" cy="4374526"/>
+            <a:off x="12974726" y="27141640"/>
+            <a:ext cx="7840496" cy="4072751"/>
           </a:xfrm>
           <a:prstGeom prst="rect">
             <a:avLst/>
@@ -5498,7 +5498,7 @@
         </p:nvSpPr>
         <p:spPr>
           <a:xfrm>
-            <a:off x="12974727" y="26447960"/>
+            <a:off x="12974727" y="26494852"/>
             <a:ext cx="7840496" cy="666229"/>
           </a:xfrm>
           <a:prstGeom prst="rect">

--- a/docs/qcert-poster.pptx
+++ b/docs/qcert-poster.pptx
@@ -243,7 +243,7 @@
           <a:p>
             <a:fld id="{6D4E502F-106A-5644-822E-51330CCC29FE}" type="datetimeFigureOut">
               <a:rPr lang="en-US" smtClean="0"/>
-              <a:t>4/20/17</a:t>
+              <a:t>5/7/17</a:t>
             </a:fld>
             <a:endParaRPr lang="en-US" dirty="0"/>
           </a:p>
@@ -413,7 +413,7 @@
           <a:p>
             <a:fld id="{6D4E502F-106A-5644-822E-51330CCC29FE}" type="datetimeFigureOut">
               <a:rPr lang="en-US" smtClean="0"/>
-              <a:t>4/20/17</a:t>
+              <a:t>5/7/17</a:t>
             </a:fld>
             <a:endParaRPr lang="en-US" dirty="0"/>
           </a:p>
@@ -593,7 +593,7 @@
           <a:p>
             <a:fld id="{6D4E502F-106A-5644-822E-51330CCC29FE}" type="datetimeFigureOut">
               <a:rPr lang="en-US" smtClean="0"/>
-              <a:t>4/20/17</a:t>
+              <a:t>5/7/17</a:t>
             </a:fld>
             <a:endParaRPr lang="en-US" dirty="0"/>
           </a:p>
@@ -699,7 +699,7 @@
           <a:p>
             <a:fld id="{6D4E502F-106A-5644-822E-51330CCC29FE}" type="datetimeFigureOut">
               <a:rPr lang="en-US" smtClean="0"/>
-              <a:t>4/20/17</a:t>
+              <a:t>5/7/17</a:t>
             </a:fld>
             <a:endParaRPr lang="en-US" dirty="0"/>
           </a:p>
@@ -943,7 +943,7 @@
           <a:p>
             <a:fld id="{6D4E502F-106A-5644-822E-51330CCC29FE}" type="datetimeFigureOut">
               <a:rPr lang="en-US" smtClean="0"/>
-              <a:t>4/20/17</a:t>
+              <a:t>5/7/17</a:t>
             </a:fld>
             <a:endParaRPr lang="en-US" dirty="0"/>
           </a:p>
@@ -1175,7 +1175,7 @@
           <a:p>
             <a:fld id="{6D4E502F-106A-5644-822E-51330CCC29FE}" type="datetimeFigureOut">
               <a:rPr lang="en-US" smtClean="0"/>
-              <a:t>4/20/17</a:t>
+              <a:t>5/7/17</a:t>
             </a:fld>
             <a:endParaRPr lang="en-US" dirty="0"/>
           </a:p>
@@ -1542,7 +1542,7 @@
           <a:p>
             <a:fld id="{6D4E502F-106A-5644-822E-51330CCC29FE}" type="datetimeFigureOut">
               <a:rPr lang="en-US" smtClean="0"/>
-              <a:t>4/20/17</a:t>
+              <a:t>5/7/17</a:t>
             </a:fld>
             <a:endParaRPr lang="en-US" dirty="0"/>
           </a:p>
@@ -1660,7 +1660,7 @@
           <a:p>
             <a:fld id="{6D4E502F-106A-5644-822E-51330CCC29FE}" type="datetimeFigureOut">
               <a:rPr lang="en-US" smtClean="0"/>
-              <a:t>4/20/17</a:t>
+              <a:t>5/7/17</a:t>
             </a:fld>
             <a:endParaRPr lang="en-US" dirty="0"/>
           </a:p>
@@ -1755,7 +1755,7 @@
           <a:p>
             <a:fld id="{6D4E502F-106A-5644-822E-51330CCC29FE}" type="datetimeFigureOut">
               <a:rPr lang="en-US" smtClean="0"/>
-              <a:t>4/20/17</a:t>
+              <a:t>5/7/17</a:t>
             </a:fld>
             <a:endParaRPr lang="en-US" dirty="0"/>
           </a:p>
@@ -2032,7 +2032,7 @@
           <a:p>
             <a:fld id="{6D4E502F-106A-5644-822E-51330CCC29FE}" type="datetimeFigureOut">
               <a:rPr lang="en-US" smtClean="0"/>
-              <a:t>4/20/17</a:t>
+              <a:t>5/7/17</a:t>
             </a:fld>
             <a:endParaRPr lang="en-US" dirty="0"/>
           </a:p>
@@ -2289,7 +2289,7 @@
           <a:p>
             <a:fld id="{6D4E502F-106A-5644-822E-51330CCC29FE}" type="datetimeFigureOut">
               <a:rPr lang="en-US" smtClean="0"/>
-              <a:t>4/20/17</a:t>
+              <a:t>5/7/17</a:t>
             </a:fld>
             <a:endParaRPr lang="en-US" dirty="0"/>
           </a:p>
@@ -2502,7 +2502,7 @@
           <a:p>
             <a:fld id="{6D4E502F-106A-5644-822E-51330CCC29FE}" type="datetimeFigureOut">
               <a:rPr lang="en-US" smtClean="0"/>
-              <a:t>4/20/17</a:t>
+              <a:t>5/7/17</a:t>
             </a:fld>
             <a:endParaRPr lang="en-US" dirty="0"/>
           </a:p>
@@ -2893,6 +2893,40 @@
 <file path=ppt/slides/slide1.xml><?xml version="1.0" encoding="utf-8"?>
 <p:sld xmlns:a="http://schemas.openxmlformats.org/drawingml/2006/main" xmlns:r="http://schemas.openxmlformats.org/officeDocument/2006/relationships" xmlns:p="http://schemas.openxmlformats.org/presentationml/2006/main">
   <p:cSld>
+    <p:bg>
+      <p:bgPr>
+        <a:gradFill>
+          <a:gsLst>
+            <a:gs pos="0">
+              <a:schemeClr val="accent1">
+                <a:lumMod val="5000"/>
+                <a:lumOff val="95000"/>
+              </a:schemeClr>
+            </a:gs>
+            <a:gs pos="74000">
+              <a:schemeClr val="accent1">
+                <a:lumMod val="45000"/>
+                <a:lumOff val="55000"/>
+              </a:schemeClr>
+            </a:gs>
+            <a:gs pos="83000">
+              <a:schemeClr val="accent1">
+                <a:lumMod val="45000"/>
+                <a:lumOff val="55000"/>
+              </a:schemeClr>
+            </a:gs>
+            <a:gs pos="100000">
+              <a:schemeClr val="accent1">
+                <a:lumMod val="30000"/>
+                <a:lumOff val="70000"/>
+              </a:schemeClr>
+            </a:gs>
+          </a:gsLst>
+          <a:lin ang="5400000" scaled="1"/>
+        </a:gradFill>
+        <a:effectLst/>
+      </p:bgPr>
+    </p:bg>
     <p:spTree>
       <p:nvGrpSpPr>
         <p:cNvPr id="1" name=""/>
@@ -2915,10 +2949,10 @@
         </p:nvGrpSpPr>
         <p:grpSpPr>
           <a:xfrm>
-            <a:off x="-151382" y="5774752"/>
-            <a:ext cx="22878345" cy="2847196"/>
-            <a:chOff x="-1250366" y="8254483"/>
-            <a:chExt cx="32410988" cy="3931921"/>
+            <a:off x="-249353" y="5728446"/>
+            <a:ext cx="22517775" cy="2847196"/>
+            <a:chOff x="-1250366" y="8190535"/>
+            <a:chExt cx="31900181" cy="3931921"/>
           </a:xfrm>
         </p:grpSpPr>
         <p:sp>
@@ -2929,18 +2963,13 @@
           </p:nvSpPr>
           <p:spPr>
             <a:xfrm>
-              <a:off x="-1250366" y="8254483"/>
+              <a:off x="-1250366" y="8190535"/>
               <a:ext cx="31900181" cy="3931921"/>
             </a:xfrm>
             <a:prstGeom prst="rect">
               <a:avLst/>
             </a:prstGeom>
-            <a:solidFill>
-              <a:schemeClr val="accent4">
-                <a:lumMod val="40000"/>
-                <a:lumOff val="60000"/>
-              </a:schemeClr>
-            </a:solidFill>
+            <a:noFill/>
             <a:ln>
               <a:noFill/>
             </a:ln>
@@ -2978,18 +3007,20 @@
           </p:nvSpPr>
           <p:spPr>
             <a:xfrm>
-              <a:off x="772934" y="8402330"/>
-              <a:ext cx="10836569" cy="2943260"/>
+              <a:off x="9831411" y="8438131"/>
+              <a:ext cx="9457222" cy="3368035"/>
             </a:xfrm>
             <a:prstGeom prst="rect">
               <a:avLst/>
             </a:prstGeom>
             <a:solidFill>
-              <a:schemeClr val="accent4">
-                <a:lumMod val="40000"/>
-                <a:lumOff val="60000"/>
-              </a:schemeClr>
+              <a:schemeClr val="bg1"/>
             </a:solidFill>
+            <a:ln>
+              <a:solidFill>
+                <a:schemeClr val="accent5"/>
+              </a:solidFill>
+            </a:ln>
           </p:spPr>
           <p:txBody>
             <a:bodyPr wrap="square" rtlCol="0">
@@ -2998,7 +3029,7 @@
             <a:lstStyle/>
             <a:p>
               <a:r>
-                <a:rPr lang="en-US" sz="3812" b="1" dirty="0">
+                <a:rPr lang="en-US" sz="3812" b="1" dirty="0" smtClean="0">
                   <a:solidFill>
                     <a:schemeClr val="accent5">
                       <a:lumMod val="75000"/>
@@ -3008,8 +3039,18 @@
                   <a:ea typeface="Consolas" charset="0"/>
                   <a:cs typeface="Consolas" charset="0"/>
                 </a:rPr>
-                <a:t>Challenges?</a:t>
+                <a:t>Challenges:</a:t>
               </a:r>
+              <a:endParaRPr lang="en-US" sz="3812" b="1" dirty="0">
+                <a:solidFill>
+                  <a:schemeClr val="accent5">
+                    <a:lumMod val="75000"/>
+                  </a:schemeClr>
+                </a:solidFill>
+                <a:latin typeface="Consolas" charset="0"/>
+                <a:ea typeface="Consolas" charset="0"/>
+                <a:cs typeface="Consolas" charset="0"/>
+              </a:endParaRPr>
             </a:p>
             <a:p>
               <a:r>
@@ -3033,7 +3074,15 @@
                   <a:ea typeface="Helvetica Neue Light" charset="0"/>
                   <a:cs typeface="Helvetica Neue Light" charset="0"/>
                 </a:rPr>
-                <a:t>Long Compilation Pipeline</a:t>
+                <a:t>Full Compilation </a:t>
+              </a:r>
+              <a:r>
+                <a:rPr lang="en-US" sz="3812" dirty="0" smtClean="0">
+                  <a:latin typeface="Helvetica Neue Light" charset="0"/>
+                  <a:ea typeface="Helvetica Neue Light" charset="0"/>
+                  <a:cs typeface="Helvetica Neue Light" charset="0"/>
+                </a:rPr>
+                <a:t>Pipeline</a:t>
               </a:r>
             </a:p>
             <a:p>
@@ -3056,18 +3105,20 @@
           </p:nvSpPr>
           <p:spPr>
             <a:xfrm>
-              <a:off x="21149641" y="8371445"/>
-              <a:ext cx="10010981" cy="3059077"/>
+              <a:off x="19958828" y="8431584"/>
+              <a:ext cx="9741391" cy="3368035"/>
             </a:xfrm>
             <a:prstGeom prst="rect">
               <a:avLst/>
             </a:prstGeom>
             <a:solidFill>
-              <a:schemeClr val="accent4">
-                <a:lumMod val="40000"/>
-                <a:lumOff val="60000"/>
-              </a:schemeClr>
+              <a:schemeClr val="bg1"/>
             </a:solidFill>
+            <a:ln>
+              <a:solidFill>
+                <a:schemeClr val="accent5"/>
+              </a:solidFill>
+            </a:ln>
           </p:spPr>
           <p:txBody>
             <a:bodyPr wrap="square" rtlCol="0">
@@ -3076,7 +3127,7 @@
             <a:lstStyle/>
             <a:p>
               <a:r>
-                <a:rPr lang="en-US" sz="3812" b="1" dirty="0">
+                <a:rPr lang="en-US" sz="3812" b="1" dirty="0" smtClean="0">
                   <a:solidFill>
                     <a:schemeClr val="accent5">
                       <a:lumMod val="75000"/>
@@ -3086,8 +3137,18 @@
                   <a:ea typeface="Consolas" charset="0"/>
                   <a:cs typeface="Consolas" charset="0"/>
                 </a:rPr>
-                <a:t>How?</a:t>
+                <a:t>Approach:</a:t>
               </a:r>
+              <a:endParaRPr lang="en-US" sz="3812" b="1" dirty="0">
+                <a:solidFill>
+                  <a:schemeClr val="accent5">
+                    <a:lumMod val="75000"/>
+                  </a:schemeClr>
+                </a:solidFill>
+                <a:latin typeface="Consolas" charset="0"/>
+                <a:ea typeface="Consolas" charset="0"/>
+                <a:cs typeface="Consolas" charset="0"/>
+              </a:endParaRPr>
             </a:p>
             <a:p>
               <a:r>
@@ -3111,8 +3172,21 @@
                   <a:ea typeface="Helvetica Neue Light" charset="0"/>
                   <a:cs typeface="Helvetica Neue Light" charset="0"/>
                 </a:rPr>
-                <a:t>Mechanized Proof</a:t>
+                <a:t>Mechanized </a:t>
               </a:r>
+              <a:r>
+                <a:rPr lang="en-US" sz="3812" dirty="0" smtClean="0">
+                  <a:latin typeface="Helvetica Neue Light" charset="0"/>
+                  <a:ea typeface="Helvetica Neue Light" charset="0"/>
+                  <a:cs typeface="Helvetica Neue Light" charset="0"/>
+                </a:rPr>
+                <a:t>Proof</a:t>
+              </a:r>
+              <a:endParaRPr lang="en-US" sz="3812" dirty="0" smtClean="0">
+                <a:latin typeface="Helvetica Neue Light" charset="0"/>
+                <a:ea typeface="Helvetica Neue Light" charset="0"/>
+                <a:cs typeface="Helvetica Neue Light" charset="0"/>
+              </a:endParaRPr>
             </a:p>
             <a:p>
               <a:r>
@@ -3139,20 +3213,19 @@
           </p:nvSpPr>
           <p:spPr>
             <a:xfrm>
-              <a:off x="10699738" y="8402330"/>
-              <a:ext cx="9992251" cy="3059077"/>
+              <a:off x="-367215" y="8431584"/>
+              <a:ext cx="9528432" cy="3368035"/>
             </a:xfrm>
             <a:prstGeom prst="rect">
               <a:avLst/>
             </a:prstGeom>
             <a:solidFill>
-              <a:schemeClr val="accent4">
-                <a:lumMod val="40000"/>
-                <a:lumOff val="60000"/>
-              </a:schemeClr>
+              <a:schemeClr val="bg1"/>
             </a:solidFill>
             <a:ln>
-              <a:noFill/>
+              <a:solidFill>
+                <a:schemeClr val="accent5"/>
+              </a:solidFill>
             </a:ln>
           </p:spPr>
           <p:txBody>
@@ -3172,7 +3245,7 @@
                   <a:ea typeface="Consolas" charset="0"/>
                   <a:cs typeface="Consolas" charset="0"/>
                 </a:rPr>
-                <a:t>What for?</a:t>
+                <a:t>Benefits:</a:t>
               </a:r>
               <a:endParaRPr lang="en-US" sz="3812" b="1" dirty="0">
                 <a:solidFill>
@@ -3217,7 +3290,7 @@
                   <a:ea typeface="Helvetica Neue Light" charset="0"/>
                   <a:cs typeface="Helvetica Neue Light" charset="0"/>
                 </a:rPr>
-                <a:t>Education</a:t>
+                <a:t>Educational Platform</a:t>
               </a:r>
               <a:endParaRPr lang="en-US" sz="3812" dirty="0">
                 <a:latin typeface="Helvetica Neue Light" charset="0"/>
@@ -3286,12 +3359,7 @@
             <a:prstGeom prst="rect">
               <a:avLst/>
             </a:prstGeom>
-            <a:solidFill>
-              <a:schemeClr val="accent4">
-                <a:lumMod val="40000"/>
-                <a:lumOff val="60000"/>
-              </a:schemeClr>
-            </a:solidFill>
+            <a:noFill/>
             <a:ln>
               <a:noFill/>
             </a:ln>
@@ -3335,12 +3403,7 @@
             <a:prstGeom prst="rect">
               <a:avLst/>
             </a:prstGeom>
-            <a:solidFill>
-              <a:schemeClr val="accent4">
-                <a:lumMod val="40000"/>
-                <a:lumOff val="60000"/>
-              </a:schemeClr>
-            </a:solidFill>
+            <a:noFill/>
           </p:spPr>
           <p:txBody>
             <a:bodyPr wrap="square" rtlCol="0">
@@ -3364,8 +3427,135 @@
                   <a:ea typeface="Consolas" charset="0"/>
                   <a:cs typeface="Consolas" charset="0"/>
                 </a:rPr>
-                <a:t>A platform for specifying and verifying query compilers</a:t>
+                <a:t>A </a:t>
               </a:r>
+              <a:r>
+                <a:rPr lang="en-US" sz="5400" b="1" dirty="0" smtClean="0">
+                  <a:solidFill>
+                    <a:schemeClr val="accent5">
+                      <a:lumMod val="75000"/>
+                    </a:schemeClr>
+                  </a:solidFill>
+                  <a:latin typeface="Consolas" charset="0"/>
+                  <a:ea typeface="Consolas" charset="0"/>
+                  <a:cs typeface="Consolas" charset="0"/>
+                </a:rPr>
+                <a:t>Platform </a:t>
+              </a:r>
+              <a:r>
+                <a:rPr lang="en-US" sz="5400" b="1" dirty="0" smtClean="0">
+                  <a:solidFill>
+                    <a:schemeClr val="accent5">
+                      <a:lumMod val="75000"/>
+                    </a:schemeClr>
+                  </a:solidFill>
+                  <a:latin typeface="Consolas" charset="0"/>
+                  <a:ea typeface="Consolas" charset="0"/>
+                  <a:cs typeface="Consolas" charset="0"/>
+                </a:rPr>
+                <a:t>for </a:t>
+              </a:r>
+              <a:r>
+                <a:rPr lang="en-US" sz="5400" b="1" dirty="0" smtClean="0">
+                  <a:solidFill>
+                    <a:schemeClr val="accent5">
+                      <a:lumMod val="75000"/>
+                    </a:schemeClr>
+                  </a:solidFill>
+                  <a:latin typeface="Consolas" charset="0"/>
+                  <a:ea typeface="Consolas" charset="0"/>
+                  <a:cs typeface="Consolas" charset="0"/>
+                </a:rPr>
+                <a:t>Specifying </a:t>
+              </a:r>
+              <a:r>
+                <a:rPr lang="en-US" sz="5400" b="1" dirty="0" smtClean="0">
+                  <a:solidFill>
+                    <a:schemeClr val="accent5">
+                      <a:lumMod val="75000"/>
+                    </a:schemeClr>
+                  </a:solidFill>
+                  <a:latin typeface="Consolas" charset="0"/>
+                  <a:ea typeface="Consolas" charset="0"/>
+                  <a:cs typeface="Consolas" charset="0"/>
+                </a:rPr>
+                <a:t>and </a:t>
+              </a:r>
+              <a:r>
+                <a:rPr lang="en-US" sz="5400" b="1" dirty="0" smtClean="0">
+                  <a:solidFill>
+                    <a:schemeClr val="accent5">
+                      <a:lumMod val="75000"/>
+                    </a:schemeClr>
+                  </a:solidFill>
+                  <a:latin typeface="Consolas" charset="0"/>
+                  <a:ea typeface="Consolas" charset="0"/>
+                  <a:cs typeface="Consolas" charset="0"/>
+                </a:rPr>
+                <a:t>Verifying </a:t>
+              </a:r>
+              <a:r>
+                <a:rPr lang="en-US" sz="5400" b="1" dirty="0">
+                  <a:solidFill>
+                    <a:schemeClr val="accent5">
+                      <a:lumMod val="75000"/>
+                    </a:schemeClr>
+                  </a:solidFill>
+                  <a:latin typeface="Consolas" charset="0"/>
+                  <a:ea typeface="Consolas" charset="0"/>
+                  <a:cs typeface="Consolas" charset="0"/>
+                </a:rPr>
+                <a:t>Q</a:t>
+              </a:r>
+              <a:r>
+                <a:rPr lang="en-US" sz="5400" b="1" dirty="0" smtClean="0">
+                  <a:solidFill>
+                    <a:schemeClr val="accent5">
+                      <a:lumMod val="75000"/>
+                    </a:schemeClr>
+                  </a:solidFill>
+                  <a:latin typeface="Consolas" charset="0"/>
+                  <a:ea typeface="Consolas" charset="0"/>
+                  <a:cs typeface="Consolas" charset="0"/>
+                </a:rPr>
+                <a:t>uery </a:t>
+              </a:r>
+              <a:r>
+                <a:rPr lang="en-US" sz="5400" b="1" dirty="0">
+                  <a:solidFill>
+                    <a:schemeClr val="accent5">
+                      <a:lumMod val="75000"/>
+                    </a:schemeClr>
+                  </a:solidFill>
+                  <a:latin typeface="Consolas" charset="0"/>
+                  <a:ea typeface="Consolas" charset="0"/>
+                  <a:cs typeface="Consolas" charset="0"/>
+                </a:rPr>
+                <a:t>C</a:t>
+              </a:r>
+              <a:r>
+                <a:rPr lang="en-US" sz="5400" b="1" dirty="0" smtClean="0">
+                  <a:solidFill>
+                    <a:schemeClr val="accent5">
+                      <a:lumMod val="75000"/>
+                    </a:schemeClr>
+                  </a:solidFill>
+                  <a:latin typeface="Consolas" charset="0"/>
+                  <a:ea typeface="Consolas" charset="0"/>
+                  <a:cs typeface="Consolas" charset="0"/>
+                </a:rPr>
+                <a:t>ompilers</a:t>
+              </a:r>
+              <a:endParaRPr lang="en-US" sz="5400" b="1" dirty="0" smtClean="0">
+                <a:solidFill>
+                  <a:schemeClr val="accent5">
+                    <a:lumMod val="75000"/>
+                  </a:schemeClr>
+                </a:solidFill>
+                <a:latin typeface="Consolas" charset="0"/>
+                <a:ea typeface="Consolas" charset="0"/>
+                <a:cs typeface="Consolas" charset="0"/>
+              </a:endParaRPr>
             </a:p>
             <a:p>
               <a:pPr algn="ctr"/>
@@ -3557,12 +3747,7 @@
           <a:prstGeom prst="rect">
             <a:avLst/>
           </a:prstGeom>
-          <a:solidFill>
-            <a:schemeClr val="accent4">
-              <a:lumMod val="40000"/>
-              <a:lumOff val="60000"/>
-            </a:schemeClr>
-          </a:solidFill>
+          <a:noFill/>
         </p:spPr>
         <p:txBody>
           <a:bodyPr wrap="square" bIns="0" rtlCol="0" anchor="b" anchorCtr="0">
@@ -5195,12 +5380,7 @@
           <a:prstGeom prst="rect">
             <a:avLst/>
           </a:prstGeom>
-          <a:solidFill>
-            <a:schemeClr val="accent4">
-              <a:lumMod val="40000"/>
-              <a:lumOff val="60000"/>
-            </a:schemeClr>
-          </a:solidFill>
+          <a:noFill/>
         </p:spPr>
         <p:txBody>
           <a:bodyPr wrap="square" rtlCol="0">
@@ -5255,7 +5435,7 @@
         </p:nvGrpSpPr>
         <p:grpSpPr>
           <a:xfrm>
-            <a:off x="1979105" y="8757087"/>
+            <a:off x="1979105" y="8789744"/>
             <a:ext cx="17812235" cy="8758811"/>
             <a:chOff x="1371600" y="17503892"/>
             <a:chExt cx="19368467" cy="9456083"/>
@@ -5390,18 +5570,13 @@
         </p:nvSpPr>
         <p:spPr>
           <a:xfrm>
-            <a:off x="1979105" y="26541432"/>
-            <a:ext cx="8993694" cy="4198778"/>
+            <a:off x="1503647" y="26752446"/>
+            <a:ext cx="10195982" cy="4198778"/>
           </a:xfrm>
           <a:prstGeom prst="rect">
             <a:avLst/>
           </a:prstGeom>
-          <a:solidFill>
-            <a:schemeClr val="accent4">
-              <a:lumMod val="40000"/>
-              <a:lumOff val="60000"/>
-            </a:schemeClr>
-          </a:solidFill>
+          <a:noFill/>
         </p:spPr>
         <p:txBody>
           <a:bodyPr wrap="square" rtlCol="0">
@@ -5410,7 +5585,7 @@
           <a:lstStyle/>
           <a:p>
             <a:r>
-              <a:rPr lang="en-US" sz="3812" b="1" dirty="0">
+              <a:rPr lang="en-US" sz="3812" b="1" dirty="0" smtClean="0">
                 <a:solidFill>
                   <a:schemeClr val="accent5">
                     <a:lumMod val="75000"/>
@@ -5420,7 +5595,27 @@
                 <a:ea typeface="Consolas" charset="0"/>
                 <a:cs typeface="Consolas" charset="0"/>
               </a:rPr>
-              <a:t>Features</a:t>
+              <a:t>Other Features</a:t>
+            </a:r>
+            <a:endParaRPr lang="en-US" sz="3812" b="1" dirty="0">
+              <a:solidFill>
+                <a:schemeClr val="accent5">
+                  <a:lumMod val="75000"/>
+                </a:schemeClr>
+              </a:solidFill>
+              <a:latin typeface="Consolas" charset="0"/>
+              <a:ea typeface="Consolas" charset="0"/>
+              <a:cs typeface="Consolas" charset="0"/>
+            </a:endParaRPr>
+          </a:p>
+          <a:p>
+            <a:r>
+              <a:rPr lang="en-US" sz="3812" dirty="0">
+                <a:latin typeface="Helvetica Neue Light" charset="0"/>
+                <a:ea typeface="Helvetica Neue Light" charset="0"/>
+                <a:cs typeface="Helvetica Neue Light" charset="0"/>
+              </a:rPr>
+              <a:t>Configurable Optimizer</a:t>
             </a:r>
           </a:p>
           <a:p>
@@ -5430,47 +5625,72 @@
                 <a:ea typeface="Helvetica Neue Light" charset="0"/>
                 <a:cs typeface="Helvetica Neue Light" charset="0"/>
               </a:rPr>
-              <a:t>Nested Data Model with Objects</a:t>
-            </a:r>
-          </a:p>
-          <a:p>
+              <a:t>Nested </a:t>
+            </a:r>
             <a:r>
               <a:rPr lang="en-US" sz="3812" dirty="0" smtClean="0">
                 <a:latin typeface="Helvetica Neue Light" charset="0"/>
                 <a:ea typeface="Helvetica Neue Light" charset="0"/>
                 <a:cs typeface="Helvetica Neue Light" charset="0"/>
               </a:rPr>
-              <a:t>Type Checking</a:t>
-            </a:r>
-          </a:p>
-          <a:p>
+              <a:t>Data Model with </a:t>
+            </a:r>
             <a:r>
               <a:rPr lang="en-US" sz="3812" dirty="0" smtClean="0">
                 <a:latin typeface="Helvetica Neue Light" charset="0"/>
                 <a:ea typeface="Helvetica Neue Light" charset="0"/>
                 <a:cs typeface="Helvetica Neue Light" charset="0"/>
               </a:rPr>
-              <a:t>Aggregate Queries (includes TPC-H)</a:t>
-            </a:r>
-          </a:p>
-          <a:p>
+              <a:t>Objects</a:t>
+            </a:r>
+          </a:p>
+          <a:p>
+            <a:r>
+              <a:rPr lang="en-US" sz="3812" dirty="0">
+                <a:latin typeface="Helvetica Neue Light" charset="0"/>
+                <a:ea typeface="Helvetica Neue Light" charset="0"/>
+                <a:cs typeface="Helvetica Neue Light" charset="0"/>
+              </a:rPr>
+              <a:t>JSON </a:t>
+            </a:r>
             <a:r>
               <a:rPr lang="en-US" sz="3812" dirty="0" smtClean="0">
                 <a:latin typeface="Helvetica Neue Light" charset="0"/>
                 <a:ea typeface="Helvetica Neue Light" charset="0"/>
                 <a:cs typeface="Helvetica Neue Light" charset="0"/>
               </a:rPr>
-              <a:t>Configurable Optimizer</a:t>
-            </a:r>
-          </a:p>
-          <a:p>
+              <a:t>Support</a:t>
+            </a:r>
+            <a:endParaRPr lang="en-US" sz="3812" dirty="0" smtClean="0">
+              <a:latin typeface="Helvetica Neue Light" charset="0"/>
+              <a:ea typeface="Helvetica Neue Light" charset="0"/>
+              <a:cs typeface="Helvetica Neue Light" charset="0"/>
+            </a:endParaRPr>
+          </a:p>
+          <a:p>
+            <a:r>
+              <a:rPr lang="en-US" sz="3812" dirty="0">
+                <a:latin typeface="Helvetica Neue Light" charset="0"/>
+                <a:ea typeface="Helvetica Neue Light" charset="0"/>
+                <a:cs typeface="Helvetica Neue Light" charset="0"/>
+              </a:rPr>
+              <a:t>Aggregate Queries </a:t>
+            </a:r>
             <a:r>
               <a:rPr lang="en-US" sz="3812" dirty="0" smtClean="0">
                 <a:latin typeface="Helvetica Neue Light" charset="0"/>
                 <a:ea typeface="Helvetica Neue Light" charset="0"/>
                 <a:cs typeface="Helvetica Neue Light" charset="0"/>
               </a:rPr>
-              <a:t>External Types and Functions</a:t>
+              <a:t>(supports TPC-H</a:t>
+            </a:r>
+            <a:r>
+              <a:rPr lang="en-US" sz="3812" dirty="0">
+                <a:latin typeface="Helvetica Neue Light" charset="0"/>
+                <a:ea typeface="Helvetica Neue Light" charset="0"/>
+                <a:cs typeface="Helvetica Neue Light" charset="0"/>
+              </a:rPr>
+              <a:t>)</a:t>
             </a:r>
           </a:p>
           <a:p>
@@ -5480,9 +5700,43 @@
                 <a:ea typeface="Helvetica Neue Light" charset="0"/>
                 <a:cs typeface="Helvetica Neue Light" charset="0"/>
               </a:rPr>
-              <a:t>JSON Support</a:t>
-            </a:r>
-            <a:endParaRPr lang="en-US" sz="3812" dirty="0">
+              <a:t>Type </a:t>
+            </a:r>
+            <a:r>
+              <a:rPr lang="en-US" sz="3812" dirty="0" smtClean="0">
+                <a:latin typeface="Helvetica Neue Light" charset="0"/>
+                <a:ea typeface="Helvetica Neue Light" charset="0"/>
+                <a:cs typeface="Helvetica Neue Light" charset="0"/>
+              </a:rPr>
+              <a:t>Checking</a:t>
+            </a:r>
+          </a:p>
+          <a:p>
+            <a:r>
+              <a:rPr lang="en-US" sz="3812" dirty="0" smtClean="0">
+                <a:latin typeface="Helvetica Neue Light" charset="0"/>
+                <a:ea typeface="Helvetica Neue Light" charset="0"/>
+                <a:cs typeface="Helvetica Neue Light" charset="0"/>
+              </a:rPr>
+              <a:t>Foreign Types </a:t>
+            </a:r>
+            <a:r>
+              <a:rPr lang="en-US" sz="3812" dirty="0" smtClean="0">
+                <a:latin typeface="Helvetica Neue Light" charset="0"/>
+                <a:ea typeface="Helvetica Neue Light" charset="0"/>
+                <a:cs typeface="Helvetica Neue Light" charset="0"/>
+              </a:rPr>
+              <a:t>and </a:t>
+            </a:r>
+            <a:r>
+              <a:rPr lang="en-US" sz="3812" dirty="0" smtClean="0">
+                <a:latin typeface="Helvetica Neue Light" charset="0"/>
+                <a:ea typeface="Helvetica Neue Light" charset="0"/>
+                <a:cs typeface="Helvetica Neue Light" charset="0"/>
+              </a:rPr>
+              <a:t>Operations</a:t>
+            </a:r>
+            <a:endParaRPr lang="en-US" sz="3812" dirty="0" smtClean="0">
               <a:latin typeface="Helvetica Neue Light" charset="0"/>
               <a:ea typeface="Helvetica Neue Light" charset="0"/>
               <a:cs typeface="Helvetica Neue Light" charset="0"/>

--- a/docs/qcert-poster.pptx
+++ b/docs/qcert-poster.pptx
@@ -243,7 +243,7 @@
           <a:p>
             <a:fld id="{6D4E502F-106A-5644-822E-51330CCC29FE}" type="datetimeFigureOut">
               <a:rPr lang="en-US" smtClean="0"/>
-              <a:t>5/7/17</a:t>
+              <a:t>5/9/17</a:t>
             </a:fld>
             <a:endParaRPr lang="en-US" dirty="0"/>
           </a:p>
@@ -413,7 +413,7 @@
           <a:p>
             <a:fld id="{6D4E502F-106A-5644-822E-51330CCC29FE}" type="datetimeFigureOut">
               <a:rPr lang="en-US" smtClean="0"/>
-              <a:t>5/7/17</a:t>
+              <a:t>5/9/17</a:t>
             </a:fld>
             <a:endParaRPr lang="en-US" dirty="0"/>
           </a:p>
@@ -593,7 +593,7 @@
           <a:p>
             <a:fld id="{6D4E502F-106A-5644-822E-51330CCC29FE}" type="datetimeFigureOut">
               <a:rPr lang="en-US" smtClean="0"/>
-              <a:t>5/7/17</a:t>
+              <a:t>5/9/17</a:t>
             </a:fld>
             <a:endParaRPr lang="en-US" dirty="0"/>
           </a:p>
@@ -699,7 +699,7 @@
           <a:p>
             <a:fld id="{6D4E502F-106A-5644-822E-51330CCC29FE}" type="datetimeFigureOut">
               <a:rPr lang="en-US" smtClean="0"/>
-              <a:t>5/7/17</a:t>
+              <a:t>5/9/17</a:t>
             </a:fld>
             <a:endParaRPr lang="en-US" dirty="0"/>
           </a:p>
@@ -943,7 +943,7 @@
           <a:p>
             <a:fld id="{6D4E502F-106A-5644-822E-51330CCC29FE}" type="datetimeFigureOut">
               <a:rPr lang="en-US" smtClean="0"/>
-              <a:t>5/7/17</a:t>
+              <a:t>5/9/17</a:t>
             </a:fld>
             <a:endParaRPr lang="en-US" dirty="0"/>
           </a:p>
@@ -1175,7 +1175,7 @@
           <a:p>
             <a:fld id="{6D4E502F-106A-5644-822E-51330CCC29FE}" type="datetimeFigureOut">
               <a:rPr lang="en-US" smtClean="0"/>
-              <a:t>5/7/17</a:t>
+              <a:t>5/9/17</a:t>
             </a:fld>
             <a:endParaRPr lang="en-US" dirty="0"/>
           </a:p>
@@ -1542,7 +1542,7 @@
           <a:p>
             <a:fld id="{6D4E502F-106A-5644-822E-51330CCC29FE}" type="datetimeFigureOut">
               <a:rPr lang="en-US" smtClean="0"/>
-              <a:t>5/7/17</a:t>
+              <a:t>5/9/17</a:t>
             </a:fld>
             <a:endParaRPr lang="en-US" dirty="0"/>
           </a:p>
@@ -1660,7 +1660,7 @@
           <a:p>
             <a:fld id="{6D4E502F-106A-5644-822E-51330CCC29FE}" type="datetimeFigureOut">
               <a:rPr lang="en-US" smtClean="0"/>
-              <a:t>5/7/17</a:t>
+              <a:t>5/9/17</a:t>
             </a:fld>
             <a:endParaRPr lang="en-US" dirty="0"/>
           </a:p>
@@ -1755,7 +1755,7 @@
           <a:p>
             <a:fld id="{6D4E502F-106A-5644-822E-51330CCC29FE}" type="datetimeFigureOut">
               <a:rPr lang="en-US" smtClean="0"/>
-              <a:t>5/7/17</a:t>
+              <a:t>5/9/17</a:t>
             </a:fld>
             <a:endParaRPr lang="en-US" dirty="0"/>
           </a:p>
@@ -2032,7 +2032,7 @@
           <a:p>
             <a:fld id="{6D4E502F-106A-5644-822E-51330CCC29FE}" type="datetimeFigureOut">
               <a:rPr lang="en-US" smtClean="0"/>
-              <a:t>5/7/17</a:t>
+              <a:t>5/9/17</a:t>
             </a:fld>
             <a:endParaRPr lang="en-US" dirty="0"/>
           </a:p>
@@ -2289,7 +2289,7 @@
           <a:p>
             <a:fld id="{6D4E502F-106A-5644-822E-51330CCC29FE}" type="datetimeFigureOut">
               <a:rPr lang="en-US" smtClean="0"/>
-              <a:t>5/7/17</a:t>
+              <a:t>5/9/17</a:t>
             </a:fld>
             <a:endParaRPr lang="en-US" dirty="0"/>
           </a:p>
@@ -2502,7 +2502,7 @@
           <a:p>
             <a:fld id="{6D4E502F-106A-5644-822E-51330CCC29FE}" type="datetimeFigureOut">
               <a:rPr lang="en-US" smtClean="0"/>
-              <a:t>5/7/17</a:t>
+              <a:t>5/9/17</a:t>
             </a:fld>
             <a:endParaRPr lang="en-US" dirty="0"/>
           </a:p>
@@ -2949,9 +2949,9 @@
         </p:nvGrpSpPr>
         <p:grpSpPr>
           <a:xfrm>
-            <a:off x="-249353" y="5728446"/>
+            <a:off x="-214889" y="5728734"/>
             <a:ext cx="22517775" cy="2847196"/>
-            <a:chOff x="-1250366" y="8190535"/>
+            <a:chOff x="-1157838" y="8190535"/>
             <a:chExt cx="31900181" cy="3931921"/>
           </a:xfrm>
         </p:grpSpPr>
@@ -2963,7 +2963,7 @@
           </p:nvSpPr>
           <p:spPr>
             <a:xfrm>
-              <a:off x="-1250366" y="8190535"/>
+              <a:off x="-1157838" y="8190535"/>
               <a:ext cx="31900181" cy="3931921"/>
             </a:xfrm>
             <a:prstGeom prst="rect">
@@ -3007,8 +3007,8 @@
           </p:nvSpPr>
           <p:spPr>
             <a:xfrm>
-              <a:off x="9831411" y="8438131"/>
-              <a:ext cx="9457222" cy="3368035"/>
+              <a:off x="9630474" y="8433567"/>
+              <a:ext cx="9644006" cy="3368035"/>
             </a:xfrm>
             <a:prstGeom prst="rect">
               <a:avLst/>
@@ -3039,7 +3039,7 @@
                   <a:ea typeface="Consolas" charset="0"/>
                   <a:cs typeface="Consolas" charset="0"/>
                 </a:rPr>
-                <a:t>Challenges:</a:t>
+                <a:t>Applications:</a:t>
               </a:r>
               <a:endParaRPr lang="en-US" sz="3812" b="1" dirty="0">
                 <a:solidFill>
@@ -3059,7 +3059,7 @@
                   <a:ea typeface="Helvetica Neue Light" charset="0"/>
                   <a:cs typeface="Helvetica Neue Light" charset="0"/>
                 </a:rPr>
-                <a:t>Precise Language Semantics</a:t>
+                <a:t>New Languages (e.g., DSLs)</a:t>
               </a:r>
               <a:endParaRPr lang="en-US" sz="3812" dirty="0">
                 <a:latin typeface="Helvetica Neue Light" charset="0"/>
@@ -3074,16 +3074,13 @@
                   <a:ea typeface="Helvetica Neue Light" charset="0"/>
                   <a:cs typeface="Helvetica Neue Light" charset="0"/>
                 </a:rPr>
-                <a:t>Full Compilation </a:t>
+                <a:t>Designing New Optimizations</a:t>
               </a:r>
-              <a:r>
-                <a:rPr lang="en-US" sz="3812" dirty="0" smtClean="0">
-                  <a:latin typeface="Helvetica Neue Light" charset="0"/>
-                  <a:ea typeface="Helvetica Neue Light" charset="0"/>
-                  <a:cs typeface="Helvetica Neue Light" charset="0"/>
-                </a:rPr>
-                <a:t>Pipeline</a:t>
-              </a:r>
+              <a:endParaRPr lang="en-US" sz="3812" dirty="0" smtClean="0">
+                <a:latin typeface="Helvetica Neue Light" charset="0"/>
+                <a:ea typeface="Helvetica Neue Light" charset="0"/>
+                <a:cs typeface="Helvetica Neue Light" charset="0"/>
+              </a:endParaRPr>
             </a:p>
             <a:p>
               <a:r>
@@ -3092,8 +3089,13 @@
                   <a:ea typeface="Helvetica Neue Light" charset="0"/>
                   <a:cs typeface="Helvetica Neue Light" charset="0"/>
                 </a:rPr>
-                <a:t>Query Optimizer</a:t>
+                <a:t>Education Platform</a:t>
               </a:r>
+              <a:endParaRPr lang="en-US" sz="3812" dirty="0" smtClean="0">
+                <a:latin typeface="Helvetica Neue Light" charset="0"/>
+                <a:ea typeface="Helvetica Neue Light" charset="0"/>
+                <a:cs typeface="Helvetica Neue Light" charset="0"/>
+              </a:endParaRPr>
             </a:p>
           </p:txBody>
         </p:sp>
@@ -3105,8 +3107,8 @@
           </p:nvSpPr>
           <p:spPr>
             <a:xfrm>
-              <a:off x="19958828" y="8431584"/>
-              <a:ext cx="9741391" cy="3368035"/>
+              <a:off x="20005092" y="8431584"/>
+              <a:ext cx="9666910" cy="3368035"/>
             </a:xfrm>
             <a:prstGeom prst="rect">
               <a:avLst/>
@@ -3157,7 +3159,15 @@
                   <a:ea typeface="Helvetica Neue Light" charset="0"/>
                   <a:cs typeface="Helvetica Neue Light" charset="0"/>
                 </a:rPr>
-                <a:t>Formal Specification</a:t>
+                <a:t>Written in </a:t>
+              </a:r>
+              <a:r>
+                <a:rPr lang="en-US" sz="3812" dirty="0" smtClean="0">
+                  <a:latin typeface="Helvetica Neue Light" charset="0"/>
+                  <a:ea typeface="Helvetica Neue Light" charset="0"/>
+                  <a:cs typeface="Helvetica Neue Light" charset="0"/>
+                </a:rPr>
+                <a:t>Coq (Proof Assistant)</a:t>
               </a:r>
               <a:endParaRPr lang="en-US" sz="3812" dirty="0">
                 <a:latin typeface="Helvetica Neue Light" charset="0"/>
@@ -3172,15 +3182,7 @@
                   <a:ea typeface="Helvetica Neue Light" charset="0"/>
                   <a:cs typeface="Helvetica Neue Light" charset="0"/>
                 </a:rPr>
-                <a:t>Mechanized </a:t>
-              </a:r>
-              <a:r>
-                <a:rPr lang="en-US" sz="3812" dirty="0" smtClean="0">
-                  <a:latin typeface="Helvetica Neue Light" charset="0"/>
-                  <a:ea typeface="Helvetica Neue Light" charset="0"/>
-                  <a:cs typeface="Helvetica Neue Light" charset="0"/>
-                </a:rPr>
-                <a:t>Proof</a:t>
+                <a:t>Mechanized Correctness Proof</a:t>
               </a:r>
               <a:endParaRPr lang="en-US" sz="3812" dirty="0" smtClean="0">
                 <a:latin typeface="Helvetica Neue Light" charset="0"/>
@@ -3195,7 +3197,7 @@
                   <a:ea typeface="Helvetica Neue Light" charset="0"/>
                   <a:cs typeface="Helvetica Neue Light" charset="0"/>
                 </a:rPr>
-                <a:t>Code Extraction</a:t>
+                <a:t>Compiler Extraction</a:t>
               </a:r>
               <a:endParaRPr lang="en-US" sz="3812" dirty="0">
                 <a:latin typeface="Helvetica Neue Light" charset="0"/>
@@ -3213,8 +3215,8 @@
           </p:nvSpPr>
           <p:spPr>
             <a:xfrm>
-              <a:off x="-367215" y="8431584"/>
-              <a:ext cx="9528432" cy="3368035"/>
+              <a:off x="-274281" y="8431584"/>
+              <a:ext cx="9174143" cy="3368035"/>
             </a:xfrm>
             <a:prstGeom prst="rect">
               <a:avLst/>
@@ -3245,7 +3247,7 @@
                   <a:ea typeface="Consolas" charset="0"/>
                   <a:cs typeface="Consolas" charset="0"/>
                 </a:rPr>
-                <a:t>Benefits:</a:t>
+                <a:t>Goals:</a:t>
               </a:r>
               <a:endParaRPr lang="en-US" sz="3812" b="1" dirty="0">
                 <a:solidFill>
@@ -3265,7 +3267,7 @@
                   <a:ea typeface="Helvetica Neue Light" charset="0"/>
                   <a:cs typeface="Helvetica Neue Light" charset="0"/>
                 </a:rPr>
-                <a:t>Correctness guarantees</a:t>
+                <a:t>Verified Query Compiler</a:t>
               </a:r>
               <a:endParaRPr lang="en-US" sz="3812" dirty="0">
                 <a:latin typeface="Helvetica Neue Light" charset="0"/>
@@ -3280,8 +3282,13 @@
                   <a:ea typeface="Helvetica Neue Light" charset="0"/>
                   <a:cs typeface="Helvetica Neue Light" charset="0"/>
                 </a:rPr>
-                <a:t>New Languages (e.g., DSLs)</a:t>
+                <a:t>Multiple Sources &amp; Targets</a:t>
               </a:r>
+              <a:endParaRPr lang="en-US" sz="3812" dirty="0" smtClean="0">
+                <a:latin typeface="Helvetica Neue Light" charset="0"/>
+                <a:ea typeface="Helvetica Neue Light" charset="0"/>
+                <a:cs typeface="Helvetica Neue Light" charset="0"/>
+              </a:endParaRPr>
             </a:p>
             <a:p>
               <a:r>
@@ -3290,7 +3297,7 @@
                   <a:ea typeface="Helvetica Neue Light" charset="0"/>
                   <a:cs typeface="Helvetica Neue Light" charset="0"/>
                 </a:rPr>
-                <a:t>Educational Platform</a:t>
+                <a:t>Extensibility</a:t>
               </a:r>
               <a:endParaRPr lang="en-US" sz="3812" dirty="0">
                 <a:latin typeface="Helvetica Neue Light" charset="0"/>
@@ -3427,72 +3434,7 @@
                   <a:ea typeface="Consolas" charset="0"/>
                   <a:cs typeface="Consolas" charset="0"/>
                 </a:rPr>
-                <a:t>A </a:t>
-              </a:r>
-              <a:r>
-                <a:rPr lang="en-US" sz="5400" b="1" dirty="0" smtClean="0">
-                  <a:solidFill>
-                    <a:schemeClr val="accent5">
-                      <a:lumMod val="75000"/>
-                    </a:schemeClr>
-                  </a:solidFill>
-                  <a:latin typeface="Consolas" charset="0"/>
-                  <a:ea typeface="Consolas" charset="0"/>
-                  <a:cs typeface="Consolas" charset="0"/>
-                </a:rPr>
-                <a:t>Platform </a:t>
-              </a:r>
-              <a:r>
-                <a:rPr lang="en-US" sz="5400" b="1" dirty="0" smtClean="0">
-                  <a:solidFill>
-                    <a:schemeClr val="accent5">
-                      <a:lumMod val="75000"/>
-                    </a:schemeClr>
-                  </a:solidFill>
-                  <a:latin typeface="Consolas" charset="0"/>
-                  <a:ea typeface="Consolas" charset="0"/>
-                  <a:cs typeface="Consolas" charset="0"/>
-                </a:rPr>
-                <a:t>for </a:t>
-              </a:r>
-              <a:r>
-                <a:rPr lang="en-US" sz="5400" b="1" dirty="0" smtClean="0">
-                  <a:solidFill>
-                    <a:schemeClr val="accent5">
-                      <a:lumMod val="75000"/>
-                    </a:schemeClr>
-                  </a:solidFill>
-                  <a:latin typeface="Consolas" charset="0"/>
-                  <a:ea typeface="Consolas" charset="0"/>
-                  <a:cs typeface="Consolas" charset="0"/>
-                </a:rPr>
-                <a:t>Specifying </a:t>
-              </a:r>
-              <a:r>
-                <a:rPr lang="en-US" sz="5400" b="1" dirty="0" smtClean="0">
-                  <a:solidFill>
-                    <a:schemeClr val="accent5">
-                      <a:lumMod val="75000"/>
-                    </a:schemeClr>
-                  </a:solidFill>
-                  <a:latin typeface="Consolas" charset="0"/>
-                  <a:ea typeface="Consolas" charset="0"/>
-                  <a:cs typeface="Consolas" charset="0"/>
-                </a:rPr>
-                <a:t>and </a:t>
-              </a:r>
-              <a:r>
-                <a:rPr lang="en-US" sz="5400" b="1" dirty="0" smtClean="0">
-                  <a:solidFill>
-                    <a:schemeClr val="accent5">
-                      <a:lumMod val="75000"/>
-                    </a:schemeClr>
-                  </a:solidFill>
-                  <a:latin typeface="Consolas" charset="0"/>
-                  <a:ea typeface="Consolas" charset="0"/>
-                  <a:cs typeface="Consolas" charset="0"/>
-                </a:rPr>
-                <a:t>Verifying </a:t>
+                <a:t>A Platform for Specifying and Verifying </a:t>
               </a:r>
               <a:r>
                 <a:rPr lang="en-US" sz="5400" b="1" dirty="0">
@@ -3546,16 +3488,6 @@
                 </a:rPr>
                 <a:t>ompilers</a:t>
               </a:r>
-              <a:endParaRPr lang="en-US" sz="5400" b="1" dirty="0" smtClean="0">
-                <a:solidFill>
-                  <a:schemeClr val="accent5">
-                    <a:lumMod val="75000"/>
-                  </a:schemeClr>
-                </a:solidFill>
-                <a:latin typeface="Consolas" charset="0"/>
-                <a:ea typeface="Consolas" charset="0"/>
-                <a:cs typeface="Consolas" charset="0"/>
-              </a:endParaRPr>
             </a:p>
             <a:p>
               <a:pPr algn="ctr"/>
@@ -5625,23 +5557,7 @@
                 <a:ea typeface="Helvetica Neue Light" charset="0"/>
                 <a:cs typeface="Helvetica Neue Light" charset="0"/>
               </a:rPr>
-              <a:t>Nested </a:t>
-            </a:r>
-            <a:r>
-              <a:rPr lang="en-US" sz="3812" dirty="0" smtClean="0">
-                <a:latin typeface="Helvetica Neue Light" charset="0"/>
-                <a:ea typeface="Helvetica Neue Light" charset="0"/>
-                <a:cs typeface="Helvetica Neue Light" charset="0"/>
-              </a:rPr>
-              <a:t>Data Model with </a:t>
-            </a:r>
-            <a:r>
-              <a:rPr lang="en-US" sz="3812" dirty="0" smtClean="0">
-                <a:latin typeface="Helvetica Neue Light" charset="0"/>
-                <a:ea typeface="Helvetica Neue Light" charset="0"/>
-                <a:cs typeface="Helvetica Neue Light" charset="0"/>
-              </a:rPr>
-              <a:t>Objects</a:t>
+              <a:t>Nested Data Model with Objects</a:t>
             </a:r>
           </a:p>
           <a:p>
@@ -5661,11 +5577,6 @@
               </a:rPr>
               <a:t>Support</a:t>
             </a:r>
-            <a:endParaRPr lang="en-US" sz="3812" dirty="0" smtClean="0">
-              <a:latin typeface="Helvetica Neue Light" charset="0"/>
-              <a:ea typeface="Helvetica Neue Light" charset="0"/>
-              <a:cs typeface="Helvetica Neue Light" charset="0"/>
-            </a:endParaRPr>
           </a:p>
           <a:p>
             <a:r>
@@ -5700,47 +5611,18 @@
                 <a:ea typeface="Helvetica Neue Light" charset="0"/>
                 <a:cs typeface="Helvetica Neue Light" charset="0"/>
               </a:rPr>
-              <a:t>Type </a:t>
-            </a:r>
+              <a:t>Type Checking</a:t>
+            </a:r>
+          </a:p>
+          <a:p>
             <a:r>
               <a:rPr lang="en-US" sz="3812" dirty="0" smtClean="0">
                 <a:latin typeface="Helvetica Neue Light" charset="0"/>
                 <a:ea typeface="Helvetica Neue Light" charset="0"/>
                 <a:cs typeface="Helvetica Neue Light" charset="0"/>
               </a:rPr>
-              <a:t>Checking</a:t>
-            </a:r>
-          </a:p>
-          <a:p>
-            <a:r>
-              <a:rPr lang="en-US" sz="3812" dirty="0" smtClean="0">
-                <a:latin typeface="Helvetica Neue Light" charset="0"/>
-                <a:ea typeface="Helvetica Neue Light" charset="0"/>
-                <a:cs typeface="Helvetica Neue Light" charset="0"/>
-              </a:rPr>
-              <a:t>Foreign Types </a:t>
-            </a:r>
-            <a:r>
-              <a:rPr lang="en-US" sz="3812" dirty="0" smtClean="0">
-                <a:latin typeface="Helvetica Neue Light" charset="0"/>
-                <a:ea typeface="Helvetica Neue Light" charset="0"/>
-                <a:cs typeface="Helvetica Neue Light" charset="0"/>
-              </a:rPr>
-              <a:t>and </a:t>
-            </a:r>
-            <a:r>
-              <a:rPr lang="en-US" sz="3812" dirty="0" smtClean="0">
-                <a:latin typeface="Helvetica Neue Light" charset="0"/>
-                <a:ea typeface="Helvetica Neue Light" charset="0"/>
-                <a:cs typeface="Helvetica Neue Light" charset="0"/>
-              </a:rPr>
-              <a:t>Operations</a:t>
-            </a:r>
-            <a:endParaRPr lang="en-US" sz="3812" dirty="0" smtClean="0">
-              <a:latin typeface="Helvetica Neue Light" charset="0"/>
-              <a:ea typeface="Helvetica Neue Light" charset="0"/>
-              <a:cs typeface="Helvetica Neue Light" charset="0"/>
-            </a:endParaRPr>
+              <a:t>Foreign Types and Operations</a:t>
+            </a:r>
           </a:p>
         </p:txBody>
       </p:sp>

--- a/docs/qcert-poster.pptx
+++ b/docs/qcert-poster.pptx
@@ -3076,11 +3076,6 @@
                 </a:rPr>
                 <a:t>Designing New Optimizations</a:t>
               </a:r>
-              <a:endParaRPr lang="en-US" sz="3812" dirty="0" smtClean="0">
-                <a:latin typeface="Helvetica Neue Light" charset="0"/>
-                <a:ea typeface="Helvetica Neue Light" charset="0"/>
-                <a:cs typeface="Helvetica Neue Light" charset="0"/>
-              </a:endParaRPr>
             </a:p>
             <a:p>
               <a:r>
@@ -3091,11 +3086,6 @@
                 </a:rPr>
                 <a:t>Education Platform</a:t>
               </a:r>
-              <a:endParaRPr lang="en-US" sz="3812" dirty="0" smtClean="0">
-                <a:latin typeface="Helvetica Neue Light" charset="0"/>
-                <a:ea typeface="Helvetica Neue Light" charset="0"/>
-                <a:cs typeface="Helvetica Neue Light" charset="0"/>
-              </a:endParaRPr>
             </a:p>
           </p:txBody>
         </p:sp>
@@ -3159,15 +3149,7 @@
                   <a:ea typeface="Helvetica Neue Light" charset="0"/>
                   <a:cs typeface="Helvetica Neue Light" charset="0"/>
                 </a:rPr>
-                <a:t>Written in </a:t>
-              </a:r>
-              <a:r>
-                <a:rPr lang="en-US" sz="3812" dirty="0" smtClean="0">
-                  <a:latin typeface="Helvetica Neue Light" charset="0"/>
-                  <a:ea typeface="Helvetica Neue Light" charset="0"/>
-                  <a:cs typeface="Helvetica Neue Light" charset="0"/>
-                </a:rPr>
-                <a:t>Coq (Proof Assistant)</a:t>
+                <a:t>Written in Coq (Proof Assistant)</a:t>
               </a:r>
               <a:endParaRPr lang="en-US" sz="3812" dirty="0">
                 <a:latin typeface="Helvetica Neue Light" charset="0"/>
@@ -3184,11 +3166,6 @@
                 </a:rPr>
                 <a:t>Mechanized Correctness Proof</a:t>
               </a:r>
-              <a:endParaRPr lang="en-US" sz="3812" dirty="0" smtClean="0">
-                <a:latin typeface="Helvetica Neue Light" charset="0"/>
-                <a:ea typeface="Helvetica Neue Light" charset="0"/>
-                <a:cs typeface="Helvetica Neue Light" charset="0"/>
-              </a:endParaRPr>
             </a:p>
             <a:p>
               <a:r>
@@ -3284,11 +3261,6 @@
                 </a:rPr>
                 <a:t>Multiple Sources &amp; Targets</a:t>
               </a:r>
-              <a:endParaRPr lang="en-US" sz="3812" dirty="0" smtClean="0">
-                <a:latin typeface="Helvetica Neue Light" charset="0"/>
-                <a:ea typeface="Helvetica Neue Light" charset="0"/>
-                <a:cs typeface="Helvetica Neue Light" charset="0"/>
-              </a:endParaRPr>
             </a:p>
             <a:p>
               <a:r>
@@ -3316,10 +3288,10 @@
         </p:nvGrpSpPr>
         <p:grpSpPr>
           <a:xfrm>
-            <a:off x="-151381" y="-31457"/>
-            <a:ext cx="22517775" cy="5742082"/>
-            <a:chOff x="-211748" y="1669127"/>
-            <a:chExt cx="22517775" cy="5742082"/>
+            <a:off x="-151381" y="131828"/>
+            <a:ext cx="22517775" cy="5644111"/>
+            <a:chOff x="-211748" y="1767098"/>
+            <a:chExt cx="22517775" cy="5644111"/>
           </a:xfrm>
         </p:grpSpPr>
         <p:pic>
@@ -3344,7 +3316,7 @@
           </p:blipFill>
           <p:spPr>
             <a:xfrm>
-              <a:off x="458685" y="1669127"/>
+              <a:off x="654627" y="1767098"/>
               <a:ext cx="3138911" cy="3138911"/>
             </a:xfrm>
             <a:prstGeom prst="rect">
@@ -3657,7 +3629,7 @@
         </p:blipFill>
         <p:spPr>
           <a:xfrm>
-            <a:off x="475589" y="31439352"/>
+            <a:off x="475589" y="31308724"/>
             <a:ext cx="6802969" cy="1103757"/>
           </a:xfrm>
           <a:prstGeom prst="rect">
@@ -3673,7 +3645,7 @@
         </p:nvSpPr>
         <p:spPr>
           <a:xfrm>
-            <a:off x="8132623" y="688276"/>
+            <a:off x="8132623" y="753590"/>
             <a:ext cx="5272057" cy="1815882"/>
           </a:xfrm>
           <a:prstGeom prst="rect">
@@ -5306,7 +5278,7 @@
         </p:nvSpPr>
         <p:spPr>
           <a:xfrm>
-            <a:off x="11948783" y="31712112"/>
+            <a:off x="11948783" y="31581484"/>
             <a:ext cx="9694732" cy="830997"/>
           </a:xfrm>
           <a:prstGeom prst="rect">
@@ -5486,7 +5458,7 @@
         </p:blipFill>
         <p:spPr>
           <a:xfrm>
-            <a:off x="12974726" y="27141640"/>
+            <a:off x="12974726" y="27011012"/>
             <a:ext cx="7840496" cy="4072751"/>
           </a:xfrm>
           <a:prstGeom prst="rect">
@@ -5502,7 +5474,7 @@
         </p:nvSpPr>
         <p:spPr>
           <a:xfrm>
-            <a:off x="1503647" y="26752446"/>
+            <a:off x="1503647" y="26621818"/>
             <a:ext cx="10195982" cy="4198778"/>
           </a:xfrm>
           <a:prstGeom prst="rect">
@@ -5634,7 +5606,7 @@
         </p:nvSpPr>
         <p:spPr>
           <a:xfrm>
-            <a:off x="12974727" y="26494852"/>
+            <a:off x="12974727" y="26364224"/>
             <a:ext cx="7840496" cy="666229"/>
           </a:xfrm>
           <a:prstGeom prst="rect">
